--- a/US_Product_System_Design.pptx
+++ b/US_Product_System_Design.pptx
@@ -16,9 +16,9 @@
     <p:sldId id="323" r:id="rId10"/>
     <p:sldId id="332" r:id="rId11"/>
     <p:sldId id="325" r:id="rId12"/>
-    <p:sldId id="333" r:id="rId13"/>
-    <p:sldId id="324" r:id="rId14"/>
-    <p:sldId id="326" r:id="rId15"/>
+    <p:sldId id="326" r:id="rId13"/>
+    <p:sldId id="333" r:id="rId14"/>
+    <p:sldId id="324" r:id="rId15"/>
     <p:sldId id="329" r:id="rId16"/>
     <p:sldId id="280" r:id="rId17"/>
   </p:sldIdLst>
@@ -2191,7 +2191,7 @@
           <p:nvPr>
             <p:extLst>
               <p:ext uri="{D42A27DB-BD31-4B8C-83A1-F6EECF244321}">
-                <p14:modId xmlns:p14="http://schemas.microsoft.com/office/powerpoint/2010/main" val="2444938057"/>
+                <p14:modId xmlns:p14="http://schemas.microsoft.com/office/powerpoint/2010/main" val="2358921686"/>
               </p:ext>
             </p:extLst>
           </p:nvPr>
@@ -2774,7 +2774,7 @@
                     <a:p>
                       <a:pPr algn="ctr"/>
                       <a:r>
-                        <a:rPr lang="en-US" altLang="zh-CN" sz="1400" dirty="0" smtClean="0">
+                        <a:rPr lang="en-US" altLang="zh-CN" sz="1400" smtClean="0">
                           <a:latin typeface="黑体" panose="02010609060101010101" pitchFamily="49" charset="-122"/>
                           <a:ea typeface="黑体" panose="02010609060101010101" pitchFamily="49" charset="-122"/>
                         </a:rPr>
@@ -3013,6 +3013,41 @@
           </a:p>
         </p:txBody>
       </p:sp>
+      <p:cxnSp>
+        <p:nvCxnSpPr>
+          <p:cNvPr id="5" name="直接连接符 4"/>
+          <p:cNvCxnSpPr/>
+          <p:nvPr/>
+        </p:nvCxnSpPr>
+        <p:spPr>
+          <a:xfrm>
+            <a:off x="10326000" y="5049000"/>
+            <a:ext cx="315000" cy="0"/>
+          </a:xfrm>
+          <a:prstGeom prst="line">
+            <a:avLst/>
+          </a:prstGeom>
+          <a:ln w="38100">
+            <a:solidFill>
+              <a:schemeClr val="tx1"/>
+            </a:solidFill>
+          </a:ln>
+        </p:spPr>
+        <p:style>
+          <a:lnRef idx="1">
+            <a:schemeClr val="accent1"/>
+          </a:lnRef>
+          <a:fillRef idx="0">
+            <a:schemeClr val="accent1"/>
+          </a:fillRef>
+          <a:effectRef idx="0">
+            <a:schemeClr val="accent1"/>
+          </a:effectRef>
+          <a:fontRef idx="minor">
+            <a:schemeClr val="tx1"/>
+          </a:fontRef>
+        </p:style>
+      </p:cxnSp>
     </p:spTree>
     <p:extLst>
       <p:ext uri="{BB962C8B-B14F-4D97-AF65-F5344CB8AC3E}">
@@ -5700,4815 +5735,6 @@
           <a:p>
             <a:r>
               <a:rPr lang="en-US" altLang="zh-CN" dirty="0"/>
-              <a:t>1*180kW Power Cabinet + </a:t>
-            </a:r>
-            <a:r>
-              <a:rPr lang="en-US" altLang="zh-CN" dirty="0" smtClean="0"/>
-              <a:t>3*Dispenser</a:t>
-            </a:r>
-            <a:r>
-              <a:rPr lang="zh-CN" altLang="en-US" dirty="0" smtClean="0"/>
-              <a:t>（</a:t>
-            </a:r>
-            <a:r>
-              <a:rPr lang="en-US" altLang="zh-CN" dirty="0" smtClean="0"/>
-              <a:t>6*125A </a:t>
-            </a:r>
-            <a:r>
-              <a:rPr lang="en-US" altLang="zh-CN" dirty="0"/>
-              <a:t>Plug</a:t>
-            </a:r>
-            <a:r>
-              <a:rPr lang="zh-CN" altLang="en-US" dirty="0"/>
-              <a:t>）</a:t>
-            </a:r>
-            <a:endParaRPr lang="en-US" altLang="zh-CN" sz="1800" dirty="0">
-              <a:latin typeface="Times New Roman" panose="02020603050405020304" pitchFamily="18" charset="0"/>
-            </a:endParaRPr>
-          </a:p>
-        </p:txBody>
-      </p:sp>
-      <p:sp>
-        <p:nvSpPr>
-          <p:cNvPr id="4" name="矩形 3"/>
-          <p:cNvSpPr/>
-          <p:nvPr/>
-        </p:nvSpPr>
-        <p:spPr>
-          <a:xfrm>
-            <a:off x="145745" y="819000"/>
-            <a:ext cx="9944999" cy="2115000"/>
-          </a:xfrm>
-          <a:prstGeom prst="rect">
-            <a:avLst/>
-          </a:prstGeom>
-          <a:solidFill>
-            <a:schemeClr val="accent5">
-              <a:lumMod val="60000"/>
-              <a:lumOff val="40000"/>
-              <a:alpha val="25000"/>
-            </a:schemeClr>
-          </a:solidFill>
-          <a:ln w="28575">
-            <a:solidFill>
-              <a:schemeClr val="tx1"/>
-            </a:solidFill>
-            <a:prstDash val="dash"/>
-          </a:ln>
-        </p:spPr>
-        <p:style>
-          <a:lnRef idx="2">
-            <a:schemeClr val="accent1">
-              <a:shade val="50000"/>
-            </a:schemeClr>
-          </a:lnRef>
-          <a:fillRef idx="1">
-            <a:schemeClr val="accent1"/>
-          </a:fillRef>
-          <a:effectRef idx="0">
-            <a:schemeClr val="accent1"/>
-          </a:effectRef>
-          <a:fontRef idx="minor">
-            <a:schemeClr val="lt1"/>
-          </a:fontRef>
-        </p:style>
-        <p:txBody>
-          <a:bodyPr rtlCol="0" anchor="ctr"/>
-          <a:lstStyle/>
-          <a:p>
-            <a:pPr marL="285750" indent="-285750" algn="l">
-              <a:lnSpc>
-                <a:spcPct val="150000"/>
-              </a:lnSpc>
-              <a:buClr>
-                <a:srgbClr val="C00000"/>
-              </a:buClr>
-              <a:buFont typeface="Wingdings" pitchFamily="2" charset="2"/>
-              <a:buChar char="ü"/>
-            </a:pPr>
-            <a:endParaRPr lang="zh-CN" altLang="en-US" sz="1200" b="1" dirty="0">
-              <a:solidFill>
-                <a:schemeClr val="tx2"/>
-              </a:solidFill>
-              <a:latin typeface="Times New Roman" panose="02020603050405020304" pitchFamily="18" charset="0"/>
-              <a:cs typeface="Times New Roman" panose="02020603050405020304" pitchFamily="18" charset="0"/>
-            </a:endParaRPr>
-          </a:p>
-        </p:txBody>
-      </p:sp>
-      <p:sp>
-        <p:nvSpPr>
-          <p:cNvPr id="5" name="矩形 4"/>
-          <p:cNvSpPr/>
-          <p:nvPr/>
-        </p:nvSpPr>
-        <p:spPr>
-          <a:xfrm>
-            <a:off x="3755999" y="926847"/>
-            <a:ext cx="2025001" cy="1147202"/>
-          </a:xfrm>
-          <a:prstGeom prst="rect">
-            <a:avLst/>
-          </a:prstGeom>
-          <a:solidFill>
-            <a:srgbClr val="000000">
-              <a:alpha val="25000"/>
-            </a:srgbClr>
-          </a:solidFill>
-          <a:ln w="19050">
-            <a:solidFill>
-              <a:schemeClr val="tx1">
-                <a:lumMod val="50000"/>
-                <a:lumOff val="50000"/>
-              </a:schemeClr>
-            </a:solidFill>
-            <a:prstDash val="sysDash"/>
-          </a:ln>
-        </p:spPr>
-        <p:style>
-          <a:lnRef idx="2">
-            <a:schemeClr val="accent1">
-              <a:shade val="50000"/>
-            </a:schemeClr>
-          </a:lnRef>
-          <a:fillRef idx="1">
-            <a:schemeClr val="accent1"/>
-          </a:fillRef>
-          <a:effectRef idx="0">
-            <a:schemeClr val="accent1"/>
-          </a:effectRef>
-          <a:fontRef idx="minor">
-            <a:schemeClr val="lt1"/>
-          </a:fontRef>
-        </p:style>
-        <p:txBody>
-          <a:bodyPr rtlCol="0" anchor="ctr"/>
-          <a:lstStyle/>
-          <a:p>
-            <a:pPr marL="285750" indent="-285750" algn="l">
-              <a:lnSpc>
-                <a:spcPct val="150000"/>
-              </a:lnSpc>
-              <a:buClr>
-                <a:srgbClr val="C00000"/>
-              </a:buClr>
-              <a:buFont typeface="Wingdings" pitchFamily="2" charset="2"/>
-              <a:buChar char="ü"/>
-            </a:pPr>
-            <a:endParaRPr lang="zh-CN" altLang="en-US" sz="1200" b="1" dirty="0">
-              <a:solidFill>
-                <a:schemeClr val="tx2"/>
-              </a:solidFill>
-              <a:latin typeface="Times New Roman" panose="02020603050405020304" pitchFamily="18" charset="0"/>
-              <a:cs typeface="Times New Roman" panose="02020603050405020304" pitchFamily="18" charset="0"/>
-            </a:endParaRPr>
-          </a:p>
-        </p:txBody>
-      </p:sp>
-      <p:sp>
-        <p:nvSpPr>
-          <p:cNvPr id="6" name="矩形 5"/>
-          <p:cNvSpPr/>
-          <p:nvPr/>
-        </p:nvSpPr>
-        <p:spPr>
-          <a:xfrm>
-            <a:off x="4318499" y="1714049"/>
-            <a:ext cx="900000" cy="415498"/>
-          </a:xfrm>
-          <a:prstGeom prst="rect">
-            <a:avLst/>
-          </a:prstGeom>
-        </p:spPr>
-        <p:txBody>
-          <a:bodyPr wrap="square">
-            <a:spAutoFit/>
-          </a:bodyPr>
-          <a:lstStyle/>
-          <a:p>
-            <a:pPr>
-              <a:lnSpc>
-                <a:spcPct val="150000"/>
-              </a:lnSpc>
-            </a:pPr>
-            <a:r>
-              <a:rPr lang="en-US" altLang="zh-CN" sz="1400" b="1" dirty="0" smtClean="0">
-                <a:latin typeface="Times New Roman" panose="02020603050405020304" pitchFamily="18" charset="0"/>
-                <a:ea typeface="黑体" panose="02010609060101010101" pitchFamily="49" charset="-122"/>
-                <a:cs typeface="Times New Roman" panose="02020603050405020304" pitchFamily="18" charset="0"/>
-              </a:rPr>
-              <a:t>Reserved</a:t>
-            </a:r>
-            <a:endParaRPr lang="en-US" altLang="zh-CN" sz="1400" i="1" dirty="0">
-              <a:latin typeface="Times New Roman" panose="02020603050405020304" pitchFamily="18" charset="0"/>
-              <a:ea typeface="黑体" panose="02010609060101010101" pitchFamily="49" charset="-122"/>
-              <a:cs typeface="Times New Roman" panose="02020603050405020304" pitchFamily="18" charset="0"/>
-            </a:endParaRPr>
-          </a:p>
-        </p:txBody>
-      </p:sp>
-      <p:graphicFrame>
-        <p:nvGraphicFramePr>
-          <p:cNvPr id="11" name="表格 10"/>
-          <p:cNvGraphicFramePr>
-            <a:graphicFrameLocks noGrp="1"/>
-          </p:cNvGraphicFramePr>
-          <p:nvPr>
-            <p:extLst>
-              <p:ext uri="{D42A27DB-BD31-4B8C-83A1-F6EECF244321}">
-                <p14:modId xmlns:p14="http://schemas.microsoft.com/office/powerpoint/2010/main" val="3879763611"/>
-              </p:ext>
-            </p:extLst>
-          </p:nvPr>
-        </p:nvGraphicFramePr>
-        <p:xfrm>
-          <a:off x="2264878" y="5108258"/>
-          <a:ext cx="7120814" cy="725887"/>
-        </p:xfrm>
-        <a:graphic>
-          <a:graphicData uri="http://schemas.openxmlformats.org/drawingml/2006/table">
-            <a:tbl>
-              <a:tblPr firstRow="1" bandRow="1">
-                <a:tableStyleId>{21E4AEA4-8DFA-4A89-87EB-49C32662AFE0}</a:tableStyleId>
-              </a:tblPr>
-              <a:tblGrid>
-                <a:gridCol w="968930">
-                  <a:extLst>
-                    <a:ext uri="{9D8B030D-6E8A-4147-A177-3AD203B41FA5}">
-                      <a16:colId xmlns:a16="http://schemas.microsoft.com/office/drawing/2014/main" val="2533179539"/>
-                    </a:ext>
-                  </a:extLst>
-                </a:gridCol>
-                <a:gridCol w="1025314">
-                  <a:extLst>
-                    <a:ext uri="{9D8B030D-6E8A-4147-A177-3AD203B41FA5}">
-                      <a16:colId xmlns:a16="http://schemas.microsoft.com/office/drawing/2014/main" val="1056291638"/>
-                    </a:ext>
-                  </a:extLst>
-                </a:gridCol>
-                <a:gridCol w="1025314">
-                  <a:extLst>
-                    <a:ext uri="{9D8B030D-6E8A-4147-A177-3AD203B41FA5}">
-                      <a16:colId xmlns:a16="http://schemas.microsoft.com/office/drawing/2014/main" val="2677758524"/>
-                    </a:ext>
-                  </a:extLst>
-                </a:gridCol>
-                <a:gridCol w="1025314">
-                  <a:extLst>
-                    <a:ext uri="{9D8B030D-6E8A-4147-A177-3AD203B41FA5}">
-                      <a16:colId xmlns:a16="http://schemas.microsoft.com/office/drawing/2014/main" val="2709018504"/>
-                    </a:ext>
-                  </a:extLst>
-                </a:gridCol>
-                <a:gridCol w="1025314">
-                  <a:extLst>
-                    <a:ext uri="{9D8B030D-6E8A-4147-A177-3AD203B41FA5}">
-                      <a16:colId xmlns:a16="http://schemas.microsoft.com/office/drawing/2014/main" val="1919259312"/>
-                    </a:ext>
-                  </a:extLst>
-                </a:gridCol>
-                <a:gridCol w="1025314">
-                  <a:extLst>
-                    <a:ext uri="{9D8B030D-6E8A-4147-A177-3AD203B41FA5}">
-                      <a16:colId xmlns:a16="http://schemas.microsoft.com/office/drawing/2014/main" val="4206397505"/>
-                    </a:ext>
-                  </a:extLst>
-                </a:gridCol>
-                <a:gridCol w="1025314">
-                  <a:extLst>
-                    <a:ext uri="{9D8B030D-6E8A-4147-A177-3AD203B41FA5}">
-                      <a16:colId xmlns:a16="http://schemas.microsoft.com/office/drawing/2014/main" val="1113178328"/>
-                    </a:ext>
-                  </a:extLst>
-                </a:gridCol>
-              </a:tblGrid>
-              <a:tr h="360000">
-                <a:tc>
-                  <a:txBody>
-                    <a:bodyPr/>
-                    <a:lstStyle/>
-                    <a:p>
-                      <a:pPr algn="ctr"/>
-                      <a:r>
-                        <a:rPr lang="en-US" altLang="zh-CN" sz="1400" dirty="0" smtClean="0">
-                          <a:solidFill>
-                            <a:schemeClr val="tx1"/>
-                          </a:solidFill>
-                          <a:latin typeface="黑体" panose="02010609060101010101" pitchFamily="49" charset="-122"/>
-                          <a:ea typeface="黑体" panose="02010609060101010101" pitchFamily="49" charset="-122"/>
-                        </a:rPr>
-                        <a:t>Type </a:t>
-                      </a:r>
-                      <a:endParaRPr lang="zh-CN" altLang="en-US" sz="1400" dirty="0">
-                        <a:solidFill>
-                          <a:schemeClr val="tx1"/>
-                        </a:solidFill>
-                        <a:latin typeface="黑体" panose="02010609060101010101" pitchFamily="49" charset="-122"/>
-                        <a:ea typeface="黑体" panose="02010609060101010101" pitchFamily="49" charset="-122"/>
-                      </a:endParaRPr>
-                    </a:p>
-                  </a:txBody>
-                  <a:tcPr>
-                    <a:lnL w="12700" cap="flat" cmpd="sng" algn="ctr">
-                      <a:solidFill>
-                        <a:schemeClr val="tx1"/>
-                      </a:solidFill>
-                      <a:prstDash val="solid"/>
-                      <a:round/>
-                      <a:headEnd type="none" w="med" len="med"/>
-                      <a:tailEnd type="none" w="med" len="med"/>
-                    </a:lnL>
-                    <a:lnR w="12700" cap="flat" cmpd="sng" algn="ctr">
-                      <a:solidFill>
-                        <a:schemeClr val="tx1"/>
-                      </a:solidFill>
-                      <a:prstDash val="solid"/>
-                      <a:round/>
-                      <a:headEnd type="none" w="med" len="med"/>
-                      <a:tailEnd type="none" w="med" len="med"/>
-                    </a:lnR>
-                    <a:lnT w="12700" cap="flat" cmpd="sng" algn="ctr">
-                      <a:solidFill>
-                        <a:schemeClr val="tx1"/>
-                      </a:solidFill>
-                      <a:prstDash val="solid"/>
-                      <a:round/>
-                      <a:headEnd type="none" w="med" len="med"/>
-                      <a:tailEnd type="none" w="med" len="med"/>
-                    </a:lnT>
-                    <a:lnB w="12700" cap="flat" cmpd="sng" algn="ctr">
-                      <a:solidFill>
-                        <a:schemeClr val="tx1"/>
-                      </a:solidFill>
-                      <a:prstDash val="solid"/>
-                      <a:round/>
-                      <a:headEnd type="none" w="med" len="med"/>
-                      <a:tailEnd type="none" w="med" len="med"/>
-                    </a:lnB>
-                    <a:lnTlToBr w="12700" cmpd="sng">
-                      <a:noFill/>
-                      <a:prstDash val="solid"/>
-                    </a:lnTlToBr>
-                    <a:lnBlToTr w="12700" cmpd="sng">
-                      <a:noFill/>
-                      <a:prstDash val="solid"/>
-                    </a:lnBlToTr>
-                  </a:tcPr>
-                </a:tc>
-                <a:tc>
-                  <a:txBody>
-                    <a:bodyPr/>
-                    <a:lstStyle/>
-                    <a:p>
-                      <a:pPr algn="ctr"/>
-                      <a:r>
-                        <a:rPr lang="en-US" altLang="zh-CN" sz="1400" dirty="0" smtClean="0">
-                          <a:solidFill>
-                            <a:schemeClr val="tx1"/>
-                          </a:solidFill>
-                          <a:latin typeface="黑体" panose="02010609060101010101" pitchFamily="49" charset="-122"/>
-                          <a:ea typeface="黑体" panose="02010609060101010101" pitchFamily="49" charset="-122"/>
-                        </a:rPr>
-                        <a:t>1#-</a:t>
-                      </a:r>
-                      <a:r>
-                        <a:rPr lang="en-US" altLang="zh-CN" sz="1400" dirty="0" err="1" smtClean="0">
-                          <a:solidFill>
-                            <a:schemeClr val="tx1"/>
-                          </a:solidFill>
-                          <a:latin typeface="黑体" panose="02010609060101010101" pitchFamily="49" charset="-122"/>
-                          <a:ea typeface="黑体" panose="02010609060101010101" pitchFamily="49" charset="-122"/>
-                        </a:rPr>
-                        <a:t>Lmax</a:t>
-                      </a:r>
-                      <a:endParaRPr lang="zh-CN" altLang="en-US" sz="1400" dirty="0">
-                        <a:solidFill>
-                          <a:schemeClr val="tx1"/>
-                        </a:solidFill>
-                        <a:latin typeface="黑体" panose="02010609060101010101" pitchFamily="49" charset="-122"/>
-                        <a:ea typeface="黑体" panose="02010609060101010101" pitchFamily="49" charset="-122"/>
-                      </a:endParaRPr>
-                    </a:p>
-                  </a:txBody>
-                  <a:tcPr>
-                    <a:lnL w="12700" cap="flat" cmpd="sng" algn="ctr">
-                      <a:solidFill>
-                        <a:schemeClr val="tx1"/>
-                      </a:solidFill>
-                      <a:prstDash val="solid"/>
-                      <a:round/>
-                      <a:headEnd type="none" w="med" len="med"/>
-                      <a:tailEnd type="none" w="med" len="med"/>
-                    </a:lnL>
-                    <a:lnR w="12700" cap="flat" cmpd="sng" algn="ctr">
-                      <a:solidFill>
-                        <a:schemeClr val="tx1"/>
-                      </a:solidFill>
-                      <a:prstDash val="solid"/>
-                      <a:round/>
-                      <a:headEnd type="none" w="med" len="med"/>
-                      <a:tailEnd type="none" w="med" len="med"/>
-                    </a:lnR>
-                    <a:lnT w="12700" cap="flat" cmpd="sng" algn="ctr">
-                      <a:solidFill>
-                        <a:schemeClr val="tx1"/>
-                      </a:solidFill>
-                      <a:prstDash val="solid"/>
-                      <a:round/>
-                      <a:headEnd type="none" w="med" len="med"/>
-                      <a:tailEnd type="none" w="med" len="med"/>
-                    </a:lnT>
-                    <a:lnB w="12700" cap="flat" cmpd="sng" algn="ctr">
-                      <a:solidFill>
-                        <a:schemeClr val="tx1"/>
-                      </a:solidFill>
-                      <a:prstDash val="solid"/>
-                      <a:round/>
-                      <a:headEnd type="none" w="med" len="med"/>
-                      <a:tailEnd type="none" w="med" len="med"/>
-                    </a:lnB>
-                    <a:lnTlToBr w="12700" cmpd="sng">
-                      <a:noFill/>
-                      <a:prstDash val="solid"/>
-                    </a:lnTlToBr>
-                    <a:lnBlToTr w="12700" cmpd="sng">
-                      <a:noFill/>
-                      <a:prstDash val="solid"/>
-                    </a:lnBlToTr>
-                  </a:tcPr>
-                </a:tc>
-                <a:tc>
-                  <a:txBody>
-                    <a:bodyPr/>
-                    <a:lstStyle/>
-                    <a:p>
-                      <a:pPr algn="ctr"/>
-                      <a:r>
-                        <a:rPr lang="en-US" altLang="zh-CN" sz="1400" dirty="0" smtClean="0">
-                          <a:solidFill>
-                            <a:schemeClr val="tx1"/>
-                          </a:solidFill>
-                          <a:latin typeface="黑体" panose="02010609060101010101" pitchFamily="49" charset="-122"/>
-                          <a:ea typeface="黑体" panose="02010609060101010101" pitchFamily="49" charset="-122"/>
-                        </a:rPr>
-                        <a:t>1#-</a:t>
-                      </a:r>
-                      <a:r>
-                        <a:rPr lang="en-US" altLang="zh-CN" sz="1400" dirty="0" err="1" smtClean="0">
-                          <a:solidFill>
-                            <a:schemeClr val="tx1"/>
-                          </a:solidFill>
-                          <a:latin typeface="黑体" panose="02010609060101010101" pitchFamily="49" charset="-122"/>
-                          <a:ea typeface="黑体" panose="02010609060101010101" pitchFamily="49" charset="-122"/>
-                        </a:rPr>
-                        <a:t>Rmax</a:t>
-                      </a:r>
-                      <a:endParaRPr lang="zh-CN" altLang="en-US" sz="1400" dirty="0">
-                        <a:solidFill>
-                          <a:schemeClr val="tx1"/>
-                        </a:solidFill>
-                        <a:latin typeface="黑体" panose="02010609060101010101" pitchFamily="49" charset="-122"/>
-                        <a:ea typeface="黑体" panose="02010609060101010101" pitchFamily="49" charset="-122"/>
-                      </a:endParaRPr>
-                    </a:p>
-                  </a:txBody>
-                  <a:tcPr>
-                    <a:lnL w="12700" cap="flat" cmpd="sng" algn="ctr">
-                      <a:solidFill>
-                        <a:schemeClr val="tx1"/>
-                      </a:solidFill>
-                      <a:prstDash val="solid"/>
-                      <a:round/>
-                      <a:headEnd type="none" w="med" len="med"/>
-                      <a:tailEnd type="none" w="med" len="med"/>
-                    </a:lnL>
-                    <a:lnR w="12700" cap="flat" cmpd="sng" algn="ctr">
-                      <a:solidFill>
-                        <a:schemeClr val="tx1"/>
-                      </a:solidFill>
-                      <a:prstDash val="solid"/>
-                      <a:round/>
-                      <a:headEnd type="none" w="med" len="med"/>
-                      <a:tailEnd type="none" w="med" len="med"/>
-                    </a:lnR>
-                    <a:lnT w="12700" cap="flat" cmpd="sng" algn="ctr">
-                      <a:solidFill>
-                        <a:schemeClr val="tx1"/>
-                      </a:solidFill>
-                      <a:prstDash val="solid"/>
-                      <a:round/>
-                      <a:headEnd type="none" w="med" len="med"/>
-                      <a:tailEnd type="none" w="med" len="med"/>
-                    </a:lnT>
-                    <a:lnB w="12700" cap="flat" cmpd="sng" algn="ctr">
-                      <a:solidFill>
-                        <a:schemeClr val="tx1"/>
-                      </a:solidFill>
-                      <a:prstDash val="solid"/>
-                      <a:round/>
-                      <a:headEnd type="none" w="med" len="med"/>
-                      <a:tailEnd type="none" w="med" len="med"/>
-                    </a:lnB>
-                    <a:lnTlToBr w="12700" cmpd="sng">
-                      <a:noFill/>
-                      <a:prstDash val="solid"/>
-                    </a:lnTlToBr>
-                    <a:lnBlToTr w="12700" cmpd="sng">
-                      <a:noFill/>
-                      <a:prstDash val="solid"/>
-                    </a:lnBlToTr>
-                  </a:tcPr>
-                </a:tc>
-                <a:tc>
-                  <a:txBody>
-                    <a:bodyPr/>
-                    <a:lstStyle/>
-                    <a:p>
-                      <a:pPr algn="ctr"/>
-                      <a:r>
-                        <a:rPr lang="en-US" altLang="zh-CN" sz="1400" dirty="0" smtClean="0">
-                          <a:solidFill>
-                            <a:schemeClr val="tx1"/>
-                          </a:solidFill>
-                          <a:latin typeface="黑体" panose="02010609060101010101" pitchFamily="49" charset="-122"/>
-                          <a:ea typeface="黑体" panose="02010609060101010101" pitchFamily="49" charset="-122"/>
-                        </a:rPr>
-                        <a:t>2#-</a:t>
-                      </a:r>
-                      <a:r>
-                        <a:rPr lang="en-US" altLang="zh-CN" sz="1400" dirty="0" err="1" smtClean="0">
-                          <a:solidFill>
-                            <a:schemeClr val="tx1"/>
-                          </a:solidFill>
-                          <a:latin typeface="黑体" panose="02010609060101010101" pitchFamily="49" charset="-122"/>
-                          <a:ea typeface="黑体" panose="02010609060101010101" pitchFamily="49" charset="-122"/>
-                        </a:rPr>
-                        <a:t>Lmax</a:t>
-                      </a:r>
-                      <a:endParaRPr lang="zh-CN" altLang="en-US" sz="1400" dirty="0">
-                        <a:solidFill>
-                          <a:schemeClr val="tx1"/>
-                        </a:solidFill>
-                        <a:latin typeface="黑体" panose="02010609060101010101" pitchFamily="49" charset="-122"/>
-                        <a:ea typeface="黑体" panose="02010609060101010101" pitchFamily="49" charset="-122"/>
-                      </a:endParaRPr>
-                    </a:p>
-                  </a:txBody>
-                  <a:tcPr>
-                    <a:lnL w="12700" cap="flat" cmpd="sng" algn="ctr">
-                      <a:solidFill>
-                        <a:schemeClr val="tx1"/>
-                      </a:solidFill>
-                      <a:prstDash val="solid"/>
-                      <a:round/>
-                      <a:headEnd type="none" w="med" len="med"/>
-                      <a:tailEnd type="none" w="med" len="med"/>
-                    </a:lnL>
-                    <a:lnR w="12700" cap="flat" cmpd="sng" algn="ctr">
-                      <a:solidFill>
-                        <a:schemeClr val="tx1"/>
-                      </a:solidFill>
-                      <a:prstDash val="solid"/>
-                      <a:round/>
-                      <a:headEnd type="none" w="med" len="med"/>
-                      <a:tailEnd type="none" w="med" len="med"/>
-                    </a:lnR>
-                    <a:lnT w="12700" cap="flat" cmpd="sng" algn="ctr">
-                      <a:solidFill>
-                        <a:schemeClr val="tx1"/>
-                      </a:solidFill>
-                      <a:prstDash val="solid"/>
-                      <a:round/>
-                      <a:headEnd type="none" w="med" len="med"/>
-                      <a:tailEnd type="none" w="med" len="med"/>
-                    </a:lnT>
-                    <a:lnB w="12700" cap="flat" cmpd="sng" algn="ctr">
-                      <a:solidFill>
-                        <a:schemeClr val="tx1"/>
-                      </a:solidFill>
-                      <a:prstDash val="solid"/>
-                      <a:round/>
-                      <a:headEnd type="none" w="med" len="med"/>
-                      <a:tailEnd type="none" w="med" len="med"/>
-                    </a:lnB>
-                    <a:lnTlToBr w="12700" cmpd="sng">
-                      <a:noFill/>
-                      <a:prstDash val="solid"/>
-                    </a:lnTlToBr>
-                    <a:lnBlToTr w="12700" cmpd="sng">
-                      <a:noFill/>
-                      <a:prstDash val="solid"/>
-                    </a:lnBlToTr>
-                  </a:tcPr>
-                </a:tc>
-                <a:tc>
-                  <a:txBody>
-                    <a:bodyPr/>
-                    <a:lstStyle/>
-                    <a:p>
-                      <a:pPr algn="ctr"/>
-                      <a:r>
-                        <a:rPr lang="en-US" altLang="zh-CN" sz="1400" dirty="0" smtClean="0">
-                          <a:solidFill>
-                            <a:schemeClr val="tx1"/>
-                          </a:solidFill>
-                          <a:latin typeface="黑体" panose="02010609060101010101" pitchFamily="49" charset="-122"/>
-                          <a:ea typeface="黑体" panose="02010609060101010101" pitchFamily="49" charset="-122"/>
-                        </a:rPr>
-                        <a:t>2#-</a:t>
-                      </a:r>
-                      <a:r>
-                        <a:rPr lang="en-US" altLang="zh-CN" sz="1400" dirty="0" err="1" smtClean="0">
-                          <a:solidFill>
-                            <a:schemeClr val="tx1"/>
-                          </a:solidFill>
-                          <a:latin typeface="黑体" panose="02010609060101010101" pitchFamily="49" charset="-122"/>
-                          <a:ea typeface="黑体" panose="02010609060101010101" pitchFamily="49" charset="-122"/>
-                        </a:rPr>
-                        <a:t>Rmax</a:t>
-                      </a:r>
-                      <a:endParaRPr lang="zh-CN" altLang="en-US" sz="1400" dirty="0">
-                        <a:solidFill>
-                          <a:schemeClr val="tx1"/>
-                        </a:solidFill>
-                        <a:latin typeface="黑体" panose="02010609060101010101" pitchFamily="49" charset="-122"/>
-                        <a:ea typeface="黑体" panose="02010609060101010101" pitchFamily="49" charset="-122"/>
-                      </a:endParaRPr>
-                    </a:p>
-                  </a:txBody>
-                  <a:tcPr>
-                    <a:lnL w="12700" cap="flat" cmpd="sng" algn="ctr">
-                      <a:solidFill>
-                        <a:schemeClr val="tx1"/>
-                      </a:solidFill>
-                      <a:prstDash val="solid"/>
-                      <a:round/>
-                      <a:headEnd type="none" w="med" len="med"/>
-                      <a:tailEnd type="none" w="med" len="med"/>
-                    </a:lnL>
-                    <a:lnR w="12700" cap="flat" cmpd="sng" algn="ctr">
-                      <a:solidFill>
-                        <a:schemeClr val="tx1"/>
-                      </a:solidFill>
-                      <a:prstDash val="solid"/>
-                      <a:round/>
-                      <a:headEnd type="none" w="med" len="med"/>
-                      <a:tailEnd type="none" w="med" len="med"/>
-                    </a:lnR>
-                    <a:lnT w="12700" cap="flat" cmpd="sng" algn="ctr">
-                      <a:solidFill>
-                        <a:schemeClr val="tx1"/>
-                      </a:solidFill>
-                      <a:prstDash val="solid"/>
-                      <a:round/>
-                      <a:headEnd type="none" w="med" len="med"/>
-                      <a:tailEnd type="none" w="med" len="med"/>
-                    </a:lnT>
-                    <a:lnB w="12700" cap="flat" cmpd="sng" algn="ctr">
-                      <a:solidFill>
-                        <a:schemeClr val="tx1"/>
-                      </a:solidFill>
-                      <a:prstDash val="solid"/>
-                      <a:round/>
-                      <a:headEnd type="none" w="med" len="med"/>
-                      <a:tailEnd type="none" w="med" len="med"/>
-                    </a:lnB>
-                    <a:lnTlToBr w="12700" cmpd="sng">
-                      <a:noFill/>
-                      <a:prstDash val="solid"/>
-                    </a:lnTlToBr>
-                    <a:lnBlToTr w="12700" cmpd="sng">
-                      <a:noFill/>
-                      <a:prstDash val="solid"/>
-                    </a:lnBlToTr>
-                  </a:tcPr>
-                </a:tc>
-                <a:tc>
-                  <a:txBody>
-                    <a:bodyPr/>
-                    <a:lstStyle/>
-                    <a:p>
-                      <a:pPr algn="ctr"/>
-                      <a:r>
-                        <a:rPr lang="en-US" altLang="zh-CN" sz="1400" dirty="0" smtClean="0">
-                          <a:solidFill>
-                            <a:schemeClr val="tx1"/>
-                          </a:solidFill>
-                          <a:latin typeface="黑体" panose="02010609060101010101" pitchFamily="49" charset="-122"/>
-                          <a:ea typeface="黑体" panose="02010609060101010101" pitchFamily="49" charset="-122"/>
-                        </a:rPr>
-                        <a:t>3#-</a:t>
-                      </a:r>
-                      <a:r>
-                        <a:rPr lang="en-US" altLang="zh-CN" sz="1400" dirty="0" err="1" smtClean="0">
-                          <a:solidFill>
-                            <a:schemeClr val="tx1"/>
-                          </a:solidFill>
-                          <a:latin typeface="黑体" panose="02010609060101010101" pitchFamily="49" charset="-122"/>
-                          <a:ea typeface="黑体" panose="02010609060101010101" pitchFamily="49" charset="-122"/>
-                        </a:rPr>
-                        <a:t>Lmax</a:t>
-                      </a:r>
-                      <a:endParaRPr lang="zh-CN" altLang="en-US" sz="1400" dirty="0">
-                        <a:solidFill>
-                          <a:schemeClr val="tx1"/>
-                        </a:solidFill>
-                        <a:latin typeface="黑体" panose="02010609060101010101" pitchFamily="49" charset="-122"/>
-                        <a:ea typeface="黑体" panose="02010609060101010101" pitchFamily="49" charset="-122"/>
-                      </a:endParaRPr>
-                    </a:p>
-                  </a:txBody>
-                  <a:tcPr>
-                    <a:lnL w="12700" cap="flat" cmpd="sng" algn="ctr">
-                      <a:solidFill>
-                        <a:schemeClr val="tx1"/>
-                      </a:solidFill>
-                      <a:prstDash val="solid"/>
-                      <a:round/>
-                      <a:headEnd type="none" w="med" len="med"/>
-                      <a:tailEnd type="none" w="med" len="med"/>
-                    </a:lnL>
-                    <a:lnR w="12700" cap="flat" cmpd="sng" algn="ctr">
-                      <a:solidFill>
-                        <a:schemeClr val="tx1"/>
-                      </a:solidFill>
-                      <a:prstDash val="solid"/>
-                      <a:round/>
-                      <a:headEnd type="none" w="med" len="med"/>
-                      <a:tailEnd type="none" w="med" len="med"/>
-                    </a:lnR>
-                    <a:lnT w="12700" cap="flat" cmpd="sng" algn="ctr">
-                      <a:solidFill>
-                        <a:schemeClr val="tx1"/>
-                      </a:solidFill>
-                      <a:prstDash val="solid"/>
-                      <a:round/>
-                      <a:headEnd type="none" w="med" len="med"/>
-                      <a:tailEnd type="none" w="med" len="med"/>
-                    </a:lnT>
-                    <a:lnB w="12700" cap="flat" cmpd="sng" algn="ctr">
-                      <a:solidFill>
-                        <a:schemeClr val="tx1"/>
-                      </a:solidFill>
-                      <a:prstDash val="solid"/>
-                      <a:round/>
-                      <a:headEnd type="none" w="med" len="med"/>
-                      <a:tailEnd type="none" w="med" len="med"/>
-                    </a:lnB>
-                    <a:lnTlToBr w="12700" cmpd="sng">
-                      <a:noFill/>
-                      <a:prstDash val="solid"/>
-                    </a:lnTlToBr>
-                    <a:lnBlToTr w="12700" cmpd="sng">
-                      <a:noFill/>
-                      <a:prstDash val="solid"/>
-                    </a:lnBlToTr>
-                  </a:tcPr>
-                </a:tc>
-                <a:tc>
-                  <a:txBody>
-                    <a:bodyPr/>
-                    <a:lstStyle/>
-                    <a:p>
-                      <a:pPr algn="ctr"/>
-                      <a:r>
-                        <a:rPr lang="en-US" altLang="zh-CN" sz="1400" dirty="0" smtClean="0">
-                          <a:solidFill>
-                            <a:schemeClr val="tx1"/>
-                          </a:solidFill>
-                          <a:latin typeface="黑体" panose="02010609060101010101" pitchFamily="49" charset="-122"/>
-                          <a:ea typeface="黑体" panose="02010609060101010101" pitchFamily="49" charset="-122"/>
-                        </a:rPr>
-                        <a:t>3#-</a:t>
-                      </a:r>
-                      <a:r>
-                        <a:rPr lang="en-US" altLang="zh-CN" sz="1400" dirty="0" err="1" smtClean="0">
-                          <a:solidFill>
-                            <a:schemeClr val="tx1"/>
-                          </a:solidFill>
-                          <a:latin typeface="黑体" panose="02010609060101010101" pitchFamily="49" charset="-122"/>
-                          <a:ea typeface="黑体" panose="02010609060101010101" pitchFamily="49" charset="-122"/>
-                        </a:rPr>
-                        <a:t>Rmax</a:t>
-                      </a:r>
-                      <a:endParaRPr lang="zh-CN" altLang="en-US" sz="1400" dirty="0">
-                        <a:solidFill>
-                          <a:schemeClr val="tx1"/>
-                        </a:solidFill>
-                        <a:latin typeface="黑体" panose="02010609060101010101" pitchFamily="49" charset="-122"/>
-                        <a:ea typeface="黑体" panose="02010609060101010101" pitchFamily="49" charset="-122"/>
-                      </a:endParaRPr>
-                    </a:p>
-                  </a:txBody>
-                  <a:tcPr>
-                    <a:lnL w="12700" cap="flat" cmpd="sng" algn="ctr">
-                      <a:solidFill>
-                        <a:schemeClr val="tx1"/>
-                      </a:solidFill>
-                      <a:prstDash val="solid"/>
-                      <a:round/>
-                      <a:headEnd type="none" w="med" len="med"/>
-                      <a:tailEnd type="none" w="med" len="med"/>
-                    </a:lnL>
-                    <a:lnR w="12700" cap="flat" cmpd="sng" algn="ctr">
-                      <a:solidFill>
-                        <a:schemeClr val="tx1"/>
-                      </a:solidFill>
-                      <a:prstDash val="solid"/>
-                      <a:round/>
-                      <a:headEnd type="none" w="med" len="med"/>
-                      <a:tailEnd type="none" w="med" len="med"/>
-                    </a:lnR>
-                    <a:lnT w="12700" cap="flat" cmpd="sng" algn="ctr">
-                      <a:solidFill>
-                        <a:schemeClr val="tx1"/>
-                      </a:solidFill>
-                      <a:prstDash val="solid"/>
-                      <a:round/>
-                      <a:headEnd type="none" w="med" len="med"/>
-                      <a:tailEnd type="none" w="med" len="med"/>
-                    </a:lnT>
-                    <a:lnB w="12700" cap="flat" cmpd="sng" algn="ctr">
-                      <a:solidFill>
-                        <a:schemeClr val="tx1"/>
-                      </a:solidFill>
-                      <a:prstDash val="solid"/>
-                      <a:round/>
-                      <a:headEnd type="none" w="med" len="med"/>
-                      <a:tailEnd type="none" w="med" len="med"/>
-                    </a:lnB>
-                    <a:lnTlToBr w="12700" cmpd="sng">
-                      <a:noFill/>
-                      <a:prstDash val="solid"/>
-                    </a:lnTlToBr>
-                    <a:lnBlToTr w="12700" cmpd="sng">
-                      <a:noFill/>
-                      <a:prstDash val="solid"/>
-                    </a:lnBlToTr>
-                  </a:tcPr>
-                </a:tc>
-                <a:extLst>
-                  <a:ext uri="{0D108BD9-81ED-4DB2-BD59-A6C34878D82A}">
-                    <a16:rowId xmlns:a16="http://schemas.microsoft.com/office/drawing/2014/main" val="800044611"/>
-                  </a:ext>
-                </a:extLst>
-              </a:tr>
-              <a:tr h="360000">
-                <a:tc>
-                  <a:txBody>
-                    <a:bodyPr/>
-                    <a:lstStyle/>
-                    <a:p>
-                      <a:pPr algn="ctr"/>
-                      <a:r>
-                        <a:rPr lang="en-US" altLang="zh-CN" sz="1801" b="1" i="0" kern="1200" dirty="0" smtClean="0">
-                          <a:solidFill>
-                            <a:schemeClr val="dk1"/>
-                          </a:solidFill>
-                          <a:effectLst/>
-                          <a:latin typeface="+mn-lt"/>
-                          <a:ea typeface="+mn-ea"/>
-                          <a:cs typeface="+mn-cs"/>
-                        </a:rPr>
-                        <a:t>Average</a:t>
-                      </a:r>
-                      <a:endParaRPr lang="en-US" altLang="zh-CN" sz="1801" b="1" i="0" kern="1200" dirty="0">
-                        <a:solidFill>
-                          <a:schemeClr val="dk1"/>
-                        </a:solidFill>
-                        <a:effectLst/>
-                        <a:latin typeface="+mn-lt"/>
-                        <a:ea typeface="+mn-ea"/>
-                        <a:cs typeface="+mn-cs"/>
-                      </a:endParaRPr>
-                    </a:p>
-                  </a:txBody>
-                  <a:tcPr anchor="ctr">
-                    <a:lnL w="12700" cap="flat" cmpd="sng" algn="ctr">
-                      <a:solidFill>
-                        <a:schemeClr val="tx1"/>
-                      </a:solidFill>
-                      <a:prstDash val="solid"/>
-                      <a:round/>
-                      <a:headEnd type="none" w="med" len="med"/>
-                      <a:tailEnd type="none" w="med" len="med"/>
-                    </a:lnL>
-                    <a:lnR w="12700" cap="flat" cmpd="sng" algn="ctr">
-                      <a:solidFill>
-                        <a:schemeClr val="tx1"/>
-                      </a:solidFill>
-                      <a:prstDash val="solid"/>
-                      <a:round/>
-                      <a:headEnd type="none" w="med" len="med"/>
-                      <a:tailEnd type="none" w="med" len="med"/>
-                    </a:lnR>
-                    <a:lnT w="12700" cap="flat" cmpd="sng" algn="ctr">
-                      <a:solidFill>
-                        <a:schemeClr val="tx1"/>
-                      </a:solidFill>
-                      <a:prstDash val="solid"/>
-                      <a:round/>
-                      <a:headEnd type="none" w="med" len="med"/>
-                      <a:tailEnd type="none" w="med" len="med"/>
-                    </a:lnT>
-                    <a:lnB w="12700" cap="flat" cmpd="sng" algn="ctr">
-                      <a:solidFill>
-                        <a:schemeClr val="tx1"/>
-                      </a:solidFill>
-                      <a:prstDash val="solid"/>
-                      <a:round/>
-                      <a:headEnd type="none" w="med" len="med"/>
-                      <a:tailEnd type="none" w="med" len="med"/>
-                    </a:lnB>
-                    <a:lnTlToBr w="12700" cmpd="sng">
-                      <a:noFill/>
-                      <a:prstDash val="solid"/>
-                    </a:lnTlToBr>
-                    <a:lnBlToTr w="12700" cmpd="sng">
-                      <a:noFill/>
-                      <a:prstDash val="solid"/>
-                    </a:lnBlToTr>
-                  </a:tcPr>
-                </a:tc>
-                <a:tc>
-                  <a:txBody>
-                    <a:bodyPr/>
-                    <a:lstStyle/>
-                    <a:p>
-                      <a:pPr indent="127000" algn="ctr">
-                        <a:lnSpc>
-                          <a:spcPts val="2000"/>
-                        </a:lnSpc>
-                        <a:spcAft>
-                          <a:spcPts val="0"/>
-                        </a:spcAft>
-                      </a:pPr>
-                      <a:r>
-                        <a:rPr lang="en-US" sz="1400" kern="100" dirty="0" smtClean="0">
-                          <a:effectLst/>
-                          <a:latin typeface="黑体" panose="02010609060101010101" pitchFamily="49" charset="-122"/>
-                          <a:ea typeface="黑体" panose="02010609060101010101" pitchFamily="49" charset="-122"/>
-                          <a:cs typeface="Times New Roman" panose="02020603050405020304" pitchFamily="18" charset="0"/>
-                        </a:rPr>
-                        <a:t>30</a:t>
-                      </a:r>
-                      <a:endParaRPr lang="zh-CN" sz="1400" kern="100" dirty="0">
-                        <a:effectLst/>
-                        <a:latin typeface="黑体" panose="02010609060101010101" pitchFamily="49" charset="-122"/>
-                        <a:ea typeface="黑体" panose="02010609060101010101" pitchFamily="49" charset="-122"/>
-                        <a:cs typeface="Times New Roman" panose="02020603050405020304" pitchFamily="18" charset="0"/>
-                      </a:endParaRPr>
-                    </a:p>
-                  </a:txBody>
-                  <a:tcPr marL="68580" marR="68580" marT="0" marB="0" anchor="ctr">
-                    <a:lnL w="12700" cap="flat" cmpd="sng" algn="ctr">
-                      <a:solidFill>
-                        <a:schemeClr val="tx1"/>
-                      </a:solidFill>
-                      <a:prstDash val="solid"/>
-                      <a:round/>
-                      <a:headEnd type="none" w="med" len="med"/>
-                      <a:tailEnd type="none" w="med" len="med"/>
-                    </a:lnL>
-                    <a:lnR w="12700" cap="flat" cmpd="sng" algn="ctr">
-                      <a:solidFill>
-                        <a:schemeClr val="tx1"/>
-                      </a:solidFill>
-                      <a:prstDash val="solid"/>
-                      <a:round/>
-                      <a:headEnd type="none" w="med" len="med"/>
-                      <a:tailEnd type="none" w="med" len="med"/>
-                    </a:lnR>
-                    <a:lnT w="12700" cap="flat" cmpd="sng" algn="ctr">
-                      <a:solidFill>
-                        <a:schemeClr val="tx1"/>
-                      </a:solidFill>
-                      <a:prstDash val="solid"/>
-                      <a:round/>
-                      <a:headEnd type="none" w="med" len="med"/>
-                      <a:tailEnd type="none" w="med" len="med"/>
-                    </a:lnT>
-                    <a:lnB w="12700" cap="flat" cmpd="sng" algn="ctr">
-                      <a:solidFill>
-                        <a:schemeClr val="tx1"/>
-                      </a:solidFill>
-                      <a:prstDash val="solid"/>
-                      <a:round/>
-                      <a:headEnd type="none" w="med" len="med"/>
-                      <a:tailEnd type="none" w="med" len="med"/>
-                    </a:lnB>
-                    <a:lnTlToBr w="12700" cmpd="sng">
-                      <a:noFill/>
-                      <a:prstDash val="solid"/>
-                    </a:lnTlToBr>
-                    <a:lnBlToTr w="12700" cmpd="sng">
-                      <a:noFill/>
-                      <a:prstDash val="solid"/>
-                    </a:lnBlToTr>
-                  </a:tcPr>
-                </a:tc>
-                <a:tc>
-                  <a:txBody>
-                    <a:bodyPr/>
-                    <a:lstStyle/>
-                    <a:p>
-                      <a:pPr indent="127000" algn="ctr">
-                        <a:lnSpc>
-                          <a:spcPts val="2000"/>
-                        </a:lnSpc>
-                        <a:spcAft>
-                          <a:spcPts val="0"/>
-                        </a:spcAft>
-                      </a:pPr>
-                      <a:r>
-                        <a:rPr lang="en-US" sz="1400" kern="100" dirty="0" smtClean="0">
-                          <a:effectLst/>
-                          <a:latin typeface="黑体" panose="02010609060101010101" pitchFamily="49" charset="-122"/>
-                          <a:ea typeface="黑体" panose="02010609060101010101" pitchFamily="49" charset="-122"/>
-                          <a:cs typeface="Times New Roman" panose="02020603050405020304" pitchFamily="18" charset="0"/>
-                        </a:rPr>
-                        <a:t>30</a:t>
-                      </a:r>
-                      <a:endParaRPr lang="zh-CN" sz="1400" kern="100" dirty="0">
-                        <a:effectLst/>
-                        <a:latin typeface="黑体" panose="02010609060101010101" pitchFamily="49" charset="-122"/>
-                        <a:ea typeface="黑体" panose="02010609060101010101" pitchFamily="49" charset="-122"/>
-                        <a:cs typeface="Times New Roman" panose="02020603050405020304" pitchFamily="18" charset="0"/>
-                      </a:endParaRPr>
-                    </a:p>
-                  </a:txBody>
-                  <a:tcPr marL="68580" marR="68580" marT="0" marB="0" anchor="ctr">
-                    <a:lnL w="12700" cap="flat" cmpd="sng" algn="ctr">
-                      <a:solidFill>
-                        <a:schemeClr val="tx1"/>
-                      </a:solidFill>
-                      <a:prstDash val="solid"/>
-                      <a:round/>
-                      <a:headEnd type="none" w="med" len="med"/>
-                      <a:tailEnd type="none" w="med" len="med"/>
-                    </a:lnL>
-                    <a:lnR w="12700" cap="flat" cmpd="sng" algn="ctr">
-                      <a:solidFill>
-                        <a:schemeClr val="tx1"/>
-                      </a:solidFill>
-                      <a:prstDash val="solid"/>
-                      <a:round/>
-                      <a:headEnd type="none" w="med" len="med"/>
-                      <a:tailEnd type="none" w="med" len="med"/>
-                    </a:lnR>
-                    <a:lnT w="12700" cap="flat" cmpd="sng" algn="ctr">
-                      <a:solidFill>
-                        <a:schemeClr val="tx1"/>
-                      </a:solidFill>
-                      <a:prstDash val="solid"/>
-                      <a:round/>
-                      <a:headEnd type="none" w="med" len="med"/>
-                      <a:tailEnd type="none" w="med" len="med"/>
-                    </a:lnT>
-                    <a:lnB w="12700" cap="flat" cmpd="sng" algn="ctr">
-                      <a:solidFill>
-                        <a:schemeClr val="tx1"/>
-                      </a:solidFill>
-                      <a:prstDash val="solid"/>
-                      <a:round/>
-                      <a:headEnd type="none" w="med" len="med"/>
-                      <a:tailEnd type="none" w="med" len="med"/>
-                    </a:lnB>
-                    <a:lnTlToBr w="12700" cmpd="sng">
-                      <a:noFill/>
-                      <a:prstDash val="solid"/>
-                    </a:lnTlToBr>
-                    <a:lnBlToTr w="12700" cmpd="sng">
-                      <a:noFill/>
-                      <a:prstDash val="solid"/>
-                    </a:lnBlToTr>
-                  </a:tcPr>
-                </a:tc>
-                <a:tc>
-                  <a:txBody>
-                    <a:bodyPr/>
-                    <a:lstStyle/>
-                    <a:p>
-                      <a:pPr indent="127000" algn="ctr">
-                        <a:lnSpc>
-                          <a:spcPts val="2000"/>
-                        </a:lnSpc>
-                        <a:spcAft>
-                          <a:spcPts val="0"/>
-                        </a:spcAft>
-                      </a:pPr>
-                      <a:r>
-                        <a:rPr lang="en-US" sz="1400" kern="100" dirty="0" smtClean="0">
-                          <a:effectLst/>
-                          <a:latin typeface="黑体" panose="02010609060101010101" pitchFamily="49" charset="-122"/>
-                          <a:ea typeface="黑体" panose="02010609060101010101" pitchFamily="49" charset="-122"/>
-                          <a:cs typeface="Times New Roman" panose="02020603050405020304" pitchFamily="18" charset="0"/>
-                        </a:rPr>
-                        <a:t>30</a:t>
-                      </a:r>
-                      <a:endParaRPr lang="zh-CN" sz="1400" kern="100" dirty="0">
-                        <a:effectLst/>
-                        <a:latin typeface="黑体" panose="02010609060101010101" pitchFamily="49" charset="-122"/>
-                        <a:ea typeface="黑体" panose="02010609060101010101" pitchFamily="49" charset="-122"/>
-                        <a:cs typeface="Times New Roman" panose="02020603050405020304" pitchFamily="18" charset="0"/>
-                      </a:endParaRPr>
-                    </a:p>
-                  </a:txBody>
-                  <a:tcPr marL="68580" marR="68580" marT="0" marB="0" anchor="ctr">
-                    <a:lnL w="12700" cap="flat" cmpd="sng" algn="ctr">
-                      <a:solidFill>
-                        <a:schemeClr val="tx1"/>
-                      </a:solidFill>
-                      <a:prstDash val="solid"/>
-                      <a:round/>
-                      <a:headEnd type="none" w="med" len="med"/>
-                      <a:tailEnd type="none" w="med" len="med"/>
-                    </a:lnL>
-                    <a:lnR w="12700" cap="flat" cmpd="sng" algn="ctr">
-                      <a:solidFill>
-                        <a:schemeClr val="tx1"/>
-                      </a:solidFill>
-                      <a:prstDash val="solid"/>
-                      <a:round/>
-                      <a:headEnd type="none" w="med" len="med"/>
-                      <a:tailEnd type="none" w="med" len="med"/>
-                    </a:lnR>
-                    <a:lnT w="12700" cap="flat" cmpd="sng" algn="ctr">
-                      <a:solidFill>
-                        <a:schemeClr val="tx1"/>
-                      </a:solidFill>
-                      <a:prstDash val="solid"/>
-                      <a:round/>
-                      <a:headEnd type="none" w="med" len="med"/>
-                      <a:tailEnd type="none" w="med" len="med"/>
-                    </a:lnT>
-                    <a:lnB w="12700" cap="flat" cmpd="sng" algn="ctr">
-                      <a:solidFill>
-                        <a:schemeClr val="tx1"/>
-                      </a:solidFill>
-                      <a:prstDash val="solid"/>
-                      <a:round/>
-                      <a:headEnd type="none" w="med" len="med"/>
-                      <a:tailEnd type="none" w="med" len="med"/>
-                    </a:lnB>
-                    <a:lnTlToBr w="12700" cmpd="sng">
-                      <a:noFill/>
-                      <a:prstDash val="solid"/>
-                    </a:lnTlToBr>
-                    <a:lnBlToTr w="12700" cmpd="sng">
-                      <a:noFill/>
-                      <a:prstDash val="solid"/>
-                    </a:lnBlToTr>
-                  </a:tcPr>
-                </a:tc>
-                <a:tc>
-                  <a:txBody>
-                    <a:bodyPr/>
-                    <a:lstStyle/>
-                    <a:p>
-                      <a:pPr marL="0" marR="0" lvl="0" indent="127000" algn="ctr" defTabSz="914310" rtl="0" eaLnBrk="1" fontAlgn="auto" latinLnBrk="0" hangingPunct="1">
-                        <a:lnSpc>
-                          <a:spcPts val="2000"/>
-                        </a:lnSpc>
-                        <a:spcBef>
-                          <a:spcPts val="0"/>
-                        </a:spcBef>
-                        <a:spcAft>
-                          <a:spcPts val="0"/>
-                        </a:spcAft>
-                        <a:buClrTx/>
-                        <a:buSzTx/>
-                        <a:buFontTx/>
-                        <a:buNone/>
-                        <a:tabLst/>
-                        <a:defRPr/>
-                      </a:pPr>
-                      <a:r>
-                        <a:rPr lang="en-US" altLang="zh-CN" sz="1400" kern="100" dirty="0" smtClean="0">
-                          <a:effectLst/>
-                          <a:latin typeface="黑体" panose="02010609060101010101" pitchFamily="49" charset="-122"/>
-                          <a:ea typeface="黑体" panose="02010609060101010101" pitchFamily="49" charset="-122"/>
-                          <a:cs typeface="Times New Roman" panose="02020603050405020304" pitchFamily="18" charset="0"/>
-                        </a:rPr>
-                        <a:t>30</a:t>
-                      </a:r>
-                      <a:endParaRPr lang="zh-CN" altLang="zh-CN" sz="1400" kern="100" dirty="0" smtClean="0">
-                        <a:effectLst/>
-                        <a:latin typeface="黑体" panose="02010609060101010101" pitchFamily="49" charset="-122"/>
-                        <a:ea typeface="黑体" panose="02010609060101010101" pitchFamily="49" charset="-122"/>
-                        <a:cs typeface="Times New Roman" panose="02020603050405020304" pitchFamily="18" charset="0"/>
-                      </a:endParaRPr>
-                    </a:p>
-                  </a:txBody>
-                  <a:tcPr marL="68580" marR="68580" marT="0" marB="0" anchor="ctr">
-                    <a:lnL w="12700" cap="flat" cmpd="sng" algn="ctr">
-                      <a:solidFill>
-                        <a:schemeClr val="tx1"/>
-                      </a:solidFill>
-                      <a:prstDash val="solid"/>
-                      <a:round/>
-                      <a:headEnd type="none" w="med" len="med"/>
-                      <a:tailEnd type="none" w="med" len="med"/>
-                    </a:lnL>
-                    <a:lnR w="12700" cap="flat" cmpd="sng" algn="ctr">
-                      <a:solidFill>
-                        <a:schemeClr val="tx1"/>
-                      </a:solidFill>
-                      <a:prstDash val="solid"/>
-                      <a:round/>
-                      <a:headEnd type="none" w="med" len="med"/>
-                      <a:tailEnd type="none" w="med" len="med"/>
-                    </a:lnR>
-                    <a:lnT w="12700" cap="flat" cmpd="sng" algn="ctr">
-                      <a:solidFill>
-                        <a:schemeClr val="tx1"/>
-                      </a:solidFill>
-                      <a:prstDash val="solid"/>
-                      <a:round/>
-                      <a:headEnd type="none" w="med" len="med"/>
-                      <a:tailEnd type="none" w="med" len="med"/>
-                    </a:lnT>
-                    <a:lnB w="12700" cap="flat" cmpd="sng" algn="ctr">
-                      <a:solidFill>
-                        <a:schemeClr val="tx1"/>
-                      </a:solidFill>
-                      <a:prstDash val="solid"/>
-                      <a:round/>
-                      <a:headEnd type="none" w="med" len="med"/>
-                      <a:tailEnd type="none" w="med" len="med"/>
-                    </a:lnB>
-                    <a:lnTlToBr w="12700" cmpd="sng">
-                      <a:noFill/>
-                      <a:prstDash val="solid"/>
-                    </a:lnTlToBr>
-                    <a:lnBlToTr w="12700" cmpd="sng">
-                      <a:noFill/>
-                      <a:prstDash val="solid"/>
-                    </a:lnBlToTr>
-                  </a:tcPr>
-                </a:tc>
-                <a:tc>
-                  <a:txBody>
-                    <a:bodyPr/>
-                    <a:lstStyle/>
-                    <a:p>
-                      <a:pPr indent="127000" algn="ctr">
-                        <a:lnSpc>
-                          <a:spcPts val="2000"/>
-                        </a:lnSpc>
-                        <a:spcAft>
-                          <a:spcPts val="0"/>
-                        </a:spcAft>
-                      </a:pPr>
-                      <a:r>
-                        <a:rPr lang="en-US" sz="1400" kern="100" dirty="0" smtClean="0">
-                          <a:effectLst/>
-                          <a:latin typeface="黑体" panose="02010609060101010101" pitchFamily="49" charset="-122"/>
-                          <a:ea typeface="黑体" panose="02010609060101010101" pitchFamily="49" charset="-122"/>
-                          <a:cs typeface="Times New Roman" panose="02020603050405020304" pitchFamily="18" charset="0"/>
-                        </a:rPr>
-                        <a:t>30</a:t>
-                      </a:r>
-                      <a:endParaRPr lang="zh-CN" sz="1400" kern="100" dirty="0">
-                        <a:effectLst/>
-                        <a:latin typeface="黑体" panose="02010609060101010101" pitchFamily="49" charset="-122"/>
-                        <a:ea typeface="黑体" panose="02010609060101010101" pitchFamily="49" charset="-122"/>
-                        <a:cs typeface="Times New Roman" panose="02020603050405020304" pitchFamily="18" charset="0"/>
-                      </a:endParaRPr>
-                    </a:p>
-                  </a:txBody>
-                  <a:tcPr marL="68580" marR="68580" marT="0" marB="0" anchor="ctr">
-                    <a:lnL w="12700" cap="flat" cmpd="sng" algn="ctr">
-                      <a:solidFill>
-                        <a:schemeClr val="tx1"/>
-                      </a:solidFill>
-                      <a:prstDash val="solid"/>
-                      <a:round/>
-                      <a:headEnd type="none" w="med" len="med"/>
-                      <a:tailEnd type="none" w="med" len="med"/>
-                    </a:lnL>
-                    <a:lnR w="12700" cap="flat" cmpd="sng" algn="ctr">
-                      <a:solidFill>
-                        <a:schemeClr val="tx1"/>
-                      </a:solidFill>
-                      <a:prstDash val="solid"/>
-                      <a:round/>
-                      <a:headEnd type="none" w="med" len="med"/>
-                      <a:tailEnd type="none" w="med" len="med"/>
-                    </a:lnR>
-                    <a:lnT w="12700" cap="flat" cmpd="sng" algn="ctr">
-                      <a:solidFill>
-                        <a:schemeClr val="tx1"/>
-                      </a:solidFill>
-                      <a:prstDash val="solid"/>
-                      <a:round/>
-                      <a:headEnd type="none" w="med" len="med"/>
-                      <a:tailEnd type="none" w="med" len="med"/>
-                    </a:lnT>
-                    <a:lnB w="12700" cap="flat" cmpd="sng" algn="ctr">
-                      <a:solidFill>
-                        <a:schemeClr val="tx1"/>
-                      </a:solidFill>
-                      <a:prstDash val="solid"/>
-                      <a:round/>
-                      <a:headEnd type="none" w="med" len="med"/>
-                      <a:tailEnd type="none" w="med" len="med"/>
-                    </a:lnB>
-                    <a:lnTlToBr w="12700" cmpd="sng">
-                      <a:noFill/>
-                      <a:prstDash val="solid"/>
-                    </a:lnTlToBr>
-                    <a:lnBlToTr w="12700" cmpd="sng">
-                      <a:noFill/>
-                      <a:prstDash val="solid"/>
-                    </a:lnBlToTr>
-                  </a:tcPr>
-                </a:tc>
-                <a:tc>
-                  <a:txBody>
-                    <a:bodyPr/>
-                    <a:lstStyle/>
-                    <a:p>
-                      <a:pPr marL="0" marR="0" lvl="0" indent="127000" algn="ctr" defTabSz="914310" rtl="0" eaLnBrk="1" fontAlgn="auto" latinLnBrk="0" hangingPunct="1">
-                        <a:lnSpc>
-                          <a:spcPts val="2000"/>
-                        </a:lnSpc>
-                        <a:spcBef>
-                          <a:spcPts val="0"/>
-                        </a:spcBef>
-                        <a:spcAft>
-                          <a:spcPts val="0"/>
-                        </a:spcAft>
-                        <a:buClrTx/>
-                        <a:buSzTx/>
-                        <a:buFontTx/>
-                        <a:buNone/>
-                        <a:tabLst/>
-                        <a:defRPr/>
-                      </a:pPr>
-                      <a:r>
-                        <a:rPr lang="en-US" altLang="zh-CN" sz="1400" kern="100" dirty="0" smtClean="0">
-                          <a:effectLst/>
-                          <a:latin typeface="黑体" panose="02010609060101010101" pitchFamily="49" charset="-122"/>
-                          <a:ea typeface="黑体" panose="02010609060101010101" pitchFamily="49" charset="-122"/>
-                          <a:cs typeface="Times New Roman" panose="02020603050405020304" pitchFamily="18" charset="0"/>
-                        </a:rPr>
-                        <a:t>30</a:t>
-                      </a:r>
-                      <a:endParaRPr lang="zh-CN" altLang="zh-CN" sz="1400" kern="100" dirty="0" smtClean="0">
-                        <a:effectLst/>
-                        <a:latin typeface="黑体" panose="02010609060101010101" pitchFamily="49" charset="-122"/>
-                        <a:ea typeface="黑体" panose="02010609060101010101" pitchFamily="49" charset="-122"/>
-                        <a:cs typeface="Times New Roman" panose="02020603050405020304" pitchFamily="18" charset="0"/>
-                      </a:endParaRPr>
-                    </a:p>
-                  </a:txBody>
-                  <a:tcPr marL="68580" marR="68580" marT="0" marB="0" anchor="ctr">
-                    <a:lnL w="12700" cap="flat" cmpd="sng" algn="ctr">
-                      <a:solidFill>
-                        <a:schemeClr val="tx1"/>
-                      </a:solidFill>
-                      <a:prstDash val="solid"/>
-                      <a:round/>
-                      <a:headEnd type="none" w="med" len="med"/>
-                      <a:tailEnd type="none" w="med" len="med"/>
-                    </a:lnL>
-                    <a:lnR w="12700" cap="flat" cmpd="sng" algn="ctr">
-                      <a:solidFill>
-                        <a:schemeClr val="tx1"/>
-                      </a:solidFill>
-                      <a:prstDash val="solid"/>
-                      <a:round/>
-                      <a:headEnd type="none" w="med" len="med"/>
-                      <a:tailEnd type="none" w="med" len="med"/>
-                    </a:lnR>
-                    <a:lnT w="12700" cap="flat" cmpd="sng" algn="ctr">
-                      <a:solidFill>
-                        <a:schemeClr val="tx1"/>
-                      </a:solidFill>
-                      <a:prstDash val="solid"/>
-                      <a:round/>
-                      <a:headEnd type="none" w="med" len="med"/>
-                      <a:tailEnd type="none" w="med" len="med"/>
-                    </a:lnT>
-                    <a:lnB w="12700" cap="flat" cmpd="sng" algn="ctr">
-                      <a:solidFill>
-                        <a:schemeClr val="tx1"/>
-                      </a:solidFill>
-                      <a:prstDash val="solid"/>
-                      <a:round/>
-                      <a:headEnd type="none" w="med" len="med"/>
-                      <a:tailEnd type="none" w="med" len="med"/>
-                    </a:lnB>
-                    <a:lnTlToBr w="12700" cmpd="sng">
-                      <a:noFill/>
-                      <a:prstDash val="solid"/>
-                    </a:lnTlToBr>
-                    <a:lnBlToTr w="12700" cmpd="sng">
-                      <a:noFill/>
-                      <a:prstDash val="solid"/>
-                    </a:lnBlToTr>
-                  </a:tcPr>
-                </a:tc>
-                <a:extLst>
-                  <a:ext uri="{0D108BD9-81ED-4DB2-BD59-A6C34878D82A}">
-                    <a16:rowId xmlns:a16="http://schemas.microsoft.com/office/drawing/2014/main" val="4071434126"/>
-                  </a:ext>
-                </a:extLst>
-              </a:tr>
-            </a:tbl>
-          </a:graphicData>
-        </a:graphic>
-      </p:graphicFrame>
-      <p:sp>
-        <p:nvSpPr>
-          <p:cNvPr id="12" name="文本框 11"/>
-          <p:cNvSpPr txBox="1"/>
-          <p:nvPr/>
-        </p:nvSpPr>
-        <p:spPr>
-          <a:xfrm>
-            <a:off x="8407126" y="5834145"/>
-            <a:ext cx="971099" cy="276999"/>
-          </a:xfrm>
-          <a:prstGeom prst="rect">
-            <a:avLst/>
-          </a:prstGeom>
-          <a:noFill/>
-        </p:spPr>
-        <p:txBody>
-          <a:bodyPr wrap="square" rtlCol="0">
-            <a:spAutoFit/>
-          </a:bodyPr>
-          <a:lstStyle/>
-          <a:p>
-            <a:r>
-              <a:rPr lang="en-US" altLang="zh-CN" sz="1200" b="1" dirty="0" smtClean="0">
-                <a:latin typeface="黑体" panose="02010609060101010101" pitchFamily="49" charset="-122"/>
-                <a:ea typeface="黑体" panose="02010609060101010101" pitchFamily="49" charset="-122"/>
-              </a:rPr>
-              <a:t>(Unit : kW)</a:t>
-            </a:r>
-            <a:endParaRPr lang="zh-CN" altLang="en-US" sz="1200" b="1" dirty="0">
-              <a:latin typeface="黑体" panose="02010609060101010101" pitchFamily="49" charset="-122"/>
-              <a:ea typeface="黑体" panose="02010609060101010101" pitchFamily="49" charset="-122"/>
-            </a:endParaRPr>
-          </a:p>
-        </p:txBody>
-      </p:sp>
-      <p:pic>
-        <p:nvPicPr>
-          <p:cNvPr id="13" name="图片 12"/>
-          <p:cNvPicPr>
-            <a:picLocks noChangeAspect="1"/>
-          </p:cNvPicPr>
-          <p:nvPr/>
-        </p:nvPicPr>
-        <p:blipFill>
-          <a:blip r:embed="rId2"/>
-          <a:stretch>
-            <a:fillRect/>
-          </a:stretch>
-        </p:blipFill>
-        <p:spPr>
-          <a:xfrm>
-            <a:off x="145744" y="954000"/>
-            <a:ext cx="9944999" cy="3177418"/>
-          </a:xfrm>
-          <a:prstGeom prst="rect">
-            <a:avLst/>
-          </a:prstGeom>
-        </p:spPr>
-      </p:pic>
-      <p:sp>
-        <p:nvSpPr>
-          <p:cNvPr id="14" name="矩形 13"/>
-          <p:cNvSpPr/>
-          <p:nvPr/>
-        </p:nvSpPr>
-        <p:spPr>
-          <a:xfrm>
-            <a:off x="3711712" y="3119547"/>
-            <a:ext cx="2113573" cy="1277950"/>
-          </a:xfrm>
-          <a:prstGeom prst="rect">
-            <a:avLst/>
-          </a:prstGeom>
-          <a:solidFill>
-            <a:schemeClr val="accent4">
-              <a:lumMod val="60000"/>
-              <a:lumOff val="40000"/>
-              <a:alpha val="25000"/>
-            </a:schemeClr>
-          </a:solidFill>
-          <a:ln w="28575">
-            <a:solidFill>
-              <a:schemeClr val="tx1"/>
-            </a:solidFill>
-            <a:prstDash val="dash"/>
-          </a:ln>
-        </p:spPr>
-        <p:style>
-          <a:lnRef idx="2">
-            <a:schemeClr val="accent1">
-              <a:shade val="50000"/>
-            </a:schemeClr>
-          </a:lnRef>
-          <a:fillRef idx="1">
-            <a:schemeClr val="accent1"/>
-          </a:fillRef>
-          <a:effectRef idx="0">
-            <a:schemeClr val="accent1"/>
-          </a:effectRef>
-          <a:fontRef idx="minor">
-            <a:schemeClr val="lt1"/>
-          </a:fontRef>
-        </p:style>
-        <p:txBody>
-          <a:bodyPr rtlCol="0" anchor="ctr"/>
-          <a:lstStyle/>
-          <a:p>
-            <a:pPr marL="285750" indent="-285750" algn="l">
-              <a:lnSpc>
-                <a:spcPct val="150000"/>
-              </a:lnSpc>
-              <a:buClr>
-                <a:srgbClr val="C00000"/>
-              </a:buClr>
-              <a:buFont typeface="Wingdings" pitchFamily="2" charset="2"/>
-              <a:buChar char="ü"/>
-            </a:pPr>
-            <a:endParaRPr lang="zh-CN" altLang="en-US" sz="1200" b="1" dirty="0">
-              <a:solidFill>
-                <a:schemeClr val="tx2"/>
-              </a:solidFill>
-              <a:latin typeface="Times New Roman" panose="02020603050405020304" pitchFamily="18" charset="0"/>
-              <a:cs typeface="Times New Roman" panose="02020603050405020304" pitchFamily="18" charset="0"/>
-            </a:endParaRPr>
-          </a:p>
-        </p:txBody>
-      </p:sp>
-      <p:sp>
-        <p:nvSpPr>
-          <p:cNvPr id="15" name="矩形 14"/>
-          <p:cNvSpPr/>
-          <p:nvPr/>
-        </p:nvSpPr>
-        <p:spPr>
-          <a:xfrm>
-            <a:off x="341455" y="4014000"/>
-            <a:ext cx="1614545" cy="376834"/>
-          </a:xfrm>
-          <a:prstGeom prst="rect">
-            <a:avLst/>
-          </a:prstGeom>
-        </p:spPr>
-        <p:txBody>
-          <a:bodyPr wrap="none">
-            <a:spAutoFit/>
-          </a:bodyPr>
-          <a:lstStyle/>
-          <a:p>
-            <a:pPr>
-              <a:lnSpc>
-                <a:spcPct val="150000"/>
-              </a:lnSpc>
-            </a:pPr>
-            <a:r>
-              <a:rPr lang="en-US" altLang="zh-CN" sz="1400" b="1" dirty="0">
-                <a:latin typeface="Times New Roman" panose="02020603050405020304" pitchFamily="18" charset="0"/>
-                <a:ea typeface="黑体" panose="02010609060101010101" pitchFamily="49" charset="-122"/>
-                <a:cs typeface="Times New Roman" panose="02020603050405020304" pitchFamily="18" charset="0"/>
-              </a:rPr>
-              <a:t>1#-Natural cooling</a:t>
-            </a:r>
-            <a:endParaRPr lang="en-US" altLang="zh-CN" sz="1400" i="1" dirty="0">
-              <a:latin typeface="Times New Roman" panose="02020603050405020304" pitchFamily="18" charset="0"/>
-              <a:ea typeface="黑体" panose="02010609060101010101" pitchFamily="49" charset="-122"/>
-              <a:cs typeface="Times New Roman" panose="02020603050405020304" pitchFamily="18" charset="0"/>
-            </a:endParaRPr>
-          </a:p>
-        </p:txBody>
-      </p:sp>
-      <p:sp>
-        <p:nvSpPr>
-          <p:cNvPr id="16" name="矩形 15"/>
-          <p:cNvSpPr/>
-          <p:nvPr/>
-        </p:nvSpPr>
-        <p:spPr>
-          <a:xfrm>
-            <a:off x="4026000" y="4014000"/>
-            <a:ext cx="1614545" cy="415498"/>
-          </a:xfrm>
-          <a:prstGeom prst="rect">
-            <a:avLst/>
-          </a:prstGeom>
-        </p:spPr>
-        <p:txBody>
-          <a:bodyPr wrap="none">
-            <a:spAutoFit/>
-          </a:bodyPr>
-          <a:lstStyle/>
-          <a:p>
-            <a:pPr>
-              <a:lnSpc>
-                <a:spcPct val="150000"/>
-              </a:lnSpc>
-            </a:pPr>
-            <a:r>
-              <a:rPr lang="en-US" altLang="zh-CN" sz="1400" b="1" dirty="0" smtClean="0">
-                <a:latin typeface="Times New Roman" panose="02020603050405020304" pitchFamily="18" charset="0"/>
-                <a:ea typeface="黑体" panose="02010609060101010101" pitchFamily="49" charset="-122"/>
-                <a:cs typeface="Times New Roman" panose="02020603050405020304" pitchFamily="18" charset="0"/>
-              </a:rPr>
-              <a:t>2#-</a:t>
-            </a:r>
-            <a:r>
-              <a:rPr lang="en-US" altLang="zh-CN" sz="1400" b="1" dirty="0">
-                <a:latin typeface="Times New Roman" panose="02020603050405020304" pitchFamily="18" charset="0"/>
-                <a:ea typeface="黑体" panose="02010609060101010101" pitchFamily="49" charset="-122"/>
-                <a:cs typeface="Times New Roman" panose="02020603050405020304" pitchFamily="18" charset="0"/>
-              </a:rPr>
-              <a:t>Natural cooling</a:t>
-            </a:r>
-            <a:endParaRPr lang="en-US" altLang="zh-CN" sz="1400" i="1" dirty="0">
-              <a:latin typeface="Times New Roman" panose="02020603050405020304" pitchFamily="18" charset="0"/>
-              <a:ea typeface="黑体" panose="02010609060101010101" pitchFamily="49" charset="-122"/>
-              <a:cs typeface="Times New Roman" panose="02020603050405020304" pitchFamily="18" charset="0"/>
-            </a:endParaRPr>
-          </a:p>
-        </p:txBody>
-      </p:sp>
-      <p:sp>
-        <p:nvSpPr>
-          <p:cNvPr id="17" name="矩形 16"/>
-          <p:cNvSpPr/>
-          <p:nvPr/>
-        </p:nvSpPr>
-        <p:spPr>
-          <a:xfrm>
-            <a:off x="7516226" y="4014000"/>
-            <a:ext cx="1614545" cy="415498"/>
-          </a:xfrm>
-          <a:prstGeom prst="rect">
-            <a:avLst/>
-          </a:prstGeom>
-        </p:spPr>
-        <p:txBody>
-          <a:bodyPr wrap="none">
-            <a:spAutoFit/>
-          </a:bodyPr>
-          <a:lstStyle/>
-          <a:p>
-            <a:pPr>
-              <a:lnSpc>
-                <a:spcPct val="150000"/>
-              </a:lnSpc>
-            </a:pPr>
-            <a:r>
-              <a:rPr lang="en-US" altLang="zh-CN" sz="1400" b="1" dirty="0" smtClean="0">
-                <a:latin typeface="Times New Roman" panose="02020603050405020304" pitchFamily="18" charset="0"/>
-                <a:ea typeface="黑体" panose="02010609060101010101" pitchFamily="49" charset="-122"/>
-                <a:cs typeface="Times New Roman" panose="02020603050405020304" pitchFamily="18" charset="0"/>
-              </a:rPr>
-              <a:t>3#-</a:t>
-            </a:r>
-            <a:r>
-              <a:rPr lang="en-US" altLang="zh-CN" sz="1400" b="1" dirty="0">
-                <a:latin typeface="Times New Roman" panose="02020603050405020304" pitchFamily="18" charset="0"/>
-                <a:ea typeface="黑体" panose="02010609060101010101" pitchFamily="49" charset="-122"/>
-                <a:cs typeface="Times New Roman" panose="02020603050405020304" pitchFamily="18" charset="0"/>
-              </a:rPr>
-              <a:t>Natural cooling</a:t>
-            </a:r>
-            <a:endParaRPr lang="en-US" altLang="zh-CN" sz="1400" i="1" dirty="0">
-              <a:latin typeface="Times New Roman" panose="02020603050405020304" pitchFamily="18" charset="0"/>
-              <a:ea typeface="黑体" panose="02010609060101010101" pitchFamily="49" charset="-122"/>
-              <a:cs typeface="Times New Roman" panose="02020603050405020304" pitchFamily="18" charset="0"/>
-            </a:endParaRPr>
-          </a:p>
-        </p:txBody>
-      </p:sp>
-      <p:sp>
-        <p:nvSpPr>
-          <p:cNvPr id="7" name="矩形 6"/>
-          <p:cNvSpPr/>
-          <p:nvPr/>
-        </p:nvSpPr>
-        <p:spPr>
-          <a:xfrm>
-            <a:off x="146616" y="3119547"/>
-            <a:ext cx="2113573" cy="1277950"/>
-          </a:xfrm>
-          <a:prstGeom prst="rect">
-            <a:avLst/>
-          </a:prstGeom>
-          <a:solidFill>
-            <a:schemeClr val="accent4">
-              <a:lumMod val="60000"/>
-              <a:lumOff val="40000"/>
-              <a:alpha val="25000"/>
-            </a:schemeClr>
-          </a:solidFill>
-          <a:ln w="28575">
-            <a:solidFill>
-              <a:schemeClr val="tx1"/>
-            </a:solidFill>
-            <a:prstDash val="dash"/>
-          </a:ln>
-        </p:spPr>
-        <p:style>
-          <a:lnRef idx="2">
-            <a:schemeClr val="accent1">
-              <a:shade val="50000"/>
-            </a:schemeClr>
-          </a:lnRef>
-          <a:fillRef idx="1">
-            <a:schemeClr val="accent1"/>
-          </a:fillRef>
-          <a:effectRef idx="0">
-            <a:schemeClr val="accent1"/>
-          </a:effectRef>
-          <a:fontRef idx="minor">
-            <a:schemeClr val="lt1"/>
-          </a:fontRef>
-        </p:style>
-        <p:txBody>
-          <a:bodyPr rtlCol="0" anchor="ctr"/>
-          <a:lstStyle/>
-          <a:p>
-            <a:pPr marL="285750" indent="-285750" algn="l">
-              <a:lnSpc>
-                <a:spcPct val="150000"/>
-              </a:lnSpc>
-              <a:buClr>
-                <a:srgbClr val="C00000"/>
-              </a:buClr>
-              <a:buFont typeface="Wingdings" pitchFamily="2" charset="2"/>
-              <a:buChar char="ü"/>
-            </a:pPr>
-            <a:endParaRPr lang="zh-CN" altLang="en-US" sz="1200" b="1" dirty="0">
-              <a:solidFill>
-                <a:schemeClr val="tx2"/>
-              </a:solidFill>
-              <a:latin typeface="Times New Roman" panose="02020603050405020304" pitchFamily="18" charset="0"/>
-              <a:cs typeface="Times New Roman" panose="02020603050405020304" pitchFamily="18" charset="0"/>
-            </a:endParaRPr>
-          </a:p>
-        </p:txBody>
-      </p:sp>
-      <p:sp>
-        <p:nvSpPr>
-          <p:cNvPr id="8" name="矩形 7"/>
-          <p:cNvSpPr/>
-          <p:nvPr/>
-        </p:nvSpPr>
-        <p:spPr>
-          <a:xfrm>
-            <a:off x="7265999" y="3119547"/>
-            <a:ext cx="2115001" cy="1277950"/>
-          </a:xfrm>
-          <a:prstGeom prst="rect">
-            <a:avLst/>
-          </a:prstGeom>
-          <a:solidFill>
-            <a:schemeClr val="accent4">
-              <a:lumMod val="60000"/>
-              <a:lumOff val="40000"/>
-              <a:alpha val="25000"/>
-            </a:schemeClr>
-          </a:solidFill>
-          <a:ln w="28575">
-            <a:solidFill>
-              <a:schemeClr val="tx1"/>
-            </a:solidFill>
-            <a:prstDash val="dash"/>
-          </a:ln>
-        </p:spPr>
-        <p:style>
-          <a:lnRef idx="2">
-            <a:schemeClr val="accent1">
-              <a:shade val="50000"/>
-            </a:schemeClr>
-          </a:lnRef>
-          <a:fillRef idx="1">
-            <a:schemeClr val="accent1"/>
-          </a:fillRef>
-          <a:effectRef idx="0">
-            <a:schemeClr val="accent1"/>
-          </a:effectRef>
-          <a:fontRef idx="minor">
-            <a:schemeClr val="lt1"/>
-          </a:fontRef>
-        </p:style>
-        <p:txBody>
-          <a:bodyPr rtlCol="0" anchor="ctr"/>
-          <a:lstStyle/>
-          <a:p>
-            <a:pPr marL="285750" indent="-285750" algn="l">
-              <a:lnSpc>
-                <a:spcPct val="150000"/>
-              </a:lnSpc>
-              <a:buClr>
-                <a:srgbClr val="C00000"/>
-              </a:buClr>
-              <a:buFont typeface="Wingdings" pitchFamily="2" charset="2"/>
-              <a:buChar char="ü"/>
-            </a:pPr>
-            <a:endParaRPr lang="zh-CN" altLang="en-US" sz="1200" b="1" dirty="0">
-              <a:solidFill>
-                <a:schemeClr val="tx2"/>
-              </a:solidFill>
-              <a:latin typeface="Times New Roman" panose="02020603050405020304" pitchFamily="18" charset="0"/>
-              <a:cs typeface="Times New Roman" panose="02020603050405020304" pitchFamily="18" charset="0"/>
-            </a:endParaRPr>
-          </a:p>
-        </p:txBody>
-      </p:sp>
-    </p:spTree>
-    <p:extLst>
-      <p:ext uri="{BB962C8B-B14F-4D97-AF65-F5344CB8AC3E}">
-        <p14:creationId xmlns:p14="http://schemas.microsoft.com/office/powerpoint/2010/main" val="2129916715"/>
-      </p:ext>
-    </p:extLst>
-  </p:cSld>
-  <p:clrMapOvr>
-    <a:masterClrMapping/>
-  </p:clrMapOvr>
-  <p:timing>
-    <p:tnLst>
-      <p:par>
-        <p:cTn id="1" dur="indefinite" restart="never" nodeType="tmRoot"/>
-      </p:par>
-    </p:tnLst>
-  </p:timing>
-</p:sld>
-</file>
-
-<file path=ppt/slides/slide13.xml><?xml version="1.0" encoding="utf-8"?>
-<p:sld xmlns:a="http://schemas.openxmlformats.org/drawingml/2006/main" xmlns:r="http://schemas.openxmlformats.org/officeDocument/2006/relationships" xmlns:p="http://schemas.openxmlformats.org/presentationml/2006/main">
-  <p:cSld>
-    <p:spTree>
-      <p:nvGrpSpPr>
-        <p:cNvPr id="1" name=""/>
-        <p:cNvGrpSpPr/>
-        <p:nvPr/>
-      </p:nvGrpSpPr>
-      <p:grpSpPr>
-        <a:xfrm>
-          <a:off x="0" y="0"/>
-          <a:ext cx="0" cy="0"/>
-          <a:chOff x="0" y="0"/>
-          <a:chExt cx="0" cy="0"/>
-        </a:xfrm>
-      </p:grpSpPr>
-      <p:sp>
-        <p:nvSpPr>
-          <p:cNvPr id="2" name="标题 1"/>
-          <p:cNvSpPr>
-            <a:spLocks noGrp="1"/>
-          </p:cNvSpPr>
-          <p:nvPr>
-            <p:ph type="title"/>
-          </p:nvPr>
-        </p:nvSpPr>
-        <p:spPr/>
-        <p:txBody>
-          <a:bodyPr/>
-          <a:lstStyle/>
-          <a:p>
-            <a:r>
-              <a:rPr lang="en-US" altLang="zh-CN" dirty="0"/>
-              <a:t>1*240kW Power Cabinet + </a:t>
-            </a:r>
-            <a:r>
-              <a:rPr lang="en-US" altLang="zh-CN" dirty="0" smtClean="0"/>
-              <a:t>2*Dispenser</a:t>
-            </a:r>
-            <a:r>
-              <a:rPr lang="zh-CN" altLang="en-US" dirty="0" smtClean="0"/>
-              <a:t>（</a:t>
-            </a:r>
-            <a:r>
-              <a:rPr lang="en-US" altLang="zh-CN" dirty="0" smtClean="0"/>
-              <a:t>4*200A </a:t>
-            </a:r>
-            <a:r>
-              <a:rPr lang="en-US" altLang="zh-CN" dirty="0"/>
-              <a:t>Plug</a:t>
-            </a:r>
-            <a:r>
-              <a:rPr lang="zh-CN" altLang="en-US" dirty="0"/>
-              <a:t>）</a:t>
-            </a:r>
-            <a:endParaRPr lang="en-US" altLang="zh-CN" sz="1800" dirty="0">
-              <a:latin typeface="Times New Roman" panose="02020603050405020304" pitchFamily="18" charset="0"/>
-            </a:endParaRPr>
-          </a:p>
-        </p:txBody>
-      </p:sp>
-      <p:sp>
-        <p:nvSpPr>
-          <p:cNvPr id="3" name="矩形 2"/>
-          <p:cNvSpPr/>
-          <p:nvPr/>
-        </p:nvSpPr>
-        <p:spPr>
-          <a:xfrm>
-            <a:off x="145745" y="819000"/>
-            <a:ext cx="9944999" cy="2115000"/>
-          </a:xfrm>
-          <a:prstGeom prst="rect">
-            <a:avLst/>
-          </a:prstGeom>
-          <a:solidFill>
-            <a:schemeClr val="accent5">
-              <a:lumMod val="60000"/>
-              <a:lumOff val="40000"/>
-              <a:alpha val="25000"/>
-            </a:schemeClr>
-          </a:solidFill>
-          <a:ln w="28575">
-            <a:solidFill>
-              <a:schemeClr val="tx1"/>
-            </a:solidFill>
-            <a:prstDash val="dash"/>
-          </a:ln>
-        </p:spPr>
-        <p:style>
-          <a:lnRef idx="2">
-            <a:schemeClr val="accent1">
-              <a:shade val="50000"/>
-            </a:schemeClr>
-          </a:lnRef>
-          <a:fillRef idx="1">
-            <a:schemeClr val="accent1"/>
-          </a:fillRef>
-          <a:effectRef idx="0">
-            <a:schemeClr val="accent1"/>
-          </a:effectRef>
-          <a:fontRef idx="minor">
-            <a:schemeClr val="lt1"/>
-          </a:fontRef>
-        </p:style>
-        <p:txBody>
-          <a:bodyPr rtlCol="0" anchor="ctr"/>
-          <a:lstStyle/>
-          <a:p>
-            <a:pPr marL="285750" indent="-285750" algn="l">
-              <a:lnSpc>
-                <a:spcPct val="150000"/>
-              </a:lnSpc>
-              <a:buClr>
-                <a:srgbClr val="C00000"/>
-              </a:buClr>
-              <a:buFont typeface="Wingdings" pitchFamily="2" charset="2"/>
-              <a:buChar char="ü"/>
-            </a:pPr>
-            <a:endParaRPr lang="zh-CN" altLang="en-US" sz="1200" b="1" dirty="0">
-              <a:solidFill>
-                <a:schemeClr val="tx2"/>
-              </a:solidFill>
-              <a:latin typeface="Times New Roman" panose="02020603050405020304" pitchFamily="18" charset="0"/>
-              <a:cs typeface="Times New Roman" panose="02020603050405020304" pitchFamily="18" charset="0"/>
-            </a:endParaRPr>
-          </a:p>
-        </p:txBody>
-      </p:sp>
-      <p:pic>
-        <p:nvPicPr>
-          <p:cNvPr id="7" name="图片 6"/>
-          <p:cNvPicPr>
-            <a:picLocks noChangeAspect="1"/>
-          </p:cNvPicPr>
-          <p:nvPr/>
-        </p:nvPicPr>
-        <p:blipFill>
-          <a:blip r:embed="rId2"/>
-          <a:stretch>
-            <a:fillRect/>
-          </a:stretch>
-        </p:blipFill>
-        <p:spPr>
-          <a:xfrm>
-            <a:off x="145745" y="932129"/>
-            <a:ext cx="9945000" cy="3177418"/>
-          </a:xfrm>
-          <a:prstGeom prst="rect">
-            <a:avLst/>
-          </a:prstGeom>
-        </p:spPr>
-      </p:pic>
-      <p:sp>
-        <p:nvSpPr>
-          <p:cNvPr id="8" name="矩形 7"/>
-          <p:cNvSpPr/>
-          <p:nvPr/>
-        </p:nvSpPr>
-        <p:spPr>
-          <a:xfrm>
-            <a:off x="146616" y="3119547"/>
-            <a:ext cx="4464384" cy="1125000"/>
-          </a:xfrm>
-          <a:prstGeom prst="rect">
-            <a:avLst/>
-          </a:prstGeom>
-          <a:solidFill>
-            <a:schemeClr val="accent4">
-              <a:lumMod val="60000"/>
-              <a:lumOff val="40000"/>
-              <a:alpha val="25000"/>
-            </a:schemeClr>
-          </a:solidFill>
-          <a:ln w="28575">
-            <a:solidFill>
-              <a:schemeClr val="tx1"/>
-            </a:solidFill>
-            <a:prstDash val="dash"/>
-          </a:ln>
-        </p:spPr>
-        <p:style>
-          <a:lnRef idx="2">
-            <a:schemeClr val="accent1">
-              <a:shade val="50000"/>
-            </a:schemeClr>
-          </a:lnRef>
-          <a:fillRef idx="1">
-            <a:schemeClr val="accent1"/>
-          </a:fillRef>
-          <a:effectRef idx="0">
-            <a:schemeClr val="accent1"/>
-          </a:effectRef>
-          <a:fontRef idx="minor">
-            <a:schemeClr val="lt1"/>
-          </a:fontRef>
-        </p:style>
-        <p:txBody>
-          <a:bodyPr rtlCol="0" anchor="ctr"/>
-          <a:lstStyle/>
-          <a:p>
-            <a:pPr marL="285750" indent="-285750" algn="l">
-              <a:lnSpc>
-                <a:spcPct val="150000"/>
-              </a:lnSpc>
-              <a:buClr>
-                <a:srgbClr val="C00000"/>
-              </a:buClr>
-              <a:buFont typeface="Wingdings" pitchFamily="2" charset="2"/>
-              <a:buChar char="ü"/>
-            </a:pPr>
-            <a:endParaRPr lang="zh-CN" altLang="en-US" sz="1200" b="1" dirty="0">
-              <a:solidFill>
-                <a:schemeClr val="tx2"/>
-              </a:solidFill>
-              <a:latin typeface="Times New Roman" panose="02020603050405020304" pitchFamily="18" charset="0"/>
-              <a:cs typeface="Times New Roman" panose="02020603050405020304" pitchFamily="18" charset="0"/>
-            </a:endParaRPr>
-          </a:p>
-        </p:txBody>
-      </p:sp>
-      <p:sp>
-        <p:nvSpPr>
-          <p:cNvPr id="9" name="矩形 8"/>
-          <p:cNvSpPr/>
-          <p:nvPr/>
-        </p:nvSpPr>
-        <p:spPr>
-          <a:xfrm>
-            <a:off x="4926001" y="3119547"/>
-            <a:ext cx="4455000" cy="1125000"/>
-          </a:xfrm>
-          <a:prstGeom prst="rect">
-            <a:avLst/>
-          </a:prstGeom>
-          <a:solidFill>
-            <a:schemeClr val="accent4">
-              <a:lumMod val="60000"/>
-              <a:lumOff val="40000"/>
-              <a:alpha val="25000"/>
-            </a:schemeClr>
-          </a:solidFill>
-          <a:ln w="28575">
-            <a:solidFill>
-              <a:schemeClr val="tx1"/>
-            </a:solidFill>
-            <a:prstDash val="dash"/>
-          </a:ln>
-        </p:spPr>
-        <p:style>
-          <a:lnRef idx="2">
-            <a:schemeClr val="accent1">
-              <a:shade val="50000"/>
-            </a:schemeClr>
-          </a:lnRef>
-          <a:fillRef idx="1">
-            <a:schemeClr val="accent1"/>
-          </a:fillRef>
-          <a:effectRef idx="0">
-            <a:schemeClr val="accent1"/>
-          </a:effectRef>
-          <a:fontRef idx="minor">
-            <a:schemeClr val="lt1"/>
-          </a:fontRef>
-        </p:style>
-        <p:txBody>
-          <a:bodyPr rtlCol="0" anchor="ctr"/>
-          <a:lstStyle/>
-          <a:p>
-            <a:pPr marL="285750" indent="-285750" algn="l">
-              <a:lnSpc>
-                <a:spcPct val="150000"/>
-              </a:lnSpc>
-              <a:buClr>
-                <a:srgbClr val="C00000"/>
-              </a:buClr>
-              <a:buFont typeface="Wingdings" pitchFamily="2" charset="2"/>
-              <a:buChar char="ü"/>
-            </a:pPr>
-            <a:endParaRPr lang="zh-CN" altLang="en-US" sz="1200" b="1" dirty="0">
-              <a:solidFill>
-                <a:schemeClr val="tx2"/>
-              </a:solidFill>
-              <a:latin typeface="Times New Roman" panose="02020603050405020304" pitchFamily="18" charset="0"/>
-              <a:cs typeface="Times New Roman" panose="02020603050405020304" pitchFamily="18" charset="0"/>
-            </a:endParaRPr>
-          </a:p>
-        </p:txBody>
-      </p:sp>
-      <p:sp>
-        <p:nvSpPr>
-          <p:cNvPr id="10" name="矩形 9"/>
-          <p:cNvSpPr/>
-          <p:nvPr/>
-        </p:nvSpPr>
-        <p:spPr>
-          <a:xfrm>
-            <a:off x="1436081" y="3485890"/>
-            <a:ext cx="1614545" cy="415498"/>
-          </a:xfrm>
-          <a:prstGeom prst="rect">
-            <a:avLst/>
-          </a:prstGeom>
-        </p:spPr>
-        <p:txBody>
-          <a:bodyPr wrap="none">
-            <a:spAutoFit/>
-          </a:bodyPr>
-          <a:lstStyle/>
-          <a:p>
-            <a:pPr>
-              <a:lnSpc>
-                <a:spcPct val="150000"/>
-              </a:lnSpc>
-            </a:pPr>
-            <a:r>
-              <a:rPr lang="en-US" altLang="zh-CN" sz="1400" b="1" dirty="0" smtClean="0">
-                <a:latin typeface="Times New Roman" panose="02020603050405020304" pitchFamily="18" charset="0"/>
-                <a:ea typeface="黑体" panose="02010609060101010101" pitchFamily="49" charset="-122"/>
-                <a:cs typeface="Times New Roman" panose="02020603050405020304" pitchFamily="18" charset="0"/>
-              </a:rPr>
-              <a:t>1#-Natural </a:t>
-            </a:r>
-            <a:r>
-              <a:rPr lang="en-US" altLang="zh-CN" sz="1400" b="1" dirty="0">
-                <a:latin typeface="Times New Roman" panose="02020603050405020304" pitchFamily="18" charset="0"/>
-                <a:ea typeface="黑体" panose="02010609060101010101" pitchFamily="49" charset="-122"/>
-                <a:cs typeface="Times New Roman" panose="02020603050405020304" pitchFamily="18" charset="0"/>
-              </a:rPr>
-              <a:t>cooling</a:t>
-            </a:r>
-            <a:endParaRPr lang="en-US" altLang="zh-CN" sz="1400" i="1" dirty="0">
-              <a:latin typeface="Times New Roman" panose="02020603050405020304" pitchFamily="18" charset="0"/>
-              <a:ea typeface="黑体" panose="02010609060101010101" pitchFamily="49" charset="-122"/>
-              <a:cs typeface="Times New Roman" panose="02020603050405020304" pitchFamily="18" charset="0"/>
-            </a:endParaRPr>
-          </a:p>
-        </p:txBody>
-      </p:sp>
-      <p:sp>
-        <p:nvSpPr>
-          <p:cNvPr id="11" name="矩形 10"/>
-          <p:cNvSpPr/>
-          <p:nvPr/>
-        </p:nvSpPr>
-        <p:spPr>
-          <a:xfrm>
-            <a:off x="6411000" y="3469049"/>
-            <a:ext cx="1620000" cy="415498"/>
-          </a:xfrm>
-          <a:prstGeom prst="rect">
-            <a:avLst/>
-          </a:prstGeom>
-        </p:spPr>
-        <p:txBody>
-          <a:bodyPr wrap="square">
-            <a:spAutoFit/>
-          </a:bodyPr>
-          <a:lstStyle/>
-          <a:p>
-            <a:pPr>
-              <a:lnSpc>
-                <a:spcPct val="150000"/>
-              </a:lnSpc>
-            </a:pPr>
-            <a:r>
-              <a:rPr lang="en-US" altLang="zh-CN" sz="1400" b="1" dirty="0" smtClean="0">
-                <a:latin typeface="Times New Roman" panose="02020603050405020304" pitchFamily="18" charset="0"/>
-                <a:ea typeface="黑体" panose="02010609060101010101" pitchFamily="49" charset="-122"/>
-                <a:cs typeface="Times New Roman" panose="02020603050405020304" pitchFamily="18" charset="0"/>
-              </a:rPr>
-              <a:t>2#-Natural </a:t>
-            </a:r>
-            <a:r>
-              <a:rPr lang="en-US" altLang="zh-CN" sz="1400" b="1" dirty="0">
-                <a:latin typeface="Times New Roman" panose="02020603050405020304" pitchFamily="18" charset="0"/>
-                <a:ea typeface="黑体" panose="02010609060101010101" pitchFamily="49" charset="-122"/>
-                <a:cs typeface="Times New Roman" panose="02020603050405020304" pitchFamily="18" charset="0"/>
-              </a:rPr>
-              <a:t>cooling</a:t>
-            </a:r>
-            <a:endParaRPr lang="en-US" altLang="zh-CN" sz="1400" i="1" dirty="0">
-              <a:latin typeface="Times New Roman" panose="02020603050405020304" pitchFamily="18" charset="0"/>
-              <a:ea typeface="黑体" panose="02010609060101010101" pitchFamily="49" charset="-122"/>
-              <a:cs typeface="Times New Roman" panose="02020603050405020304" pitchFamily="18" charset="0"/>
-            </a:endParaRPr>
-          </a:p>
-        </p:txBody>
-      </p:sp>
-      <p:graphicFrame>
-        <p:nvGraphicFramePr>
-          <p:cNvPr id="14" name="表格 13"/>
-          <p:cNvGraphicFramePr>
-            <a:graphicFrameLocks noGrp="1"/>
-          </p:cNvGraphicFramePr>
-          <p:nvPr>
-            <p:extLst>
-              <p:ext uri="{D42A27DB-BD31-4B8C-83A1-F6EECF244321}">
-                <p14:modId xmlns:p14="http://schemas.microsoft.com/office/powerpoint/2010/main" val="3429768054"/>
-              </p:ext>
-            </p:extLst>
-          </p:nvPr>
-        </p:nvGraphicFramePr>
-        <p:xfrm>
-          <a:off x="1945188" y="4329000"/>
-          <a:ext cx="8560812" cy="2160000"/>
-        </p:xfrm>
-        <a:graphic>
-          <a:graphicData uri="http://schemas.openxmlformats.org/drawingml/2006/table">
-            <a:tbl>
-              <a:tblPr firstRow="1" bandRow="1">
-                <a:tableStyleId>{21E4AEA4-8DFA-4A89-87EB-49C32662AFE0}</a:tableStyleId>
-              </a:tblPr>
-              <a:tblGrid>
-                <a:gridCol w="1360812">
-                  <a:extLst>
-                    <a:ext uri="{9D8B030D-6E8A-4147-A177-3AD203B41FA5}">
-                      <a16:colId xmlns:a16="http://schemas.microsoft.com/office/drawing/2014/main" val="2533179539"/>
-                    </a:ext>
-                  </a:extLst>
-                </a:gridCol>
-                <a:gridCol w="1800000">
-                  <a:extLst>
-                    <a:ext uri="{9D8B030D-6E8A-4147-A177-3AD203B41FA5}">
-                      <a16:colId xmlns:a16="http://schemas.microsoft.com/office/drawing/2014/main" val="1056291638"/>
-                    </a:ext>
-                  </a:extLst>
-                </a:gridCol>
-                <a:gridCol w="1800000">
-                  <a:extLst>
-                    <a:ext uri="{9D8B030D-6E8A-4147-A177-3AD203B41FA5}">
-                      <a16:colId xmlns:a16="http://schemas.microsoft.com/office/drawing/2014/main" val="2677758524"/>
-                    </a:ext>
-                  </a:extLst>
-                </a:gridCol>
-                <a:gridCol w="1800000">
-                  <a:extLst>
-                    <a:ext uri="{9D8B030D-6E8A-4147-A177-3AD203B41FA5}">
-                      <a16:colId xmlns:a16="http://schemas.microsoft.com/office/drawing/2014/main" val="2709018504"/>
-                    </a:ext>
-                  </a:extLst>
-                </a:gridCol>
-                <a:gridCol w="1800000">
-                  <a:extLst>
-                    <a:ext uri="{9D8B030D-6E8A-4147-A177-3AD203B41FA5}">
-                      <a16:colId xmlns:a16="http://schemas.microsoft.com/office/drawing/2014/main" val="1919259312"/>
-                    </a:ext>
-                  </a:extLst>
-                </a:gridCol>
-              </a:tblGrid>
-              <a:tr h="360000">
-                <a:tc>
-                  <a:txBody>
-                    <a:bodyPr/>
-                    <a:lstStyle/>
-                    <a:p>
-                      <a:pPr algn="ctr"/>
-                      <a:r>
-                        <a:rPr lang="en-US" altLang="zh-CN" sz="1400" dirty="0" smtClean="0">
-                          <a:solidFill>
-                            <a:schemeClr val="tx1"/>
-                          </a:solidFill>
-                          <a:latin typeface="黑体" panose="02010609060101010101" pitchFamily="49" charset="-122"/>
-                          <a:ea typeface="黑体" panose="02010609060101010101" pitchFamily="49" charset="-122"/>
-                        </a:rPr>
-                        <a:t>Type(Daytime)</a:t>
-                      </a:r>
-                      <a:endParaRPr lang="zh-CN" altLang="en-US" sz="1400" dirty="0">
-                        <a:solidFill>
-                          <a:schemeClr val="tx1"/>
-                        </a:solidFill>
-                        <a:latin typeface="黑体" panose="02010609060101010101" pitchFamily="49" charset="-122"/>
-                        <a:ea typeface="黑体" panose="02010609060101010101" pitchFamily="49" charset="-122"/>
-                      </a:endParaRPr>
-                    </a:p>
-                  </a:txBody>
-                  <a:tcPr>
-                    <a:lnL w="12700" cap="flat" cmpd="sng" algn="ctr">
-                      <a:solidFill>
-                        <a:schemeClr val="tx1"/>
-                      </a:solidFill>
-                      <a:prstDash val="solid"/>
-                      <a:round/>
-                      <a:headEnd type="none" w="med" len="med"/>
-                      <a:tailEnd type="none" w="med" len="med"/>
-                    </a:lnL>
-                    <a:lnR w="12700" cap="flat" cmpd="sng" algn="ctr">
-                      <a:solidFill>
-                        <a:schemeClr val="tx1"/>
-                      </a:solidFill>
-                      <a:prstDash val="solid"/>
-                      <a:round/>
-                      <a:headEnd type="none" w="med" len="med"/>
-                      <a:tailEnd type="none" w="med" len="med"/>
-                    </a:lnR>
-                    <a:lnT w="12700" cap="flat" cmpd="sng" algn="ctr">
-                      <a:solidFill>
-                        <a:schemeClr val="tx1"/>
-                      </a:solidFill>
-                      <a:prstDash val="solid"/>
-                      <a:round/>
-                      <a:headEnd type="none" w="med" len="med"/>
-                      <a:tailEnd type="none" w="med" len="med"/>
-                    </a:lnT>
-                    <a:lnB w="12700" cap="flat" cmpd="sng" algn="ctr">
-                      <a:solidFill>
-                        <a:schemeClr val="tx1"/>
-                      </a:solidFill>
-                      <a:prstDash val="solid"/>
-                      <a:round/>
-                      <a:headEnd type="none" w="med" len="med"/>
-                      <a:tailEnd type="none" w="med" len="med"/>
-                    </a:lnB>
-                    <a:lnTlToBr w="12700" cmpd="sng">
-                      <a:noFill/>
-                      <a:prstDash val="solid"/>
-                    </a:lnTlToBr>
-                    <a:lnBlToTr w="12700" cmpd="sng">
-                      <a:noFill/>
-                      <a:prstDash val="solid"/>
-                    </a:lnBlToTr>
-                  </a:tcPr>
-                </a:tc>
-                <a:tc>
-                  <a:txBody>
-                    <a:bodyPr/>
-                    <a:lstStyle/>
-                    <a:p>
-                      <a:pPr algn="ctr"/>
-                      <a:r>
-                        <a:rPr lang="en-US" altLang="zh-CN" sz="1400" dirty="0" smtClean="0">
-                          <a:solidFill>
-                            <a:schemeClr val="tx1"/>
-                          </a:solidFill>
-                          <a:latin typeface="黑体" panose="02010609060101010101" pitchFamily="49" charset="-122"/>
-                          <a:ea typeface="黑体" panose="02010609060101010101" pitchFamily="49" charset="-122"/>
-                        </a:rPr>
-                        <a:t>1#-</a:t>
-                      </a:r>
-                      <a:r>
-                        <a:rPr lang="en-US" altLang="zh-CN" sz="1400" dirty="0" err="1" smtClean="0">
-                          <a:solidFill>
-                            <a:schemeClr val="tx1"/>
-                          </a:solidFill>
-                          <a:latin typeface="黑体" panose="02010609060101010101" pitchFamily="49" charset="-122"/>
-                          <a:ea typeface="黑体" panose="02010609060101010101" pitchFamily="49" charset="-122"/>
-                        </a:rPr>
-                        <a:t>Lmax</a:t>
-                      </a:r>
-                      <a:endParaRPr lang="zh-CN" altLang="en-US" sz="1400" dirty="0">
-                        <a:solidFill>
-                          <a:schemeClr val="tx1"/>
-                        </a:solidFill>
-                        <a:latin typeface="黑体" panose="02010609060101010101" pitchFamily="49" charset="-122"/>
-                        <a:ea typeface="黑体" panose="02010609060101010101" pitchFamily="49" charset="-122"/>
-                      </a:endParaRPr>
-                    </a:p>
-                  </a:txBody>
-                  <a:tcPr>
-                    <a:lnL w="12700" cap="flat" cmpd="sng" algn="ctr">
-                      <a:solidFill>
-                        <a:schemeClr val="tx1"/>
-                      </a:solidFill>
-                      <a:prstDash val="solid"/>
-                      <a:round/>
-                      <a:headEnd type="none" w="med" len="med"/>
-                      <a:tailEnd type="none" w="med" len="med"/>
-                    </a:lnL>
-                    <a:lnR w="12700" cap="flat" cmpd="sng" algn="ctr">
-                      <a:solidFill>
-                        <a:schemeClr val="tx1"/>
-                      </a:solidFill>
-                      <a:prstDash val="solid"/>
-                      <a:round/>
-                      <a:headEnd type="none" w="med" len="med"/>
-                      <a:tailEnd type="none" w="med" len="med"/>
-                    </a:lnR>
-                    <a:lnT w="12700" cap="flat" cmpd="sng" algn="ctr">
-                      <a:solidFill>
-                        <a:schemeClr val="tx1"/>
-                      </a:solidFill>
-                      <a:prstDash val="solid"/>
-                      <a:round/>
-                      <a:headEnd type="none" w="med" len="med"/>
-                      <a:tailEnd type="none" w="med" len="med"/>
-                    </a:lnT>
-                    <a:lnB w="12700" cap="flat" cmpd="sng" algn="ctr">
-                      <a:solidFill>
-                        <a:schemeClr val="tx1"/>
-                      </a:solidFill>
-                      <a:prstDash val="solid"/>
-                      <a:round/>
-                      <a:headEnd type="none" w="med" len="med"/>
-                      <a:tailEnd type="none" w="med" len="med"/>
-                    </a:lnB>
-                    <a:lnTlToBr w="12700" cmpd="sng">
-                      <a:noFill/>
-                      <a:prstDash val="solid"/>
-                    </a:lnTlToBr>
-                    <a:lnBlToTr w="12700" cmpd="sng">
-                      <a:noFill/>
-                      <a:prstDash val="solid"/>
-                    </a:lnBlToTr>
-                  </a:tcPr>
-                </a:tc>
-                <a:tc>
-                  <a:txBody>
-                    <a:bodyPr/>
-                    <a:lstStyle/>
-                    <a:p>
-                      <a:pPr algn="ctr"/>
-                      <a:r>
-                        <a:rPr lang="en-US" altLang="zh-CN" sz="1400" dirty="0" smtClean="0">
-                          <a:solidFill>
-                            <a:schemeClr val="tx1"/>
-                          </a:solidFill>
-                          <a:latin typeface="黑体" panose="02010609060101010101" pitchFamily="49" charset="-122"/>
-                          <a:ea typeface="黑体" panose="02010609060101010101" pitchFamily="49" charset="-122"/>
-                        </a:rPr>
-                        <a:t>1#-</a:t>
-                      </a:r>
-                      <a:r>
-                        <a:rPr lang="en-US" altLang="zh-CN" sz="1400" dirty="0" err="1" smtClean="0">
-                          <a:solidFill>
-                            <a:schemeClr val="tx1"/>
-                          </a:solidFill>
-                          <a:latin typeface="黑体" panose="02010609060101010101" pitchFamily="49" charset="-122"/>
-                          <a:ea typeface="黑体" panose="02010609060101010101" pitchFamily="49" charset="-122"/>
-                        </a:rPr>
-                        <a:t>Rmax</a:t>
-                      </a:r>
-                      <a:endParaRPr lang="zh-CN" altLang="en-US" sz="1400" dirty="0">
-                        <a:solidFill>
-                          <a:schemeClr val="tx1"/>
-                        </a:solidFill>
-                        <a:latin typeface="黑体" panose="02010609060101010101" pitchFamily="49" charset="-122"/>
-                        <a:ea typeface="黑体" panose="02010609060101010101" pitchFamily="49" charset="-122"/>
-                      </a:endParaRPr>
-                    </a:p>
-                  </a:txBody>
-                  <a:tcPr>
-                    <a:lnL w="12700" cap="flat" cmpd="sng" algn="ctr">
-                      <a:solidFill>
-                        <a:schemeClr val="tx1"/>
-                      </a:solidFill>
-                      <a:prstDash val="solid"/>
-                      <a:round/>
-                      <a:headEnd type="none" w="med" len="med"/>
-                      <a:tailEnd type="none" w="med" len="med"/>
-                    </a:lnL>
-                    <a:lnR w="12700" cap="flat" cmpd="sng" algn="ctr">
-                      <a:solidFill>
-                        <a:schemeClr val="tx1"/>
-                      </a:solidFill>
-                      <a:prstDash val="solid"/>
-                      <a:round/>
-                      <a:headEnd type="none" w="med" len="med"/>
-                      <a:tailEnd type="none" w="med" len="med"/>
-                    </a:lnR>
-                    <a:lnT w="12700" cap="flat" cmpd="sng" algn="ctr">
-                      <a:solidFill>
-                        <a:schemeClr val="tx1"/>
-                      </a:solidFill>
-                      <a:prstDash val="solid"/>
-                      <a:round/>
-                      <a:headEnd type="none" w="med" len="med"/>
-                      <a:tailEnd type="none" w="med" len="med"/>
-                    </a:lnT>
-                    <a:lnB w="12700" cap="flat" cmpd="sng" algn="ctr">
-                      <a:solidFill>
-                        <a:schemeClr val="tx1"/>
-                      </a:solidFill>
-                      <a:prstDash val="solid"/>
-                      <a:round/>
-                      <a:headEnd type="none" w="med" len="med"/>
-                      <a:tailEnd type="none" w="med" len="med"/>
-                    </a:lnB>
-                    <a:lnTlToBr w="12700" cmpd="sng">
-                      <a:noFill/>
-                      <a:prstDash val="solid"/>
-                    </a:lnTlToBr>
-                    <a:lnBlToTr w="12700" cmpd="sng">
-                      <a:noFill/>
-                      <a:prstDash val="solid"/>
-                    </a:lnBlToTr>
-                  </a:tcPr>
-                </a:tc>
-                <a:tc>
-                  <a:txBody>
-                    <a:bodyPr/>
-                    <a:lstStyle/>
-                    <a:p>
-                      <a:pPr algn="ctr"/>
-                      <a:r>
-                        <a:rPr lang="en-US" altLang="zh-CN" sz="1400" dirty="0" smtClean="0">
-                          <a:solidFill>
-                            <a:schemeClr val="tx1"/>
-                          </a:solidFill>
-                          <a:latin typeface="黑体" panose="02010609060101010101" pitchFamily="49" charset="-122"/>
-                          <a:ea typeface="黑体" panose="02010609060101010101" pitchFamily="49" charset="-122"/>
-                        </a:rPr>
-                        <a:t>2#-</a:t>
-                      </a:r>
-                      <a:r>
-                        <a:rPr lang="en-US" altLang="zh-CN" sz="1400" dirty="0" err="1" smtClean="0">
-                          <a:solidFill>
-                            <a:schemeClr val="tx1"/>
-                          </a:solidFill>
-                          <a:latin typeface="黑体" panose="02010609060101010101" pitchFamily="49" charset="-122"/>
-                          <a:ea typeface="黑体" panose="02010609060101010101" pitchFamily="49" charset="-122"/>
-                        </a:rPr>
-                        <a:t>Lmax</a:t>
-                      </a:r>
-                      <a:endParaRPr lang="zh-CN" altLang="en-US" sz="1400" dirty="0">
-                        <a:solidFill>
-                          <a:schemeClr val="tx1"/>
-                        </a:solidFill>
-                        <a:latin typeface="黑体" panose="02010609060101010101" pitchFamily="49" charset="-122"/>
-                        <a:ea typeface="黑体" panose="02010609060101010101" pitchFamily="49" charset="-122"/>
-                      </a:endParaRPr>
-                    </a:p>
-                  </a:txBody>
-                  <a:tcPr>
-                    <a:lnL w="12700" cap="flat" cmpd="sng" algn="ctr">
-                      <a:solidFill>
-                        <a:schemeClr val="tx1"/>
-                      </a:solidFill>
-                      <a:prstDash val="solid"/>
-                      <a:round/>
-                      <a:headEnd type="none" w="med" len="med"/>
-                      <a:tailEnd type="none" w="med" len="med"/>
-                    </a:lnL>
-                    <a:lnR w="12700" cap="flat" cmpd="sng" algn="ctr">
-                      <a:solidFill>
-                        <a:schemeClr val="tx1"/>
-                      </a:solidFill>
-                      <a:prstDash val="solid"/>
-                      <a:round/>
-                      <a:headEnd type="none" w="med" len="med"/>
-                      <a:tailEnd type="none" w="med" len="med"/>
-                    </a:lnR>
-                    <a:lnT w="12700" cap="flat" cmpd="sng" algn="ctr">
-                      <a:solidFill>
-                        <a:schemeClr val="tx1"/>
-                      </a:solidFill>
-                      <a:prstDash val="solid"/>
-                      <a:round/>
-                      <a:headEnd type="none" w="med" len="med"/>
-                      <a:tailEnd type="none" w="med" len="med"/>
-                    </a:lnT>
-                    <a:lnB w="12700" cap="flat" cmpd="sng" algn="ctr">
-                      <a:solidFill>
-                        <a:schemeClr val="tx1"/>
-                      </a:solidFill>
-                      <a:prstDash val="solid"/>
-                      <a:round/>
-                      <a:headEnd type="none" w="med" len="med"/>
-                      <a:tailEnd type="none" w="med" len="med"/>
-                    </a:lnB>
-                    <a:lnTlToBr w="12700" cmpd="sng">
-                      <a:noFill/>
-                      <a:prstDash val="solid"/>
-                    </a:lnTlToBr>
-                    <a:lnBlToTr w="12700" cmpd="sng">
-                      <a:noFill/>
-                      <a:prstDash val="solid"/>
-                    </a:lnBlToTr>
-                  </a:tcPr>
-                </a:tc>
-                <a:tc>
-                  <a:txBody>
-                    <a:bodyPr/>
-                    <a:lstStyle/>
-                    <a:p>
-                      <a:pPr algn="ctr"/>
-                      <a:r>
-                        <a:rPr lang="en-US" altLang="zh-CN" sz="1400" dirty="0" smtClean="0">
-                          <a:solidFill>
-                            <a:schemeClr val="tx1"/>
-                          </a:solidFill>
-                          <a:latin typeface="黑体" panose="02010609060101010101" pitchFamily="49" charset="-122"/>
-                          <a:ea typeface="黑体" panose="02010609060101010101" pitchFamily="49" charset="-122"/>
-                        </a:rPr>
-                        <a:t>2#-</a:t>
-                      </a:r>
-                      <a:r>
-                        <a:rPr lang="en-US" altLang="zh-CN" sz="1400" dirty="0" err="1" smtClean="0">
-                          <a:solidFill>
-                            <a:schemeClr val="tx1"/>
-                          </a:solidFill>
-                          <a:latin typeface="黑体" panose="02010609060101010101" pitchFamily="49" charset="-122"/>
-                          <a:ea typeface="黑体" panose="02010609060101010101" pitchFamily="49" charset="-122"/>
-                        </a:rPr>
-                        <a:t>Rmax</a:t>
-                      </a:r>
-                      <a:endParaRPr lang="zh-CN" altLang="en-US" sz="1400" dirty="0">
-                        <a:solidFill>
-                          <a:schemeClr val="tx1"/>
-                        </a:solidFill>
-                        <a:latin typeface="黑体" panose="02010609060101010101" pitchFamily="49" charset="-122"/>
-                        <a:ea typeface="黑体" panose="02010609060101010101" pitchFamily="49" charset="-122"/>
-                      </a:endParaRPr>
-                    </a:p>
-                  </a:txBody>
-                  <a:tcPr>
-                    <a:lnL w="12700" cap="flat" cmpd="sng" algn="ctr">
-                      <a:solidFill>
-                        <a:schemeClr val="tx1"/>
-                      </a:solidFill>
-                      <a:prstDash val="solid"/>
-                      <a:round/>
-                      <a:headEnd type="none" w="med" len="med"/>
-                      <a:tailEnd type="none" w="med" len="med"/>
-                    </a:lnL>
-                    <a:lnR w="12700" cap="flat" cmpd="sng" algn="ctr">
-                      <a:solidFill>
-                        <a:schemeClr val="tx1"/>
-                      </a:solidFill>
-                      <a:prstDash val="solid"/>
-                      <a:round/>
-                      <a:headEnd type="none" w="med" len="med"/>
-                      <a:tailEnd type="none" w="med" len="med"/>
-                    </a:lnR>
-                    <a:lnT w="12700" cap="flat" cmpd="sng" algn="ctr">
-                      <a:solidFill>
-                        <a:schemeClr val="tx1"/>
-                      </a:solidFill>
-                      <a:prstDash val="solid"/>
-                      <a:round/>
-                      <a:headEnd type="none" w="med" len="med"/>
-                      <a:tailEnd type="none" w="med" len="med"/>
-                    </a:lnT>
-                    <a:lnB w="12700" cap="flat" cmpd="sng" algn="ctr">
-                      <a:solidFill>
-                        <a:schemeClr val="tx1"/>
-                      </a:solidFill>
-                      <a:prstDash val="solid"/>
-                      <a:round/>
-                      <a:headEnd type="none" w="med" len="med"/>
-                      <a:tailEnd type="none" w="med" len="med"/>
-                    </a:lnB>
-                    <a:lnTlToBr w="12700" cmpd="sng">
-                      <a:noFill/>
-                      <a:prstDash val="solid"/>
-                    </a:lnTlToBr>
-                    <a:lnBlToTr w="12700" cmpd="sng">
-                      <a:noFill/>
-                      <a:prstDash val="solid"/>
-                    </a:lnBlToTr>
-                  </a:tcPr>
-                </a:tc>
-                <a:extLst>
-                  <a:ext uri="{0D108BD9-81ED-4DB2-BD59-A6C34878D82A}">
-                    <a16:rowId xmlns:a16="http://schemas.microsoft.com/office/drawing/2014/main" val="800044611"/>
-                  </a:ext>
-                </a:extLst>
-              </a:tr>
-              <a:tr h="360000">
-                <a:tc rowSpan="5">
-                  <a:txBody>
-                    <a:bodyPr/>
-                    <a:lstStyle/>
-                    <a:p>
-                      <a:pPr marL="0" marR="0" indent="0" algn="ctr" defTabSz="685800" rtl="0" eaLnBrk="1" fontAlgn="auto" latinLnBrk="0" hangingPunct="1">
-                        <a:lnSpc>
-                          <a:spcPct val="100000"/>
-                        </a:lnSpc>
-                        <a:spcBef>
-                          <a:spcPts val="0"/>
-                        </a:spcBef>
-                        <a:spcAft>
-                          <a:spcPts val="0"/>
-                        </a:spcAft>
-                        <a:buClrTx/>
-                        <a:buSzTx/>
-                        <a:buFontTx/>
-                        <a:buNone/>
-                        <a:tabLst/>
-                        <a:defRPr/>
-                      </a:pPr>
-                      <a:r>
-                        <a:rPr lang="en-US" altLang="zh-CN" sz="1801" b="1" i="0" u="none" strike="noStrike" kern="1200" dirty="0" smtClean="0">
-                          <a:solidFill>
-                            <a:schemeClr val="dk1"/>
-                          </a:solidFill>
-                          <a:effectLst/>
-                          <a:latin typeface="+mn-lt"/>
-                          <a:ea typeface="+mn-ea"/>
-                          <a:cs typeface="+mn-cs"/>
-                        </a:rPr>
-                        <a:t>Choice</a:t>
-                      </a:r>
-                      <a:endParaRPr lang="zh-CN" altLang="en-US" sz="1400" kern="1200" dirty="0" smtClean="0">
-                        <a:solidFill>
-                          <a:schemeClr val="dk1"/>
-                        </a:solidFill>
-                        <a:latin typeface="黑体" panose="02010609060101010101" pitchFamily="49" charset="-122"/>
-                        <a:ea typeface="黑体" panose="02010609060101010101" pitchFamily="49" charset="-122"/>
-                        <a:cs typeface="+mn-cs"/>
-                      </a:endParaRPr>
-                    </a:p>
-                  </a:txBody>
-                  <a:tcPr anchor="ctr">
-                    <a:lnL w="12700" cap="flat" cmpd="sng" algn="ctr">
-                      <a:solidFill>
-                        <a:schemeClr val="tx1"/>
-                      </a:solidFill>
-                      <a:prstDash val="solid"/>
-                      <a:round/>
-                      <a:headEnd type="none" w="med" len="med"/>
-                      <a:tailEnd type="none" w="med" len="med"/>
-                    </a:lnL>
-                    <a:lnR w="12700" cap="flat" cmpd="sng" algn="ctr">
-                      <a:solidFill>
-                        <a:schemeClr val="tx1"/>
-                      </a:solidFill>
-                      <a:prstDash val="solid"/>
-                      <a:round/>
-                      <a:headEnd type="none" w="med" len="med"/>
-                      <a:tailEnd type="none" w="med" len="med"/>
-                    </a:lnR>
-                    <a:lnT w="12700" cap="flat" cmpd="sng" algn="ctr">
-                      <a:solidFill>
-                        <a:schemeClr val="tx1"/>
-                      </a:solidFill>
-                      <a:prstDash val="solid"/>
-                      <a:round/>
-                      <a:headEnd type="none" w="med" len="med"/>
-                      <a:tailEnd type="none" w="med" len="med"/>
-                    </a:lnT>
-                    <a:lnB w="12700" cap="flat" cmpd="sng" algn="ctr">
-                      <a:solidFill>
-                        <a:schemeClr val="tx1"/>
-                      </a:solidFill>
-                      <a:prstDash val="solid"/>
-                      <a:round/>
-                      <a:headEnd type="none" w="med" len="med"/>
-                      <a:tailEnd type="none" w="med" len="med"/>
-                    </a:lnB>
-                    <a:lnTlToBr w="12700" cmpd="sng">
-                      <a:noFill/>
-                      <a:prstDash val="solid"/>
-                    </a:lnTlToBr>
-                    <a:lnBlToTr w="12700" cmpd="sng">
-                      <a:noFill/>
-                      <a:prstDash val="solid"/>
-                    </a:lnBlToTr>
-                  </a:tcPr>
-                </a:tc>
-                <a:tc>
-                  <a:txBody>
-                    <a:bodyPr/>
-                    <a:lstStyle/>
-                    <a:p>
-                      <a:pPr indent="127000" algn="ctr">
-                        <a:lnSpc>
-                          <a:spcPts val="2000"/>
-                        </a:lnSpc>
-                        <a:spcAft>
-                          <a:spcPts val="0"/>
-                        </a:spcAft>
-                      </a:pPr>
-                      <a:r>
-                        <a:rPr lang="en-US" sz="1400" kern="100" dirty="0" smtClean="0">
-                          <a:effectLst/>
-                          <a:latin typeface="黑体" panose="02010609060101010101" pitchFamily="49" charset="-122"/>
-                          <a:ea typeface="黑体" panose="02010609060101010101" pitchFamily="49" charset="-122"/>
-                          <a:cs typeface="Times New Roman" panose="02020603050405020304" pitchFamily="18" charset="0"/>
-                        </a:rPr>
-                        <a:t>120</a:t>
-                      </a:r>
-                      <a:endParaRPr lang="zh-CN" sz="1400" kern="100" dirty="0">
-                        <a:effectLst/>
-                        <a:latin typeface="黑体" panose="02010609060101010101" pitchFamily="49" charset="-122"/>
-                        <a:ea typeface="黑体" panose="02010609060101010101" pitchFamily="49" charset="-122"/>
-                        <a:cs typeface="Times New Roman" panose="02020603050405020304" pitchFamily="18" charset="0"/>
-                      </a:endParaRPr>
-                    </a:p>
-                  </a:txBody>
-                  <a:tcPr marL="68580" marR="68580" marT="0" marB="0" anchor="ctr">
-                    <a:lnL w="12700" cap="flat" cmpd="sng" algn="ctr">
-                      <a:solidFill>
-                        <a:schemeClr val="tx1"/>
-                      </a:solidFill>
-                      <a:prstDash val="solid"/>
-                      <a:round/>
-                      <a:headEnd type="none" w="med" len="med"/>
-                      <a:tailEnd type="none" w="med" len="med"/>
-                    </a:lnL>
-                    <a:lnR w="12700" cap="flat" cmpd="sng" algn="ctr">
-                      <a:solidFill>
-                        <a:schemeClr val="tx1"/>
-                      </a:solidFill>
-                      <a:prstDash val="solid"/>
-                      <a:round/>
-                      <a:headEnd type="none" w="med" len="med"/>
-                      <a:tailEnd type="none" w="med" len="med"/>
-                    </a:lnR>
-                    <a:lnT w="12700" cap="flat" cmpd="sng" algn="ctr">
-                      <a:solidFill>
-                        <a:schemeClr val="tx1"/>
-                      </a:solidFill>
-                      <a:prstDash val="solid"/>
-                      <a:round/>
-                      <a:headEnd type="none" w="med" len="med"/>
-                      <a:tailEnd type="none" w="med" len="med"/>
-                    </a:lnT>
-                    <a:lnB w="12700" cap="flat" cmpd="sng" algn="ctr">
-                      <a:solidFill>
-                        <a:schemeClr val="tx1"/>
-                      </a:solidFill>
-                      <a:prstDash val="solid"/>
-                      <a:round/>
-                      <a:headEnd type="none" w="med" len="med"/>
-                      <a:tailEnd type="none" w="med" len="med"/>
-                    </a:lnB>
-                    <a:lnTlToBr w="12700" cmpd="sng">
-                      <a:noFill/>
-                      <a:prstDash val="solid"/>
-                    </a:lnTlToBr>
-                    <a:lnBlToTr w="12700" cmpd="sng">
-                      <a:noFill/>
-                      <a:prstDash val="solid"/>
-                    </a:lnBlToTr>
-                  </a:tcPr>
-                </a:tc>
-                <a:tc>
-                  <a:txBody>
-                    <a:bodyPr/>
-                    <a:lstStyle/>
-                    <a:p>
-                      <a:pPr indent="127000" algn="ctr">
-                        <a:lnSpc>
-                          <a:spcPts val="2000"/>
-                        </a:lnSpc>
-                        <a:spcAft>
-                          <a:spcPts val="0"/>
-                        </a:spcAft>
-                      </a:pPr>
-                      <a:r>
-                        <a:rPr lang="en-US" sz="1400" kern="100" dirty="0" smtClean="0">
-                          <a:effectLst/>
-                          <a:latin typeface="黑体" panose="02010609060101010101" pitchFamily="49" charset="-122"/>
-                          <a:ea typeface="黑体" panose="02010609060101010101" pitchFamily="49" charset="-122"/>
-                          <a:cs typeface="Times New Roman" panose="02020603050405020304" pitchFamily="18" charset="0"/>
-                        </a:rPr>
-                        <a:t>Waiting</a:t>
-                      </a:r>
-                      <a:endParaRPr lang="zh-CN" sz="1400" kern="100" dirty="0">
-                        <a:effectLst/>
-                        <a:latin typeface="黑体" panose="02010609060101010101" pitchFamily="49" charset="-122"/>
-                        <a:ea typeface="黑体" panose="02010609060101010101" pitchFamily="49" charset="-122"/>
-                        <a:cs typeface="Times New Roman" panose="02020603050405020304" pitchFamily="18" charset="0"/>
-                      </a:endParaRPr>
-                    </a:p>
-                  </a:txBody>
-                  <a:tcPr marL="68580" marR="68580" marT="0" marB="0" anchor="ctr">
-                    <a:lnL w="12700" cap="flat" cmpd="sng" algn="ctr">
-                      <a:solidFill>
-                        <a:schemeClr val="tx1"/>
-                      </a:solidFill>
-                      <a:prstDash val="solid"/>
-                      <a:round/>
-                      <a:headEnd type="none" w="med" len="med"/>
-                      <a:tailEnd type="none" w="med" len="med"/>
-                    </a:lnL>
-                    <a:lnR w="12700" cap="flat" cmpd="sng" algn="ctr">
-                      <a:solidFill>
-                        <a:schemeClr val="tx1"/>
-                      </a:solidFill>
-                      <a:prstDash val="solid"/>
-                      <a:round/>
-                      <a:headEnd type="none" w="med" len="med"/>
-                      <a:tailEnd type="none" w="med" len="med"/>
-                    </a:lnR>
-                    <a:lnT w="12700" cap="flat" cmpd="sng" algn="ctr">
-                      <a:solidFill>
-                        <a:schemeClr val="tx1"/>
-                      </a:solidFill>
-                      <a:prstDash val="solid"/>
-                      <a:round/>
-                      <a:headEnd type="none" w="med" len="med"/>
-                      <a:tailEnd type="none" w="med" len="med"/>
-                    </a:lnT>
-                    <a:lnB w="12700" cap="flat" cmpd="sng" algn="ctr">
-                      <a:solidFill>
-                        <a:schemeClr val="tx1"/>
-                      </a:solidFill>
-                      <a:prstDash val="solid"/>
-                      <a:round/>
-                      <a:headEnd type="none" w="med" len="med"/>
-                      <a:tailEnd type="none" w="med" len="med"/>
-                    </a:lnB>
-                    <a:lnTlToBr w="12700" cmpd="sng">
-                      <a:noFill/>
-                      <a:prstDash val="solid"/>
-                    </a:lnTlToBr>
-                    <a:lnBlToTr w="12700" cmpd="sng">
-                      <a:noFill/>
-                      <a:prstDash val="solid"/>
-                    </a:lnBlToTr>
-                  </a:tcPr>
-                </a:tc>
-                <a:tc>
-                  <a:txBody>
-                    <a:bodyPr/>
-                    <a:lstStyle/>
-                    <a:p>
-                      <a:pPr indent="127000" algn="ctr">
-                        <a:lnSpc>
-                          <a:spcPts val="2000"/>
-                        </a:lnSpc>
-                        <a:spcAft>
-                          <a:spcPts val="0"/>
-                        </a:spcAft>
-                      </a:pPr>
-                      <a:r>
-                        <a:rPr lang="en-US" altLang="zh-CN" sz="1400" kern="100" dirty="0" smtClean="0">
-                          <a:effectLst/>
-                          <a:latin typeface="黑体" panose="02010609060101010101" pitchFamily="49" charset="-122"/>
-                          <a:ea typeface="黑体" panose="02010609060101010101" pitchFamily="49" charset="-122"/>
-                          <a:cs typeface="Times New Roman" panose="02020603050405020304" pitchFamily="18" charset="0"/>
-                        </a:rPr>
-                        <a:t>120</a:t>
-                      </a:r>
-                      <a:endParaRPr lang="zh-CN" sz="1400" kern="100" dirty="0">
-                        <a:effectLst/>
-                        <a:latin typeface="黑体" panose="02010609060101010101" pitchFamily="49" charset="-122"/>
-                        <a:ea typeface="黑体" panose="02010609060101010101" pitchFamily="49" charset="-122"/>
-                        <a:cs typeface="Times New Roman" panose="02020603050405020304" pitchFamily="18" charset="0"/>
-                      </a:endParaRPr>
-                    </a:p>
-                  </a:txBody>
-                  <a:tcPr marL="68580" marR="68580" marT="0" marB="0" anchor="ctr">
-                    <a:lnL w="12700" cap="flat" cmpd="sng" algn="ctr">
-                      <a:solidFill>
-                        <a:schemeClr val="tx1"/>
-                      </a:solidFill>
-                      <a:prstDash val="solid"/>
-                      <a:round/>
-                      <a:headEnd type="none" w="med" len="med"/>
-                      <a:tailEnd type="none" w="med" len="med"/>
-                    </a:lnL>
-                    <a:lnR w="12700" cap="flat" cmpd="sng" algn="ctr">
-                      <a:solidFill>
-                        <a:schemeClr val="tx1"/>
-                      </a:solidFill>
-                      <a:prstDash val="solid"/>
-                      <a:round/>
-                      <a:headEnd type="none" w="med" len="med"/>
-                      <a:tailEnd type="none" w="med" len="med"/>
-                    </a:lnR>
-                    <a:lnT w="12700" cap="flat" cmpd="sng" algn="ctr">
-                      <a:solidFill>
-                        <a:schemeClr val="tx1"/>
-                      </a:solidFill>
-                      <a:prstDash val="solid"/>
-                      <a:round/>
-                      <a:headEnd type="none" w="med" len="med"/>
-                      <a:tailEnd type="none" w="med" len="med"/>
-                    </a:lnT>
-                    <a:lnB w="12700" cap="flat" cmpd="sng" algn="ctr">
-                      <a:solidFill>
-                        <a:schemeClr val="tx1"/>
-                      </a:solidFill>
-                      <a:prstDash val="solid"/>
-                      <a:round/>
-                      <a:headEnd type="none" w="med" len="med"/>
-                      <a:tailEnd type="none" w="med" len="med"/>
-                    </a:lnB>
-                    <a:lnTlToBr w="12700" cmpd="sng">
-                      <a:noFill/>
-                      <a:prstDash val="solid"/>
-                    </a:lnTlToBr>
-                    <a:lnBlToTr w="12700" cmpd="sng">
-                      <a:noFill/>
-                      <a:prstDash val="solid"/>
-                    </a:lnBlToTr>
-                  </a:tcPr>
-                </a:tc>
-                <a:tc>
-                  <a:txBody>
-                    <a:bodyPr/>
-                    <a:lstStyle/>
-                    <a:p>
-                      <a:pPr marL="0" marR="0" lvl="0" indent="127000" algn="ctr" defTabSz="914310" rtl="0" eaLnBrk="1" fontAlgn="auto" latinLnBrk="0" hangingPunct="1">
-                        <a:lnSpc>
-                          <a:spcPts val="2000"/>
-                        </a:lnSpc>
-                        <a:spcBef>
-                          <a:spcPts val="0"/>
-                        </a:spcBef>
-                        <a:spcAft>
-                          <a:spcPts val="0"/>
-                        </a:spcAft>
-                        <a:buClrTx/>
-                        <a:buSzTx/>
-                        <a:buFontTx/>
-                        <a:buNone/>
-                        <a:tabLst/>
-                        <a:defRPr/>
-                      </a:pPr>
-                      <a:r>
-                        <a:rPr lang="en-US" altLang="zh-CN" sz="1400" kern="100" dirty="0" smtClean="0">
-                          <a:effectLst/>
-                          <a:latin typeface="黑体" panose="02010609060101010101" pitchFamily="49" charset="-122"/>
-                          <a:ea typeface="黑体" panose="02010609060101010101" pitchFamily="49" charset="-122"/>
-                          <a:cs typeface="Times New Roman" panose="02020603050405020304" pitchFamily="18" charset="0"/>
-                        </a:rPr>
-                        <a:t>Waiting</a:t>
-                      </a:r>
-                      <a:endParaRPr lang="zh-CN" altLang="zh-CN" sz="1400" kern="100" dirty="0" smtClean="0">
-                        <a:effectLst/>
-                        <a:latin typeface="黑体" panose="02010609060101010101" pitchFamily="49" charset="-122"/>
-                        <a:ea typeface="黑体" panose="02010609060101010101" pitchFamily="49" charset="-122"/>
-                        <a:cs typeface="Times New Roman" panose="02020603050405020304" pitchFamily="18" charset="0"/>
-                      </a:endParaRPr>
-                    </a:p>
-                  </a:txBody>
-                  <a:tcPr marL="68580" marR="68580" marT="0" marB="0" anchor="ctr">
-                    <a:lnL w="12700" cap="flat" cmpd="sng" algn="ctr">
-                      <a:solidFill>
-                        <a:schemeClr val="tx1"/>
-                      </a:solidFill>
-                      <a:prstDash val="solid"/>
-                      <a:round/>
-                      <a:headEnd type="none" w="med" len="med"/>
-                      <a:tailEnd type="none" w="med" len="med"/>
-                    </a:lnL>
-                    <a:lnR w="12700" cap="flat" cmpd="sng" algn="ctr">
-                      <a:solidFill>
-                        <a:schemeClr val="tx1"/>
-                      </a:solidFill>
-                      <a:prstDash val="solid"/>
-                      <a:round/>
-                      <a:headEnd type="none" w="med" len="med"/>
-                      <a:tailEnd type="none" w="med" len="med"/>
-                    </a:lnR>
-                    <a:lnT w="12700" cap="flat" cmpd="sng" algn="ctr">
-                      <a:solidFill>
-                        <a:schemeClr val="tx1"/>
-                      </a:solidFill>
-                      <a:prstDash val="solid"/>
-                      <a:round/>
-                      <a:headEnd type="none" w="med" len="med"/>
-                      <a:tailEnd type="none" w="med" len="med"/>
-                    </a:lnT>
-                    <a:lnB w="12700" cap="flat" cmpd="sng" algn="ctr">
-                      <a:solidFill>
-                        <a:schemeClr val="tx1"/>
-                      </a:solidFill>
-                      <a:prstDash val="solid"/>
-                      <a:round/>
-                      <a:headEnd type="none" w="med" len="med"/>
-                      <a:tailEnd type="none" w="med" len="med"/>
-                    </a:lnB>
-                    <a:lnTlToBr w="12700" cmpd="sng">
-                      <a:noFill/>
-                      <a:prstDash val="solid"/>
-                    </a:lnTlToBr>
-                    <a:lnBlToTr w="12700" cmpd="sng">
-                      <a:noFill/>
-                      <a:prstDash val="solid"/>
-                    </a:lnBlToTr>
-                  </a:tcPr>
-                </a:tc>
-                <a:extLst>
-                  <a:ext uri="{0D108BD9-81ED-4DB2-BD59-A6C34878D82A}">
-                    <a16:rowId xmlns:a16="http://schemas.microsoft.com/office/drawing/2014/main" val="4071434126"/>
-                  </a:ext>
-                </a:extLst>
-              </a:tr>
-              <a:tr h="360000">
-                <a:tc vMerge="1">
-                  <a:txBody>
-                    <a:bodyPr/>
-                    <a:lstStyle/>
-                    <a:p>
-                      <a:pPr marL="0" marR="0" indent="0" algn="l" defTabSz="685800" rtl="0" eaLnBrk="1" fontAlgn="auto" latinLnBrk="0" hangingPunct="1">
-                        <a:lnSpc>
-                          <a:spcPct val="100000"/>
-                        </a:lnSpc>
-                        <a:spcBef>
-                          <a:spcPts val="0"/>
-                        </a:spcBef>
-                        <a:spcAft>
-                          <a:spcPts val="0"/>
-                        </a:spcAft>
-                        <a:buClrTx/>
-                        <a:buSzTx/>
-                        <a:buFontTx/>
-                        <a:buNone/>
-                        <a:tabLst/>
-                        <a:defRPr/>
-                      </a:pPr>
-                      <a:endParaRPr lang="zh-CN" altLang="en-US" sz="1000" dirty="0" smtClean="0"/>
-                    </a:p>
-                  </a:txBody>
-                  <a:tcPr/>
-                </a:tc>
-                <a:tc>
-                  <a:txBody>
-                    <a:bodyPr/>
-                    <a:lstStyle/>
-                    <a:p>
-                      <a:pPr indent="127000" algn="ctr">
-                        <a:lnSpc>
-                          <a:spcPts val="2000"/>
-                        </a:lnSpc>
-                        <a:spcAft>
-                          <a:spcPts val="0"/>
-                        </a:spcAft>
-                      </a:pPr>
-                      <a:r>
-                        <a:rPr lang="en-US" sz="1400" kern="100" dirty="0">
-                          <a:effectLst/>
-                          <a:latin typeface="黑体" panose="02010609060101010101" pitchFamily="49" charset="-122"/>
-                          <a:ea typeface="黑体" panose="02010609060101010101" pitchFamily="49" charset="-122"/>
-                          <a:cs typeface="Times New Roman" panose="02020603050405020304" pitchFamily="18" charset="0"/>
-                        </a:rPr>
-                        <a:t>90</a:t>
-                      </a:r>
-                      <a:endParaRPr lang="zh-CN" sz="1400" kern="100" dirty="0">
-                        <a:effectLst/>
-                        <a:latin typeface="黑体" panose="02010609060101010101" pitchFamily="49" charset="-122"/>
-                        <a:ea typeface="黑体" panose="02010609060101010101" pitchFamily="49" charset="-122"/>
-                        <a:cs typeface="Times New Roman" panose="02020603050405020304" pitchFamily="18" charset="0"/>
-                      </a:endParaRPr>
-                    </a:p>
-                  </a:txBody>
-                  <a:tcPr marL="68580" marR="68580" marT="0" marB="0" anchor="ctr">
-                    <a:lnL w="12700" cap="flat" cmpd="sng" algn="ctr">
-                      <a:solidFill>
-                        <a:schemeClr val="tx1"/>
-                      </a:solidFill>
-                      <a:prstDash val="solid"/>
-                      <a:round/>
-                      <a:headEnd type="none" w="med" len="med"/>
-                      <a:tailEnd type="none" w="med" len="med"/>
-                    </a:lnL>
-                    <a:lnR w="12700" cap="flat" cmpd="sng" algn="ctr">
-                      <a:solidFill>
-                        <a:schemeClr val="tx1"/>
-                      </a:solidFill>
-                      <a:prstDash val="solid"/>
-                      <a:round/>
-                      <a:headEnd type="none" w="med" len="med"/>
-                      <a:tailEnd type="none" w="med" len="med"/>
-                    </a:lnR>
-                    <a:lnT w="12700" cap="flat" cmpd="sng" algn="ctr">
-                      <a:solidFill>
-                        <a:schemeClr val="tx1"/>
-                      </a:solidFill>
-                      <a:prstDash val="solid"/>
-                      <a:round/>
-                      <a:headEnd type="none" w="med" len="med"/>
-                      <a:tailEnd type="none" w="med" len="med"/>
-                    </a:lnT>
-                    <a:lnB w="12700" cap="flat" cmpd="sng" algn="ctr">
-                      <a:solidFill>
-                        <a:schemeClr val="tx1"/>
-                      </a:solidFill>
-                      <a:prstDash val="solid"/>
-                      <a:round/>
-                      <a:headEnd type="none" w="med" len="med"/>
-                      <a:tailEnd type="none" w="med" len="med"/>
-                    </a:lnB>
-                    <a:lnTlToBr w="12700" cmpd="sng">
-                      <a:noFill/>
-                      <a:prstDash val="solid"/>
-                    </a:lnTlToBr>
-                    <a:lnBlToTr w="12700" cmpd="sng">
-                      <a:noFill/>
-                      <a:prstDash val="solid"/>
-                    </a:lnBlToTr>
-                  </a:tcPr>
-                </a:tc>
-                <a:tc>
-                  <a:txBody>
-                    <a:bodyPr/>
-                    <a:lstStyle/>
-                    <a:p>
-                      <a:pPr indent="127000" algn="ctr">
-                        <a:lnSpc>
-                          <a:spcPts val="2000"/>
-                        </a:lnSpc>
-                        <a:spcAft>
-                          <a:spcPts val="0"/>
-                        </a:spcAft>
-                      </a:pPr>
-                      <a:r>
-                        <a:rPr lang="en-US" sz="1400" kern="100" dirty="0" smtClean="0">
-                          <a:effectLst/>
-                          <a:latin typeface="黑体" panose="02010609060101010101" pitchFamily="49" charset="-122"/>
-                          <a:ea typeface="黑体" panose="02010609060101010101" pitchFamily="49" charset="-122"/>
-                          <a:cs typeface="Times New Roman" panose="02020603050405020304" pitchFamily="18" charset="0"/>
-                        </a:rPr>
-                        <a:t>30/Waiting</a:t>
-                      </a:r>
-                      <a:endParaRPr lang="zh-CN" sz="1400" kern="100" dirty="0">
-                        <a:effectLst/>
-                        <a:latin typeface="黑体" panose="02010609060101010101" pitchFamily="49" charset="-122"/>
-                        <a:ea typeface="黑体" panose="02010609060101010101" pitchFamily="49" charset="-122"/>
-                        <a:cs typeface="Times New Roman" panose="02020603050405020304" pitchFamily="18" charset="0"/>
-                      </a:endParaRPr>
-                    </a:p>
-                  </a:txBody>
-                  <a:tcPr marL="68580" marR="68580" marT="0" marB="0" anchor="ctr">
-                    <a:lnL w="12700" cap="flat" cmpd="sng" algn="ctr">
-                      <a:solidFill>
-                        <a:schemeClr val="tx1"/>
-                      </a:solidFill>
-                      <a:prstDash val="solid"/>
-                      <a:round/>
-                      <a:headEnd type="none" w="med" len="med"/>
-                      <a:tailEnd type="none" w="med" len="med"/>
-                    </a:lnL>
-                    <a:lnR w="12700" cap="flat" cmpd="sng" algn="ctr">
-                      <a:solidFill>
-                        <a:schemeClr val="tx1"/>
-                      </a:solidFill>
-                      <a:prstDash val="solid"/>
-                      <a:round/>
-                      <a:headEnd type="none" w="med" len="med"/>
-                      <a:tailEnd type="none" w="med" len="med"/>
-                    </a:lnR>
-                    <a:lnT w="12700" cap="flat" cmpd="sng" algn="ctr">
-                      <a:solidFill>
-                        <a:schemeClr val="tx1"/>
-                      </a:solidFill>
-                      <a:prstDash val="solid"/>
-                      <a:round/>
-                      <a:headEnd type="none" w="med" len="med"/>
-                      <a:tailEnd type="none" w="med" len="med"/>
-                    </a:lnT>
-                    <a:lnB w="12700" cap="flat" cmpd="sng" algn="ctr">
-                      <a:solidFill>
-                        <a:schemeClr val="tx1"/>
-                      </a:solidFill>
-                      <a:prstDash val="solid"/>
-                      <a:round/>
-                      <a:headEnd type="none" w="med" len="med"/>
-                      <a:tailEnd type="none" w="med" len="med"/>
-                    </a:lnB>
-                    <a:lnTlToBr w="12700" cmpd="sng">
-                      <a:noFill/>
-                      <a:prstDash val="solid"/>
-                    </a:lnTlToBr>
-                    <a:lnBlToTr w="12700" cmpd="sng">
-                      <a:noFill/>
-                      <a:prstDash val="solid"/>
-                    </a:lnBlToTr>
-                  </a:tcPr>
-                </a:tc>
-                <a:tc>
-                  <a:txBody>
-                    <a:bodyPr/>
-                    <a:lstStyle/>
-                    <a:p>
-                      <a:pPr indent="127000" algn="ctr">
-                        <a:lnSpc>
-                          <a:spcPts val="2000"/>
-                        </a:lnSpc>
-                        <a:spcAft>
-                          <a:spcPts val="0"/>
-                        </a:spcAft>
-                      </a:pPr>
-                      <a:r>
-                        <a:rPr lang="en-US" sz="1400" kern="100" dirty="0">
-                          <a:effectLst/>
-                          <a:latin typeface="黑体" panose="02010609060101010101" pitchFamily="49" charset="-122"/>
-                          <a:ea typeface="黑体" panose="02010609060101010101" pitchFamily="49" charset="-122"/>
-                          <a:cs typeface="Times New Roman" panose="02020603050405020304" pitchFamily="18" charset="0"/>
-                        </a:rPr>
-                        <a:t>90</a:t>
-                      </a:r>
-                      <a:endParaRPr lang="zh-CN" sz="1400" kern="100" dirty="0">
-                        <a:effectLst/>
-                        <a:latin typeface="黑体" panose="02010609060101010101" pitchFamily="49" charset="-122"/>
-                        <a:ea typeface="黑体" panose="02010609060101010101" pitchFamily="49" charset="-122"/>
-                        <a:cs typeface="Times New Roman" panose="02020603050405020304" pitchFamily="18" charset="0"/>
-                      </a:endParaRPr>
-                    </a:p>
-                  </a:txBody>
-                  <a:tcPr marL="68580" marR="68580" marT="0" marB="0" anchor="ctr">
-                    <a:lnL w="12700" cap="flat" cmpd="sng" algn="ctr">
-                      <a:solidFill>
-                        <a:schemeClr val="tx1"/>
-                      </a:solidFill>
-                      <a:prstDash val="solid"/>
-                      <a:round/>
-                      <a:headEnd type="none" w="med" len="med"/>
-                      <a:tailEnd type="none" w="med" len="med"/>
-                    </a:lnL>
-                    <a:lnR w="12700" cap="flat" cmpd="sng" algn="ctr">
-                      <a:solidFill>
-                        <a:schemeClr val="tx1"/>
-                      </a:solidFill>
-                      <a:prstDash val="solid"/>
-                      <a:round/>
-                      <a:headEnd type="none" w="med" len="med"/>
-                      <a:tailEnd type="none" w="med" len="med"/>
-                    </a:lnR>
-                    <a:lnT w="12700" cap="flat" cmpd="sng" algn="ctr">
-                      <a:solidFill>
-                        <a:schemeClr val="tx1"/>
-                      </a:solidFill>
-                      <a:prstDash val="solid"/>
-                      <a:round/>
-                      <a:headEnd type="none" w="med" len="med"/>
-                      <a:tailEnd type="none" w="med" len="med"/>
-                    </a:lnT>
-                    <a:lnB w="12700" cap="flat" cmpd="sng" algn="ctr">
-                      <a:solidFill>
-                        <a:schemeClr val="tx1"/>
-                      </a:solidFill>
-                      <a:prstDash val="solid"/>
-                      <a:round/>
-                      <a:headEnd type="none" w="med" len="med"/>
-                      <a:tailEnd type="none" w="med" len="med"/>
-                    </a:lnB>
-                    <a:lnTlToBr w="12700" cmpd="sng">
-                      <a:noFill/>
-                      <a:prstDash val="solid"/>
-                    </a:lnTlToBr>
-                    <a:lnBlToTr w="12700" cmpd="sng">
-                      <a:noFill/>
-                      <a:prstDash val="solid"/>
-                    </a:lnBlToTr>
-                  </a:tcPr>
-                </a:tc>
-                <a:tc>
-                  <a:txBody>
-                    <a:bodyPr/>
-                    <a:lstStyle/>
-                    <a:p>
-                      <a:pPr marL="0" marR="0" lvl="0" indent="127000" algn="ctr" defTabSz="914310" rtl="0" eaLnBrk="1" fontAlgn="auto" latinLnBrk="0" hangingPunct="1">
-                        <a:lnSpc>
-                          <a:spcPts val="2000"/>
-                        </a:lnSpc>
-                        <a:spcBef>
-                          <a:spcPts val="0"/>
-                        </a:spcBef>
-                        <a:spcAft>
-                          <a:spcPts val="0"/>
-                        </a:spcAft>
-                        <a:buClrTx/>
-                        <a:buSzTx/>
-                        <a:buFontTx/>
-                        <a:buNone/>
-                        <a:tabLst/>
-                        <a:defRPr/>
-                      </a:pPr>
-                      <a:r>
-                        <a:rPr lang="en-US" altLang="zh-CN" sz="1400" kern="100" dirty="0" smtClean="0">
-                          <a:effectLst/>
-                          <a:latin typeface="黑体" panose="02010609060101010101" pitchFamily="49" charset="-122"/>
-                          <a:ea typeface="黑体" panose="02010609060101010101" pitchFamily="49" charset="-122"/>
-                          <a:cs typeface="Times New Roman" panose="02020603050405020304" pitchFamily="18" charset="0"/>
-                        </a:rPr>
-                        <a:t>30/Waiting</a:t>
-                      </a:r>
-                      <a:endParaRPr lang="zh-CN" altLang="zh-CN" sz="1400" kern="100" dirty="0" smtClean="0">
-                        <a:effectLst/>
-                        <a:latin typeface="黑体" panose="02010609060101010101" pitchFamily="49" charset="-122"/>
-                        <a:ea typeface="黑体" panose="02010609060101010101" pitchFamily="49" charset="-122"/>
-                        <a:cs typeface="Times New Roman" panose="02020603050405020304" pitchFamily="18" charset="0"/>
-                      </a:endParaRPr>
-                    </a:p>
-                  </a:txBody>
-                  <a:tcPr marL="68580" marR="68580" marT="0" marB="0" anchor="ctr">
-                    <a:lnL w="12700" cap="flat" cmpd="sng" algn="ctr">
-                      <a:solidFill>
-                        <a:schemeClr val="tx1"/>
-                      </a:solidFill>
-                      <a:prstDash val="solid"/>
-                      <a:round/>
-                      <a:headEnd type="none" w="med" len="med"/>
-                      <a:tailEnd type="none" w="med" len="med"/>
-                    </a:lnL>
-                    <a:lnR w="12700" cap="flat" cmpd="sng" algn="ctr">
-                      <a:solidFill>
-                        <a:schemeClr val="tx1"/>
-                      </a:solidFill>
-                      <a:prstDash val="solid"/>
-                      <a:round/>
-                      <a:headEnd type="none" w="med" len="med"/>
-                      <a:tailEnd type="none" w="med" len="med"/>
-                    </a:lnR>
-                    <a:lnT w="12700" cap="flat" cmpd="sng" algn="ctr">
-                      <a:solidFill>
-                        <a:schemeClr val="tx1"/>
-                      </a:solidFill>
-                      <a:prstDash val="solid"/>
-                      <a:round/>
-                      <a:headEnd type="none" w="med" len="med"/>
-                      <a:tailEnd type="none" w="med" len="med"/>
-                    </a:lnT>
-                    <a:lnB w="12700" cap="flat" cmpd="sng" algn="ctr">
-                      <a:solidFill>
-                        <a:schemeClr val="tx1"/>
-                      </a:solidFill>
-                      <a:prstDash val="solid"/>
-                      <a:round/>
-                      <a:headEnd type="none" w="med" len="med"/>
-                      <a:tailEnd type="none" w="med" len="med"/>
-                    </a:lnB>
-                    <a:lnTlToBr w="12700" cmpd="sng">
-                      <a:noFill/>
-                      <a:prstDash val="solid"/>
-                    </a:lnTlToBr>
-                    <a:lnBlToTr w="12700" cmpd="sng">
-                      <a:noFill/>
-                      <a:prstDash val="solid"/>
-                    </a:lnBlToTr>
-                  </a:tcPr>
-                </a:tc>
-                <a:extLst>
-                  <a:ext uri="{0D108BD9-81ED-4DB2-BD59-A6C34878D82A}">
-                    <a16:rowId xmlns:a16="http://schemas.microsoft.com/office/drawing/2014/main" val="1029899716"/>
-                  </a:ext>
-                </a:extLst>
-              </a:tr>
-              <a:tr h="360000">
-                <a:tc vMerge="1">
-                  <a:txBody>
-                    <a:bodyPr/>
-                    <a:lstStyle/>
-                    <a:p>
-                      <a:pPr marL="0" marR="0" indent="0" algn="ctr" defTabSz="685800" rtl="0" eaLnBrk="1" fontAlgn="auto" latinLnBrk="0" hangingPunct="1">
-                        <a:lnSpc>
-                          <a:spcPct val="100000"/>
-                        </a:lnSpc>
-                        <a:spcBef>
-                          <a:spcPts val="0"/>
-                        </a:spcBef>
-                        <a:spcAft>
-                          <a:spcPts val="0"/>
-                        </a:spcAft>
-                        <a:buClrTx/>
-                        <a:buSzTx/>
-                        <a:buFontTx/>
-                        <a:buNone/>
-                        <a:tabLst/>
-                        <a:defRPr/>
-                      </a:pPr>
-                      <a:endParaRPr lang="zh-CN" altLang="en-US" sz="1400" kern="1200" dirty="0" smtClean="0">
-                        <a:solidFill>
-                          <a:schemeClr val="dk1"/>
-                        </a:solidFill>
-                        <a:latin typeface="黑体" panose="02010609060101010101" pitchFamily="49" charset="-122"/>
-                        <a:ea typeface="黑体" panose="02010609060101010101" pitchFamily="49" charset="-122"/>
-                        <a:cs typeface="+mn-cs"/>
-                      </a:endParaRPr>
-                    </a:p>
-                  </a:txBody>
-                  <a:tcPr anchor="ctr">
-                    <a:lnL w="12700" cap="flat" cmpd="sng" algn="ctr">
-                      <a:solidFill>
-                        <a:schemeClr val="tx1"/>
-                      </a:solidFill>
-                      <a:prstDash val="solid"/>
-                      <a:round/>
-                      <a:headEnd type="none" w="med" len="med"/>
-                      <a:tailEnd type="none" w="med" len="med"/>
-                    </a:lnL>
-                    <a:lnR w="12700" cap="flat" cmpd="sng" algn="ctr">
-                      <a:solidFill>
-                        <a:schemeClr val="tx1"/>
-                      </a:solidFill>
-                      <a:prstDash val="solid"/>
-                      <a:round/>
-                      <a:headEnd type="none" w="med" len="med"/>
-                      <a:tailEnd type="none" w="med" len="med"/>
-                    </a:lnR>
-                    <a:lnT w="12700" cap="flat" cmpd="sng" algn="ctr">
-                      <a:solidFill>
-                        <a:schemeClr val="tx1"/>
-                      </a:solidFill>
-                      <a:prstDash val="solid"/>
-                      <a:round/>
-                      <a:headEnd type="none" w="med" len="med"/>
-                      <a:tailEnd type="none" w="med" len="med"/>
-                    </a:lnT>
-                    <a:lnB w="12700" cap="flat" cmpd="sng" algn="ctr">
-                      <a:solidFill>
-                        <a:schemeClr val="tx1"/>
-                      </a:solidFill>
-                      <a:prstDash val="solid"/>
-                      <a:round/>
-                      <a:headEnd type="none" w="med" len="med"/>
-                      <a:tailEnd type="none" w="med" len="med"/>
-                    </a:lnB>
-                    <a:lnTlToBr w="12700" cmpd="sng">
-                      <a:noFill/>
-                      <a:prstDash val="solid"/>
-                    </a:lnTlToBr>
-                    <a:lnBlToTr w="12700" cmpd="sng">
-                      <a:noFill/>
-                      <a:prstDash val="solid"/>
-                    </a:lnBlToTr>
-                  </a:tcPr>
-                </a:tc>
-                <a:tc>
-                  <a:txBody>
-                    <a:bodyPr/>
-                    <a:lstStyle/>
-                    <a:p>
-                      <a:pPr indent="127000" algn="ctr">
-                        <a:lnSpc>
-                          <a:spcPts val="2000"/>
-                        </a:lnSpc>
-                        <a:spcAft>
-                          <a:spcPts val="0"/>
-                        </a:spcAft>
-                      </a:pPr>
-                      <a:r>
-                        <a:rPr lang="en-US" sz="1400" kern="100" dirty="0">
-                          <a:effectLst/>
-                          <a:latin typeface="黑体" panose="02010609060101010101" pitchFamily="49" charset="-122"/>
-                          <a:ea typeface="黑体" panose="02010609060101010101" pitchFamily="49" charset="-122"/>
-                          <a:cs typeface="Times New Roman" panose="02020603050405020304" pitchFamily="18" charset="0"/>
-                        </a:rPr>
-                        <a:t>60</a:t>
-                      </a:r>
-                      <a:endParaRPr lang="zh-CN" sz="1400" kern="100" dirty="0">
-                        <a:effectLst/>
-                        <a:latin typeface="黑体" panose="02010609060101010101" pitchFamily="49" charset="-122"/>
-                        <a:ea typeface="黑体" panose="02010609060101010101" pitchFamily="49" charset="-122"/>
-                        <a:cs typeface="Times New Roman" panose="02020603050405020304" pitchFamily="18" charset="0"/>
-                      </a:endParaRPr>
-                    </a:p>
-                  </a:txBody>
-                  <a:tcPr marL="68580" marR="68580" marT="0" marB="0" anchor="ctr">
-                    <a:lnL w="12700" cap="flat" cmpd="sng" algn="ctr">
-                      <a:solidFill>
-                        <a:schemeClr val="tx1"/>
-                      </a:solidFill>
-                      <a:prstDash val="solid"/>
-                      <a:round/>
-                      <a:headEnd type="none" w="med" len="med"/>
-                      <a:tailEnd type="none" w="med" len="med"/>
-                    </a:lnL>
-                    <a:lnR w="12700" cap="flat" cmpd="sng" algn="ctr">
-                      <a:solidFill>
-                        <a:schemeClr val="tx1"/>
-                      </a:solidFill>
-                      <a:prstDash val="solid"/>
-                      <a:round/>
-                      <a:headEnd type="none" w="med" len="med"/>
-                      <a:tailEnd type="none" w="med" len="med"/>
-                    </a:lnR>
-                    <a:lnT w="12700" cap="flat" cmpd="sng" algn="ctr">
-                      <a:solidFill>
-                        <a:schemeClr val="tx1"/>
-                      </a:solidFill>
-                      <a:prstDash val="solid"/>
-                      <a:round/>
-                      <a:headEnd type="none" w="med" len="med"/>
-                      <a:tailEnd type="none" w="med" len="med"/>
-                    </a:lnT>
-                    <a:lnB w="12700" cap="flat" cmpd="sng" algn="ctr">
-                      <a:solidFill>
-                        <a:schemeClr val="tx1"/>
-                      </a:solidFill>
-                      <a:prstDash val="solid"/>
-                      <a:round/>
-                      <a:headEnd type="none" w="med" len="med"/>
-                      <a:tailEnd type="none" w="med" len="med"/>
-                    </a:lnB>
-                    <a:lnTlToBr w="12700" cmpd="sng">
-                      <a:noFill/>
-                      <a:prstDash val="solid"/>
-                    </a:lnTlToBr>
-                    <a:lnBlToTr w="12700" cmpd="sng">
-                      <a:noFill/>
-                      <a:prstDash val="solid"/>
-                    </a:lnBlToTr>
-                  </a:tcPr>
-                </a:tc>
-                <a:tc>
-                  <a:txBody>
-                    <a:bodyPr/>
-                    <a:lstStyle/>
-                    <a:p>
-                      <a:pPr marL="0" marR="0" lvl="0" indent="127000" algn="ctr" defTabSz="914310" rtl="0" eaLnBrk="1" fontAlgn="auto" latinLnBrk="0" hangingPunct="1">
-                        <a:lnSpc>
-                          <a:spcPts val="2000"/>
-                        </a:lnSpc>
-                        <a:spcBef>
-                          <a:spcPts val="0"/>
-                        </a:spcBef>
-                        <a:spcAft>
-                          <a:spcPts val="0"/>
-                        </a:spcAft>
-                        <a:buClrTx/>
-                        <a:buSzTx/>
-                        <a:buFontTx/>
-                        <a:buNone/>
-                        <a:tabLst/>
-                        <a:defRPr/>
-                      </a:pPr>
-                      <a:r>
-                        <a:rPr lang="en-US" sz="1400" kern="100" dirty="0" smtClean="0">
-                          <a:effectLst/>
-                          <a:latin typeface="黑体" panose="02010609060101010101" pitchFamily="49" charset="-122"/>
-                          <a:ea typeface="黑体" panose="02010609060101010101" pitchFamily="49" charset="-122"/>
-                          <a:cs typeface="Times New Roman" panose="02020603050405020304" pitchFamily="18" charset="0"/>
-                        </a:rPr>
-                        <a:t>30/60/</a:t>
-                      </a:r>
-                      <a:r>
-                        <a:rPr lang="en-US" altLang="zh-CN" sz="1400" kern="100" dirty="0" smtClean="0">
-                          <a:effectLst/>
-                          <a:latin typeface="黑体" panose="02010609060101010101" pitchFamily="49" charset="-122"/>
-                          <a:ea typeface="黑体" panose="02010609060101010101" pitchFamily="49" charset="-122"/>
-                          <a:cs typeface="Times New Roman" panose="02020603050405020304" pitchFamily="18" charset="0"/>
-                        </a:rPr>
-                        <a:t>Waiting</a:t>
-                      </a:r>
-                      <a:endParaRPr lang="zh-CN" altLang="zh-CN" sz="1400" kern="100" dirty="0" smtClean="0">
-                        <a:effectLst/>
-                        <a:latin typeface="黑体" panose="02010609060101010101" pitchFamily="49" charset="-122"/>
-                        <a:ea typeface="黑体" panose="02010609060101010101" pitchFamily="49" charset="-122"/>
-                        <a:cs typeface="Times New Roman" panose="02020603050405020304" pitchFamily="18" charset="0"/>
-                      </a:endParaRPr>
-                    </a:p>
-                  </a:txBody>
-                  <a:tcPr marL="68580" marR="68580" marT="0" marB="0" anchor="ctr">
-                    <a:lnL w="12700" cap="flat" cmpd="sng" algn="ctr">
-                      <a:solidFill>
-                        <a:schemeClr val="tx1"/>
-                      </a:solidFill>
-                      <a:prstDash val="solid"/>
-                      <a:round/>
-                      <a:headEnd type="none" w="med" len="med"/>
-                      <a:tailEnd type="none" w="med" len="med"/>
-                    </a:lnL>
-                    <a:lnR w="12700" cap="flat" cmpd="sng" algn="ctr">
-                      <a:solidFill>
-                        <a:schemeClr val="tx1"/>
-                      </a:solidFill>
-                      <a:prstDash val="solid"/>
-                      <a:round/>
-                      <a:headEnd type="none" w="med" len="med"/>
-                      <a:tailEnd type="none" w="med" len="med"/>
-                    </a:lnR>
-                    <a:lnT w="12700" cap="flat" cmpd="sng" algn="ctr">
-                      <a:solidFill>
-                        <a:schemeClr val="tx1"/>
-                      </a:solidFill>
-                      <a:prstDash val="solid"/>
-                      <a:round/>
-                      <a:headEnd type="none" w="med" len="med"/>
-                      <a:tailEnd type="none" w="med" len="med"/>
-                    </a:lnT>
-                    <a:lnB w="12700" cap="flat" cmpd="sng" algn="ctr">
-                      <a:solidFill>
-                        <a:schemeClr val="tx1"/>
-                      </a:solidFill>
-                      <a:prstDash val="solid"/>
-                      <a:round/>
-                      <a:headEnd type="none" w="med" len="med"/>
-                      <a:tailEnd type="none" w="med" len="med"/>
-                    </a:lnB>
-                    <a:lnTlToBr w="12700" cmpd="sng">
-                      <a:noFill/>
-                      <a:prstDash val="solid"/>
-                    </a:lnTlToBr>
-                    <a:lnBlToTr w="12700" cmpd="sng">
-                      <a:noFill/>
-                      <a:prstDash val="solid"/>
-                    </a:lnBlToTr>
-                  </a:tcPr>
-                </a:tc>
-                <a:tc>
-                  <a:txBody>
-                    <a:bodyPr/>
-                    <a:lstStyle/>
-                    <a:p>
-                      <a:pPr indent="127000" algn="ctr">
-                        <a:lnSpc>
-                          <a:spcPts val="2000"/>
-                        </a:lnSpc>
-                        <a:spcAft>
-                          <a:spcPts val="0"/>
-                        </a:spcAft>
-                      </a:pPr>
-                      <a:r>
-                        <a:rPr lang="en-US" sz="1400" kern="100" dirty="0">
-                          <a:effectLst/>
-                          <a:latin typeface="黑体" panose="02010609060101010101" pitchFamily="49" charset="-122"/>
-                          <a:ea typeface="黑体" panose="02010609060101010101" pitchFamily="49" charset="-122"/>
-                          <a:cs typeface="Times New Roman" panose="02020603050405020304" pitchFamily="18" charset="0"/>
-                        </a:rPr>
-                        <a:t>60</a:t>
-                      </a:r>
-                      <a:endParaRPr lang="zh-CN" sz="1400" kern="100" dirty="0">
-                        <a:effectLst/>
-                        <a:latin typeface="黑体" panose="02010609060101010101" pitchFamily="49" charset="-122"/>
-                        <a:ea typeface="黑体" panose="02010609060101010101" pitchFamily="49" charset="-122"/>
-                        <a:cs typeface="Times New Roman" panose="02020603050405020304" pitchFamily="18" charset="0"/>
-                      </a:endParaRPr>
-                    </a:p>
-                  </a:txBody>
-                  <a:tcPr marL="68580" marR="68580" marT="0" marB="0" anchor="ctr">
-                    <a:lnL w="12700" cap="flat" cmpd="sng" algn="ctr">
-                      <a:solidFill>
-                        <a:schemeClr val="tx1"/>
-                      </a:solidFill>
-                      <a:prstDash val="solid"/>
-                      <a:round/>
-                      <a:headEnd type="none" w="med" len="med"/>
-                      <a:tailEnd type="none" w="med" len="med"/>
-                    </a:lnL>
-                    <a:lnR w="12700" cap="flat" cmpd="sng" algn="ctr">
-                      <a:solidFill>
-                        <a:schemeClr val="tx1"/>
-                      </a:solidFill>
-                      <a:prstDash val="solid"/>
-                      <a:round/>
-                      <a:headEnd type="none" w="med" len="med"/>
-                      <a:tailEnd type="none" w="med" len="med"/>
-                    </a:lnR>
-                    <a:lnT w="12700" cap="flat" cmpd="sng" algn="ctr">
-                      <a:solidFill>
-                        <a:schemeClr val="tx1"/>
-                      </a:solidFill>
-                      <a:prstDash val="solid"/>
-                      <a:round/>
-                      <a:headEnd type="none" w="med" len="med"/>
-                      <a:tailEnd type="none" w="med" len="med"/>
-                    </a:lnT>
-                    <a:lnB w="12700" cap="flat" cmpd="sng" algn="ctr">
-                      <a:solidFill>
-                        <a:schemeClr val="tx1"/>
-                      </a:solidFill>
-                      <a:prstDash val="solid"/>
-                      <a:round/>
-                      <a:headEnd type="none" w="med" len="med"/>
-                      <a:tailEnd type="none" w="med" len="med"/>
-                    </a:lnB>
-                    <a:lnTlToBr w="12700" cmpd="sng">
-                      <a:noFill/>
-                      <a:prstDash val="solid"/>
-                    </a:lnTlToBr>
-                    <a:lnBlToTr w="12700" cmpd="sng">
-                      <a:noFill/>
-                      <a:prstDash val="solid"/>
-                    </a:lnBlToTr>
-                  </a:tcPr>
-                </a:tc>
-                <a:tc>
-                  <a:txBody>
-                    <a:bodyPr/>
-                    <a:lstStyle/>
-                    <a:p>
-                      <a:pPr marL="0" marR="0" lvl="0" indent="127000" algn="ctr" defTabSz="914310" rtl="0" eaLnBrk="1" fontAlgn="auto" latinLnBrk="0" hangingPunct="1">
-                        <a:lnSpc>
-                          <a:spcPts val="2000"/>
-                        </a:lnSpc>
-                        <a:spcBef>
-                          <a:spcPts val="0"/>
-                        </a:spcBef>
-                        <a:spcAft>
-                          <a:spcPts val="0"/>
-                        </a:spcAft>
-                        <a:buClrTx/>
-                        <a:buSzTx/>
-                        <a:buFontTx/>
-                        <a:buNone/>
-                        <a:tabLst/>
-                        <a:defRPr/>
-                      </a:pPr>
-                      <a:r>
-                        <a:rPr lang="en-US" altLang="zh-CN" sz="1400" kern="100" dirty="0" smtClean="0">
-                          <a:effectLst/>
-                          <a:latin typeface="黑体" panose="02010609060101010101" pitchFamily="49" charset="-122"/>
-                          <a:ea typeface="黑体" panose="02010609060101010101" pitchFamily="49" charset="-122"/>
-                          <a:cs typeface="Times New Roman" panose="02020603050405020304" pitchFamily="18" charset="0"/>
-                        </a:rPr>
-                        <a:t>30/Waiting</a:t>
-                      </a:r>
-                      <a:endParaRPr lang="zh-CN" altLang="zh-CN" sz="1400" kern="100" dirty="0" smtClean="0">
-                        <a:effectLst/>
-                        <a:latin typeface="黑体" panose="02010609060101010101" pitchFamily="49" charset="-122"/>
-                        <a:ea typeface="黑体" panose="02010609060101010101" pitchFamily="49" charset="-122"/>
-                        <a:cs typeface="Times New Roman" panose="02020603050405020304" pitchFamily="18" charset="0"/>
-                      </a:endParaRPr>
-                    </a:p>
-                  </a:txBody>
-                  <a:tcPr marL="68580" marR="68580" marT="0" marB="0" anchor="ctr">
-                    <a:lnL w="12700" cap="flat" cmpd="sng" algn="ctr">
-                      <a:solidFill>
-                        <a:schemeClr val="tx1"/>
-                      </a:solidFill>
-                      <a:prstDash val="solid"/>
-                      <a:round/>
-                      <a:headEnd type="none" w="med" len="med"/>
-                      <a:tailEnd type="none" w="med" len="med"/>
-                    </a:lnL>
-                    <a:lnR w="12700" cap="flat" cmpd="sng" algn="ctr">
-                      <a:solidFill>
-                        <a:schemeClr val="tx1"/>
-                      </a:solidFill>
-                      <a:prstDash val="solid"/>
-                      <a:round/>
-                      <a:headEnd type="none" w="med" len="med"/>
-                      <a:tailEnd type="none" w="med" len="med"/>
-                    </a:lnR>
-                    <a:lnT w="12700" cap="flat" cmpd="sng" algn="ctr">
-                      <a:solidFill>
-                        <a:schemeClr val="tx1"/>
-                      </a:solidFill>
-                      <a:prstDash val="solid"/>
-                      <a:round/>
-                      <a:headEnd type="none" w="med" len="med"/>
-                      <a:tailEnd type="none" w="med" len="med"/>
-                    </a:lnT>
-                    <a:lnB w="12700" cap="flat" cmpd="sng" algn="ctr">
-                      <a:solidFill>
-                        <a:schemeClr val="tx1"/>
-                      </a:solidFill>
-                      <a:prstDash val="solid"/>
-                      <a:round/>
-                      <a:headEnd type="none" w="med" len="med"/>
-                      <a:tailEnd type="none" w="med" len="med"/>
-                    </a:lnB>
-                    <a:lnTlToBr w="12700" cmpd="sng">
-                      <a:noFill/>
-                      <a:prstDash val="solid"/>
-                    </a:lnTlToBr>
-                    <a:lnBlToTr w="12700" cmpd="sng">
-                      <a:noFill/>
-                      <a:prstDash val="solid"/>
-                    </a:lnBlToTr>
-                  </a:tcPr>
-                </a:tc>
-                <a:extLst>
-                  <a:ext uri="{0D108BD9-81ED-4DB2-BD59-A6C34878D82A}">
-                    <a16:rowId xmlns:a16="http://schemas.microsoft.com/office/drawing/2014/main" val="1185982297"/>
-                  </a:ext>
-                </a:extLst>
-              </a:tr>
-              <a:tr h="360000">
-                <a:tc vMerge="1">
-                  <a:txBody>
-                    <a:bodyPr/>
-                    <a:lstStyle/>
-                    <a:p>
-                      <a:pPr marL="0" marR="0" indent="0" algn="ctr" defTabSz="685800" rtl="0" eaLnBrk="1" fontAlgn="auto" latinLnBrk="0" hangingPunct="1">
-                        <a:lnSpc>
-                          <a:spcPct val="100000"/>
-                        </a:lnSpc>
-                        <a:spcBef>
-                          <a:spcPts val="0"/>
-                        </a:spcBef>
-                        <a:spcAft>
-                          <a:spcPts val="0"/>
-                        </a:spcAft>
-                        <a:buClrTx/>
-                        <a:buSzTx/>
-                        <a:buFontTx/>
-                        <a:buNone/>
-                        <a:tabLst/>
-                        <a:defRPr/>
-                      </a:pPr>
-                      <a:endParaRPr lang="zh-CN" altLang="en-US" sz="1400" kern="1200" dirty="0" smtClean="0">
-                        <a:solidFill>
-                          <a:schemeClr val="dk1"/>
-                        </a:solidFill>
-                        <a:latin typeface="黑体" panose="02010609060101010101" pitchFamily="49" charset="-122"/>
-                        <a:ea typeface="黑体" panose="02010609060101010101" pitchFamily="49" charset="-122"/>
-                        <a:cs typeface="+mn-cs"/>
-                      </a:endParaRPr>
-                    </a:p>
-                  </a:txBody>
-                  <a:tcPr anchor="ctr">
-                    <a:lnL w="12700" cap="flat" cmpd="sng" algn="ctr">
-                      <a:solidFill>
-                        <a:schemeClr val="tx1"/>
-                      </a:solidFill>
-                      <a:prstDash val="solid"/>
-                      <a:round/>
-                      <a:headEnd type="none" w="med" len="med"/>
-                      <a:tailEnd type="none" w="med" len="med"/>
-                    </a:lnL>
-                    <a:lnR w="12700" cap="flat" cmpd="sng" algn="ctr">
-                      <a:solidFill>
-                        <a:schemeClr val="tx1"/>
-                      </a:solidFill>
-                      <a:prstDash val="solid"/>
-                      <a:round/>
-                      <a:headEnd type="none" w="med" len="med"/>
-                      <a:tailEnd type="none" w="med" len="med"/>
-                    </a:lnR>
-                    <a:lnT w="12700" cap="flat" cmpd="sng" algn="ctr">
-                      <a:solidFill>
-                        <a:schemeClr val="tx1"/>
-                      </a:solidFill>
-                      <a:prstDash val="solid"/>
-                      <a:round/>
-                      <a:headEnd type="none" w="med" len="med"/>
-                      <a:tailEnd type="none" w="med" len="med"/>
-                    </a:lnT>
-                    <a:lnB w="12700" cap="flat" cmpd="sng" algn="ctr">
-                      <a:solidFill>
-                        <a:schemeClr val="tx1"/>
-                      </a:solidFill>
-                      <a:prstDash val="solid"/>
-                      <a:round/>
-                      <a:headEnd type="none" w="med" len="med"/>
-                      <a:tailEnd type="none" w="med" len="med"/>
-                    </a:lnB>
-                    <a:lnTlToBr w="12700" cmpd="sng">
-                      <a:noFill/>
-                      <a:prstDash val="solid"/>
-                    </a:lnTlToBr>
-                    <a:lnBlToTr w="12700" cmpd="sng">
-                      <a:noFill/>
-                      <a:prstDash val="solid"/>
-                    </a:lnBlToTr>
-                  </a:tcPr>
-                </a:tc>
-                <a:tc>
-                  <a:txBody>
-                    <a:bodyPr/>
-                    <a:lstStyle/>
-                    <a:p>
-                      <a:pPr marL="0" marR="0" lvl="0" indent="127000" algn="ctr" defTabSz="914310" rtl="0" eaLnBrk="1" fontAlgn="auto" latinLnBrk="0" hangingPunct="1">
-                        <a:lnSpc>
-                          <a:spcPts val="2000"/>
-                        </a:lnSpc>
-                        <a:spcBef>
-                          <a:spcPts val="0"/>
-                        </a:spcBef>
-                        <a:spcAft>
-                          <a:spcPts val="0"/>
-                        </a:spcAft>
-                        <a:buClrTx/>
-                        <a:buSzTx/>
-                        <a:buFontTx/>
-                        <a:buNone/>
-                        <a:tabLst/>
-                        <a:defRPr/>
-                      </a:pPr>
-                      <a:r>
-                        <a:rPr lang="en-US" altLang="zh-CN" sz="1400" kern="100" dirty="0" smtClean="0">
-                          <a:effectLst/>
-                          <a:latin typeface="黑体" panose="02010609060101010101" pitchFamily="49" charset="-122"/>
-                          <a:ea typeface="黑体" panose="02010609060101010101" pitchFamily="49" charset="-122"/>
-                          <a:cs typeface="Times New Roman" panose="02020603050405020304" pitchFamily="18" charset="0"/>
-                        </a:rPr>
-                        <a:t>30</a:t>
-                      </a:r>
-                      <a:endParaRPr lang="zh-CN" altLang="zh-CN" sz="1400" kern="100" dirty="0" smtClean="0">
-                        <a:effectLst/>
-                        <a:latin typeface="黑体" panose="02010609060101010101" pitchFamily="49" charset="-122"/>
-                        <a:ea typeface="黑体" panose="02010609060101010101" pitchFamily="49" charset="-122"/>
-                        <a:cs typeface="Times New Roman" panose="02020603050405020304" pitchFamily="18" charset="0"/>
-                      </a:endParaRPr>
-                    </a:p>
-                  </a:txBody>
-                  <a:tcPr marL="68580" marR="68580" marT="0" marB="0" anchor="ctr">
-                    <a:lnL w="12700" cap="flat" cmpd="sng" algn="ctr">
-                      <a:solidFill>
-                        <a:schemeClr val="tx1"/>
-                      </a:solidFill>
-                      <a:prstDash val="solid"/>
-                      <a:round/>
-                      <a:headEnd type="none" w="med" len="med"/>
-                      <a:tailEnd type="none" w="med" len="med"/>
-                    </a:lnL>
-                    <a:lnR w="12700" cap="flat" cmpd="sng" algn="ctr">
-                      <a:solidFill>
-                        <a:schemeClr val="tx1"/>
-                      </a:solidFill>
-                      <a:prstDash val="solid"/>
-                      <a:round/>
-                      <a:headEnd type="none" w="med" len="med"/>
-                      <a:tailEnd type="none" w="med" len="med"/>
-                    </a:lnR>
-                    <a:lnT w="12700" cap="flat" cmpd="sng" algn="ctr">
-                      <a:solidFill>
-                        <a:schemeClr val="tx1"/>
-                      </a:solidFill>
-                      <a:prstDash val="solid"/>
-                      <a:round/>
-                      <a:headEnd type="none" w="med" len="med"/>
-                      <a:tailEnd type="none" w="med" len="med"/>
-                    </a:lnT>
-                    <a:lnB w="12700" cap="flat" cmpd="sng" algn="ctr">
-                      <a:solidFill>
-                        <a:schemeClr val="tx1"/>
-                      </a:solidFill>
-                      <a:prstDash val="solid"/>
-                      <a:round/>
-                      <a:headEnd type="none" w="med" len="med"/>
-                      <a:tailEnd type="none" w="med" len="med"/>
-                    </a:lnB>
-                    <a:lnTlToBr w="12700" cmpd="sng">
-                      <a:noFill/>
-                      <a:prstDash val="solid"/>
-                    </a:lnTlToBr>
-                    <a:lnBlToTr w="12700" cmpd="sng">
-                      <a:noFill/>
-                      <a:prstDash val="solid"/>
-                    </a:lnBlToTr>
-                  </a:tcPr>
-                </a:tc>
-                <a:tc>
-                  <a:txBody>
-                    <a:bodyPr/>
-                    <a:lstStyle/>
-                    <a:p>
-                      <a:pPr indent="127000" algn="ctr">
-                        <a:lnSpc>
-                          <a:spcPts val="2000"/>
-                        </a:lnSpc>
-                        <a:spcAft>
-                          <a:spcPts val="0"/>
-                        </a:spcAft>
-                      </a:pPr>
-                      <a:r>
-                        <a:rPr lang="en-US" sz="1400" kern="100" dirty="0" smtClean="0">
-                          <a:effectLst/>
-                          <a:latin typeface="黑体" panose="02010609060101010101" pitchFamily="49" charset="-122"/>
-                          <a:ea typeface="黑体" panose="02010609060101010101" pitchFamily="49" charset="-122"/>
-                          <a:cs typeface="Times New Roman" panose="02020603050405020304" pitchFamily="18" charset="0"/>
-                        </a:rPr>
-                        <a:t>30/60/90/Waiting</a:t>
-                      </a:r>
-                      <a:endParaRPr lang="zh-CN" sz="1400" kern="100" dirty="0">
-                        <a:effectLst/>
-                        <a:latin typeface="黑体" panose="02010609060101010101" pitchFamily="49" charset="-122"/>
-                        <a:ea typeface="黑体" panose="02010609060101010101" pitchFamily="49" charset="-122"/>
-                        <a:cs typeface="Times New Roman" panose="02020603050405020304" pitchFamily="18" charset="0"/>
-                      </a:endParaRPr>
-                    </a:p>
-                  </a:txBody>
-                  <a:tcPr marL="68580" marR="68580" marT="0" marB="0" anchor="ctr">
-                    <a:lnL w="12700" cap="flat" cmpd="sng" algn="ctr">
-                      <a:solidFill>
-                        <a:schemeClr val="tx1"/>
-                      </a:solidFill>
-                      <a:prstDash val="solid"/>
-                      <a:round/>
-                      <a:headEnd type="none" w="med" len="med"/>
-                      <a:tailEnd type="none" w="med" len="med"/>
-                    </a:lnL>
-                    <a:lnR w="12700" cap="flat" cmpd="sng" algn="ctr">
-                      <a:solidFill>
-                        <a:schemeClr val="tx1"/>
-                      </a:solidFill>
-                      <a:prstDash val="solid"/>
-                      <a:round/>
-                      <a:headEnd type="none" w="med" len="med"/>
-                      <a:tailEnd type="none" w="med" len="med"/>
-                    </a:lnR>
-                    <a:lnT w="12700" cap="flat" cmpd="sng" algn="ctr">
-                      <a:solidFill>
-                        <a:schemeClr val="tx1"/>
-                      </a:solidFill>
-                      <a:prstDash val="solid"/>
-                      <a:round/>
-                      <a:headEnd type="none" w="med" len="med"/>
-                      <a:tailEnd type="none" w="med" len="med"/>
-                    </a:lnT>
-                    <a:lnB w="12700" cap="flat" cmpd="sng" algn="ctr">
-                      <a:solidFill>
-                        <a:schemeClr val="tx1"/>
-                      </a:solidFill>
-                      <a:prstDash val="solid"/>
-                      <a:round/>
-                      <a:headEnd type="none" w="med" len="med"/>
-                      <a:tailEnd type="none" w="med" len="med"/>
-                    </a:lnB>
-                    <a:lnTlToBr w="12700" cmpd="sng">
-                      <a:noFill/>
-                      <a:prstDash val="solid"/>
-                    </a:lnTlToBr>
-                    <a:lnBlToTr w="12700" cmpd="sng">
-                      <a:noFill/>
-                      <a:prstDash val="solid"/>
-                    </a:lnBlToTr>
-                  </a:tcPr>
-                </a:tc>
-                <a:tc>
-                  <a:txBody>
-                    <a:bodyPr/>
-                    <a:lstStyle/>
-                    <a:p>
-                      <a:pPr marL="0" marR="0" lvl="0" indent="127000" algn="ctr" defTabSz="914310" rtl="0" eaLnBrk="1" fontAlgn="auto" latinLnBrk="0" hangingPunct="1">
-                        <a:lnSpc>
-                          <a:spcPts val="2000"/>
-                        </a:lnSpc>
-                        <a:spcBef>
-                          <a:spcPts val="0"/>
-                        </a:spcBef>
-                        <a:spcAft>
-                          <a:spcPts val="0"/>
-                        </a:spcAft>
-                        <a:buClrTx/>
-                        <a:buSzTx/>
-                        <a:buFontTx/>
-                        <a:buNone/>
-                        <a:tabLst/>
-                        <a:defRPr/>
-                      </a:pPr>
-                      <a:r>
-                        <a:rPr lang="en-US" altLang="zh-CN" sz="1400" kern="100" dirty="0" smtClean="0">
-                          <a:effectLst/>
-                          <a:latin typeface="黑体" panose="02010609060101010101" pitchFamily="49" charset="-122"/>
-                          <a:ea typeface="黑体" panose="02010609060101010101" pitchFamily="49" charset="-122"/>
-                          <a:cs typeface="Times New Roman" panose="02020603050405020304" pitchFamily="18" charset="0"/>
-                        </a:rPr>
-                        <a:t>30</a:t>
-                      </a:r>
-                      <a:endParaRPr lang="zh-CN" altLang="zh-CN" sz="1400" kern="100" dirty="0" smtClean="0">
-                        <a:effectLst/>
-                        <a:latin typeface="黑体" panose="02010609060101010101" pitchFamily="49" charset="-122"/>
-                        <a:ea typeface="黑体" panose="02010609060101010101" pitchFamily="49" charset="-122"/>
-                        <a:cs typeface="Times New Roman" panose="02020603050405020304" pitchFamily="18" charset="0"/>
-                      </a:endParaRPr>
-                    </a:p>
-                  </a:txBody>
-                  <a:tcPr marL="68580" marR="68580" marT="0" marB="0" anchor="ctr">
-                    <a:lnL w="12700" cap="flat" cmpd="sng" algn="ctr">
-                      <a:solidFill>
-                        <a:schemeClr val="tx1"/>
-                      </a:solidFill>
-                      <a:prstDash val="solid"/>
-                      <a:round/>
-                      <a:headEnd type="none" w="med" len="med"/>
-                      <a:tailEnd type="none" w="med" len="med"/>
-                    </a:lnL>
-                    <a:lnR w="12700" cap="flat" cmpd="sng" algn="ctr">
-                      <a:solidFill>
-                        <a:schemeClr val="tx1"/>
-                      </a:solidFill>
-                      <a:prstDash val="solid"/>
-                      <a:round/>
-                      <a:headEnd type="none" w="med" len="med"/>
-                      <a:tailEnd type="none" w="med" len="med"/>
-                    </a:lnR>
-                    <a:lnT w="12700" cap="flat" cmpd="sng" algn="ctr">
-                      <a:solidFill>
-                        <a:schemeClr val="tx1"/>
-                      </a:solidFill>
-                      <a:prstDash val="solid"/>
-                      <a:round/>
-                      <a:headEnd type="none" w="med" len="med"/>
-                      <a:tailEnd type="none" w="med" len="med"/>
-                    </a:lnT>
-                    <a:lnB w="12700" cap="flat" cmpd="sng" algn="ctr">
-                      <a:solidFill>
-                        <a:schemeClr val="tx1"/>
-                      </a:solidFill>
-                      <a:prstDash val="solid"/>
-                      <a:round/>
-                      <a:headEnd type="none" w="med" len="med"/>
-                      <a:tailEnd type="none" w="med" len="med"/>
-                    </a:lnB>
-                    <a:lnTlToBr w="12700" cmpd="sng">
-                      <a:noFill/>
-                      <a:prstDash val="solid"/>
-                    </a:lnTlToBr>
-                    <a:lnBlToTr w="12700" cmpd="sng">
-                      <a:noFill/>
-                      <a:prstDash val="solid"/>
-                    </a:lnBlToTr>
-                  </a:tcPr>
-                </a:tc>
-                <a:tc>
-                  <a:txBody>
-                    <a:bodyPr/>
-                    <a:lstStyle/>
-                    <a:p>
-                      <a:pPr indent="127000" algn="ctr">
-                        <a:lnSpc>
-                          <a:spcPts val="2000"/>
-                        </a:lnSpc>
-                        <a:spcAft>
-                          <a:spcPts val="0"/>
-                        </a:spcAft>
-                      </a:pPr>
-                      <a:r>
-                        <a:rPr lang="en-US" altLang="zh-CN" sz="1400" kern="100" dirty="0" smtClean="0">
-                          <a:effectLst/>
-                          <a:latin typeface="黑体" panose="02010609060101010101" pitchFamily="49" charset="-122"/>
-                          <a:ea typeface="黑体" panose="02010609060101010101" pitchFamily="49" charset="-122"/>
-                          <a:cs typeface="Times New Roman" panose="02020603050405020304" pitchFamily="18" charset="0"/>
-                        </a:rPr>
-                        <a:t>30/60/90/Waiting</a:t>
-                      </a:r>
-                      <a:endParaRPr lang="zh-CN" sz="1400" kern="100" dirty="0">
-                        <a:effectLst/>
-                        <a:latin typeface="黑体" panose="02010609060101010101" pitchFamily="49" charset="-122"/>
-                        <a:ea typeface="黑体" panose="02010609060101010101" pitchFamily="49" charset="-122"/>
-                        <a:cs typeface="Times New Roman" panose="02020603050405020304" pitchFamily="18" charset="0"/>
-                      </a:endParaRPr>
-                    </a:p>
-                  </a:txBody>
-                  <a:tcPr marL="68580" marR="68580" marT="0" marB="0" anchor="ctr">
-                    <a:lnL w="12700" cap="flat" cmpd="sng" algn="ctr">
-                      <a:solidFill>
-                        <a:schemeClr val="tx1"/>
-                      </a:solidFill>
-                      <a:prstDash val="solid"/>
-                      <a:round/>
-                      <a:headEnd type="none" w="med" len="med"/>
-                      <a:tailEnd type="none" w="med" len="med"/>
-                    </a:lnL>
-                    <a:lnR w="12700" cap="flat" cmpd="sng" algn="ctr">
-                      <a:solidFill>
-                        <a:schemeClr val="tx1"/>
-                      </a:solidFill>
-                      <a:prstDash val="solid"/>
-                      <a:round/>
-                      <a:headEnd type="none" w="med" len="med"/>
-                      <a:tailEnd type="none" w="med" len="med"/>
-                    </a:lnR>
-                    <a:lnT w="12700" cap="flat" cmpd="sng" algn="ctr">
-                      <a:solidFill>
-                        <a:schemeClr val="tx1"/>
-                      </a:solidFill>
-                      <a:prstDash val="solid"/>
-                      <a:round/>
-                      <a:headEnd type="none" w="med" len="med"/>
-                      <a:tailEnd type="none" w="med" len="med"/>
-                    </a:lnT>
-                    <a:lnB w="12700" cap="flat" cmpd="sng" algn="ctr">
-                      <a:solidFill>
-                        <a:schemeClr val="tx1"/>
-                      </a:solidFill>
-                      <a:prstDash val="solid"/>
-                      <a:round/>
-                      <a:headEnd type="none" w="med" len="med"/>
-                      <a:tailEnd type="none" w="med" len="med"/>
-                    </a:lnB>
-                    <a:lnTlToBr w="12700" cmpd="sng">
-                      <a:noFill/>
-                      <a:prstDash val="solid"/>
-                    </a:lnTlToBr>
-                    <a:lnBlToTr w="12700" cmpd="sng">
-                      <a:noFill/>
-                      <a:prstDash val="solid"/>
-                    </a:lnBlToTr>
-                  </a:tcPr>
-                </a:tc>
-                <a:extLst>
-                  <a:ext uri="{0D108BD9-81ED-4DB2-BD59-A6C34878D82A}">
-                    <a16:rowId xmlns:a16="http://schemas.microsoft.com/office/drawing/2014/main" val="3072415629"/>
-                  </a:ext>
-                </a:extLst>
-              </a:tr>
-              <a:tr h="360000">
-                <a:tc vMerge="1">
-                  <a:txBody>
-                    <a:bodyPr/>
-                    <a:lstStyle/>
-                    <a:p>
-                      <a:pPr marL="0" marR="0" indent="0" algn="ctr" defTabSz="685800" rtl="0" eaLnBrk="1" fontAlgn="auto" latinLnBrk="0" hangingPunct="1">
-                        <a:lnSpc>
-                          <a:spcPct val="100000"/>
-                        </a:lnSpc>
-                        <a:spcBef>
-                          <a:spcPts val="0"/>
-                        </a:spcBef>
-                        <a:spcAft>
-                          <a:spcPts val="0"/>
-                        </a:spcAft>
-                        <a:buClrTx/>
-                        <a:buSzTx/>
-                        <a:buFontTx/>
-                        <a:buNone/>
-                        <a:tabLst/>
-                        <a:defRPr/>
-                      </a:pPr>
-                      <a:endParaRPr lang="zh-CN" altLang="en-US" sz="1400" kern="1200" dirty="0" smtClean="0">
-                        <a:solidFill>
-                          <a:schemeClr val="dk1"/>
-                        </a:solidFill>
-                        <a:latin typeface="黑体" panose="02010609060101010101" pitchFamily="49" charset="-122"/>
-                        <a:ea typeface="黑体" panose="02010609060101010101" pitchFamily="49" charset="-122"/>
-                        <a:cs typeface="+mn-cs"/>
-                      </a:endParaRPr>
-                    </a:p>
-                  </a:txBody>
-                  <a:tcPr anchor="ctr">
-                    <a:lnL w="12700" cap="flat" cmpd="sng" algn="ctr">
-                      <a:solidFill>
-                        <a:schemeClr val="tx1"/>
-                      </a:solidFill>
-                      <a:prstDash val="solid"/>
-                      <a:round/>
-                      <a:headEnd type="none" w="med" len="med"/>
-                      <a:tailEnd type="none" w="med" len="med"/>
-                    </a:lnL>
-                    <a:lnR w="12700" cap="flat" cmpd="sng" algn="ctr">
-                      <a:solidFill>
-                        <a:schemeClr val="tx1"/>
-                      </a:solidFill>
-                      <a:prstDash val="solid"/>
-                      <a:round/>
-                      <a:headEnd type="none" w="med" len="med"/>
-                      <a:tailEnd type="none" w="med" len="med"/>
-                    </a:lnR>
-                    <a:lnT w="12700" cap="flat" cmpd="sng" algn="ctr">
-                      <a:solidFill>
-                        <a:schemeClr val="tx1"/>
-                      </a:solidFill>
-                      <a:prstDash val="solid"/>
-                      <a:round/>
-                      <a:headEnd type="none" w="med" len="med"/>
-                      <a:tailEnd type="none" w="med" len="med"/>
-                    </a:lnT>
-                    <a:lnB w="12700" cap="flat" cmpd="sng" algn="ctr">
-                      <a:solidFill>
-                        <a:schemeClr val="tx1"/>
-                      </a:solidFill>
-                      <a:prstDash val="solid"/>
-                      <a:round/>
-                      <a:headEnd type="none" w="med" len="med"/>
-                      <a:tailEnd type="none" w="med" len="med"/>
-                    </a:lnB>
-                    <a:lnTlToBr w="12700" cmpd="sng">
-                      <a:noFill/>
-                      <a:prstDash val="solid"/>
-                    </a:lnTlToBr>
-                    <a:lnBlToTr w="12700" cmpd="sng">
-                      <a:noFill/>
-                      <a:prstDash val="solid"/>
-                    </a:lnBlToTr>
-                  </a:tcPr>
-                </a:tc>
-                <a:tc>
-                  <a:txBody>
-                    <a:bodyPr/>
-                    <a:lstStyle/>
-                    <a:p>
-                      <a:pPr marL="0" marR="0" lvl="0" indent="127000" algn="ctr" defTabSz="914310" rtl="0" eaLnBrk="1" fontAlgn="auto" latinLnBrk="0" hangingPunct="1">
-                        <a:lnSpc>
-                          <a:spcPts val="2000"/>
-                        </a:lnSpc>
-                        <a:spcBef>
-                          <a:spcPts val="0"/>
-                        </a:spcBef>
-                        <a:spcAft>
-                          <a:spcPts val="0"/>
-                        </a:spcAft>
-                        <a:buClrTx/>
-                        <a:buSzTx/>
-                        <a:buFontTx/>
-                        <a:buNone/>
-                        <a:tabLst/>
-                        <a:defRPr/>
-                      </a:pPr>
-                      <a:r>
-                        <a:rPr lang="en-US" altLang="zh-CN" sz="1400" kern="100" dirty="0" smtClean="0">
-                          <a:effectLst/>
-                          <a:latin typeface="黑体" panose="02010609060101010101" pitchFamily="49" charset="-122"/>
-                          <a:ea typeface="黑体" panose="02010609060101010101" pitchFamily="49" charset="-122"/>
-                          <a:cs typeface="Times New Roman" panose="02020603050405020304" pitchFamily="18" charset="0"/>
-                        </a:rPr>
-                        <a:t>Waiting</a:t>
-                      </a:r>
-                      <a:endParaRPr lang="zh-CN" altLang="zh-CN" sz="1400" kern="100" dirty="0" smtClean="0">
-                        <a:effectLst/>
-                        <a:latin typeface="黑体" panose="02010609060101010101" pitchFamily="49" charset="-122"/>
-                        <a:ea typeface="黑体" panose="02010609060101010101" pitchFamily="49" charset="-122"/>
-                        <a:cs typeface="Times New Roman" panose="02020603050405020304" pitchFamily="18" charset="0"/>
-                      </a:endParaRPr>
-                    </a:p>
-                  </a:txBody>
-                  <a:tcPr marL="68580" marR="68580" marT="0" marB="0" anchor="ctr">
-                    <a:lnL w="12700" cap="flat" cmpd="sng" algn="ctr">
-                      <a:solidFill>
-                        <a:schemeClr val="tx1"/>
-                      </a:solidFill>
-                      <a:prstDash val="solid"/>
-                      <a:round/>
-                      <a:headEnd type="none" w="med" len="med"/>
-                      <a:tailEnd type="none" w="med" len="med"/>
-                    </a:lnL>
-                    <a:lnR w="12700" cap="flat" cmpd="sng" algn="ctr">
-                      <a:solidFill>
-                        <a:schemeClr val="tx1"/>
-                      </a:solidFill>
-                      <a:prstDash val="solid"/>
-                      <a:round/>
-                      <a:headEnd type="none" w="med" len="med"/>
-                      <a:tailEnd type="none" w="med" len="med"/>
-                    </a:lnR>
-                    <a:lnT w="12700" cap="flat" cmpd="sng" algn="ctr">
-                      <a:solidFill>
-                        <a:schemeClr val="tx1"/>
-                      </a:solidFill>
-                      <a:prstDash val="solid"/>
-                      <a:round/>
-                      <a:headEnd type="none" w="med" len="med"/>
-                      <a:tailEnd type="none" w="med" len="med"/>
-                    </a:lnT>
-                    <a:lnB w="12700" cap="flat" cmpd="sng" algn="ctr">
-                      <a:solidFill>
-                        <a:schemeClr val="tx1"/>
-                      </a:solidFill>
-                      <a:prstDash val="solid"/>
-                      <a:round/>
-                      <a:headEnd type="none" w="med" len="med"/>
-                      <a:tailEnd type="none" w="med" len="med"/>
-                    </a:lnB>
-                    <a:lnTlToBr w="12700" cmpd="sng">
-                      <a:noFill/>
-                      <a:prstDash val="solid"/>
-                    </a:lnTlToBr>
-                    <a:lnBlToTr w="12700" cmpd="sng">
-                      <a:noFill/>
-                      <a:prstDash val="solid"/>
-                    </a:lnBlToTr>
-                  </a:tcPr>
-                </a:tc>
-                <a:tc>
-                  <a:txBody>
-                    <a:bodyPr/>
-                    <a:lstStyle/>
-                    <a:p>
-                      <a:pPr indent="127000" algn="ctr">
-                        <a:lnSpc>
-                          <a:spcPts val="2000"/>
-                        </a:lnSpc>
-                        <a:spcAft>
-                          <a:spcPts val="0"/>
-                        </a:spcAft>
-                      </a:pPr>
-                      <a:r>
-                        <a:rPr lang="en-US" sz="1400" kern="100" dirty="0" smtClean="0">
-                          <a:effectLst/>
-                          <a:latin typeface="黑体" panose="02010609060101010101" pitchFamily="49" charset="-122"/>
-                          <a:ea typeface="黑体" panose="02010609060101010101" pitchFamily="49" charset="-122"/>
-                          <a:cs typeface="Times New Roman" panose="02020603050405020304" pitchFamily="18" charset="0"/>
-                        </a:rPr>
-                        <a:t>30/60/90/120</a:t>
-                      </a:r>
-                      <a:endParaRPr lang="zh-CN" sz="1400" kern="100" dirty="0">
-                        <a:effectLst/>
-                        <a:latin typeface="黑体" panose="02010609060101010101" pitchFamily="49" charset="-122"/>
-                        <a:ea typeface="黑体" panose="02010609060101010101" pitchFamily="49" charset="-122"/>
-                        <a:cs typeface="Times New Roman" panose="02020603050405020304" pitchFamily="18" charset="0"/>
-                      </a:endParaRPr>
-                    </a:p>
-                  </a:txBody>
-                  <a:tcPr marL="68580" marR="68580" marT="0" marB="0" anchor="ctr">
-                    <a:lnL w="12700" cap="flat" cmpd="sng" algn="ctr">
-                      <a:solidFill>
-                        <a:schemeClr val="tx1"/>
-                      </a:solidFill>
-                      <a:prstDash val="solid"/>
-                      <a:round/>
-                      <a:headEnd type="none" w="med" len="med"/>
-                      <a:tailEnd type="none" w="med" len="med"/>
-                    </a:lnL>
-                    <a:lnR w="12700" cap="flat" cmpd="sng" algn="ctr">
-                      <a:solidFill>
-                        <a:schemeClr val="tx1"/>
-                      </a:solidFill>
-                      <a:prstDash val="solid"/>
-                      <a:round/>
-                      <a:headEnd type="none" w="med" len="med"/>
-                      <a:tailEnd type="none" w="med" len="med"/>
-                    </a:lnR>
-                    <a:lnT w="12700" cap="flat" cmpd="sng" algn="ctr">
-                      <a:solidFill>
-                        <a:schemeClr val="tx1"/>
-                      </a:solidFill>
-                      <a:prstDash val="solid"/>
-                      <a:round/>
-                      <a:headEnd type="none" w="med" len="med"/>
-                      <a:tailEnd type="none" w="med" len="med"/>
-                    </a:lnT>
-                    <a:lnB w="12700" cap="flat" cmpd="sng" algn="ctr">
-                      <a:solidFill>
-                        <a:schemeClr val="tx1"/>
-                      </a:solidFill>
-                      <a:prstDash val="solid"/>
-                      <a:round/>
-                      <a:headEnd type="none" w="med" len="med"/>
-                      <a:tailEnd type="none" w="med" len="med"/>
-                    </a:lnB>
-                    <a:lnTlToBr w="12700" cmpd="sng">
-                      <a:noFill/>
-                      <a:prstDash val="solid"/>
-                    </a:lnTlToBr>
-                    <a:lnBlToTr w="12700" cmpd="sng">
-                      <a:noFill/>
-                      <a:prstDash val="solid"/>
-                    </a:lnBlToTr>
-                  </a:tcPr>
-                </a:tc>
-                <a:tc>
-                  <a:txBody>
-                    <a:bodyPr/>
-                    <a:lstStyle/>
-                    <a:p>
-                      <a:pPr marL="0" marR="0" lvl="0" indent="127000" algn="ctr" defTabSz="914310" rtl="0" eaLnBrk="1" fontAlgn="auto" latinLnBrk="0" hangingPunct="1">
-                        <a:lnSpc>
-                          <a:spcPts val="2000"/>
-                        </a:lnSpc>
-                        <a:spcBef>
-                          <a:spcPts val="0"/>
-                        </a:spcBef>
-                        <a:spcAft>
-                          <a:spcPts val="0"/>
-                        </a:spcAft>
-                        <a:buClrTx/>
-                        <a:buSzTx/>
-                        <a:buFontTx/>
-                        <a:buNone/>
-                        <a:tabLst/>
-                        <a:defRPr/>
-                      </a:pPr>
-                      <a:r>
-                        <a:rPr lang="en-US" altLang="zh-CN" sz="1400" kern="100" dirty="0" smtClean="0">
-                          <a:effectLst/>
-                          <a:latin typeface="黑体" panose="02010609060101010101" pitchFamily="49" charset="-122"/>
-                          <a:ea typeface="黑体" panose="02010609060101010101" pitchFamily="49" charset="-122"/>
-                          <a:cs typeface="Times New Roman" panose="02020603050405020304" pitchFamily="18" charset="0"/>
-                        </a:rPr>
-                        <a:t>Waiting</a:t>
-                      </a:r>
-                      <a:endParaRPr lang="zh-CN" altLang="zh-CN" sz="1400" kern="100" dirty="0" smtClean="0">
-                        <a:effectLst/>
-                        <a:latin typeface="黑体" panose="02010609060101010101" pitchFamily="49" charset="-122"/>
-                        <a:ea typeface="黑体" panose="02010609060101010101" pitchFamily="49" charset="-122"/>
-                        <a:cs typeface="Times New Roman" panose="02020603050405020304" pitchFamily="18" charset="0"/>
-                      </a:endParaRPr>
-                    </a:p>
-                  </a:txBody>
-                  <a:tcPr marL="68580" marR="68580" marT="0" marB="0" anchor="ctr">
-                    <a:lnL w="12700" cap="flat" cmpd="sng" algn="ctr">
-                      <a:solidFill>
-                        <a:schemeClr val="tx1"/>
-                      </a:solidFill>
-                      <a:prstDash val="solid"/>
-                      <a:round/>
-                      <a:headEnd type="none" w="med" len="med"/>
-                      <a:tailEnd type="none" w="med" len="med"/>
-                    </a:lnL>
-                    <a:lnR w="12700" cap="flat" cmpd="sng" algn="ctr">
-                      <a:solidFill>
-                        <a:schemeClr val="tx1"/>
-                      </a:solidFill>
-                      <a:prstDash val="solid"/>
-                      <a:round/>
-                      <a:headEnd type="none" w="med" len="med"/>
-                      <a:tailEnd type="none" w="med" len="med"/>
-                    </a:lnR>
-                    <a:lnT w="12700" cap="flat" cmpd="sng" algn="ctr">
-                      <a:solidFill>
-                        <a:schemeClr val="tx1"/>
-                      </a:solidFill>
-                      <a:prstDash val="solid"/>
-                      <a:round/>
-                      <a:headEnd type="none" w="med" len="med"/>
-                      <a:tailEnd type="none" w="med" len="med"/>
-                    </a:lnT>
-                    <a:lnB w="12700" cap="flat" cmpd="sng" algn="ctr">
-                      <a:solidFill>
-                        <a:schemeClr val="tx1"/>
-                      </a:solidFill>
-                      <a:prstDash val="solid"/>
-                      <a:round/>
-                      <a:headEnd type="none" w="med" len="med"/>
-                      <a:tailEnd type="none" w="med" len="med"/>
-                    </a:lnB>
-                    <a:lnTlToBr w="12700" cmpd="sng">
-                      <a:noFill/>
-                      <a:prstDash val="solid"/>
-                    </a:lnTlToBr>
-                    <a:lnBlToTr w="12700" cmpd="sng">
-                      <a:noFill/>
-                      <a:prstDash val="solid"/>
-                    </a:lnBlToTr>
-                  </a:tcPr>
-                </a:tc>
-                <a:tc>
-                  <a:txBody>
-                    <a:bodyPr/>
-                    <a:lstStyle/>
-                    <a:p>
-                      <a:pPr indent="127000" algn="ctr">
-                        <a:lnSpc>
-                          <a:spcPts val="2000"/>
-                        </a:lnSpc>
-                        <a:spcAft>
-                          <a:spcPts val="0"/>
-                        </a:spcAft>
-                      </a:pPr>
-                      <a:r>
-                        <a:rPr lang="en-US" altLang="zh-CN" sz="1400" kern="100" dirty="0" smtClean="0">
-                          <a:effectLst/>
-                          <a:latin typeface="黑体" panose="02010609060101010101" pitchFamily="49" charset="-122"/>
-                          <a:ea typeface="黑体" panose="02010609060101010101" pitchFamily="49" charset="-122"/>
-                          <a:cs typeface="Times New Roman" panose="02020603050405020304" pitchFamily="18" charset="0"/>
-                        </a:rPr>
-                        <a:t>30/60/90/120</a:t>
-                      </a:r>
-                      <a:endParaRPr lang="zh-CN" sz="1400" kern="100" dirty="0">
-                        <a:effectLst/>
-                        <a:latin typeface="黑体" panose="02010609060101010101" pitchFamily="49" charset="-122"/>
-                        <a:ea typeface="黑体" panose="02010609060101010101" pitchFamily="49" charset="-122"/>
-                        <a:cs typeface="Times New Roman" panose="02020603050405020304" pitchFamily="18" charset="0"/>
-                      </a:endParaRPr>
-                    </a:p>
-                  </a:txBody>
-                  <a:tcPr marL="68580" marR="68580" marT="0" marB="0" anchor="ctr">
-                    <a:lnL w="12700" cap="flat" cmpd="sng" algn="ctr">
-                      <a:solidFill>
-                        <a:schemeClr val="tx1"/>
-                      </a:solidFill>
-                      <a:prstDash val="solid"/>
-                      <a:round/>
-                      <a:headEnd type="none" w="med" len="med"/>
-                      <a:tailEnd type="none" w="med" len="med"/>
-                    </a:lnL>
-                    <a:lnR w="12700" cap="flat" cmpd="sng" algn="ctr">
-                      <a:solidFill>
-                        <a:schemeClr val="tx1"/>
-                      </a:solidFill>
-                      <a:prstDash val="solid"/>
-                      <a:round/>
-                      <a:headEnd type="none" w="med" len="med"/>
-                      <a:tailEnd type="none" w="med" len="med"/>
-                    </a:lnR>
-                    <a:lnT w="12700" cap="flat" cmpd="sng" algn="ctr">
-                      <a:solidFill>
-                        <a:schemeClr val="tx1"/>
-                      </a:solidFill>
-                      <a:prstDash val="solid"/>
-                      <a:round/>
-                      <a:headEnd type="none" w="med" len="med"/>
-                      <a:tailEnd type="none" w="med" len="med"/>
-                    </a:lnT>
-                    <a:lnB w="12700" cap="flat" cmpd="sng" algn="ctr">
-                      <a:solidFill>
-                        <a:schemeClr val="tx1"/>
-                      </a:solidFill>
-                      <a:prstDash val="solid"/>
-                      <a:round/>
-                      <a:headEnd type="none" w="med" len="med"/>
-                      <a:tailEnd type="none" w="med" len="med"/>
-                    </a:lnB>
-                    <a:lnTlToBr w="12700" cmpd="sng">
-                      <a:noFill/>
-                      <a:prstDash val="solid"/>
-                    </a:lnTlToBr>
-                    <a:lnBlToTr w="12700" cmpd="sng">
-                      <a:noFill/>
-                      <a:prstDash val="solid"/>
-                    </a:lnBlToTr>
-                  </a:tcPr>
-                </a:tc>
-                <a:extLst>
-                  <a:ext uri="{0D108BD9-81ED-4DB2-BD59-A6C34878D82A}">
-                    <a16:rowId xmlns:a16="http://schemas.microsoft.com/office/drawing/2014/main" val="1956270320"/>
-                  </a:ext>
-                </a:extLst>
-              </a:tr>
-            </a:tbl>
-          </a:graphicData>
-        </a:graphic>
-      </p:graphicFrame>
-      <p:sp>
-        <p:nvSpPr>
-          <p:cNvPr id="15" name="文本框 14"/>
-          <p:cNvSpPr txBox="1"/>
-          <p:nvPr/>
-        </p:nvSpPr>
-        <p:spPr>
-          <a:xfrm>
-            <a:off x="9534901" y="6434953"/>
-            <a:ext cx="971099" cy="276999"/>
-          </a:xfrm>
-          <a:prstGeom prst="rect">
-            <a:avLst/>
-          </a:prstGeom>
-          <a:noFill/>
-        </p:spPr>
-        <p:txBody>
-          <a:bodyPr wrap="square" rtlCol="0">
-            <a:spAutoFit/>
-          </a:bodyPr>
-          <a:lstStyle/>
-          <a:p>
-            <a:r>
-              <a:rPr lang="en-US" altLang="zh-CN" sz="1200" b="1" dirty="0" smtClean="0">
-                <a:latin typeface="黑体" panose="02010609060101010101" pitchFamily="49" charset="-122"/>
-                <a:ea typeface="黑体" panose="02010609060101010101" pitchFamily="49" charset="-122"/>
-              </a:rPr>
-              <a:t>(Unit : kW)</a:t>
-            </a:r>
-            <a:endParaRPr lang="zh-CN" altLang="en-US" sz="1200" b="1" dirty="0">
-              <a:latin typeface="黑体" panose="02010609060101010101" pitchFamily="49" charset="-122"/>
-              <a:ea typeface="黑体" panose="02010609060101010101" pitchFamily="49" charset="-122"/>
-            </a:endParaRPr>
-          </a:p>
-        </p:txBody>
-      </p:sp>
-    </p:spTree>
-    <p:extLst>
-      <p:ext uri="{BB962C8B-B14F-4D97-AF65-F5344CB8AC3E}">
-        <p14:creationId xmlns:p14="http://schemas.microsoft.com/office/powerpoint/2010/main" val="967346727"/>
-      </p:ext>
-    </p:extLst>
-  </p:cSld>
-  <p:clrMapOvr>
-    <a:masterClrMapping/>
-  </p:clrMapOvr>
-  <p:timing>
-    <p:tnLst>
-      <p:par>
-        <p:cTn id="1" dur="indefinite" restart="never" nodeType="tmRoot"/>
-      </p:par>
-    </p:tnLst>
-  </p:timing>
-</p:sld>
-</file>
-
-<file path=ppt/slides/slide14.xml><?xml version="1.0" encoding="utf-8"?>
-<p:sld xmlns:a="http://schemas.openxmlformats.org/drawingml/2006/main" xmlns:r="http://schemas.openxmlformats.org/officeDocument/2006/relationships" xmlns:p="http://schemas.openxmlformats.org/presentationml/2006/main">
-  <p:cSld>
-    <p:spTree>
-      <p:nvGrpSpPr>
-        <p:cNvPr id="1" name=""/>
-        <p:cNvGrpSpPr/>
-        <p:nvPr/>
-      </p:nvGrpSpPr>
-      <p:grpSpPr>
-        <a:xfrm>
-          <a:off x="0" y="0"/>
-          <a:ext cx="0" cy="0"/>
-          <a:chOff x="0" y="0"/>
-          <a:chExt cx="0" cy="0"/>
-        </a:xfrm>
-      </p:grpSpPr>
-      <p:sp>
-        <p:nvSpPr>
-          <p:cNvPr id="2" name="标题 1"/>
-          <p:cNvSpPr>
-            <a:spLocks noGrp="1"/>
-          </p:cNvSpPr>
-          <p:nvPr>
-            <p:ph type="title"/>
-          </p:nvPr>
-        </p:nvSpPr>
-        <p:spPr/>
-        <p:txBody>
-          <a:bodyPr/>
-          <a:lstStyle/>
-          <a:p>
-            <a:r>
-              <a:rPr lang="en-US" altLang="zh-CN" dirty="0"/>
               <a:t>1*240kW Power Cabinet + 2*Dispenser</a:t>
             </a:r>
             <a:r>
@@ -11813,6 +7039,4815 @@
     <p:extLst>
       <p:ext uri="{BB962C8B-B14F-4D97-AF65-F5344CB8AC3E}">
         <p14:creationId xmlns:p14="http://schemas.microsoft.com/office/powerpoint/2010/main" val="537533818"/>
+      </p:ext>
+    </p:extLst>
+  </p:cSld>
+  <p:clrMapOvr>
+    <a:masterClrMapping/>
+  </p:clrMapOvr>
+  <p:timing>
+    <p:tnLst>
+      <p:par>
+        <p:cTn id="1" dur="indefinite" restart="never" nodeType="tmRoot"/>
+      </p:par>
+    </p:tnLst>
+  </p:timing>
+</p:sld>
+</file>
+
+<file path=ppt/slides/slide13.xml><?xml version="1.0" encoding="utf-8"?>
+<p:sld xmlns:a="http://schemas.openxmlformats.org/drawingml/2006/main" xmlns:r="http://schemas.openxmlformats.org/officeDocument/2006/relationships" xmlns:p="http://schemas.openxmlformats.org/presentationml/2006/main">
+  <p:cSld>
+    <p:spTree>
+      <p:nvGrpSpPr>
+        <p:cNvPr id="1" name=""/>
+        <p:cNvGrpSpPr/>
+        <p:nvPr/>
+      </p:nvGrpSpPr>
+      <p:grpSpPr>
+        <a:xfrm>
+          <a:off x="0" y="0"/>
+          <a:ext cx="0" cy="0"/>
+          <a:chOff x="0" y="0"/>
+          <a:chExt cx="0" cy="0"/>
+        </a:xfrm>
+      </p:grpSpPr>
+      <p:sp>
+        <p:nvSpPr>
+          <p:cNvPr id="2" name="标题 1"/>
+          <p:cNvSpPr>
+            <a:spLocks noGrp="1"/>
+          </p:cNvSpPr>
+          <p:nvPr>
+            <p:ph type="title"/>
+          </p:nvPr>
+        </p:nvSpPr>
+        <p:spPr/>
+        <p:txBody>
+          <a:bodyPr/>
+          <a:lstStyle/>
+          <a:p>
+            <a:r>
+              <a:rPr lang="en-US" altLang="zh-CN" dirty="0"/>
+              <a:t>1*180kW Power Cabinet + </a:t>
+            </a:r>
+            <a:r>
+              <a:rPr lang="en-US" altLang="zh-CN" dirty="0" smtClean="0"/>
+              <a:t>3*Dispenser</a:t>
+            </a:r>
+            <a:r>
+              <a:rPr lang="zh-CN" altLang="en-US" dirty="0" smtClean="0"/>
+              <a:t>（</a:t>
+            </a:r>
+            <a:r>
+              <a:rPr lang="en-US" altLang="zh-CN" dirty="0" smtClean="0"/>
+              <a:t>6*125A </a:t>
+            </a:r>
+            <a:r>
+              <a:rPr lang="en-US" altLang="zh-CN" dirty="0"/>
+              <a:t>Plug</a:t>
+            </a:r>
+            <a:r>
+              <a:rPr lang="zh-CN" altLang="en-US" dirty="0"/>
+              <a:t>）</a:t>
+            </a:r>
+            <a:endParaRPr lang="en-US" altLang="zh-CN" sz="1800" dirty="0">
+              <a:latin typeface="Times New Roman" panose="02020603050405020304" pitchFamily="18" charset="0"/>
+            </a:endParaRPr>
+          </a:p>
+        </p:txBody>
+      </p:sp>
+      <p:sp>
+        <p:nvSpPr>
+          <p:cNvPr id="4" name="矩形 3"/>
+          <p:cNvSpPr/>
+          <p:nvPr/>
+        </p:nvSpPr>
+        <p:spPr>
+          <a:xfrm>
+            <a:off x="145745" y="819000"/>
+            <a:ext cx="9944999" cy="2115000"/>
+          </a:xfrm>
+          <a:prstGeom prst="rect">
+            <a:avLst/>
+          </a:prstGeom>
+          <a:solidFill>
+            <a:schemeClr val="accent5">
+              <a:lumMod val="60000"/>
+              <a:lumOff val="40000"/>
+              <a:alpha val="25000"/>
+            </a:schemeClr>
+          </a:solidFill>
+          <a:ln w="28575">
+            <a:solidFill>
+              <a:schemeClr val="tx1"/>
+            </a:solidFill>
+            <a:prstDash val="dash"/>
+          </a:ln>
+        </p:spPr>
+        <p:style>
+          <a:lnRef idx="2">
+            <a:schemeClr val="accent1">
+              <a:shade val="50000"/>
+            </a:schemeClr>
+          </a:lnRef>
+          <a:fillRef idx="1">
+            <a:schemeClr val="accent1"/>
+          </a:fillRef>
+          <a:effectRef idx="0">
+            <a:schemeClr val="accent1"/>
+          </a:effectRef>
+          <a:fontRef idx="minor">
+            <a:schemeClr val="lt1"/>
+          </a:fontRef>
+        </p:style>
+        <p:txBody>
+          <a:bodyPr rtlCol="0" anchor="ctr"/>
+          <a:lstStyle/>
+          <a:p>
+            <a:pPr marL="285750" indent="-285750" algn="l">
+              <a:lnSpc>
+                <a:spcPct val="150000"/>
+              </a:lnSpc>
+              <a:buClr>
+                <a:srgbClr val="C00000"/>
+              </a:buClr>
+              <a:buFont typeface="Wingdings" pitchFamily="2" charset="2"/>
+              <a:buChar char="ü"/>
+            </a:pPr>
+            <a:endParaRPr lang="zh-CN" altLang="en-US" sz="1200" b="1" dirty="0">
+              <a:solidFill>
+                <a:schemeClr val="tx2"/>
+              </a:solidFill>
+              <a:latin typeface="Times New Roman" panose="02020603050405020304" pitchFamily="18" charset="0"/>
+              <a:cs typeface="Times New Roman" panose="02020603050405020304" pitchFamily="18" charset="0"/>
+            </a:endParaRPr>
+          </a:p>
+        </p:txBody>
+      </p:sp>
+      <p:sp>
+        <p:nvSpPr>
+          <p:cNvPr id="5" name="矩形 4"/>
+          <p:cNvSpPr/>
+          <p:nvPr/>
+        </p:nvSpPr>
+        <p:spPr>
+          <a:xfrm>
+            <a:off x="3755999" y="926847"/>
+            <a:ext cx="2025001" cy="1147202"/>
+          </a:xfrm>
+          <a:prstGeom prst="rect">
+            <a:avLst/>
+          </a:prstGeom>
+          <a:solidFill>
+            <a:srgbClr val="000000">
+              <a:alpha val="25000"/>
+            </a:srgbClr>
+          </a:solidFill>
+          <a:ln w="19050">
+            <a:solidFill>
+              <a:schemeClr val="tx1">
+                <a:lumMod val="50000"/>
+                <a:lumOff val="50000"/>
+              </a:schemeClr>
+            </a:solidFill>
+            <a:prstDash val="sysDash"/>
+          </a:ln>
+        </p:spPr>
+        <p:style>
+          <a:lnRef idx="2">
+            <a:schemeClr val="accent1">
+              <a:shade val="50000"/>
+            </a:schemeClr>
+          </a:lnRef>
+          <a:fillRef idx="1">
+            <a:schemeClr val="accent1"/>
+          </a:fillRef>
+          <a:effectRef idx="0">
+            <a:schemeClr val="accent1"/>
+          </a:effectRef>
+          <a:fontRef idx="minor">
+            <a:schemeClr val="lt1"/>
+          </a:fontRef>
+        </p:style>
+        <p:txBody>
+          <a:bodyPr rtlCol="0" anchor="ctr"/>
+          <a:lstStyle/>
+          <a:p>
+            <a:pPr marL="285750" indent="-285750" algn="l">
+              <a:lnSpc>
+                <a:spcPct val="150000"/>
+              </a:lnSpc>
+              <a:buClr>
+                <a:srgbClr val="C00000"/>
+              </a:buClr>
+              <a:buFont typeface="Wingdings" pitchFamily="2" charset="2"/>
+              <a:buChar char="ü"/>
+            </a:pPr>
+            <a:endParaRPr lang="zh-CN" altLang="en-US" sz="1200" b="1" dirty="0">
+              <a:solidFill>
+                <a:schemeClr val="tx2"/>
+              </a:solidFill>
+              <a:latin typeface="Times New Roman" panose="02020603050405020304" pitchFamily="18" charset="0"/>
+              <a:cs typeface="Times New Roman" panose="02020603050405020304" pitchFamily="18" charset="0"/>
+            </a:endParaRPr>
+          </a:p>
+        </p:txBody>
+      </p:sp>
+      <p:sp>
+        <p:nvSpPr>
+          <p:cNvPr id="6" name="矩形 5"/>
+          <p:cNvSpPr/>
+          <p:nvPr/>
+        </p:nvSpPr>
+        <p:spPr>
+          <a:xfrm>
+            <a:off x="4318499" y="1714049"/>
+            <a:ext cx="900000" cy="415498"/>
+          </a:xfrm>
+          <a:prstGeom prst="rect">
+            <a:avLst/>
+          </a:prstGeom>
+        </p:spPr>
+        <p:txBody>
+          <a:bodyPr wrap="square">
+            <a:spAutoFit/>
+          </a:bodyPr>
+          <a:lstStyle/>
+          <a:p>
+            <a:pPr>
+              <a:lnSpc>
+                <a:spcPct val="150000"/>
+              </a:lnSpc>
+            </a:pPr>
+            <a:r>
+              <a:rPr lang="en-US" altLang="zh-CN" sz="1400" b="1" dirty="0" smtClean="0">
+                <a:latin typeface="Times New Roman" panose="02020603050405020304" pitchFamily="18" charset="0"/>
+                <a:ea typeface="黑体" panose="02010609060101010101" pitchFamily="49" charset="-122"/>
+                <a:cs typeface="Times New Roman" panose="02020603050405020304" pitchFamily="18" charset="0"/>
+              </a:rPr>
+              <a:t>Reserved</a:t>
+            </a:r>
+            <a:endParaRPr lang="en-US" altLang="zh-CN" sz="1400" i="1" dirty="0">
+              <a:latin typeface="Times New Roman" panose="02020603050405020304" pitchFamily="18" charset="0"/>
+              <a:ea typeface="黑体" panose="02010609060101010101" pitchFamily="49" charset="-122"/>
+              <a:cs typeface="Times New Roman" panose="02020603050405020304" pitchFamily="18" charset="0"/>
+            </a:endParaRPr>
+          </a:p>
+        </p:txBody>
+      </p:sp>
+      <p:graphicFrame>
+        <p:nvGraphicFramePr>
+          <p:cNvPr id="11" name="表格 10"/>
+          <p:cNvGraphicFramePr>
+            <a:graphicFrameLocks noGrp="1"/>
+          </p:cNvGraphicFramePr>
+          <p:nvPr>
+            <p:extLst>
+              <p:ext uri="{D42A27DB-BD31-4B8C-83A1-F6EECF244321}">
+                <p14:modId xmlns:p14="http://schemas.microsoft.com/office/powerpoint/2010/main" val="3879763611"/>
+              </p:ext>
+            </p:extLst>
+          </p:nvPr>
+        </p:nvGraphicFramePr>
+        <p:xfrm>
+          <a:off x="2264878" y="5108258"/>
+          <a:ext cx="7120814" cy="725887"/>
+        </p:xfrm>
+        <a:graphic>
+          <a:graphicData uri="http://schemas.openxmlformats.org/drawingml/2006/table">
+            <a:tbl>
+              <a:tblPr firstRow="1" bandRow="1">
+                <a:tableStyleId>{21E4AEA4-8DFA-4A89-87EB-49C32662AFE0}</a:tableStyleId>
+              </a:tblPr>
+              <a:tblGrid>
+                <a:gridCol w="968930">
+                  <a:extLst>
+                    <a:ext uri="{9D8B030D-6E8A-4147-A177-3AD203B41FA5}">
+                      <a16:colId xmlns:a16="http://schemas.microsoft.com/office/drawing/2014/main" val="2533179539"/>
+                    </a:ext>
+                  </a:extLst>
+                </a:gridCol>
+                <a:gridCol w="1025314">
+                  <a:extLst>
+                    <a:ext uri="{9D8B030D-6E8A-4147-A177-3AD203B41FA5}">
+                      <a16:colId xmlns:a16="http://schemas.microsoft.com/office/drawing/2014/main" val="1056291638"/>
+                    </a:ext>
+                  </a:extLst>
+                </a:gridCol>
+                <a:gridCol w="1025314">
+                  <a:extLst>
+                    <a:ext uri="{9D8B030D-6E8A-4147-A177-3AD203B41FA5}">
+                      <a16:colId xmlns:a16="http://schemas.microsoft.com/office/drawing/2014/main" val="2677758524"/>
+                    </a:ext>
+                  </a:extLst>
+                </a:gridCol>
+                <a:gridCol w="1025314">
+                  <a:extLst>
+                    <a:ext uri="{9D8B030D-6E8A-4147-A177-3AD203B41FA5}">
+                      <a16:colId xmlns:a16="http://schemas.microsoft.com/office/drawing/2014/main" val="2709018504"/>
+                    </a:ext>
+                  </a:extLst>
+                </a:gridCol>
+                <a:gridCol w="1025314">
+                  <a:extLst>
+                    <a:ext uri="{9D8B030D-6E8A-4147-A177-3AD203B41FA5}">
+                      <a16:colId xmlns:a16="http://schemas.microsoft.com/office/drawing/2014/main" val="1919259312"/>
+                    </a:ext>
+                  </a:extLst>
+                </a:gridCol>
+                <a:gridCol w="1025314">
+                  <a:extLst>
+                    <a:ext uri="{9D8B030D-6E8A-4147-A177-3AD203B41FA5}">
+                      <a16:colId xmlns:a16="http://schemas.microsoft.com/office/drawing/2014/main" val="4206397505"/>
+                    </a:ext>
+                  </a:extLst>
+                </a:gridCol>
+                <a:gridCol w="1025314">
+                  <a:extLst>
+                    <a:ext uri="{9D8B030D-6E8A-4147-A177-3AD203B41FA5}">
+                      <a16:colId xmlns:a16="http://schemas.microsoft.com/office/drawing/2014/main" val="1113178328"/>
+                    </a:ext>
+                  </a:extLst>
+                </a:gridCol>
+              </a:tblGrid>
+              <a:tr h="360000">
+                <a:tc>
+                  <a:txBody>
+                    <a:bodyPr/>
+                    <a:lstStyle/>
+                    <a:p>
+                      <a:pPr algn="ctr"/>
+                      <a:r>
+                        <a:rPr lang="en-US" altLang="zh-CN" sz="1400" dirty="0" smtClean="0">
+                          <a:solidFill>
+                            <a:schemeClr val="tx1"/>
+                          </a:solidFill>
+                          <a:latin typeface="黑体" panose="02010609060101010101" pitchFamily="49" charset="-122"/>
+                          <a:ea typeface="黑体" panose="02010609060101010101" pitchFamily="49" charset="-122"/>
+                        </a:rPr>
+                        <a:t>Type </a:t>
+                      </a:r>
+                      <a:endParaRPr lang="zh-CN" altLang="en-US" sz="1400" dirty="0">
+                        <a:solidFill>
+                          <a:schemeClr val="tx1"/>
+                        </a:solidFill>
+                        <a:latin typeface="黑体" panose="02010609060101010101" pitchFamily="49" charset="-122"/>
+                        <a:ea typeface="黑体" panose="02010609060101010101" pitchFamily="49" charset="-122"/>
+                      </a:endParaRPr>
+                    </a:p>
+                  </a:txBody>
+                  <a:tcPr>
+                    <a:lnL w="12700" cap="flat" cmpd="sng" algn="ctr">
+                      <a:solidFill>
+                        <a:schemeClr val="tx1"/>
+                      </a:solidFill>
+                      <a:prstDash val="solid"/>
+                      <a:round/>
+                      <a:headEnd type="none" w="med" len="med"/>
+                      <a:tailEnd type="none" w="med" len="med"/>
+                    </a:lnL>
+                    <a:lnR w="12700" cap="flat" cmpd="sng" algn="ctr">
+                      <a:solidFill>
+                        <a:schemeClr val="tx1"/>
+                      </a:solidFill>
+                      <a:prstDash val="solid"/>
+                      <a:round/>
+                      <a:headEnd type="none" w="med" len="med"/>
+                      <a:tailEnd type="none" w="med" len="med"/>
+                    </a:lnR>
+                    <a:lnT w="12700" cap="flat" cmpd="sng" algn="ctr">
+                      <a:solidFill>
+                        <a:schemeClr val="tx1"/>
+                      </a:solidFill>
+                      <a:prstDash val="solid"/>
+                      <a:round/>
+                      <a:headEnd type="none" w="med" len="med"/>
+                      <a:tailEnd type="none" w="med" len="med"/>
+                    </a:lnT>
+                    <a:lnB w="12700" cap="flat" cmpd="sng" algn="ctr">
+                      <a:solidFill>
+                        <a:schemeClr val="tx1"/>
+                      </a:solidFill>
+                      <a:prstDash val="solid"/>
+                      <a:round/>
+                      <a:headEnd type="none" w="med" len="med"/>
+                      <a:tailEnd type="none" w="med" len="med"/>
+                    </a:lnB>
+                    <a:lnTlToBr w="12700" cmpd="sng">
+                      <a:noFill/>
+                      <a:prstDash val="solid"/>
+                    </a:lnTlToBr>
+                    <a:lnBlToTr w="12700" cmpd="sng">
+                      <a:noFill/>
+                      <a:prstDash val="solid"/>
+                    </a:lnBlToTr>
+                  </a:tcPr>
+                </a:tc>
+                <a:tc>
+                  <a:txBody>
+                    <a:bodyPr/>
+                    <a:lstStyle/>
+                    <a:p>
+                      <a:pPr algn="ctr"/>
+                      <a:r>
+                        <a:rPr lang="en-US" altLang="zh-CN" sz="1400" dirty="0" smtClean="0">
+                          <a:solidFill>
+                            <a:schemeClr val="tx1"/>
+                          </a:solidFill>
+                          <a:latin typeface="黑体" panose="02010609060101010101" pitchFamily="49" charset="-122"/>
+                          <a:ea typeface="黑体" panose="02010609060101010101" pitchFamily="49" charset="-122"/>
+                        </a:rPr>
+                        <a:t>1#-</a:t>
+                      </a:r>
+                      <a:r>
+                        <a:rPr lang="en-US" altLang="zh-CN" sz="1400" dirty="0" err="1" smtClean="0">
+                          <a:solidFill>
+                            <a:schemeClr val="tx1"/>
+                          </a:solidFill>
+                          <a:latin typeface="黑体" panose="02010609060101010101" pitchFamily="49" charset="-122"/>
+                          <a:ea typeface="黑体" panose="02010609060101010101" pitchFamily="49" charset="-122"/>
+                        </a:rPr>
+                        <a:t>Lmax</a:t>
+                      </a:r>
+                      <a:endParaRPr lang="zh-CN" altLang="en-US" sz="1400" dirty="0">
+                        <a:solidFill>
+                          <a:schemeClr val="tx1"/>
+                        </a:solidFill>
+                        <a:latin typeface="黑体" panose="02010609060101010101" pitchFamily="49" charset="-122"/>
+                        <a:ea typeface="黑体" panose="02010609060101010101" pitchFamily="49" charset="-122"/>
+                      </a:endParaRPr>
+                    </a:p>
+                  </a:txBody>
+                  <a:tcPr>
+                    <a:lnL w="12700" cap="flat" cmpd="sng" algn="ctr">
+                      <a:solidFill>
+                        <a:schemeClr val="tx1"/>
+                      </a:solidFill>
+                      <a:prstDash val="solid"/>
+                      <a:round/>
+                      <a:headEnd type="none" w="med" len="med"/>
+                      <a:tailEnd type="none" w="med" len="med"/>
+                    </a:lnL>
+                    <a:lnR w="12700" cap="flat" cmpd="sng" algn="ctr">
+                      <a:solidFill>
+                        <a:schemeClr val="tx1"/>
+                      </a:solidFill>
+                      <a:prstDash val="solid"/>
+                      <a:round/>
+                      <a:headEnd type="none" w="med" len="med"/>
+                      <a:tailEnd type="none" w="med" len="med"/>
+                    </a:lnR>
+                    <a:lnT w="12700" cap="flat" cmpd="sng" algn="ctr">
+                      <a:solidFill>
+                        <a:schemeClr val="tx1"/>
+                      </a:solidFill>
+                      <a:prstDash val="solid"/>
+                      <a:round/>
+                      <a:headEnd type="none" w="med" len="med"/>
+                      <a:tailEnd type="none" w="med" len="med"/>
+                    </a:lnT>
+                    <a:lnB w="12700" cap="flat" cmpd="sng" algn="ctr">
+                      <a:solidFill>
+                        <a:schemeClr val="tx1"/>
+                      </a:solidFill>
+                      <a:prstDash val="solid"/>
+                      <a:round/>
+                      <a:headEnd type="none" w="med" len="med"/>
+                      <a:tailEnd type="none" w="med" len="med"/>
+                    </a:lnB>
+                    <a:lnTlToBr w="12700" cmpd="sng">
+                      <a:noFill/>
+                      <a:prstDash val="solid"/>
+                    </a:lnTlToBr>
+                    <a:lnBlToTr w="12700" cmpd="sng">
+                      <a:noFill/>
+                      <a:prstDash val="solid"/>
+                    </a:lnBlToTr>
+                  </a:tcPr>
+                </a:tc>
+                <a:tc>
+                  <a:txBody>
+                    <a:bodyPr/>
+                    <a:lstStyle/>
+                    <a:p>
+                      <a:pPr algn="ctr"/>
+                      <a:r>
+                        <a:rPr lang="en-US" altLang="zh-CN" sz="1400" dirty="0" smtClean="0">
+                          <a:solidFill>
+                            <a:schemeClr val="tx1"/>
+                          </a:solidFill>
+                          <a:latin typeface="黑体" panose="02010609060101010101" pitchFamily="49" charset="-122"/>
+                          <a:ea typeface="黑体" panose="02010609060101010101" pitchFamily="49" charset="-122"/>
+                        </a:rPr>
+                        <a:t>1#-</a:t>
+                      </a:r>
+                      <a:r>
+                        <a:rPr lang="en-US" altLang="zh-CN" sz="1400" dirty="0" err="1" smtClean="0">
+                          <a:solidFill>
+                            <a:schemeClr val="tx1"/>
+                          </a:solidFill>
+                          <a:latin typeface="黑体" panose="02010609060101010101" pitchFamily="49" charset="-122"/>
+                          <a:ea typeface="黑体" panose="02010609060101010101" pitchFamily="49" charset="-122"/>
+                        </a:rPr>
+                        <a:t>Rmax</a:t>
+                      </a:r>
+                      <a:endParaRPr lang="zh-CN" altLang="en-US" sz="1400" dirty="0">
+                        <a:solidFill>
+                          <a:schemeClr val="tx1"/>
+                        </a:solidFill>
+                        <a:latin typeface="黑体" panose="02010609060101010101" pitchFamily="49" charset="-122"/>
+                        <a:ea typeface="黑体" panose="02010609060101010101" pitchFamily="49" charset="-122"/>
+                      </a:endParaRPr>
+                    </a:p>
+                  </a:txBody>
+                  <a:tcPr>
+                    <a:lnL w="12700" cap="flat" cmpd="sng" algn="ctr">
+                      <a:solidFill>
+                        <a:schemeClr val="tx1"/>
+                      </a:solidFill>
+                      <a:prstDash val="solid"/>
+                      <a:round/>
+                      <a:headEnd type="none" w="med" len="med"/>
+                      <a:tailEnd type="none" w="med" len="med"/>
+                    </a:lnL>
+                    <a:lnR w="12700" cap="flat" cmpd="sng" algn="ctr">
+                      <a:solidFill>
+                        <a:schemeClr val="tx1"/>
+                      </a:solidFill>
+                      <a:prstDash val="solid"/>
+                      <a:round/>
+                      <a:headEnd type="none" w="med" len="med"/>
+                      <a:tailEnd type="none" w="med" len="med"/>
+                    </a:lnR>
+                    <a:lnT w="12700" cap="flat" cmpd="sng" algn="ctr">
+                      <a:solidFill>
+                        <a:schemeClr val="tx1"/>
+                      </a:solidFill>
+                      <a:prstDash val="solid"/>
+                      <a:round/>
+                      <a:headEnd type="none" w="med" len="med"/>
+                      <a:tailEnd type="none" w="med" len="med"/>
+                    </a:lnT>
+                    <a:lnB w="12700" cap="flat" cmpd="sng" algn="ctr">
+                      <a:solidFill>
+                        <a:schemeClr val="tx1"/>
+                      </a:solidFill>
+                      <a:prstDash val="solid"/>
+                      <a:round/>
+                      <a:headEnd type="none" w="med" len="med"/>
+                      <a:tailEnd type="none" w="med" len="med"/>
+                    </a:lnB>
+                    <a:lnTlToBr w="12700" cmpd="sng">
+                      <a:noFill/>
+                      <a:prstDash val="solid"/>
+                    </a:lnTlToBr>
+                    <a:lnBlToTr w="12700" cmpd="sng">
+                      <a:noFill/>
+                      <a:prstDash val="solid"/>
+                    </a:lnBlToTr>
+                  </a:tcPr>
+                </a:tc>
+                <a:tc>
+                  <a:txBody>
+                    <a:bodyPr/>
+                    <a:lstStyle/>
+                    <a:p>
+                      <a:pPr algn="ctr"/>
+                      <a:r>
+                        <a:rPr lang="en-US" altLang="zh-CN" sz="1400" dirty="0" smtClean="0">
+                          <a:solidFill>
+                            <a:schemeClr val="tx1"/>
+                          </a:solidFill>
+                          <a:latin typeface="黑体" panose="02010609060101010101" pitchFamily="49" charset="-122"/>
+                          <a:ea typeface="黑体" panose="02010609060101010101" pitchFamily="49" charset="-122"/>
+                        </a:rPr>
+                        <a:t>2#-</a:t>
+                      </a:r>
+                      <a:r>
+                        <a:rPr lang="en-US" altLang="zh-CN" sz="1400" dirty="0" err="1" smtClean="0">
+                          <a:solidFill>
+                            <a:schemeClr val="tx1"/>
+                          </a:solidFill>
+                          <a:latin typeface="黑体" panose="02010609060101010101" pitchFamily="49" charset="-122"/>
+                          <a:ea typeface="黑体" panose="02010609060101010101" pitchFamily="49" charset="-122"/>
+                        </a:rPr>
+                        <a:t>Lmax</a:t>
+                      </a:r>
+                      <a:endParaRPr lang="zh-CN" altLang="en-US" sz="1400" dirty="0">
+                        <a:solidFill>
+                          <a:schemeClr val="tx1"/>
+                        </a:solidFill>
+                        <a:latin typeface="黑体" panose="02010609060101010101" pitchFamily="49" charset="-122"/>
+                        <a:ea typeface="黑体" panose="02010609060101010101" pitchFamily="49" charset="-122"/>
+                      </a:endParaRPr>
+                    </a:p>
+                  </a:txBody>
+                  <a:tcPr>
+                    <a:lnL w="12700" cap="flat" cmpd="sng" algn="ctr">
+                      <a:solidFill>
+                        <a:schemeClr val="tx1"/>
+                      </a:solidFill>
+                      <a:prstDash val="solid"/>
+                      <a:round/>
+                      <a:headEnd type="none" w="med" len="med"/>
+                      <a:tailEnd type="none" w="med" len="med"/>
+                    </a:lnL>
+                    <a:lnR w="12700" cap="flat" cmpd="sng" algn="ctr">
+                      <a:solidFill>
+                        <a:schemeClr val="tx1"/>
+                      </a:solidFill>
+                      <a:prstDash val="solid"/>
+                      <a:round/>
+                      <a:headEnd type="none" w="med" len="med"/>
+                      <a:tailEnd type="none" w="med" len="med"/>
+                    </a:lnR>
+                    <a:lnT w="12700" cap="flat" cmpd="sng" algn="ctr">
+                      <a:solidFill>
+                        <a:schemeClr val="tx1"/>
+                      </a:solidFill>
+                      <a:prstDash val="solid"/>
+                      <a:round/>
+                      <a:headEnd type="none" w="med" len="med"/>
+                      <a:tailEnd type="none" w="med" len="med"/>
+                    </a:lnT>
+                    <a:lnB w="12700" cap="flat" cmpd="sng" algn="ctr">
+                      <a:solidFill>
+                        <a:schemeClr val="tx1"/>
+                      </a:solidFill>
+                      <a:prstDash val="solid"/>
+                      <a:round/>
+                      <a:headEnd type="none" w="med" len="med"/>
+                      <a:tailEnd type="none" w="med" len="med"/>
+                    </a:lnB>
+                    <a:lnTlToBr w="12700" cmpd="sng">
+                      <a:noFill/>
+                      <a:prstDash val="solid"/>
+                    </a:lnTlToBr>
+                    <a:lnBlToTr w="12700" cmpd="sng">
+                      <a:noFill/>
+                      <a:prstDash val="solid"/>
+                    </a:lnBlToTr>
+                  </a:tcPr>
+                </a:tc>
+                <a:tc>
+                  <a:txBody>
+                    <a:bodyPr/>
+                    <a:lstStyle/>
+                    <a:p>
+                      <a:pPr algn="ctr"/>
+                      <a:r>
+                        <a:rPr lang="en-US" altLang="zh-CN" sz="1400" dirty="0" smtClean="0">
+                          <a:solidFill>
+                            <a:schemeClr val="tx1"/>
+                          </a:solidFill>
+                          <a:latin typeface="黑体" panose="02010609060101010101" pitchFamily="49" charset="-122"/>
+                          <a:ea typeface="黑体" panose="02010609060101010101" pitchFamily="49" charset="-122"/>
+                        </a:rPr>
+                        <a:t>2#-</a:t>
+                      </a:r>
+                      <a:r>
+                        <a:rPr lang="en-US" altLang="zh-CN" sz="1400" dirty="0" err="1" smtClean="0">
+                          <a:solidFill>
+                            <a:schemeClr val="tx1"/>
+                          </a:solidFill>
+                          <a:latin typeface="黑体" panose="02010609060101010101" pitchFamily="49" charset="-122"/>
+                          <a:ea typeface="黑体" panose="02010609060101010101" pitchFamily="49" charset="-122"/>
+                        </a:rPr>
+                        <a:t>Rmax</a:t>
+                      </a:r>
+                      <a:endParaRPr lang="zh-CN" altLang="en-US" sz="1400" dirty="0">
+                        <a:solidFill>
+                          <a:schemeClr val="tx1"/>
+                        </a:solidFill>
+                        <a:latin typeface="黑体" panose="02010609060101010101" pitchFamily="49" charset="-122"/>
+                        <a:ea typeface="黑体" panose="02010609060101010101" pitchFamily="49" charset="-122"/>
+                      </a:endParaRPr>
+                    </a:p>
+                  </a:txBody>
+                  <a:tcPr>
+                    <a:lnL w="12700" cap="flat" cmpd="sng" algn="ctr">
+                      <a:solidFill>
+                        <a:schemeClr val="tx1"/>
+                      </a:solidFill>
+                      <a:prstDash val="solid"/>
+                      <a:round/>
+                      <a:headEnd type="none" w="med" len="med"/>
+                      <a:tailEnd type="none" w="med" len="med"/>
+                    </a:lnL>
+                    <a:lnR w="12700" cap="flat" cmpd="sng" algn="ctr">
+                      <a:solidFill>
+                        <a:schemeClr val="tx1"/>
+                      </a:solidFill>
+                      <a:prstDash val="solid"/>
+                      <a:round/>
+                      <a:headEnd type="none" w="med" len="med"/>
+                      <a:tailEnd type="none" w="med" len="med"/>
+                    </a:lnR>
+                    <a:lnT w="12700" cap="flat" cmpd="sng" algn="ctr">
+                      <a:solidFill>
+                        <a:schemeClr val="tx1"/>
+                      </a:solidFill>
+                      <a:prstDash val="solid"/>
+                      <a:round/>
+                      <a:headEnd type="none" w="med" len="med"/>
+                      <a:tailEnd type="none" w="med" len="med"/>
+                    </a:lnT>
+                    <a:lnB w="12700" cap="flat" cmpd="sng" algn="ctr">
+                      <a:solidFill>
+                        <a:schemeClr val="tx1"/>
+                      </a:solidFill>
+                      <a:prstDash val="solid"/>
+                      <a:round/>
+                      <a:headEnd type="none" w="med" len="med"/>
+                      <a:tailEnd type="none" w="med" len="med"/>
+                    </a:lnB>
+                    <a:lnTlToBr w="12700" cmpd="sng">
+                      <a:noFill/>
+                      <a:prstDash val="solid"/>
+                    </a:lnTlToBr>
+                    <a:lnBlToTr w="12700" cmpd="sng">
+                      <a:noFill/>
+                      <a:prstDash val="solid"/>
+                    </a:lnBlToTr>
+                  </a:tcPr>
+                </a:tc>
+                <a:tc>
+                  <a:txBody>
+                    <a:bodyPr/>
+                    <a:lstStyle/>
+                    <a:p>
+                      <a:pPr algn="ctr"/>
+                      <a:r>
+                        <a:rPr lang="en-US" altLang="zh-CN" sz="1400" dirty="0" smtClean="0">
+                          <a:solidFill>
+                            <a:schemeClr val="tx1"/>
+                          </a:solidFill>
+                          <a:latin typeface="黑体" panose="02010609060101010101" pitchFamily="49" charset="-122"/>
+                          <a:ea typeface="黑体" panose="02010609060101010101" pitchFamily="49" charset="-122"/>
+                        </a:rPr>
+                        <a:t>3#-</a:t>
+                      </a:r>
+                      <a:r>
+                        <a:rPr lang="en-US" altLang="zh-CN" sz="1400" dirty="0" err="1" smtClean="0">
+                          <a:solidFill>
+                            <a:schemeClr val="tx1"/>
+                          </a:solidFill>
+                          <a:latin typeface="黑体" panose="02010609060101010101" pitchFamily="49" charset="-122"/>
+                          <a:ea typeface="黑体" panose="02010609060101010101" pitchFamily="49" charset="-122"/>
+                        </a:rPr>
+                        <a:t>Lmax</a:t>
+                      </a:r>
+                      <a:endParaRPr lang="zh-CN" altLang="en-US" sz="1400" dirty="0">
+                        <a:solidFill>
+                          <a:schemeClr val="tx1"/>
+                        </a:solidFill>
+                        <a:latin typeface="黑体" panose="02010609060101010101" pitchFamily="49" charset="-122"/>
+                        <a:ea typeface="黑体" panose="02010609060101010101" pitchFamily="49" charset="-122"/>
+                      </a:endParaRPr>
+                    </a:p>
+                  </a:txBody>
+                  <a:tcPr>
+                    <a:lnL w="12700" cap="flat" cmpd="sng" algn="ctr">
+                      <a:solidFill>
+                        <a:schemeClr val="tx1"/>
+                      </a:solidFill>
+                      <a:prstDash val="solid"/>
+                      <a:round/>
+                      <a:headEnd type="none" w="med" len="med"/>
+                      <a:tailEnd type="none" w="med" len="med"/>
+                    </a:lnL>
+                    <a:lnR w="12700" cap="flat" cmpd="sng" algn="ctr">
+                      <a:solidFill>
+                        <a:schemeClr val="tx1"/>
+                      </a:solidFill>
+                      <a:prstDash val="solid"/>
+                      <a:round/>
+                      <a:headEnd type="none" w="med" len="med"/>
+                      <a:tailEnd type="none" w="med" len="med"/>
+                    </a:lnR>
+                    <a:lnT w="12700" cap="flat" cmpd="sng" algn="ctr">
+                      <a:solidFill>
+                        <a:schemeClr val="tx1"/>
+                      </a:solidFill>
+                      <a:prstDash val="solid"/>
+                      <a:round/>
+                      <a:headEnd type="none" w="med" len="med"/>
+                      <a:tailEnd type="none" w="med" len="med"/>
+                    </a:lnT>
+                    <a:lnB w="12700" cap="flat" cmpd="sng" algn="ctr">
+                      <a:solidFill>
+                        <a:schemeClr val="tx1"/>
+                      </a:solidFill>
+                      <a:prstDash val="solid"/>
+                      <a:round/>
+                      <a:headEnd type="none" w="med" len="med"/>
+                      <a:tailEnd type="none" w="med" len="med"/>
+                    </a:lnB>
+                    <a:lnTlToBr w="12700" cmpd="sng">
+                      <a:noFill/>
+                      <a:prstDash val="solid"/>
+                    </a:lnTlToBr>
+                    <a:lnBlToTr w="12700" cmpd="sng">
+                      <a:noFill/>
+                      <a:prstDash val="solid"/>
+                    </a:lnBlToTr>
+                  </a:tcPr>
+                </a:tc>
+                <a:tc>
+                  <a:txBody>
+                    <a:bodyPr/>
+                    <a:lstStyle/>
+                    <a:p>
+                      <a:pPr algn="ctr"/>
+                      <a:r>
+                        <a:rPr lang="en-US" altLang="zh-CN" sz="1400" dirty="0" smtClean="0">
+                          <a:solidFill>
+                            <a:schemeClr val="tx1"/>
+                          </a:solidFill>
+                          <a:latin typeface="黑体" panose="02010609060101010101" pitchFamily="49" charset="-122"/>
+                          <a:ea typeface="黑体" panose="02010609060101010101" pitchFamily="49" charset="-122"/>
+                        </a:rPr>
+                        <a:t>3#-</a:t>
+                      </a:r>
+                      <a:r>
+                        <a:rPr lang="en-US" altLang="zh-CN" sz="1400" dirty="0" err="1" smtClean="0">
+                          <a:solidFill>
+                            <a:schemeClr val="tx1"/>
+                          </a:solidFill>
+                          <a:latin typeface="黑体" panose="02010609060101010101" pitchFamily="49" charset="-122"/>
+                          <a:ea typeface="黑体" panose="02010609060101010101" pitchFamily="49" charset="-122"/>
+                        </a:rPr>
+                        <a:t>Rmax</a:t>
+                      </a:r>
+                      <a:endParaRPr lang="zh-CN" altLang="en-US" sz="1400" dirty="0">
+                        <a:solidFill>
+                          <a:schemeClr val="tx1"/>
+                        </a:solidFill>
+                        <a:latin typeface="黑体" panose="02010609060101010101" pitchFamily="49" charset="-122"/>
+                        <a:ea typeface="黑体" panose="02010609060101010101" pitchFamily="49" charset="-122"/>
+                      </a:endParaRPr>
+                    </a:p>
+                  </a:txBody>
+                  <a:tcPr>
+                    <a:lnL w="12700" cap="flat" cmpd="sng" algn="ctr">
+                      <a:solidFill>
+                        <a:schemeClr val="tx1"/>
+                      </a:solidFill>
+                      <a:prstDash val="solid"/>
+                      <a:round/>
+                      <a:headEnd type="none" w="med" len="med"/>
+                      <a:tailEnd type="none" w="med" len="med"/>
+                    </a:lnL>
+                    <a:lnR w="12700" cap="flat" cmpd="sng" algn="ctr">
+                      <a:solidFill>
+                        <a:schemeClr val="tx1"/>
+                      </a:solidFill>
+                      <a:prstDash val="solid"/>
+                      <a:round/>
+                      <a:headEnd type="none" w="med" len="med"/>
+                      <a:tailEnd type="none" w="med" len="med"/>
+                    </a:lnR>
+                    <a:lnT w="12700" cap="flat" cmpd="sng" algn="ctr">
+                      <a:solidFill>
+                        <a:schemeClr val="tx1"/>
+                      </a:solidFill>
+                      <a:prstDash val="solid"/>
+                      <a:round/>
+                      <a:headEnd type="none" w="med" len="med"/>
+                      <a:tailEnd type="none" w="med" len="med"/>
+                    </a:lnT>
+                    <a:lnB w="12700" cap="flat" cmpd="sng" algn="ctr">
+                      <a:solidFill>
+                        <a:schemeClr val="tx1"/>
+                      </a:solidFill>
+                      <a:prstDash val="solid"/>
+                      <a:round/>
+                      <a:headEnd type="none" w="med" len="med"/>
+                      <a:tailEnd type="none" w="med" len="med"/>
+                    </a:lnB>
+                    <a:lnTlToBr w="12700" cmpd="sng">
+                      <a:noFill/>
+                      <a:prstDash val="solid"/>
+                    </a:lnTlToBr>
+                    <a:lnBlToTr w="12700" cmpd="sng">
+                      <a:noFill/>
+                      <a:prstDash val="solid"/>
+                    </a:lnBlToTr>
+                  </a:tcPr>
+                </a:tc>
+                <a:extLst>
+                  <a:ext uri="{0D108BD9-81ED-4DB2-BD59-A6C34878D82A}">
+                    <a16:rowId xmlns:a16="http://schemas.microsoft.com/office/drawing/2014/main" val="800044611"/>
+                  </a:ext>
+                </a:extLst>
+              </a:tr>
+              <a:tr h="360000">
+                <a:tc>
+                  <a:txBody>
+                    <a:bodyPr/>
+                    <a:lstStyle/>
+                    <a:p>
+                      <a:pPr algn="ctr"/>
+                      <a:r>
+                        <a:rPr lang="en-US" altLang="zh-CN" sz="1801" b="1" i="0" kern="1200" dirty="0" smtClean="0">
+                          <a:solidFill>
+                            <a:schemeClr val="dk1"/>
+                          </a:solidFill>
+                          <a:effectLst/>
+                          <a:latin typeface="+mn-lt"/>
+                          <a:ea typeface="+mn-ea"/>
+                          <a:cs typeface="+mn-cs"/>
+                        </a:rPr>
+                        <a:t>Average</a:t>
+                      </a:r>
+                      <a:endParaRPr lang="en-US" altLang="zh-CN" sz="1801" b="1" i="0" kern="1200" dirty="0">
+                        <a:solidFill>
+                          <a:schemeClr val="dk1"/>
+                        </a:solidFill>
+                        <a:effectLst/>
+                        <a:latin typeface="+mn-lt"/>
+                        <a:ea typeface="+mn-ea"/>
+                        <a:cs typeface="+mn-cs"/>
+                      </a:endParaRPr>
+                    </a:p>
+                  </a:txBody>
+                  <a:tcPr anchor="ctr">
+                    <a:lnL w="12700" cap="flat" cmpd="sng" algn="ctr">
+                      <a:solidFill>
+                        <a:schemeClr val="tx1"/>
+                      </a:solidFill>
+                      <a:prstDash val="solid"/>
+                      <a:round/>
+                      <a:headEnd type="none" w="med" len="med"/>
+                      <a:tailEnd type="none" w="med" len="med"/>
+                    </a:lnL>
+                    <a:lnR w="12700" cap="flat" cmpd="sng" algn="ctr">
+                      <a:solidFill>
+                        <a:schemeClr val="tx1"/>
+                      </a:solidFill>
+                      <a:prstDash val="solid"/>
+                      <a:round/>
+                      <a:headEnd type="none" w="med" len="med"/>
+                      <a:tailEnd type="none" w="med" len="med"/>
+                    </a:lnR>
+                    <a:lnT w="12700" cap="flat" cmpd="sng" algn="ctr">
+                      <a:solidFill>
+                        <a:schemeClr val="tx1"/>
+                      </a:solidFill>
+                      <a:prstDash val="solid"/>
+                      <a:round/>
+                      <a:headEnd type="none" w="med" len="med"/>
+                      <a:tailEnd type="none" w="med" len="med"/>
+                    </a:lnT>
+                    <a:lnB w="12700" cap="flat" cmpd="sng" algn="ctr">
+                      <a:solidFill>
+                        <a:schemeClr val="tx1"/>
+                      </a:solidFill>
+                      <a:prstDash val="solid"/>
+                      <a:round/>
+                      <a:headEnd type="none" w="med" len="med"/>
+                      <a:tailEnd type="none" w="med" len="med"/>
+                    </a:lnB>
+                    <a:lnTlToBr w="12700" cmpd="sng">
+                      <a:noFill/>
+                      <a:prstDash val="solid"/>
+                    </a:lnTlToBr>
+                    <a:lnBlToTr w="12700" cmpd="sng">
+                      <a:noFill/>
+                      <a:prstDash val="solid"/>
+                    </a:lnBlToTr>
+                  </a:tcPr>
+                </a:tc>
+                <a:tc>
+                  <a:txBody>
+                    <a:bodyPr/>
+                    <a:lstStyle/>
+                    <a:p>
+                      <a:pPr indent="127000" algn="ctr">
+                        <a:lnSpc>
+                          <a:spcPts val="2000"/>
+                        </a:lnSpc>
+                        <a:spcAft>
+                          <a:spcPts val="0"/>
+                        </a:spcAft>
+                      </a:pPr>
+                      <a:r>
+                        <a:rPr lang="en-US" sz="1400" kern="100" dirty="0" smtClean="0">
+                          <a:effectLst/>
+                          <a:latin typeface="黑体" panose="02010609060101010101" pitchFamily="49" charset="-122"/>
+                          <a:ea typeface="黑体" panose="02010609060101010101" pitchFamily="49" charset="-122"/>
+                          <a:cs typeface="Times New Roman" panose="02020603050405020304" pitchFamily="18" charset="0"/>
+                        </a:rPr>
+                        <a:t>30</a:t>
+                      </a:r>
+                      <a:endParaRPr lang="zh-CN" sz="1400" kern="100" dirty="0">
+                        <a:effectLst/>
+                        <a:latin typeface="黑体" panose="02010609060101010101" pitchFamily="49" charset="-122"/>
+                        <a:ea typeface="黑体" panose="02010609060101010101" pitchFamily="49" charset="-122"/>
+                        <a:cs typeface="Times New Roman" panose="02020603050405020304" pitchFamily="18" charset="0"/>
+                      </a:endParaRPr>
+                    </a:p>
+                  </a:txBody>
+                  <a:tcPr marL="68580" marR="68580" marT="0" marB="0" anchor="ctr">
+                    <a:lnL w="12700" cap="flat" cmpd="sng" algn="ctr">
+                      <a:solidFill>
+                        <a:schemeClr val="tx1"/>
+                      </a:solidFill>
+                      <a:prstDash val="solid"/>
+                      <a:round/>
+                      <a:headEnd type="none" w="med" len="med"/>
+                      <a:tailEnd type="none" w="med" len="med"/>
+                    </a:lnL>
+                    <a:lnR w="12700" cap="flat" cmpd="sng" algn="ctr">
+                      <a:solidFill>
+                        <a:schemeClr val="tx1"/>
+                      </a:solidFill>
+                      <a:prstDash val="solid"/>
+                      <a:round/>
+                      <a:headEnd type="none" w="med" len="med"/>
+                      <a:tailEnd type="none" w="med" len="med"/>
+                    </a:lnR>
+                    <a:lnT w="12700" cap="flat" cmpd="sng" algn="ctr">
+                      <a:solidFill>
+                        <a:schemeClr val="tx1"/>
+                      </a:solidFill>
+                      <a:prstDash val="solid"/>
+                      <a:round/>
+                      <a:headEnd type="none" w="med" len="med"/>
+                      <a:tailEnd type="none" w="med" len="med"/>
+                    </a:lnT>
+                    <a:lnB w="12700" cap="flat" cmpd="sng" algn="ctr">
+                      <a:solidFill>
+                        <a:schemeClr val="tx1"/>
+                      </a:solidFill>
+                      <a:prstDash val="solid"/>
+                      <a:round/>
+                      <a:headEnd type="none" w="med" len="med"/>
+                      <a:tailEnd type="none" w="med" len="med"/>
+                    </a:lnB>
+                    <a:lnTlToBr w="12700" cmpd="sng">
+                      <a:noFill/>
+                      <a:prstDash val="solid"/>
+                    </a:lnTlToBr>
+                    <a:lnBlToTr w="12700" cmpd="sng">
+                      <a:noFill/>
+                      <a:prstDash val="solid"/>
+                    </a:lnBlToTr>
+                  </a:tcPr>
+                </a:tc>
+                <a:tc>
+                  <a:txBody>
+                    <a:bodyPr/>
+                    <a:lstStyle/>
+                    <a:p>
+                      <a:pPr indent="127000" algn="ctr">
+                        <a:lnSpc>
+                          <a:spcPts val="2000"/>
+                        </a:lnSpc>
+                        <a:spcAft>
+                          <a:spcPts val="0"/>
+                        </a:spcAft>
+                      </a:pPr>
+                      <a:r>
+                        <a:rPr lang="en-US" sz="1400" kern="100" dirty="0" smtClean="0">
+                          <a:effectLst/>
+                          <a:latin typeface="黑体" panose="02010609060101010101" pitchFamily="49" charset="-122"/>
+                          <a:ea typeface="黑体" panose="02010609060101010101" pitchFamily="49" charset="-122"/>
+                          <a:cs typeface="Times New Roman" panose="02020603050405020304" pitchFamily="18" charset="0"/>
+                        </a:rPr>
+                        <a:t>30</a:t>
+                      </a:r>
+                      <a:endParaRPr lang="zh-CN" sz="1400" kern="100" dirty="0">
+                        <a:effectLst/>
+                        <a:latin typeface="黑体" panose="02010609060101010101" pitchFamily="49" charset="-122"/>
+                        <a:ea typeface="黑体" panose="02010609060101010101" pitchFamily="49" charset="-122"/>
+                        <a:cs typeface="Times New Roman" panose="02020603050405020304" pitchFamily="18" charset="0"/>
+                      </a:endParaRPr>
+                    </a:p>
+                  </a:txBody>
+                  <a:tcPr marL="68580" marR="68580" marT="0" marB="0" anchor="ctr">
+                    <a:lnL w="12700" cap="flat" cmpd="sng" algn="ctr">
+                      <a:solidFill>
+                        <a:schemeClr val="tx1"/>
+                      </a:solidFill>
+                      <a:prstDash val="solid"/>
+                      <a:round/>
+                      <a:headEnd type="none" w="med" len="med"/>
+                      <a:tailEnd type="none" w="med" len="med"/>
+                    </a:lnL>
+                    <a:lnR w="12700" cap="flat" cmpd="sng" algn="ctr">
+                      <a:solidFill>
+                        <a:schemeClr val="tx1"/>
+                      </a:solidFill>
+                      <a:prstDash val="solid"/>
+                      <a:round/>
+                      <a:headEnd type="none" w="med" len="med"/>
+                      <a:tailEnd type="none" w="med" len="med"/>
+                    </a:lnR>
+                    <a:lnT w="12700" cap="flat" cmpd="sng" algn="ctr">
+                      <a:solidFill>
+                        <a:schemeClr val="tx1"/>
+                      </a:solidFill>
+                      <a:prstDash val="solid"/>
+                      <a:round/>
+                      <a:headEnd type="none" w="med" len="med"/>
+                      <a:tailEnd type="none" w="med" len="med"/>
+                    </a:lnT>
+                    <a:lnB w="12700" cap="flat" cmpd="sng" algn="ctr">
+                      <a:solidFill>
+                        <a:schemeClr val="tx1"/>
+                      </a:solidFill>
+                      <a:prstDash val="solid"/>
+                      <a:round/>
+                      <a:headEnd type="none" w="med" len="med"/>
+                      <a:tailEnd type="none" w="med" len="med"/>
+                    </a:lnB>
+                    <a:lnTlToBr w="12700" cmpd="sng">
+                      <a:noFill/>
+                      <a:prstDash val="solid"/>
+                    </a:lnTlToBr>
+                    <a:lnBlToTr w="12700" cmpd="sng">
+                      <a:noFill/>
+                      <a:prstDash val="solid"/>
+                    </a:lnBlToTr>
+                  </a:tcPr>
+                </a:tc>
+                <a:tc>
+                  <a:txBody>
+                    <a:bodyPr/>
+                    <a:lstStyle/>
+                    <a:p>
+                      <a:pPr indent="127000" algn="ctr">
+                        <a:lnSpc>
+                          <a:spcPts val="2000"/>
+                        </a:lnSpc>
+                        <a:spcAft>
+                          <a:spcPts val="0"/>
+                        </a:spcAft>
+                      </a:pPr>
+                      <a:r>
+                        <a:rPr lang="en-US" sz="1400" kern="100" dirty="0" smtClean="0">
+                          <a:effectLst/>
+                          <a:latin typeface="黑体" panose="02010609060101010101" pitchFamily="49" charset="-122"/>
+                          <a:ea typeface="黑体" panose="02010609060101010101" pitchFamily="49" charset="-122"/>
+                          <a:cs typeface="Times New Roman" panose="02020603050405020304" pitchFamily="18" charset="0"/>
+                        </a:rPr>
+                        <a:t>30</a:t>
+                      </a:r>
+                      <a:endParaRPr lang="zh-CN" sz="1400" kern="100" dirty="0">
+                        <a:effectLst/>
+                        <a:latin typeface="黑体" panose="02010609060101010101" pitchFamily="49" charset="-122"/>
+                        <a:ea typeface="黑体" panose="02010609060101010101" pitchFamily="49" charset="-122"/>
+                        <a:cs typeface="Times New Roman" panose="02020603050405020304" pitchFamily="18" charset="0"/>
+                      </a:endParaRPr>
+                    </a:p>
+                  </a:txBody>
+                  <a:tcPr marL="68580" marR="68580" marT="0" marB="0" anchor="ctr">
+                    <a:lnL w="12700" cap="flat" cmpd="sng" algn="ctr">
+                      <a:solidFill>
+                        <a:schemeClr val="tx1"/>
+                      </a:solidFill>
+                      <a:prstDash val="solid"/>
+                      <a:round/>
+                      <a:headEnd type="none" w="med" len="med"/>
+                      <a:tailEnd type="none" w="med" len="med"/>
+                    </a:lnL>
+                    <a:lnR w="12700" cap="flat" cmpd="sng" algn="ctr">
+                      <a:solidFill>
+                        <a:schemeClr val="tx1"/>
+                      </a:solidFill>
+                      <a:prstDash val="solid"/>
+                      <a:round/>
+                      <a:headEnd type="none" w="med" len="med"/>
+                      <a:tailEnd type="none" w="med" len="med"/>
+                    </a:lnR>
+                    <a:lnT w="12700" cap="flat" cmpd="sng" algn="ctr">
+                      <a:solidFill>
+                        <a:schemeClr val="tx1"/>
+                      </a:solidFill>
+                      <a:prstDash val="solid"/>
+                      <a:round/>
+                      <a:headEnd type="none" w="med" len="med"/>
+                      <a:tailEnd type="none" w="med" len="med"/>
+                    </a:lnT>
+                    <a:lnB w="12700" cap="flat" cmpd="sng" algn="ctr">
+                      <a:solidFill>
+                        <a:schemeClr val="tx1"/>
+                      </a:solidFill>
+                      <a:prstDash val="solid"/>
+                      <a:round/>
+                      <a:headEnd type="none" w="med" len="med"/>
+                      <a:tailEnd type="none" w="med" len="med"/>
+                    </a:lnB>
+                    <a:lnTlToBr w="12700" cmpd="sng">
+                      <a:noFill/>
+                      <a:prstDash val="solid"/>
+                    </a:lnTlToBr>
+                    <a:lnBlToTr w="12700" cmpd="sng">
+                      <a:noFill/>
+                      <a:prstDash val="solid"/>
+                    </a:lnBlToTr>
+                  </a:tcPr>
+                </a:tc>
+                <a:tc>
+                  <a:txBody>
+                    <a:bodyPr/>
+                    <a:lstStyle/>
+                    <a:p>
+                      <a:pPr marL="0" marR="0" lvl="0" indent="127000" algn="ctr" defTabSz="914310" rtl="0" eaLnBrk="1" fontAlgn="auto" latinLnBrk="0" hangingPunct="1">
+                        <a:lnSpc>
+                          <a:spcPts val="2000"/>
+                        </a:lnSpc>
+                        <a:spcBef>
+                          <a:spcPts val="0"/>
+                        </a:spcBef>
+                        <a:spcAft>
+                          <a:spcPts val="0"/>
+                        </a:spcAft>
+                        <a:buClrTx/>
+                        <a:buSzTx/>
+                        <a:buFontTx/>
+                        <a:buNone/>
+                        <a:tabLst/>
+                        <a:defRPr/>
+                      </a:pPr>
+                      <a:r>
+                        <a:rPr lang="en-US" altLang="zh-CN" sz="1400" kern="100" dirty="0" smtClean="0">
+                          <a:effectLst/>
+                          <a:latin typeface="黑体" panose="02010609060101010101" pitchFamily="49" charset="-122"/>
+                          <a:ea typeface="黑体" panose="02010609060101010101" pitchFamily="49" charset="-122"/>
+                          <a:cs typeface="Times New Roman" panose="02020603050405020304" pitchFamily="18" charset="0"/>
+                        </a:rPr>
+                        <a:t>30</a:t>
+                      </a:r>
+                      <a:endParaRPr lang="zh-CN" altLang="zh-CN" sz="1400" kern="100" dirty="0" smtClean="0">
+                        <a:effectLst/>
+                        <a:latin typeface="黑体" panose="02010609060101010101" pitchFamily="49" charset="-122"/>
+                        <a:ea typeface="黑体" panose="02010609060101010101" pitchFamily="49" charset="-122"/>
+                        <a:cs typeface="Times New Roman" panose="02020603050405020304" pitchFamily="18" charset="0"/>
+                      </a:endParaRPr>
+                    </a:p>
+                  </a:txBody>
+                  <a:tcPr marL="68580" marR="68580" marT="0" marB="0" anchor="ctr">
+                    <a:lnL w="12700" cap="flat" cmpd="sng" algn="ctr">
+                      <a:solidFill>
+                        <a:schemeClr val="tx1"/>
+                      </a:solidFill>
+                      <a:prstDash val="solid"/>
+                      <a:round/>
+                      <a:headEnd type="none" w="med" len="med"/>
+                      <a:tailEnd type="none" w="med" len="med"/>
+                    </a:lnL>
+                    <a:lnR w="12700" cap="flat" cmpd="sng" algn="ctr">
+                      <a:solidFill>
+                        <a:schemeClr val="tx1"/>
+                      </a:solidFill>
+                      <a:prstDash val="solid"/>
+                      <a:round/>
+                      <a:headEnd type="none" w="med" len="med"/>
+                      <a:tailEnd type="none" w="med" len="med"/>
+                    </a:lnR>
+                    <a:lnT w="12700" cap="flat" cmpd="sng" algn="ctr">
+                      <a:solidFill>
+                        <a:schemeClr val="tx1"/>
+                      </a:solidFill>
+                      <a:prstDash val="solid"/>
+                      <a:round/>
+                      <a:headEnd type="none" w="med" len="med"/>
+                      <a:tailEnd type="none" w="med" len="med"/>
+                    </a:lnT>
+                    <a:lnB w="12700" cap="flat" cmpd="sng" algn="ctr">
+                      <a:solidFill>
+                        <a:schemeClr val="tx1"/>
+                      </a:solidFill>
+                      <a:prstDash val="solid"/>
+                      <a:round/>
+                      <a:headEnd type="none" w="med" len="med"/>
+                      <a:tailEnd type="none" w="med" len="med"/>
+                    </a:lnB>
+                    <a:lnTlToBr w="12700" cmpd="sng">
+                      <a:noFill/>
+                      <a:prstDash val="solid"/>
+                    </a:lnTlToBr>
+                    <a:lnBlToTr w="12700" cmpd="sng">
+                      <a:noFill/>
+                      <a:prstDash val="solid"/>
+                    </a:lnBlToTr>
+                  </a:tcPr>
+                </a:tc>
+                <a:tc>
+                  <a:txBody>
+                    <a:bodyPr/>
+                    <a:lstStyle/>
+                    <a:p>
+                      <a:pPr indent="127000" algn="ctr">
+                        <a:lnSpc>
+                          <a:spcPts val="2000"/>
+                        </a:lnSpc>
+                        <a:spcAft>
+                          <a:spcPts val="0"/>
+                        </a:spcAft>
+                      </a:pPr>
+                      <a:r>
+                        <a:rPr lang="en-US" sz="1400" kern="100" dirty="0" smtClean="0">
+                          <a:effectLst/>
+                          <a:latin typeface="黑体" panose="02010609060101010101" pitchFamily="49" charset="-122"/>
+                          <a:ea typeface="黑体" panose="02010609060101010101" pitchFamily="49" charset="-122"/>
+                          <a:cs typeface="Times New Roman" panose="02020603050405020304" pitchFamily="18" charset="0"/>
+                        </a:rPr>
+                        <a:t>30</a:t>
+                      </a:r>
+                      <a:endParaRPr lang="zh-CN" sz="1400" kern="100" dirty="0">
+                        <a:effectLst/>
+                        <a:latin typeface="黑体" panose="02010609060101010101" pitchFamily="49" charset="-122"/>
+                        <a:ea typeface="黑体" panose="02010609060101010101" pitchFamily="49" charset="-122"/>
+                        <a:cs typeface="Times New Roman" panose="02020603050405020304" pitchFamily="18" charset="0"/>
+                      </a:endParaRPr>
+                    </a:p>
+                  </a:txBody>
+                  <a:tcPr marL="68580" marR="68580" marT="0" marB="0" anchor="ctr">
+                    <a:lnL w="12700" cap="flat" cmpd="sng" algn="ctr">
+                      <a:solidFill>
+                        <a:schemeClr val="tx1"/>
+                      </a:solidFill>
+                      <a:prstDash val="solid"/>
+                      <a:round/>
+                      <a:headEnd type="none" w="med" len="med"/>
+                      <a:tailEnd type="none" w="med" len="med"/>
+                    </a:lnL>
+                    <a:lnR w="12700" cap="flat" cmpd="sng" algn="ctr">
+                      <a:solidFill>
+                        <a:schemeClr val="tx1"/>
+                      </a:solidFill>
+                      <a:prstDash val="solid"/>
+                      <a:round/>
+                      <a:headEnd type="none" w="med" len="med"/>
+                      <a:tailEnd type="none" w="med" len="med"/>
+                    </a:lnR>
+                    <a:lnT w="12700" cap="flat" cmpd="sng" algn="ctr">
+                      <a:solidFill>
+                        <a:schemeClr val="tx1"/>
+                      </a:solidFill>
+                      <a:prstDash val="solid"/>
+                      <a:round/>
+                      <a:headEnd type="none" w="med" len="med"/>
+                      <a:tailEnd type="none" w="med" len="med"/>
+                    </a:lnT>
+                    <a:lnB w="12700" cap="flat" cmpd="sng" algn="ctr">
+                      <a:solidFill>
+                        <a:schemeClr val="tx1"/>
+                      </a:solidFill>
+                      <a:prstDash val="solid"/>
+                      <a:round/>
+                      <a:headEnd type="none" w="med" len="med"/>
+                      <a:tailEnd type="none" w="med" len="med"/>
+                    </a:lnB>
+                    <a:lnTlToBr w="12700" cmpd="sng">
+                      <a:noFill/>
+                      <a:prstDash val="solid"/>
+                    </a:lnTlToBr>
+                    <a:lnBlToTr w="12700" cmpd="sng">
+                      <a:noFill/>
+                      <a:prstDash val="solid"/>
+                    </a:lnBlToTr>
+                  </a:tcPr>
+                </a:tc>
+                <a:tc>
+                  <a:txBody>
+                    <a:bodyPr/>
+                    <a:lstStyle/>
+                    <a:p>
+                      <a:pPr marL="0" marR="0" lvl="0" indent="127000" algn="ctr" defTabSz="914310" rtl="0" eaLnBrk="1" fontAlgn="auto" latinLnBrk="0" hangingPunct="1">
+                        <a:lnSpc>
+                          <a:spcPts val="2000"/>
+                        </a:lnSpc>
+                        <a:spcBef>
+                          <a:spcPts val="0"/>
+                        </a:spcBef>
+                        <a:spcAft>
+                          <a:spcPts val="0"/>
+                        </a:spcAft>
+                        <a:buClrTx/>
+                        <a:buSzTx/>
+                        <a:buFontTx/>
+                        <a:buNone/>
+                        <a:tabLst/>
+                        <a:defRPr/>
+                      </a:pPr>
+                      <a:r>
+                        <a:rPr lang="en-US" altLang="zh-CN" sz="1400" kern="100" dirty="0" smtClean="0">
+                          <a:effectLst/>
+                          <a:latin typeface="黑体" panose="02010609060101010101" pitchFamily="49" charset="-122"/>
+                          <a:ea typeface="黑体" panose="02010609060101010101" pitchFamily="49" charset="-122"/>
+                          <a:cs typeface="Times New Roman" panose="02020603050405020304" pitchFamily="18" charset="0"/>
+                        </a:rPr>
+                        <a:t>30</a:t>
+                      </a:r>
+                      <a:endParaRPr lang="zh-CN" altLang="zh-CN" sz="1400" kern="100" dirty="0" smtClean="0">
+                        <a:effectLst/>
+                        <a:latin typeface="黑体" panose="02010609060101010101" pitchFamily="49" charset="-122"/>
+                        <a:ea typeface="黑体" panose="02010609060101010101" pitchFamily="49" charset="-122"/>
+                        <a:cs typeface="Times New Roman" panose="02020603050405020304" pitchFamily="18" charset="0"/>
+                      </a:endParaRPr>
+                    </a:p>
+                  </a:txBody>
+                  <a:tcPr marL="68580" marR="68580" marT="0" marB="0" anchor="ctr">
+                    <a:lnL w="12700" cap="flat" cmpd="sng" algn="ctr">
+                      <a:solidFill>
+                        <a:schemeClr val="tx1"/>
+                      </a:solidFill>
+                      <a:prstDash val="solid"/>
+                      <a:round/>
+                      <a:headEnd type="none" w="med" len="med"/>
+                      <a:tailEnd type="none" w="med" len="med"/>
+                    </a:lnL>
+                    <a:lnR w="12700" cap="flat" cmpd="sng" algn="ctr">
+                      <a:solidFill>
+                        <a:schemeClr val="tx1"/>
+                      </a:solidFill>
+                      <a:prstDash val="solid"/>
+                      <a:round/>
+                      <a:headEnd type="none" w="med" len="med"/>
+                      <a:tailEnd type="none" w="med" len="med"/>
+                    </a:lnR>
+                    <a:lnT w="12700" cap="flat" cmpd="sng" algn="ctr">
+                      <a:solidFill>
+                        <a:schemeClr val="tx1"/>
+                      </a:solidFill>
+                      <a:prstDash val="solid"/>
+                      <a:round/>
+                      <a:headEnd type="none" w="med" len="med"/>
+                      <a:tailEnd type="none" w="med" len="med"/>
+                    </a:lnT>
+                    <a:lnB w="12700" cap="flat" cmpd="sng" algn="ctr">
+                      <a:solidFill>
+                        <a:schemeClr val="tx1"/>
+                      </a:solidFill>
+                      <a:prstDash val="solid"/>
+                      <a:round/>
+                      <a:headEnd type="none" w="med" len="med"/>
+                      <a:tailEnd type="none" w="med" len="med"/>
+                    </a:lnB>
+                    <a:lnTlToBr w="12700" cmpd="sng">
+                      <a:noFill/>
+                      <a:prstDash val="solid"/>
+                    </a:lnTlToBr>
+                    <a:lnBlToTr w="12700" cmpd="sng">
+                      <a:noFill/>
+                      <a:prstDash val="solid"/>
+                    </a:lnBlToTr>
+                  </a:tcPr>
+                </a:tc>
+                <a:extLst>
+                  <a:ext uri="{0D108BD9-81ED-4DB2-BD59-A6C34878D82A}">
+                    <a16:rowId xmlns:a16="http://schemas.microsoft.com/office/drawing/2014/main" val="4071434126"/>
+                  </a:ext>
+                </a:extLst>
+              </a:tr>
+            </a:tbl>
+          </a:graphicData>
+        </a:graphic>
+      </p:graphicFrame>
+      <p:sp>
+        <p:nvSpPr>
+          <p:cNvPr id="12" name="文本框 11"/>
+          <p:cNvSpPr txBox="1"/>
+          <p:nvPr/>
+        </p:nvSpPr>
+        <p:spPr>
+          <a:xfrm>
+            <a:off x="8407126" y="5834145"/>
+            <a:ext cx="971099" cy="276999"/>
+          </a:xfrm>
+          <a:prstGeom prst="rect">
+            <a:avLst/>
+          </a:prstGeom>
+          <a:noFill/>
+        </p:spPr>
+        <p:txBody>
+          <a:bodyPr wrap="square" rtlCol="0">
+            <a:spAutoFit/>
+          </a:bodyPr>
+          <a:lstStyle/>
+          <a:p>
+            <a:r>
+              <a:rPr lang="en-US" altLang="zh-CN" sz="1200" b="1" dirty="0" smtClean="0">
+                <a:latin typeface="黑体" panose="02010609060101010101" pitchFamily="49" charset="-122"/>
+                <a:ea typeface="黑体" panose="02010609060101010101" pitchFamily="49" charset="-122"/>
+              </a:rPr>
+              <a:t>(Unit : kW)</a:t>
+            </a:r>
+            <a:endParaRPr lang="zh-CN" altLang="en-US" sz="1200" b="1" dirty="0">
+              <a:latin typeface="黑体" panose="02010609060101010101" pitchFamily="49" charset="-122"/>
+              <a:ea typeface="黑体" panose="02010609060101010101" pitchFamily="49" charset="-122"/>
+            </a:endParaRPr>
+          </a:p>
+        </p:txBody>
+      </p:sp>
+      <p:pic>
+        <p:nvPicPr>
+          <p:cNvPr id="13" name="图片 12"/>
+          <p:cNvPicPr>
+            <a:picLocks noChangeAspect="1"/>
+          </p:cNvPicPr>
+          <p:nvPr/>
+        </p:nvPicPr>
+        <p:blipFill>
+          <a:blip r:embed="rId2"/>
+          <a:stretch>
+            <a:fillRect/>
+          </a:stretch>
+        </p:blipFill>
+        <p:spPr>
+          <a:xfrm>
+            <a:off x="145744" y="954000"/>
+            <a:ext cx="9944999" cy="3177418"/>
+          </a:xfrm>
+          <a:prstGeom prst="rect">
+            <a:avLst/>
+          </a:prstGeom>
+        </p:spPr>
+      </p:pic>
+      <p:sp>
+        <p:nvSpPr>
+          <p:cNvPr id="14" name="矩形 13"/>
+          <p:cNvSpPr/>
+          <p:nvPr/>
+        </p:nvSpPr>
+        <p:spPr>
+          <a:xfrm>
+            <a:off x="3711712" y="3119547"/>
+            <a:ext cx="2113573" cy="1277950"/>
+          </a:xfrm>
+          <a:prstGeom prst="rect">
+            <a:avLst/>
+          </a:prstGeom>
+          <a:solidFill>
+            <a:schemeClr val="accent4">
+              <a:lumMod val="60000"/>
+              <a:lumOff val="40000"/>
+              <a:alpha val="25000"/>
+            </a:schemeClr>
+          </a:solidFill>
+          <a:ln w="28575">
+            <a:solidFill>
+              <a:schemeClr val="tx1"/>
+            </a:solidFill>
+            <a:prstDash val="dash"/>
+          </a:ln>
+        </p:spPr>
+        <p:style>
+          <a:lnRef idx="2">
+            <a:schemeClr val="accent1">
+              <a:shade val="50000"/>
+            </a:schemeClr>
+          </a:lnRef>
+          <a:fillRef idx="1">
+            <a:schemeClr val="accent1"/>
+          </a:fillRef>
+          <a:effectRef idx="0">
+            <a:schemeClr val="accent1"/>
+          </a:effectRef>
+          <a:fontRef idx="minor">
+            <a:schemeClr val="lt1"/>
+          </a:fontRef>
+        </p:style>
+        <p:txBody>
+          <a:bodyPr rtlCol="0" anchor="ctr"/>
+          <a:lstStyle/>
+          <a:p>
+            <a:pPr marL="285750" indent="-285750" algn="l">
+              <a:lnSpc>
+                <a:spcPct val="150000"/>
+              </a:lnSpc>
+              <a:buClr>
+                <a:srgbClr val="C00000"/>
+              </a:buClr>
+              <a:buFont typeface="Wingdings" pitchFamily="2" charset="2"/>
+              <a:buChar char="ü"/>
+            </a:pPr>
+            <a:endParaRPr lang="zh-CN" altLang="en-US" sz="1200" b="1" dirty="0">
+              <a:solidFill>
+                <a:schemeClr val="tx2"/>
+              </a:solidFill>
+              <a:latin typeface="Times New Roman" panose="02020603050405020304" pitchFamily="18" charset="0"/>
+              <a:cs typeface="Times New Roman" panose="02020603050405020304" pitchFamily="18" charset="0"/>
+            </a:endParaRPr>
+          </a:p>
+        </p:txBody>
+      </p:sp>
+      <p:sp>
+        <p:nvSpPr>
+          <p:cNvPr id="15" name="矩形 14"/>
+          <p:cNvSpPr/>
+          <p:nvPr/>
+        </p:nvSpPr>
+        <p:spPr>
+          <a:xfrm>
+            <a:off x="341455" y="4014000"/>
+            <a:ext cx="1614545" cy="376834"/>
+          </a:xfrm>
+          <a:prstGeom prst="rect">
+            <a:avLst/>
+          </a:prstGeom>
+        </p:spPr>
+        <p:txBody>
+          <a:bodyPr wrap="none">
+            <a:spAutoFit/>
+          </a:bodyPr>
+          <a:lstStyle/>
+          <a:p>
+            <a:pPr>
+              <a:lnSpc>
+                <a:spcPct val="150000"/>
+              </a:lnSpc>
+            </a:pPr>
+            <a:r>
+              <a:rPr lang="en-US" altLang="zh-CN" sz="1400" b="1" dirty="0">
+                <a:latin typeface="Times New Roman" panose="02020603050405020304" pitchFamily="18" charset="0"/>
+                <a:ea typeface="黑体" panose="02010609060101010101" pitchFamily="49" charset="-122"/>
+                <a:cs typeface="Times New Roman" panose="02020603050405020304" pitchFamily="18" charset="0"/>
+              </a:rPr>
+              <a:t>1#-Natural cooling</a:t>
+            </a:r>
+            <a:endParaRPr lang="en-US" altLang="zh-CN" sz="1400" i="1" dirty="0">
+              <a:latin typeface="Times New Roman" panose="02020603050405020304" pitchFamily="18" charset="0"/>
+              <a:ea typeface="黑体" panose="02010609060101010101" pitchFamily="49" charset="-122"/>
+              <a:cs typeface="Times New Roman" panose="02020603050405020304" pitchFamily="18" charset="0"/>
+            </a:endParaRPr>
+          </a:p>
+        </p:txBody>
+      </p:sp>
+      <p:sp>
+        <p:nvSpPr>
+          <p:cNvPr id="16" name="矩形 15"/>
+          <p:cNvSpPr/>
+          <p:nvPr/>
+        </p:nvSpPr>
+        <p:spPr>
+          <a:xfrm>
+            <a:off x="4026000" y="4014000"/>
+            <a:ext cx="1614545" cy="415498"/>
+          </a:xfrm>
+          <a:prstGeom prst="rect">
+            <a:avLst/>
+          </a:prstGeom>
+        </p:spPr>
+        <p:txBody>
+          <a:bodyPr wrap="none">
+            <a:spAutoFit/>
+          </a:bodyPr>
+          <a:lstStyle/>
+          <a:p>
+            <a:pPr>
+              <a:lnSpc>
+                <a:spcPct val="150000"/>
+              </a:lnSpc>
+            </a:pPr>
+            <a:r>
+              <a:rPr lang="en-US" altLang="zh-CN" sz="1400" b="1" dirty="0" smtClean="0">
+                <a:latin typeface="Times New Roman" panose="02020603050405020304" pitchFamily="18" charset="0"/>
+                <a:ea typeface="黑体" panose="02010609060101010101" pitchFamily="49" charset="-122"/>
+                <a:cs typeface="Times New Roman" panose="02020603050405020304" pitchFamily="18" charset="0"/>
+              </a:rPr>
+              <a:t>2#-</a:t>
+            </a:r>
+            <a:r>
+              <a:rPr lang="en-US" altLang="zh-CN" sz="1400" b="1" dirty="0">
+                <a:latin typeface="Times New Roman" panose="02020603050405020304" pitchFamily="18" charset="0"/>
+                <a:ea typeface="黑体" panose="02010609060101010101" pitchFamily="49" charset="-122"/>
+                <a:cs typeface="Times New Roman" panose="02020603050405020304" pitchFamily="18" charset="0"/>
+              </a:rPr>
+              <a:t>Natural cooling</a:t>
+            </a:r>
+            <a:endParaRPr lang="en-US" altLang="zh-CN" sz="1400" i="1" dirty="0">
+              <a:latin typeface="Times New Roman" panose="02020603050405020304" pitchFamily="18" charset="0"/>
+              <a:ea typeface="黑体" panose="02010609060101010101" pitchFamily="49" charset="-122"/>
+              <a:cs typeface="Times New Roman" panose="02020603050405020304" pitchFamily="18" charset="0"/>
+            </a:endParaRPr>
+          </a:p>
+        </p:txBody>
+      </p:sp>
+      <p:sp>
+        <p:nvSpPr>
+          <p:cNvPr id="17" name="矩形 16"/>
+          <p:cNvSpPr/>
+          <p:nvPr/>
+        </p:nvSpPr>
+        <p:spPr>
+          <a:xfrm>
+            <a:off x="7516226" y="4014000"/>
+            <a:ext cx="1614545" cy="415498"/>
+          </a:xfrm>
+          <a:prstGeom prst="rect">
+            <a:avLst/>
+          </a:prstGeom>
+        </p:spPr>
+        <p:txBody>
+          <a:bodyPr wrap="none">
+            <a:spAutoFit/>
+          </a:bodyPr>
+          <a:lstStyle/>
+          <a:p>
+            <a:pPr>
+              <a:lnSpc>
+                <a:spcPct val="150000"/>
+              </a:lnSpc>
+            </a:pPr>
+            <a:r>
+              <a:rPr lang="en-US" altLang="zh-CN" sz="1400" b="1" dirty="0" smtClean="0">
+                <a:latin typeface="Times New Roman" panose="02020603050405020304" pitchFamily="18" charset="0"/>
+                <a:ea typeface="黑体" panose="02010609060101010101" pitchFamily="49" charset="-122"/>
+                <a:cs typeface="Times New Roman" panose="02020603050405020304" pitchFamily="18" charset="0"/>
+              </a:rPr>
+              <a:t>3#-</a:t>
+            </a:r>
+            <a:r>
+              <a:rPr lang="en-US" altLang="zh-CN" sz="1400" b="1" dirty="0">
+                <a:latin typeface="Times New Roman" panose="02020603050405020304" pitchFamily="18" charset="0"/>
+                <a:ea typeface="黑体" panose="02010609060101010101" pitchFamily="49" charset="-122"/>
+                <a:cs typeface="Times New Roman" panose="02020603050405020304" pitchFamily="18" charset="0"/>
+              </a:rPr>
+              <a:t>Natural cooling</a:t>
+            </a:r>
+            <a:endParaRPr lang="en-US" altLang="zh-CN" sz="1400" i="1" dirty="0">
+              <a:latin typeface="Times New Roman" panose="02020603050405020304" pitchFamily="18" charset="0"/>
+              <a:ea typeface="黑体" panose="02010609060101010101" pitchFamily="49" charset="-122"/>
+              <a:cs typeface="Times New Roman" panose="02020603050405020304" pitchFamily="18" charset="0"/>
+            </a:endParaRPr>
+          </a:p>
+        </p:txBody>
+      </p:sp>
+      <p:sp>
+        <p:nvSpPr>
+          <p:cNvPr id="7" name="矩形 6"/>
+          <p:cNvSpPr/>
+          <p:nvPr/>
+        </p:nvSpPr>
+        <p:spPr>
+          <a:xfrm>
+            <a:off x="146616" y="3119547"/>
+            <a:ext cx="2113573" cy="1277950"/>
+          </a:xfrm>
+          <a:prstGeom prst="rect">
+            <a:avLst/>
+          </a:prstGeom>
+          <a:solidFill>
+            <a:schemeClr val="accent4">
+              <a:lumMod val="60000"/>
+              <a:lumOff val="40000"/>
+              <a:alpha val="25000"/>
+            </a:schemeClr>
+          </a:solidFill>
+          <a:ln w="28575">
+            <a:solidFill>
+              <a:schemeClr val="tx1"/>
+            </a:solidFill>
+            <a:prstDash val="dash"/>
+          </a:ln>
+        </p:spPr>
+        <p:style>
+          <a:lnRef idx="2">
+            <a:schemeClr val="accent1">
+              <a:shade val="50000"/>
+            </a:schemeClr>
+          </a:lnRef>
+          <a:fillRef idx="1">
+            <a:schemeClr val="accent1"/>
+          </a:fillRef>
+          <a:effectRef idx="0">
+            <a:schemeClr val="accent1"/>
+          </a:effectRef>
+          <a:fontRef idx="minor">
+            <a:schemeClr val="lt1"/>
+          </a:fontRef>
+        </p:style>
+        <p:txBody>
+          <a:bodyPr rtlCol="0" anchor="ctr"/>
+          <a:lstStyle/>
+          <a:p>
+            <a:pPr marL="285750" indent="-285750" algn="l">
+              <a:lnSpc>
+                <a:spcPct val="150000"/>
+              </a:lnSpc>
+              <a:buClr>
+                <a:srgbClr val="C00000"/>
+              </a:buClr>
+              <a:buFont typeface="Wingdings" pitchFamily="2" charset="2"/>
+              <a:buChar char="ü"/>
+            </a:pPr>
+            <a:endParaRPr lang="zh-CN" altLang="en-US" sz="1200" b="1" dirty="0">
+              <a:solidFill>
+                <a:schemeClr val="tx2"/>
+              </a:solidFill>
+              <a:latin typeface="Times New Roman" panose="02020603050405020304" pitchFamily="18" charset="0"/>
+              <a:cs typeface="Times New Roman" panose="02020603050405020304" pitchFamily="18" charset="0"/>
+            </a:endParaRPr>
+          </a:p>
+        </p:txBody>
+      </p:sp>
+      <p:sp>
+        <p:nvSpPr>
+          <p:cNvPr id="8" name="矩形 7"/>
+          <p:cNvSpPr/>
+          <p:nvPr/>
+        </p:nvSpPr>
+        <p:spPr>
+          <a:xfrm>
+            <a:off x="7265999" y="3119547"/>
+            <a:ext cx="2115001" cy="1277950"/>
+          </a:xfrm>
+          <a:prstGeom prst="rect">
+            <a:avLst/>
+          </a:prstGeom>
+          <a:solidFill>
+            <a:schemeClr val="accent4">
+              <a:lumMod val="60000"/>
+              <a:lumOff val="40000"/>
+              <a:alpha val="25000"/>
+            </a:schemeClr>
+          </a:solidFill>
+          <a:ln w="28575">
+            <a:solidFill>
+              <a:schemeClr val="tx1"/>
+            </a:solidFill>
+            <a:prstDash val="dash"/>
+          </a:ln>
+        </p:spPr>
+        <p:style>
+          <a:lnRef idx="2">
+            <a:schemeClr val="accent1">
+              <a:shade val="50000"/>
+            </a:schemeClr>
+          </a:lnRef>
+          <a:fillRef idx="1">
+            <a:schemeClr val="accent1"/>
+          </a:fillRef>
+          <a:effectRef idx="0">
+            <a:schemeClr val="accent1"/>
+          </a:effectRef>
+          <a:fontRef idx="minor">
+            <a:schemeClr val="lt1"/>
+          </a:fontRef>
+        </p:style>
+        <p:txBody>
+          <a:bodyPr rtlCol="0" anchor="ctr"/>
+          <a:lstStyle/>
+          <a:p>
+            <a:pPr marL="285750" indent="-285750" algn="l">
+              <a:lnSpc>
+                <a:spcPct val="150000"/>
+              </a:lnSpc>
+              <a:buClr>
+                <a:srgbClr val="C00000"/>
+              </a:buClr>
+              <a:buFont typeface="Wingdings" pitchFamily="2" charset="2"/>
+              <a:buChar char="ü"/>
+            </a:pPr>
+            <a:endParaRPr lang="zh-CN" altLang="en-US" sz="1200" b="1" dirty="0">
+              <a:solidFill>
+                <a:schemeClr val="tx2"/>
+              </a:solidFill>
+              <a:latin typeface="Times New Roman" panose="02020603050405020304" pitchFamily="18" charset="0"/>
+              <a:cs typeface="Times New Roman" panose="02020603050405020304" pitchFamily="18" charset="0"/>
+            </a:endParaRPr>
+          </a:p>
+        </p:txBody>
+      </p:sp>
+    </p:spTree>
+    <p:extLst>
+      <p:ext uri="{BB962C8B-B14F-4D97-AF65-F5344CB8AC3E}">
+        <p14:creationId xmlns:p14="http://schemas.microsoft.com/office/powerpoint/2010/main" val="2129916715"/>
+      </p:ext>
+    </p:extLst>
+  </p:cSld>
+  <p:clrMapOvr>
+    <a:masterClrMapping/>
+  </p:clrMapOvr>
+  <p:timing>
+    <p:tnLst>
+      <p:par>
+        <p:cTn id="1" dur="indefinite" restart="never" nodeType="tmRoot"/>
+      </p:par>
+    </p:tnLst>
+  </p:timing>
+</p:sld>
+</file>
+
+<file path=ppt/slides/slide14.xml><?xml version="1.0" encoding="utf-8"?>
+<p:sld xmlns:a="http://schemas.openxmlformats.org/drawingml/2006/main" xmlns:r="http://schemas.openxmlformats.org/officeDocument/2006/relationships" xmlns:p="http://schemas.openxmlformats.org/presentationml/2006/main">
+  <p:cSld>
+    <p:spTree>
+      <p:nvGrpSpPr>
+        <p:cNvPr id="1" name=""/>
+        <p:cNvGrpSpPr/>
+        <p:nvPr/>
+      </p:nvGrpSpPr>
+      <p:grpSpPr>
+        <a:xfrm>
+          <a:off x="0" y="0"/>
+          <a:ext cx="0" cy="0"/>
+          <a:chOff x="0" y="0"/>
+          <a:chExt cx="0" cy="0"/>
+        </a:xfrm>
+      </p:grpSpPr>
+      <p:sp>
+        <p:nvSpPr>
+          <p:cNvPr id="2" name="标题 1"/>
+          <p:cNvSpPr>
+            <a:spLocks noGrp="1"/>
+          </p:cNvSpPr>
+          <p:nvPr>
+            <p:ph type="title"/>
+          </p:nvPr>
+        </p:nvSpPr>
+        <p:spPr/>
+        <p:txBody>
+          <a:bodyPr/>
+          <a:lstStyle/>
+          <a:p>
+            <a:r>
+              <a:rPr lang="en-US" altLang="zh-CN" dirty="0"/>
+              <a:t>1*240kW Power Cabinet + </a:t>
+            </a:r>
+            <a:r>
+              <a:rPr lang="en-US" altLang="zh-CN" dirty="0" smtClean="0"/>
+              <a:t>2*Dispenser</a:t>
+            </a:r>
+            <a:r>
+              <a:rPr lang="zh-CN" altLang="en-US" dirty="0" smtClean="0"/>
+              <a:t>（</a:t>
+            </a:r>
+            <a:r>
+              <a:rPr lang="en-US" altLang="zh-CN" dirty="0" smtClean="0"/>
+              <a:t>4*200A </a:t>
+            </a:r>
+            <a:r>
+              <a:rPr lang="en-US" altLang="zh-CN" dirty="0"/>
+              <a:t>Plug</a:t>
+            </a:r>
+            <a:r>
+              <a:rPr lang="zh-CN" altLang="en-US" dirty="0"/>
+              <a:t>）</a:t>
+            </a:r>
+            <a:endParaRPr lang="en-US" altLang="zh-CN" sz="1800" dirty="0">
+              <a:latin typeface="Times New Roman" panose="02020603050405020304" pitchFamily="18" charset="0"/>
+            </a:endParaRPr>
+          </a:p>
+        </p:txBody>
+      </p:sp>
+      <p:sp>
+        <p:nvSpPr>
+          <p:cNvPr id="3" name="矩形 2"/>
+          <p:cNvSpPr/>
+          <p:nvPr/>
+        </p:nvSpPr>
+        <p:spPr>
+          <a:xfrm>
+            <a:off x="145745" y="819000"/>
+            <a:ext cx="9944999" cy="2115000"/>
+          </a:xfrm>
+          <a:prstGeom prst="rect">
+            <a:avLst/>
+          </a:prstGeom>
+          <a:solidFill>
+            <a:schemeClr val="accent5">
+              <a:lumMod val="60000"/>
+              <a:lumOff val="40000"/>
+              <a:alpha val="25000"/>
+            </a:schemeClr>
+          </a:solidFill>
+          <a:ln w="28575">
+            <a:solidFill>
+              <a:schemeClr val="tx1"/>
+            </a:solidFill>
+            <a:prstDash val="dash"/>
+          </a:ln>
+        </p:spPr>
+        <p:style>
+          <a:lnRef idx="2">
+            <a:schemeClr val="accent1">
+              <a:shade val="50000"/>
+            </a:schemeClr>
+          </a:lnRef>
+          <a:fillRef idx="1">
+            <a:schemeClr val="accent1"/>
+          </a:fillRef>
+          <a:effectRef idx="0">
+            <a:schemeClr val="accent1"/>
+          </a:effectRef>
+          <a:fontRef idx="minor">
+            <a:schemeClr val="lt1"/>
+          </a:fontRef>
+        </p:style>
+        <p:txBody>
+          <a:bodyPr rtlCol="0" anchor="ctr"/>
+          <a:lstStyle/>
+          <a:p>
+            <a:pPr marL="285750" indent="-285750" algn="l">
+              <a:lnSpc>
+                <a:spcPct val="150000"/>
+              </a:lnSpc>
+              <a:buClr>
+                <a:srgbClr val="C00000"/>
+              </a:buClr>
+              <a:buFont typeface="Wingdings" pitchFamily="2" charset="2"/>
+              <a:buChar char="ü"/>
+            </a:pPr>
+            <a:endParaRPr lang="zh-CN" altLang="en-US" sz="1200" b="1" dirty="0">
+              <a:solidFill>
+                <a:schemeClr val="tx2"/>
+              </a:solidFill>
+              <a:latin typeface="Times New Roman" panose="02020603050405020304" pitchFamily="18" charset="0"/>
+              <a:cs typeface="Times New Roman" panose="02020603050405020304" pitchFamily="18" charset="0"/>
+            </a:endParaRPr>
+          </a:p>
+        </p:txBody>
+      </p:sp>
+      <p:pic>
+        <p:nvPicPr>
+          <p:cNvPr id="7" name="图片 6"/>
+          <p:cNvPicPr>
+            <a:picLocks noChangeAspect="1"/>
+          </p:cNvPicPr>
+          <p:nvPr/>
+        </p:nvPicPr>
+        <p:blipFill>
+          <a:blip r:embed="rId2"/>
+          <a:stretch>
+            <a:fillRect/>
+          </a:stretch>
+        </p:blipFill>
+        <p:spPr>
+          <a:xfrm>
+            <a:off x="145745" y="932129"/>
+            <a:ext cx="9945000" cy="3177418"/>
+          </a:xfrm>
+          <a:prstGeom prst="rect">
+            <a:avLst/>
+          </a:prstGeom>
+        </p:spPr>
+      </p:pic>
+      <p:sp>
+        <p:nvSpPr>
+          <p:cNvPr id="8" name="矩形 7"/>
+          <p:cNvSpPr/>
+          <p:nvPr/>
+        </p:nvSpPr>
+        <p:spPr>
+          <a:xfrm>
+            <a:off x="146616" y="3119547"/>
+            <a:ext cx="4464384" cy="1125000"/>
+          </a:xfrm>
+          <a:prstGeom prst="rect">
+            <a:avLst/>
+          </a:prstGeom>
+          <a:solidFill>
+            <a:schemeClr val="accent4">
+              <a:lumMod val="60000"/>
+              <a:lumOff val="40000"/>
+              <a:alpha val="25000"/>
+            </a:schemeClr>
+          </a:solidFill>
+          <a:ln w="28575">
+            <a:solidFill>
+              <a:schemeClr val="tx1"/>
+            </a:solidFill>
+            <a:prstDash val="dash"/>
+          </a:ln>
+        </p:spPr>
+        <p:style>
+          <a:lnRef idx="2">
+            <a:schemeClr val="accent1">
+              <a:shade val="50000"/>
+            </a:schemeClr>
+          </a:lnRef>
+          <a:fillRef idx="1">
+            <a:schemeClr val="accent1"/>
+          </a:fillRef>
+          <a:effectRef idx="0">
+            <a:schemeClr val="accent1"/>
+          </a:effectRef>
+          <a:fontRef idx="minor">
+            <a:schemeClr val="lt1"/>
+          </a:fontRef>
+        </p:style>
+        <p:txBody>
+          <a:bodyPr rtlCol="0" anchor="ctr"/>
+          <a:lstStyle/>
+          <a:p>
+            <a:pPr marL="285750" indent="-285750" algn="l">
+              <a:lnSpc>
+                <a:spcPct val="150000"/>
+              </a:lnSpc>
+              <a:buClr>
+                <a:srgbClr val="C00000"/>
+              </a:buClr>
+              <a:buFont typeface="Wingdings" pitchFamily="2" charset="2"/>
+              <a:buChar char="ü"/>
+            </a:pPr>
+            <a:endParaRPr lang="zh-CN" altLang="en-US" sz="1200" b="1" dirty="0">
+              <a:solidFill>
+                <a:schemeClr val="tx2"/>
+              </a:solidFill>
+              <a:latin typeface="Times New Roman" panose="02020603050405020304" pitchFamily="18" charset="0"/>
+              <a:cs typeface="Times New Roman" panose="02020603050405020304" pitchFamily="18" charset="0"/>
+            </a:endParaRPr>
+          </a:p>
+        </p:txBody>
+      </p:sp>
+      <p:sp>
+        <p:nvSpPr>
+          <p:cNvPr id="9" name="矩形 8"/>
+          <p:cNvSpPr/>
+          <p:nvPr/>
+        </p:nvSpPr>
+        <p:spPr>
+          <a:xfrm>
+            <a:off x="4926001" y="3119547"/>
+            <a:ext cx="4455000" cy="1125000"/>
+          </a:xfrm>
+          <a:prstGeom prst="rect">
+            <a:avLst/>
+          </a:prstGeom>
+          <a:solidFill>
+            <a:schemeClr val="accent4">
+              <a:lumMod val="60000"/>
+              <a:lumOff val="40000"/>
+              <a:alpha val="25000"/>
+            </a:schemeClr>
+          </a:solidFill>
+          <a:ln w="28575">
+            <a:solidFill>
+              <a:schemeClr val="tx1"/>
+            </a:solidFill>
+            <a:prstDash val="dash"/>
+          </a:ln>
+        </p:spPr>
+        <p:style>
+          <a:lnRef idx="2">
+            <a:schemeClr val="accent1">
+              <a:shade val="50000"/>
+            </a:schemeClr>
+          </a:lnRef>
+          <a:fillRef idx="1">
+            <a:schemeClr val="accent1"/>
+          </a:fillRef>
+          <a:effectRef idx="0">
+            <a:schemeClr val="accent1"/>
+          </a:effectRef>
+          <a:fontRef idx="minor">
+            <a:schemeClr val="lt1"/>
+          </a:fontRef>
+        </p:style>
+        <p:txBody>
+          <a:bodyPr rtlCol="0" anchor="ctr"/>
+          <a:lstStyle/>
+          <a:p>
+            <a:pPr marL="285750" indent="-285750" algn="l">
+              <a:lnSpc>
+                <a:spcPct val="150000"/>
+              </a:lnSpc>
+              <a:buClr>
+                <a:srgbClr val="C00000"/>
+              </a:buClr>
+              <a:buFont typeface="Wingdings" pitchFamily="2" charset="2"/>
+              <a:buChar char="ü"/>
+            </a:pPr>
+            <a:endParaRPr lang="zh-CN" altLang="en-US" sz="1200" b="1" dirty="0">
+              <a:solidFill>
+                <a:schemeClr val="tx2"/>
+              </a:solidFill>
+              <a:latin typeface="Times New Roman" panose="02020603050405020304" pitchFamily="18" charset="0"/>
+              <a:cs typeface="Times New Roman" panose="02020603050405020304" pitchFamily="18" charset="0"/>
+            </a:endParaRPr>
+          </a:p>
+        </p:txBody>
+      </p:sp>
+      <p:sp>
+        <p:nvSpPr>
+          <p:cNvPr id="10" name="矩形 9"/>
+          <p:cNvSpPr/>
+          <p:nvPr/>
+        </p:nvSpPr>
+        <p:spPr>
+          <a:xfrm>
+            <a:off x="1436081" y="3485890"/>
+            <a:ext cx="1614545" cy="415498"/>
+          </a:xfrm>
+          <a:prstGeom prst="rect">
+            <a:avLst/>
+          </a:prstGeom>
+        </p:spPr>
+        <p:txBody>
+          <a:bodyPr wrap="none">
+            <a:spAutoFit/>
+          </a:bodyPr>
+          <a:lstStyle/>
+          <a:p>
+            <a:pPr>
+              <a:lnSpc>
+                <a:spcPct val="150000"/>
+              </a:lnSpc>
+            </a:pPr>
+            <a:r>
+              <a:rPr lang="en-US" altLang="zh-CN" sz="1400" b="1" dirty="0" smtClean="0">
+                <a:latin typeface="Times New Roman" panose="02020603050405020304" pitchFamily="18" charset="0"/>
+                <a:ea typeface="黑体" panose="02010609060101010101" pitchFamily="49" charset="-122"/>
+                <a:cs typeface="Times New Roman" panose="02020603050405020304" pitchFamily="18" charset="0"/>
+              </a:rPr>
+              <a:t>1#-Natural </a:t>
+            </a:r>
+            <a:r>
+              <a:rPr lang="en-US" altLang="zh-CN" sz="1400" b="1" dirty="0">
+                <a:latin typeface="Times New Roman" panose="02020603050405020304" pitchFamily="18" charset="0"/>
+                <a:ea typeface="黑体" panose="02010609060101010101" pitchFamily="49" charset="-122"/>
+                <a:cs typeface="Times New Roman" panose="02020603050405020304" pitchFamily="18" charset="0"/>
+              </a:rPr>
+              <a:t>cooling</a:t>
+            </a:r>
+            <a:endParaRPr lang="en-US" altLang="zh-CN" sz="1400" i="1" dirty="0">
+              <a:latin typeface="Times New Roman" panose="02020603050405020304" pitchFamily="18" charset="0"/>
+              <a:ea typeface="黑体" panose="02010609060101010101" pitchFamily="49" charset="-122"/>
+              <a:cs typeface="Times New Roman" panose="02020603050405020304" pitchFamily="18" charset="0"/>
+            </a:endParaRPr>
+          </a:p>
+        </p:txBody>
+      </p:sp>
+      <p:sp>
+        <p:nvSpPr>
+          <p:cNvPr id="11" name="矩形 10"/>
+          <p:cNvSpPr/>
+          <p:nvPr/>
+        </p:nvSpPr>
+        <p:spPr>
+          <a:xfrm>
+            <a:off x="6411000" y="3469049"/>
+            <a:ext cx="1620000" cy="415498"/>
+          </a:xfrm>
+          <a:prstGeom prst="rect">
+            <a:avLst/>
+          </a:prstGeom>
+        </p:spPr>
+        <p:txBody>
+          <a:bodyPr wrap="square">
+            <a:spAutoFit/>
+          </a:bodyPr>
+          <a:lstStyle/>
+          <a:p>
+            <a:pPr>
+              <a:lnSpc>
+                <a:spcPct val="150000"/>
+              </a:lnSpc>
+            </a:pPr>
+            <a:r>
+              <a:rPr lang="en-US" altLang="zh-CN" sz="1400" b="1" dirty="0" smtClean="0">
+                <a:latin typeface="Times New Roman" panose="02020603050405020304" pitchFamily="18" charset="0"/>
+                <a:ea typeface="黑体" panose="02010609060101010101" pitchFamily="49" charset="-122"/>
+                <a:cs typeface="Times New Roman" panose="02020603050405020304" pitchFamily="18" charset="0"/>
+              </a:rPr>
+              <a:t>2#-Natural </a:t>
+            </a:r>
+            <a:r>
+              <a:rPr lang="en-US" altLang="zh-CN" sz="1400" b="1" dirty="0">
+                <a:latin typeface="Times New Roman" panose="02020603050405020304" pitchFamily="18" charset="0"/>
+                <a:ea typeface="黑体" panose="02010609060101010101" pitchFamily="49" charset="-122"/>
+                <a:cs typeface="Times New Roman" panose="02020603050405020304" pitchFamily="18" charset="0"/>
+              </a:rPr>
+              <a:t>cooling</a:t>
+            </a:r>
+            <a:endParaRPr lang="en-US" altLang="zh-CN" sz="1400" i="1" dirty="0">
+              <a:latin typeface="Times New Roman" panose="02020603050405020304" pitchFamily="18" charset="0"/>
+              <a:ea typeface="黑体" panose="02010609060101010101" pitchFamily="49" charset="-122"/>
+              <a:cs typeface="Times New Roman" panose="02020603050405020304" pitchFamily="18" charset="0"/>
+            </a:endParaRPr>
+          </a:p>
+        </p:txBody>
+      </p:sp>
+      <p:graphicFrame>
+        <p:nvGraphicFramePr>
+          <p:cNvPr id="14" name="表格 13"/>
+          <p:cNvGraphicFramePr>
+            <a:graphicFrameLocks noGrp="1"/>
+          </p:cNvGraphicFramePr>
+          <p:nvPr>
+            <p:extLst>
+              <p:ext uri="{D42A27DB-BD31-4B8C-83A1-F6EECF244321}">
+                <p14:modId xmlns:p14="http://schemas.microsoft.com/office/powerpoint/2010/main" val="3429768054"/>
+              </p:ext>
+            </p:extLst>
+          </p:nvPr>
+        </p:nvGraphicFramePr>
+        <p:xfrm>
+          <a:off x="1945188" y="4329000"/>
+          <a:ext cx="8560812" cy="2160000"/>
+        </p:xfrm>
+        <a:graphic>
+          <a:graphicData uri="http://schemas.openxmlformats.org/drawingml/2006/table">
+            <a:tbl>
+              <a:tblPr firstRow="1" bandRow="1">
+                <a:tableStyleId>{21E4AEA4-8DFA-4A89-87EB-49C32662AFE0}</a:tableStyleId>
+              </a:tblPr>
+              <a:tblGrid>
+                <a:gridCol w="1360812">
+                  <a:extLst>
+                    <a:ext uri="{9D8B030D-6E8A-4147-A177-3AD203B41FA5}">
+                      <a16:colId xmlns:a16="http://schemas.microsoft.com/office/drawing/2014/main" val="2533179539"/>
+                    </a:ext>
+                  </a:extLst>
+                </a:gridCol>
+                <a:gridCol w="1800000">
+                  <a:extLst>
+                    <a:ext uri="{9D8B030D-6E8A-4147-A177-3AD203B41FA5}">
+                      <a16:colId xmlns:a16="http://schemas.microsoft.com/office/drawing/2014/main" val="1056291638"/>
+                    </a:ext>
+                  </a:extLst>
+                </a:gridCol>
+                <a:gridCol w="1800000">
+                  <a:extLst>
+                    <a:ext uri="{9D8B030D-6E8A-4147-A177-3AD203B41FA5}">
+                      <a16:colId xmlns:a16="http://schemas.microsoft.com/office/drawing/2014/main" val="2677758524"/>
+                    </a:ext>
+                  </a:extLst>
+                </a:gridCol>
+                <a:gridCol w="1800000">
+                  <a:extLst>
+                    <a:ext uri="{9D8B030D-6E8A-4147-A177-3AD203B41FA5}">
+                      <a16:colId xmlns:a16="http://schemas.microsoft.com/office/drawing/2014/main" val="2709018504"/>
+                    </a:ext>
+                  </a:extLst>
+                </a:gridCol>
+                <a:gridCol w="1800000">
+                  <a:extLst>
+                    <a:ext uri="{9D8B030D-6E8A-4147-A177-3AD203B41FA5}">
+                      <a16:colId xmlns:a16="http://schemas.microsoft.com/office/drawing/2014/main" val="1919259312"/>
+                    </a:ext>
+                  </a:extLst>
+                </a:gridCol>
+              </a:tblGrid>
+              <a:tr h="360000">
+                <a:tc>
+                  <a:txBody>
+                    <a:bodyPr/>
+                    <a:lstStyle/>
+                    <a:p>
+                      <a:pPr algn="ctr"/>
+                      <a:r>
+                        <a:rPr lang="en-US" altLang="zh-CN" sz="1400" dirty="0" smtClean="0">
+                          <a:solidFill>
+                            <a:schemeClr val="tx1"/>
+                          </a:solidFill>
+                          <a:latin typeface="黑体" panose="02010609060101010101" pitchFamily="49" charset="-122"/>
+                          <a:ea typeface="黑体" panose="02010609060101010101" pitchFamily="49" charset="-122"/>
+                        </a:rPr>
+                        <a:t>Type(Daytime)</a:t>
+                      </a:r>
+                      <a:endParaRPr lang="zh-CN" altLang="en-US" sz="1400" dirty="0">
+                        <a:solidFill>
+                          <a:schemeClr val="tx1"/>
+                        </a:solidFill>
+                        <a:latin typeface="黑体" panose="02010609060101010101" pitchFamily="49" charset="-122"/>
+                        <a:ea typeface="黑体" panose="02010609060101010101" pitchFamily="49" charset="-122"/>
+                      </a:endParaRPr>
+                    </a:p>
+                  </a:txBody>
+                  <a:tcPr>
+                    <a:lnL w="12700" cap="flat" cmpd="sng" algn="ctr">
+                      <a:solidFill>
+                        <a:schemeClr val="tx1"/>
+                      </a:solidFill>
+                      <a:prstDash val="solid"/>
+                      <a:round/>
+                      <a:headEnd type="none" w="med" len="med"/>
+                      <a:tailEnd type="none" w="med" len="med"/>
+                    </a:lnL>
+                    <a:lnR w="12700" cap="flat" cmpd="sng" algn="ctr">
+                      <a:solidFill>
+                        <a:schemeClr val="tx1"/>
+                      </a:solidFill>
+                      <a:prstDash val="solid"/>
+                      <a:round/>
+                      <a:headEnd type="none" w="med" len="med"/>
+                      <a:tailEnd type="none" w="med" len="med"/>
+                    </a:lnR>
+                    <a:lnT w="12700" cap="flat" cmpd="sng" algn="ctr">
+                      <a:solidFill>
+                        <a:schemeClr val="tx1"/>
+                      </a:solidFill>
+                      <a:prstDash val="solid"/>
+                      <a:round/>
+                      <a:headEnd type="none" w="med" len="med"/>
+                      <a:tailEnd type="none" w="med" len="med"/>
+                    </a:lnT>
+                    <a:lnB w="12700" cap="flat" cmpd="sng" algn="ctr">
+                      <a:solidFill>
+                        <a:schemeClr val="tx1"/>
+                      </a:solidFill>
+                      <a:prstDash val="solid"/>
+                      <a:round/>
+                      <a:headEnd type="none" w="med" len="med"/>
+                      <a:tailEnd type="none" w="med" len="med"/>
+                    </a:lnB>
+                    <a:lnTlToBr w="12700" cmpd="sng">
+                      <a:noFill/>
+                      <a:prstDash val="solid"/>
+                    </a:lnTlToBr>
+                    <a:lnBlToTr w="12700" cmpd="sng">
+                      <a:noFill/>
+                      <a:prstDash val="solid"/>
+                    </a:lnBlToTr>
+                  </a:tcPr>
+                </a:tc>
+                <a:tc>
+                  <a:txBody>
+                    <a:bodyPr/>
+                    <a:lstStyle/>
+                    <a:p>
+                      <a:pPr algn="ctr"/>
+                      <a:r>
+                        <a:rPr lang="en-US" altLang="zh-CN" sz="1400" dirty="0" smtClean="0">
+                          <a:solidFill>
+                            <a:schemeClr val="tx1"/>
+                          </a:solidFill>
+                          <a:latin typeface="黑体" panose="02010609060101010101" pitchFamily="49" charset="-122"/>
+                          <a:ea typeface="黑体" panose="02010609060101010101" pitchFamily="49" charset="-122"/>
+                        </a:rPr>
+                        <a:t>1#-</a:t>
+                      </a:r>
+                      <a:r>
+                        <a:rPr lang="en-US" altLang="zh-CN" sz="1400" dirty="0" err="1" smtClean="0">
+                          <a:solidFill>
+                            <a:schemeClr val="tx1"/>
+                          </a:solidFill>
+                          <a:latin typeface="黑体" panose="02010609060101010101" pitchFamily="49" charset="-122"/>
+                          <a:ea typeface="黑体" panose="02010609060101010101" pitchFamily="49" charset="-122"/>
+                        </a:rPr>
+                        <a:t>Lmax</a:t>
+                      </a:r>
+                      <a:endParaRPr lang="zh-CN" altLang="en-US" sz="1400" dirty="0">
+                        <a:solidFill>
+                          <a:schemeClr val="tx1"/>
+                        </a:solidFill>
+                        <a:latin typeface="黑体" panose="02010609060101010101" pitchFamily="49" charset="-122"/>
+                        <a:ea typeface="黑体" panose="02010609060101010101" pitchFamily="49" charset="-122"/>
+                      </a:endParaRPr>
+                    </a:p>
+                  </a:txBody>
+                  <a:tcPr>
+                    <a:lnL w="12700" cap="flat" cmpd="sng" algn="ctr">
+                      <a:solidFill>
+                        <a:schemeClr val="tx1"/>
+                      </a:solidFill>
+                      <a:prstDash val="solid"/>
+                      <a:round/>
+                      <a:headEnd type="none" w="med" len="med"/>
+                      <a:tailEnd type="none" w="med" len="med"/>
+                    </a:lnL>
+                    <a:lnR w="12700" cap="flat" cmpd="sng" algn="ctr">
+                      <a:solidFill>
+                        <a:schemeClr val="tx1"/>
+                      </a:solidFill>
+                      <a:prstDash val="solid"/>
+                      <a:round/>
+                      <a:headEnd type="none" w="med" len="med"/>
+                      <a:tailEnd type="none" w="med" len="med"/>
+                    </a:lnR>
+                    <a:lnT w="12700" cap="flat" cmpd="sng" algn="ctr">
+                      <a:solidFill>
+                        <a:schemeClr val="tx1"/>
+                      </a:solidFill>
+                      <a:prstDash val="solid"/>
+                      <a:round/>
+                      <a:headEnd type="none" w="med" len="med"/>
+                      <a:tailEnd type="none" w="med" len="med"/>
+                    </a:lnT>
+                    <a:lnB w="12700" cap="flat" cmpd="sng" algn="ctr">
+                      <a:solidFill>
+                        <a:schemeClr val="tx1"/>
+                      </a:solidFill>
+                      <a:prstDash val="solid"/>
+                      <a:round/>
+                      <a:headEnd type="none" w="med" len="med"/>
+                      <a:tailEnd type="none" w="med" len="med"/>
+                    </a:lnB>
+                    <a:lnTlToBr w="12700" cmpd="sng">
+                      <a:noFill/>
+                      <a:prstDash val="solid"/>
+                    </a:lnTlToBr>
+                    <a:lnBlToTr w="12700" cmpd="sng">
+                      <a:noFill/>
+                      <a:prstDash val="solid"/>
+                    </a:lnBlToTr>
+                  </a:tcPr>
+                </a:tc>
+                <a:tc>
+                  <a:txBody>
+                    <a:bodyPr/>
+                    <a:lstStyle/>
+                    <a:p>
+                      <a:pPr algn="ctr"/>
+                      <a:r>
+                        <a:rPr lang="en-US" altLang="zh-CN" sz="1400" dirty="0" smtClean="0">
+                          <a:solidFill>
+                            <a:schemeClr val="tx1"/>
+                          </a:solidFill>
+                          <a:latin typeface="黑体" panose="02010609060101010101" pitchFamily="49" charset="-122"/>
+                          <a:ea typeface="黑体" panose="02010609060101010101" pitchFamily="49" charset="-122"/>
+                        </a:rPr>
+                        <a:t>1#-</a:t>
+                      </a:r>
+                      <a:r>
+                        <a:rPr lang="en-US" altLang="zh-CN" sz="1400" dirty="0" err="1" smtClean="0">
+                          <a:solidFill>
+                            <a:schemeClr val="tx1"/>
+                          </a:solidFill>
+                          <a:latin typeface="黑体" panose="02010609060101010101" pitchFamily="49" charset="-122"/>
+                          <a:ea typeface="黑体" panose="02010609060101010101" pitchFamily="49" charset="-122"/>
+                        </a:rPr>
+                        <a:t>Rmax</a:t>
+                      </a:r>
+                      <a:endParaRPr lang="zh-CN" altLang="en-US" sz="1400" dirty="0">
+                        <a:solidFill>
+                          <a:schemeClr val="tx1"/>
+                        </a:solidFill>
+                        <a:latin typeface="黑体" panose="02010609060101010101" pitchFamily="49" charset="-122"/>
+                        <a:ea typeface="黑体" panose="02010609060101010101" pitchFamily="49" charset="-122"/>
+                      </a:endParaRPr>
+                    </a:p>
+                  </a:txBody>
+                  <a:tcPr>
+                    <a:lnL w="12700" cap="flat" cmpd="sng" algn="ctr">
+                      <a:solidFill>
+                        <a:schemeClr val="tx1"/>
+                      </a:solidFill>
+                      <a:prstDash val="solid"/>
+                      <a:round/>
+                      <a:headEnd type="none" w="med" len="med"/>
+                      <a:tailEnd type="none" w="med" len="med"/>
+                    </a:lnL>
+                    <a:lnR w="12700" cap="flat" cmpd="sng" algn="ctr">
+                      <a:solidFill>
+                        <a:schemeClr val="tx1"/>
+                      </a:solidFill>
+                      <a:prstDash val="solid"/>
+                      <a:round/>
+                      <a:headEnd type="none" w="med" len="med"/>
+                      <a:tailEnd type="none" w="med" len="med"/>
+                    </a:lnR>
+                    <a:lnT w="12700" cap="flat" cmpd="sng" algn="ctr">
+                      <a:solidFill>
+                        <a:schemeClr val="tx1"/>
+                      </a:solidFill>
+                      <a:prstDash val="solid"/>
+                      <a:round/>
+                      <a:headEnd type="none" w="med" len="med"/>
+                      <a:tailEnd type="none" w="med" len="med"/>
+                    </a:lnT>
+                    <a:lnB w="12700" cap="flat" cmpd="sng" algn="ctr">
+                      <a:solidFill>
+                        <a:schemeClr val="tx1"/>
+                      </a:solidFill>
+                      <a:prstDash val="solid"/>
+                      <a:round/>
+                      <a:headEnd type="none" w="med" len="med"/>
+                      <a:tailEnd type="none" w="med" len="med"/>
+                    </a:lnB>
+                    <a:lnTlToBr w="12700" cmpd="sng">
+                      <a:noFill/>
+                      <a:prstDash val="solid"/>
+                    </a:lnTlToBr>
+                    <a:lnBlToTr w="12700" cmpd="sng">
+                      <a:noFill/>
+                      <a:prstDash val="solid"/>
+                    </a:lnBlToTr>
+                  </a:tcPr>
+                </a:tc>
+                <a:tc>
+                  <a:txBody>
+                    <a:bodyPr/>
+                    <a:lstStyle/>
+                    <a:p>
+                      <a:pPr algn="ctr"/>
+                      <a:r>
+                        <a:rPr lang="en-US" altLang="zh-CN" sz="1400" dirty="0" smtClean="0">
+                          <a:solidFill>
+                            <a:schemeClr val="tx1"/>
+                          </a:solidFill>
+                          <a:latin typeface="黑体" panose="02010609060101010101" pitchFamily="49" charset="-122"/>
+                          <a:ea typeface="黑体" panose="02010609060101010101" pitchFamily="49" charset="-122"/>
+                        </a:rPr>
+                        <a:t>2#-</a:t>
+                      </a:r>
+                      <a:r>
+                        <a:rPr lang="en-US" altLang="zh-CN" sz="1400" dirty="0" err="1" smtClean="0">
+                          <a:solidFill>
+                            <a:schemeClr val="tx1"/>
+                          </a:solidFill>
+                          <a:latin typeface="黑体" panose="02010609060101010101" pitchFamily="49" charset="-122"/>
+                          <a:ea typeface="黑体" panose="02010609060101010101" pitchFamily="49" charset="-122"/>
+                        </a:rPr>
+                        <a:t>Lmax</a:t>
+                      </a:r>
+                      <a:endParaRPr lang="zh-CN" altLang="en-US" sz="1400" dirty="0">
+                        <a:solidFill>
+                          <a:schemeClr val="tx1"/>
+                        </a:solidFill>
+                        <a:latin typeface="黑体" panose="02010609060101010101" pitchFamily="49" charset="-122"/>
+                        <a:ea typeface="黑体" panose="02010609060101010101" pitchFamily="49" charset="-122"/>
+                      </a:endParaRPr>
+                    </a:p>
+                  </a:txBody>
+                  <a:tcPr>
+                    <a:lnL w="12700" cap="flat" cmpd="sng" algn="ctr">
+                      <a:solidFill>
+                        <a:schemeClr val="tx1"/>
+                      </a:solidFill>
+                      <a:prstDash val="solid"/>
+                      <a:round/>
+                      <a:headEnd type="none" w="med" len="med"/>
+                      <a:tailEnd type="none" w="med" len="med"/>
+                    </a:lnL>
+                    <a:lnR w="12700" cap="flat" cmpd="sng" algn="ctr">
+                      <a:solidFill>
+                        <a:schemeClr val="tx1"/>
+                      </a:solidFill>
+                      <a:prstDash val="solid"/>
+                      <a:round/>
+                      <a:headEnd type="none" w="med" len="med"/>
+                      <a:tailEnd type="none" w="med" len="med"/>
+                    </a:lnR>
+                    <a:lnT w="12700" cap="flat" cmpd="sng" algn="ctr">
+                      <a:solidFill>
+                        <a:schemeClr val="tx1"/>
+                      </a:solidFill>
+                      <a:prstDash val="solid"/>
+                      <a:round/>
+                      <a:headEnd type="none" w="med" len="med"/>
+                      <a:tailEnd type="none" w="med" len="med"/>
+                    </a:lnT>
+                    <a:lnB w="12700" cap="flat" cmpd="sng" algn="ctr">
+                      <a:solidFill>
+                        <a:schemeClr val="tx1"/>
+                      </a:solidFill>
+                      <a:prstDash val="solid"/>
+                      <a:round/>
+                      <a:headEnd type="none" w="med" len="med"/>
+                      <a:tailEnd type="none" w="med" len="med"/>
+                    </a:lnB>
+                    <a:lnTlToBr w="12700" cmpd="sng">
+                      <a:noFill/>
+                      <a:prstDash val="solid"/>
+                    </a:lnTlToBr>
+                    <a:lnBlToTr w="12700" cmpd="sng">
+                      <a:noFill/>
+                      <a:prstDash val="solid"/>
+                    </a:lnBlToTr>
+                  </a:tcPr>
+                </a:tc>
+                <a:tc>
+                  <a:txBody>
+                    <a:bodyPr/>
+                    <a:lstStyle/>
+                    <a:p>
+                      <a:pPr algn="ctr"/>
+                      <a:r>
+                        <a:rPr lang="en-US" altLang="zh-CN" sz="1400" dirty="0" smtClean="0">
+                          <a:solidFill>
+                            <a:schemeClr val="tx1"/>
+                          </a:solidFill>
+                          <a:latin typeface="黑体" panose="02010609060101010101" pitchFamily="49" charset="-122"/>
+                          <a:ea typeface="黑体" panose="02010609060101010101" pitchFamily="49" charset="-122"/>
+                        </a:rPr>
+                        <a:t>2#-</a:t>
+                      </a:r>
+                      <a:r>
+                        <a:rPr lang="en-US" altLang="zh-CN" sz="1400" dirty="0" err="1" smtClean="0">
+                          <a:solidFill>
+                            <a:schemeClr val="tx1"/>
+                          </a:solidFill>
+                          <a:latin typeface="黑体" panose="02010609060101010101" pitchFamily="49" charset="-122"/>
+                          <a:ea typeface="黑体" panose="02010609060101010101" pitchFamily="49" charset="-122"/>
+                        </a:rPr>
+                        <a:t>Rmax</a:t>
+                      </a:r>
+                      <a:endParaRPr lang="zh-CN" altLang="en-US" sz="1400" dirty="0">
+                        <a:solidFill>
+                          <a:schemeClr val="tx1"/>
+                        </a:solidFill>
+                        <a:latin typeface="黑体" panose="02010609060101010101" pitchFamily="49" charset="-122"/>
+                        <a:ea typeface="黑体" panose="02010609060101010101" pitchFamily="49" charset="-122"/>
+                      </a:endParaRPr>
+                    </a:p>
+                  </a:txBody>
+                  <a:tcPr>
+                    <a:lnL w="12700" cap="flat" cmpd="sng" algn="ctr">
+                      <a:solidFill>
+                        <a:schemeClr val="tx1"/>
+                      </a:solidFill>
+                      <a:prstDash val="solid"/>
+                      <a:round/>
+                      <a:headEnd type="none" w="med" len="med"/>
+                      <a:tailEnd type="none" w="med" len="med"/>
+                    </a:lnL>
+                    <a:lnR w="12700" cap="flat" cmpd="sng" algn="ctr">
+                      <a:solidFill>
+                        <a:schemeClr val="tx1"/>
+                      </a:solidFill>
+                      <a:prstDash val="solid"/>
+                      <a:round/>
+                      <a:headEnd type="none" w="med" len="med"/>
+                      <a:tailEnd type="none" w="med" len="med"/>
+                    </a:lnR>
+                    <a:lnT w="12700" cap="flat" cmpd="sng" algn="ctr">
+                      <a:solidFill>
+                        <a:schemeClr val="tx1"/>
+                      </a:solidFill>
+                      <a:prstDash val="solid"/>
+                      <a:round/>
+                      <a:headEnd type="none" w="med" len="med"/>
+                      <a:tailEnd type="none" w="med" len="med"/>
+                    </a:lnT>
+                    <a:lnB w="12700" cap="flat" cmpd="sng" algn="ctr">
+                      <a:solidFill>
+                        <a:schemeClr val="tx1"/>
+                      </a:solidFill>
+                      <a:prstDash val="solid"/>
+                      <a:round/>
+                      <a:headEnd type="none" w="med" len="med"/>
+                      <a:tailEnd type="none" w="med" len="med"/>
+                    </a:lnB>
+                    <a:lnTlToBr w="12700" cmpd="sng">
+                      <a:noFill/>
+                      <a:prstDash val="solid"/>
+                    </a:lnTlToBr>
+                    <a:lnBlToTr w="12700" cmpd="sng">
+                      <a:noFill/>
+                      <a:prstDash val="solid"/>
+                    </a:lnBlToTr>
+                  </a:tcPr>
+                </a:tc>
+                <a:extLst>
+                  <a:ext uri="{0D108BD9-81ED-4DB2-BD59-A6C34878D82A}">
+                    <a16:rowId xmlns:a16="http://schemas.microsoft.com/office/drawing/2014/main" val="800044611"/>
+                  </a:ext>
+                </a:extLst>
+              </a:tr>
+              <a:tr h="360000">
+                <a:tc rowSpan="5">
+                  <a:txBody>
+                    <a:bodyPr/>
+                    <a:lstStyle/>
+                    <a:p>
+                      <a:pPr marL="0" marR="0" indent="0" algn="ctr" defTabSz="685800" rtl="0" eaLnBrk="1" fontAlgn="auto" latinLnBrk="0" hangingPunct="1">
+                        <a:lnSpc>
+                          <a:spcPct val="100000"/>
+                        </a:lnSpc>
+                        <a:spcBef>
+                          <a:spcPts val="0"/>
+                        </a:spcBef>
+                        <a:spcAft>
+                          <a:spcPts val="0"/>
+                        </a:spcAft>
+                        <a:buClrTx/>
+                        <a:buSzTx/>
+                        <a:buFontTx/>
+                        <a:buNone/>
+                        <a:tabLst/>
+                        <a:defRPr/>
+                      </a:pPr>
+                      <a:r>
+                        <a:rPr lang="en-US" altLang="zh-CN" sz="1801" b="1" i="0" u="none" strike="noStrike" kern="1200" dirty="0" smtClean="0">
+                          <a:solidFill>
+                            <a:schemeClr val="dk1"/>
+                          </a:solidFill>
+                          <a:effectLst/>
+                          <a:latin typeface="+mn-lt"/>
+                          <a:ea typeface="+mn-ea"/>
+                          <a:cs typeface="+mn-cs"/>
+                        </a:rPr>
+                        <a:t>Choice</a:t>
+                      </a:r>
+                      <a:endParaRPr lang="zh-CN" altLang="en-US" sz="1400" kern="1200" dirty="0" smtClean="0">
+                        <a:solidFill>
+                          <a:schemeClr val="dk1"/>
+                        </a:solidFill>
+                        <a:latin typeface="黑体" panose="02010609060101010101" pitchFamily="49" charset="-122"/>
+                        <a:ea typeface="黑体" panose="02010609060101010101" pitchFamily="49" charset="-122"/>
+                        <a:cs typeface="+mn-cs"/>
+                      </a:endParaRPr>
+                    </a:p>
+                  </a:txBody>
+                  <a:tcPr anchor="ctr">
+                    <a:lnL w="12700" cap="flat" cmpd="sng" algn="ctr">
+                      <a:solidFill>
+                        <a:schemeClr val="tx1"/>
+                      </a:solidFill>
+                      <a:prstDash val="solid"/>
+                      <a:round/>
+                      <a:headEnd type="none" w="med" len="med"/>
+                      <a:tailEnd type="none" w="med" len="med"/>
+                    </a:lnL>
+                    <a:lnR w="12700" cap="flat" cmpd="sng" algn="ctr">
+                      <a:solidFill>
+                        <a:schemeClr val="tx1"/>
+                      </a:solidFill>
+                      <a:prstDash val="solid"/>
+                      <a:round/>
+                      <a:headEnd type="none" w="med" len="med"/>
+                      <a:tailEnd type="none" w="med" len="med"/>
+                    </a:lnR>
+                    <a:lnT w="12700" cap="flat" cmpd="sng" algn="ctr">
+                      <a:solidFill>
+                        <a:schemeClr val="tx1"/>
+                      </a:solidFill>
+                      <a:prstDash val="solid"/>
+                      <a:round/>
+                      <a:headEnd type="none" w="med" len="med"/>
+                      <a:tailEnd type="none" w="med" len="med"/>
+                    </a:lnT>
+                    <a:lnB w="12700" cap="flat" cmpd="sng" algn="ctr">
+                      <a:solidFill>
+                        <a:schemeClr val="tx1"/>
+                      </a:solidFill>
+                      <a:prstDash val="solid"/>
+                      <a:round/>
+                      <a:headEnd type="none" w="med" len="med"/>
+                      <a:tailEnd type="none" w="med" len="med"/>
+                    </a:lnB>
+                    <a:lnTlToBr w="12700" cmpd="sng">
+                      <a:noFill/>
+                      <a:prstDash val="solid"/>
+                    </a:lnTlToBr>
+                    <a:lnBlToTr w="12700" cmpd="sng">
+                      <a:noFill/>
+                      <a:prstDash val="solid"/>
+                    </a:lnBlToTr>
+                  </a:tcPr>
+                </a:tc>
+                <a:tc>
+                  <a:txBody>
+                    <a:bodyPr/>
+                    <a:lstStyle/>
+                    <a:p>
+                      <a:pPr indent="127000" algn="ctr">
+                        <a:lnSpc>
+                          <a:spcPts val="2000"/>
+                        </a:lnSpc>
+                        <a:spcAft>
+                          <a:spcPts val="0"/>
+                        </a:spcAft>
+                      </a:pPr>
+                      <a:r>
+                        <a:rPr lang="en-US" sz="1400" kern="100" dirty="0" smtClean="0">
+                          <a:effectLst/>
+                          <a:latin typeface="黑体" panose="02010609060101010101" pitchFamily="49" charset="-122"/>
+                          <a:ea typeface="黑体" panose="02010609060101010101" pitchFamily="49" charset="-122"/>
+                          <a:cs typeface="Times New Roman" panose="02020603050405020304" pitchFamily="18" charset="0"/>
+                        </a:rPr>
+                        <a:t>120</a:t>
+                      </a:r>
+                      <a:endParaRPr lang="zh-CN" sz="1400" kern="100" dirty="0">
+                        <a:effectLst/>
+                        <a:latin typeface="黑体" panose="02010609060101010101" pitchFamily="49" charset="-122"/>
+                        <a:ea typeface="黑体" panose="02010609060101010101" pitchFamily="49" charset="-122"/>
+                        <a:cs typeface="Times New Roman" panose="02020603050405020304" pitchFamily="18" charset="0"/>
+                      </a:endParaRPr>
+                    </a:p>
+                  </a:txBody>
+                  <a:tcPr marL="68580" marR="68580" marT="0" marB="0" anchor="ctr">
+                    <a:lnL w="12700" cap="flat" cmpd="sng" algn="ctr">
+                      <a:solidFill>
+                        <a:schemeClr val="tx1"/>
+                      </a:solidFill>
+                      <a:prstDash val="solid"/>
+                      <a:round/>
+                      <a:headEnd type="none" w="med" len="med"/>
+                      <a:tailEnd type="none" w="med" len="med"/>
+                    </a:lnL>
+                    <a:lnR w="12700" cap="flat" cmpd="sng" algn="ctr">
+                      <a:solidFill>
+                        <a:schemeClr val="tx1"/>
+                      </a:solidFill>
+                      <a:prstDash val="solid"/>
+                      <a:round/>
+                      <a:headEnd type="none" w="med" len="med"/>
+                      <a:tailEnd type="none" w="med" len="med"/>
+                    </a:lnR>
+                    <a:lnT w="12700" cap="flat" cmpd="sng" algn="ctr">
+                      <a:solidFill>
+                        <a:schemeClr val="tx1"/>
+                      </a:solidFill>
+                      <a:prstDash val="solid"/>
+                      <a:round/>
+                      <a:headEnd type="none" w="med" len="med"/>
+                      <a:tailEnd type="none" w="med" len="med"/>
+                    </a:lnT>
+                    <a:lnB w="12700" cap="flat" cmpd="sng" algn="ctr">
+                      <a:solidFill>
+                        <a:schemeClr val="tx1"/>
+                      </a:solidFill>
+                      <a:prstDash val="solid"/>
+                      <a:round/>
+                      <a:headEnd type="none" w="med" len="med"/>
+                      <a:tailEnd type="none" w="med" len="med"/>
+                    </a:lnB>
+                    <a:lnTlToBr w="12700" cmpd="sng">
+                      <a:noFill/>
+                      <a:prstDash val="solid"/>
+                    </a:lnTlToBr>
+                    <a:lnBlToTr w="12700" cmpd="sng">
+                      <a:noFill/>
+                      <a:prstDash val="solid"/>
+                    </a:lnBlToTr>
+                  </a:tcPr>
+                </a:tc>
+                <a:tc>
+                  <a:txBody>
+                    <a:bodyPr/>
+                    <a:lstStyle/>
+                    <a:p>
+                      <a:pPr indent="127000" algn="ctr">
+                        <a:lnSpc>
+                          <a:spcPts val="2000"/>
+                        </a:lnSpc>
+                        <a:spcAft>
+                          <a:spcPts val="0"/>
+                        </a:spcAft>
+                      </a:pPr>
+                      <a:r>
+                        <a:rPr lang="en-US" sz="1400" kern="100" dirty="0" smtClean="0">
+                          <a:effectLst/>
+                          <a:latin typeface="黑体" panose="02010609060101010101" pitchFamily="49" charset="-122"/>
+                          <a:ea typeface="黑体" panose="02010609060101010101" pitchFamily="49" charset="-122"/>
+                          <a:cs typeface="Times New Roman" panose="02020603050405020304" pitchFamily="18" charset="0"/>
+                        </a:rPr>
+                        <a:t>Waiting</a:t>
+                      </a:r>
+                      <a:endParaRPr lang="zh-CN" sz="1400" kern="100" dirty="0">
+                        <a:effectLst/>
+                        <a:latin typeface="黑体" panose="02010609060101010101" pitchFamily="49" charset="-122"/>
+                        <a:ea typeface="黑体" panose="02010609060101010101" pitchFamily="49" charset="-122"/>
+                        <a:cs typeface="Times New Roman" panose="02020603050405020304" pitchFamily="18" charset="0"/>
+                      </a:endParaRPr>
+                    </a:p>
+                  </a:txBody>
+                  <a:tcPr marL="68580" marR="68580" marT="0" marB="0" anchor="ctr">
+                    <a:lnL w="12700" cap="flat" cmpd="sng" algn="ctr">
+                      <a:solidFill>
+                        <a:schemeClr val="tx1"/>
+                      </a:solidFill>
+                      <a:prstDash val="solid"/>
+                      <a:round/>
+                      <a:headEnd type="none" w="med" len="med"/>
+                      <a:tailEnd type="none" w="med" len="med"/>
+                    </a:lnL>
+                    <a:lnR w="12700" cap="flat" cmpd="sng" algn="ctr">
+                      <a:solidFill>
+                        <a:schemeClr val="tx1"/>
+                      </a:solidFill>
+                      <a:prstDash val="solid"/>
+                      <a:round/>
+                      <a:headEnd type="none" w="med" len="med"/>
+                      <a:tailEnd type="none" w="med" len="med"/>
+                    </a:lnR>
+                    <a:lnT w="12700" cap="flat" cmpd="sng" algn="ctr">
+                      <a:solidFill>
+                        <a:schemeClr val="tx1"/>
+                      </a:solidFill>
+                      <a:prstDash val="solid"/>
+                      <a:round/>
+                      <a:headEnd type="none" w="med" len="med"/>
+                      <a:tailEnd type="none" w="med" len="med"/>
+                    </a:lnT>
+                    <a:lnB w="12700" cap="flat" cmpd="sng" algn="ctr">
+                      <a:solidFill>
+                        <a:schemeClr val="tx1"/>
+                      </a:solidFill>
+                      <a:prstDash val="solid"/>
+                      <a:round/>
+                      <a:headEnd type="none" w="med" len="med"/>
+                      <a:tailEnd type="none" w="med" len="med"/>
+                    </a:lnB>
+                    <a:lnTlToBr w="12700" cmpd="sng">
+                      <a:noFill/>
+                      <a:prstDash val="solid"/>
+                    </a:lnTlToBr>
+                    <a:lnBlToTr w="12700" cmpd="sng">
+                      <a:noFill/>
+                      <a:prstDash val="solid"/>
+                    </a:lnBlToTr>
+                  </a:tcPr>
+                </a:tc>
+                <a:tc>
+                  <a:txBody>
+                    <a:bodyPr/>
+                    <a:lstStyle/>
+                    <a:p>
+                      <a:pPr indent="127000" algn="ctr">
+                        <a:lnSpc>
+                          <a:spcPts val="2000"/>
+                        </a:lnSpc>
+                        <a:spcAft>
+                          <a:spcPts val="0"/>
+                        </a:spcAft>
+                      </a:pPr>
+                      <a:r>
+                        <a:rPr lang="en-US" altLang="zh-CN" sz="1400" kern="100" dirty="0" smtClean="0">
+                          <a:effectLst/>
+                          <a:latin typeface="黑体" panose="02010609060101010101" pitchFamily="49" charset="-122"/>
+                          <a:ea typeface="黑体" panose="02010609060101010101" pitchFamily="49" charset="-122"/>
+                          <a:cs typeface="Times New Roman" panose="02020603050405020304" pitchFamily="18" charset="0"/>
+                        </a:rPr>
+                        <a:t>120</a:t>
+                      </a:r>
+                      <a:endParaRPr lang="zh-CN" sz="1400" kern="100" dirty="0">
+                        <a:effectLst/>
+                        <a:latin typeface="黑体" panose="02010609060101010101" pitchFamily="49" charset="-122"/>
+                        <a:ea typeface="黑体" panose="02010609060101010101" pitchFamily="49" charset="-122"/>
+                        <a:cs typeface="Times New Roman" panose="02020603050405020304" pitchFamily="18" charset="0"/>
+                      </a:endParaRPr>
+                    </a:p>
+                  </a:txBody>
+                  <a:tcPr marL="68580" marR="68580" marT="0" marB="0" anchor="ctr">
+                    <a:lnL w="12700" cap="flat" cmpd="sng" algn="ctr">
+                      <a:solidFill>
+                        <a:schemeClr val="tx1"/>
+                      </a:solidFill>
+                      <a:prstDash val="solid"/>
+                      <a:round/>
+                      <a:headEnd type="none" w="med" len="med"/>
+                      <a:tailEnd type="none" w="med" len="med"/>
+                    </a:lnL>
+                    <a:lnR w="12700" cap="flat" cmpd="sng" algn="ctr">
+                      <a:solidFill>
+                        <a:schemeClr val="tx1"/>
+                      </a:solidFill>
+                      <a:prstDash val="solid"/>
+                      <a:round/>
+                      <a:headEnd type="none" w="med" len="med"/>
+                      <a:tailEnd type="none" w="med" len="med"/>
+                    </a:lnR>
+                    <a:lnT w="12700" cap="flat" cmpd="sng" algn="ctr">
+                      <a:solidFill>
+                        <a:schemeClr val="tx1"/>
+                      </a:solidFill>
+                      <a:prstDash val="solid"/>
+                      <a:round/>
+                      <a:headEnd type="none" w="med" len="med"/>
+                      <a:tailEnd type="none" w="med" len="med"/>
+                    </a:lnT>
+                    <a:lnB w="12700" cap="flat" cmpd="sng" algn="ctr">
+                      <a:solidFill>
+                        <a:schemeClr val="tx1"/>
+                      </a:solidFill>
+                      <a:prstDash val="solid"/>
+                      <a:round/>
+                      <a:headEnd type="none" w="med" len="med"/>
+                      <a:tailEnd type="none" w="med" len="med"/>
+                    </a:lnB>
+                    <a:lnTlToBr w="12700" cmpd="sng">
+                      <a:noFill/>
+                      <a:prstDash val="solid"/>
+                    </a:lnTlToBr>
+                    <a:lnBlToTr w="12700" cmpd="sng">
+                      <a:noFill/>
+                      <a:prstDash val="solid"/>
+                    </a:lnBlToTr>
+                  </a:tcPr>
+                </a:tc>
+                <a:tc>
+                  <a:txBody>
+                    <a:bodyPr/>
+                    <a:lstStyle/>
+                    <a:p>
+                      <a:pPr marL="0" marR="0" lvl="0" indent="127000" algn="ctr" defTabSz="914310" rtl="0" eaLnBrk="1" fontAlgn="auto" latinLnBrk="0" hangingPunct="1">
+                        <a:lnSpc>
+                          <a:spcPts val="2000"/>
+                        </a:lnSpc>
+                        <a:spcBef>
+                          <a:spcPts val="0"/>
+                        </a:spcBef>
+                        <a:spcAft>
+                          <a:spcPts val="0"/>
+                        </a:spcAft>
+                        <a:buClrTx/>
+                        <a:buSzTx/>
+                        <a:buFontTx/>
+                        <a:buNone/>
+                        <a:tabLst/>
+                        <a:defRPr/>
+                      </a:pPr>
+                      <a:r>
+                        <a:rPr lang="en-US" altLang="zh-CN" sz="1400" kern="100" dirty="0" smtClean="0">
+                          <a:effectLst/>
+                          <a:latin typeface="黑体" panose="02010609060101010101" pitchFamily="49" charset="-122"/>
+                          <a:ea typeface="黑体" panose="02010609060101010101" pitchFamily="49" charset="-122"/>
+                          <a:cs typeface="Times New Roman" panose="02020603050405020304" pitchFamily="18" charset="0"/>
+                        </a:rPr>
+                        <a:t>Waiting</a:t>
+                      </a:r>
+                      <a:endParaRPr lang="zh-CN" altLang="zh-CN" sz="1400" kern="100" dirty="0" smtClean="0">
+                        <a:effectLst/>
+                        <a:latin typeface="黑体" panose="02010609060101010101" pitchFamily="49" charset="-122"/>
+                        <a:ea typeface="黑体" panose="02010609060101010101" pitchFamily="49" charset="-122"/>
+                        <a:cs typeface="Times New Roman" panose="02020603050405020304" pitchFamily="18" charset="0"/>
+                      </a:endParaRPr>
+                    </a:p>
+                  </a:txBody>
+                  <a:tcPr marL="68580" marR="68580" marT="0" marB="0" anchor="ctr">
+                    <a:lnL w="12700" cap="flat" cmpd="sng" algn="ctr">
+                      <a:solidFill>
+                        <a:schemeClr val="tx1"/>
+                      </a:solidFill>
+                      <a:prstDash val="solid"/>
+                      <a:round/>
+                      <a:headEnd type="none" w="med" len="med"/>
+                      <a:tailEnd type="none" w="med" len="med"/>
+                    </a:lnL>
+                    <a:lnR w="12700" cap="flat" cmpd="sng" algn="ctr">
+                      <a:solidFill>
+                        <a:schemeClr val="tx1"/>
+                      </a:solidFill>
+                      <a:prstDash val="solid"/>
+                      <a:round/>
+                      <a:headEnd type="none" w="med" len="med"/>
+                      <a:tailEnd type="none" w="med" len="med"/>
+                    </a:lnR>
+                    <a:lnT w="12700" cap="flat" cmpd="sng" algn="ctr">
+                      <a:solidFill>
+                        <a:schemeClr val="tx1"/>
+                      </a:solidFill>
+                      <a:prstDash val="solid"/>
+                      <a:round/>
+                      <a:headEnd type="none" w="med" len="med"/>
+                      <a:tailEnd type="none" w="med" len="med"/>
+                    </a:lnT>
+                    <a:lnB w="12700" cap="flat" cmpd="sng" algn="ctr">
+                      <a:solidFill>
+                        <a:schemeClr val="tx1"/>
+                      </a:solidFill>
+                      <a:prstDash val="solid"/>
+                      <a:round/>
+                      <a:headEnd type="none" w="med" len="med"/>
+                      <a:tailEnd type="none" w="med" len="med"/>
+                    </a:lnB>
+                    <a:lnTlToBr w="12700" cmpd="sng">
+                      <a:noFill/>
+                      <a:prstDash val="solid"/>
+                    </a:lnTlToBr>
+                    <a:lnBlToTr w="12700" cmpd="sng">
+                      <a:noFill/>
+                      <a:prstDash val="solid"/>
+                    </a:lnBlToTr>
+                  </a:tcPr>
+                </a:tc>
+                <a:extLst>
+                  <a:ext uri="{0D108BD9-81ED-4DB2-BD59-A6C34878D82A}">
+                    <a16:rowId xmlns:a16="http://schemas.microsoft.com/office/drawing/2014/main" val="4071434126"/>
+                  </a:ext>
+                </a:extLst>
+              </a:tr>
+              <a:tr h="360000">
+                <a:tc vMerge="1">
+                  <a:txBody>
+                    <a:bodyPr/>
+                    <a:lstStyle/>
+                    <a:p>
+                      <a:pPr marL="0" marR="0" indent="0" algn="l" defTabSz="685800" rtl="0" eaLnBrk="1" fontAlgn="auto" latinLnBrk="0" hangingPunct="1">
+                        <a:lnSpc>
+                          <a:spcPct val="100000"/>
+                        </a:lnSpc>
+                        <a:spcBef>
+                          <a:spcPts val="0"/>
+                        </a:spcBef>
+                        <a:spcAft>
+                          <a:spcPts val="0"/>
+                        </a:spcAft>
+                        <a:buClrTx/>
+                        <a:buSzTx/>
+                        <a:buFontTx/>
+                        <a:buNone/>
+                        <a:tabLst/>
+                        <a:defRPr/>
+                      </a:pPr>
+                      <a:endParaRPr lang="zh-CN" altLang="en-US" sz="1000" dirty="0" smtClean="0"/>
+                    </a:p>
+                  </a:txBody>
+                  <a:tcPr/>
+                </a:tc>
+                <a:tc>
+                  <a:txBody>
+                    <a:bodyPr/>
+                    <a:lstStyle/>
+                    <a:p>
+                      <a:pPr indent="127000" algn="ctr">
+                        <a:lnSpc>
+                          <a:spcPts val="2000"/>
+                        </a:lnSpc>
+                        <a:spcAft>
+                          <a:spcPts val="0"/>
+                        </a:spcAft>
+                      </a:pPr>
+                      <a:r>
+                        <a:rPr lang="en-US" sz="1400" kern="100" dirty="0">
+                          <a:effectLst/>
+                          <a:latin typeface="黑体" panose="02010609060101010101" pitchFamily="49" charset="-122"/>
+                          <a:ea typeface="黑体" panose="02010609060101010101" pitchFamily="49" charset="-122"/>
+                          <a:cs typeface="Times New Roman" panose="02020603050405020304" pitchFamily="18" charset="0"/>
+                        </a:rPr>
+                        <a:t>90</a:t>
+                      </a:r>
+                      <a:endParaRPr lang="zh-CN" sz="1400" kern="100" dirty="0">
+                        <a:effectLst/>
+                        <a:latin typeface="黑体" panose="02010609060101010101" pitchFamily="49" charset="-122"/>
+                        <a:ea typeface="黑体" panose="02010609060101010101" pitchFamily="49" charset="-122"/>
+                        <a:cs typeface="Times New Roman" panose="02020603050405020304" pitchFamily="18" charset="0"/>
+                      </a:endParaRPr>
+                    </a:p>
+                  </a:txBody>
+                  <a:tcPr marL="68580" marR="68580" marT="0" marB="0" anchor="ctr">
+                    <a:lnL w="12700" cap="flat" cmpd="sng" algn="ctr">
+                      <a:solidFill>
+                        <a:schemeClr val="tx1"/>
+                      </a:solidFill>
+                      <a:prstDash val="solid"/>
+                      <a:round/>
+                      <a:headEnd type="none" w="med" len="med"/>
+                      <a:tailEnd type="none" w="med" len="med"/>
+                    </a:lnL>
+                    <a:lnR w="12700" cap="flat" cmpd="sng" algn="ctr">
+                      <a:solidFill>
+                        <a:schemeClr val="tx1"/>
+                      </a:solidFill>
+                      <a:prstDash val="solid"/>
+                      <a:round/>
+                      <a:headEnd type="none" w="med" len="med"/>
+                      <a:tailEnd type="none" w="med" len="med"/>
+                    </a:lnR>
+                    <a:lnT w="12700" cap="flat" cmpd="sng" algn="ctr">
+                      <a:solidFill>
+                        <a:schemeClr val="tx1"/>
+                      </a:solidFill>
+                      <a:prstDash val="solid"/>
+                      <a:round/>
+                      <a:headEnd type="none" w="med" len="med"/>
+                      <a:tailEnd type="none" w="med" len="med"/>
+                    </a:lnT>
+                    <a:lnB w="12700" cap="flat" cmpd="sng" algn="ctr">
+                      <a:solidFill>
+                        <a:schemeClr val="tx1"/>
+                      </a:solidFill>
+                      <a:prstDash val="solid"/>
+                      <a:round/>
+                      <a:headEnd type="none" w="med" len="med"/>
+                      <a:tailEnd type="none" w="med" len="med"/>
+                    </a:lnB>
+                    <a:lnTlToBr w="12700" cmpd="sng">
+                      <a:noFill/>
+                      <a:prstDash val="solid"/>
+                    </a:lnTlToBr>
+                    <a:lnBlToTr w="12700" cmpd="sng">
+                      <a:noFill/>
+                      <a:prstDash val="solid"/>
+                    </a:lnBlToTr>
+                  </a:tcPr>
+                </a:tc>
+                <a:tc>
+                  <a:txBody>
+                    <a:bodyPr/>
+                    <a:lstStyle/>
+                    <a:p>
+                      <a:pPr indent="127000" algn="ctr">
+                        <a:lnSpc>
+                          <a:spcPts val="2000"/>
+                        </a:lnSpc>
+                        <a:spcAft>
+                          <a:spcPts val="0"/>
+                        </a:spcAft>
+                      </a:pPr>
+                      <a:r>
+                        <a:rPr lang="en-US" sz="1400" kern="100" dirty="0" smtClean="0">
+                          <a:effectLst/>
+                          <a:latin typeface="黑体" panose="02010609060101010101" pitchFamily="49" charset="-122"/>
+                          <a:ea typeface="黑体" panose="02010609060101010101" pitchFamily="49" charset="-122"/>
+                          <a:cs typeface="Times New Roman" panose="02020603050405020304" pitchFamily="18" charset="0"/>
+                        </a:rPr>
+                        <a:t>30/Waiting</a:t>
+                      </a:r>
+                      <a:endParaRPr lang="zh-CN" sz="1400" kern="100" dirty="0">
+                        <a:effectLst/>
+                        <a:latin typeface="黑体" panose="02010609060101010101" pitchFamily="49" charset="-122"/>
+                        <a:ea typeface="黑体" panose="02010609060101010101" pitchFamily="49" charset="-122"/>
+                        <a:cs typeface="Times New Roman" panose="02020603050405020304" pitchFamily="18" charset="0"/>
+                      </a:endParaRPr>
+                    </a:p>
+                  </a:txBody>
+                  <a:tcPr marL="68580" marR="68580" marT="0" marB="0" anchor="ctr">
+                    <a:lnL w="12700" cap="flat" cmpd="sng" algn="ctr">
+                      <a:solidFill>
+                        <a:schemeClr val="tx1"/>
+                      </a:solidFill>
+                      <a:prstDash val="solid"/>
+                      <a:round/>
+                      <a:headEnd type="none" w="med" len="med"/>
+                      <a:tailEnd type="none" w="med" len="med"/>
+                    </a:lnL>
+                    <a:lnR w="12700" cap="flat" cmpd="sng" algn="ctr">
+                      <a:solidFill>
+                        <a:schemeClr val="tx1"/>
+                      </a:solidFill>
+                      <a:prstDash val="solid"/>
+                      <a:round/>
+                      <a:headEnd type="none" w="med" len="med"/>
+                      <a:tailEnd type="none" w="med" len="med"/>
+                    </a:lnR>
+                    <a:lnT w="12700" cap="flat" cmpd="sng" algn="ctr">
+                      <a:solidFill>
+                        <a:schemeClr val="tx1"/>
+                      </a:solidFill>
+                      <a:prstDash val="solid"/>
+                      <a:round/>
+                      <a:headEnd type="none" w="med" len="med"/>
+                      <a:tailEnd type="none" w="med" len="med"/>
+                    </a:lnT>
+                    <a:lnB w="12700" cap="flat" cmpd="sng" algn="ctr">
+                      <a:solidFill>
+                        <a:schemeClr val="tx1"/>
+                      </a:solidFill>
+                      <a:prstDash val="solid"/>
+                      <a:round/>
+                      <a:headEnd type="none" w="med" len="med"/>
+                      <a:tailEnd type="none" w="med" len="med"/>
+                    </a:lnB>
+                    <a:lnTlToBr w="12700" cmpd="sng">
+                      <a:noFill/>
+                      <a:prstDash val="solid"/>
+                    </a:lnTlToBr>
+                    <a:lnBlToTr w="12700" cmpd="sng">
+                      <a:noFill/>
+                      <a:prstDash val="solid"/>
+                    </a:lnBlToTr>
+                  </a:tcPr>
+                </a:tc>
+                <a:tc>
+                  <a:txBody>
+                    <a:bodyPr/>
+                    <a:lstStyle/>
+                    <a:p>
+                      <a:pPr indent="127000" algn="ctr">
+                        <a:lnSpc>
+                          <a:spcPts val="2000"/>
+                        </a:lnSpc>
+                        <a:spcAft>
+                          <a:spcPts val="0"/>
+                        </a:spcAft>
+                      </a:pPr>
+                      <a:r>
+                        <a:rPr lang="en-US" sz="1400" kern="100" dirty="0">
+                          <a:effectLst/>
+                          <a:latin typeface="黑体" panose="02010609060101010101" pitchFamily="49" charset="-122"/>
+                          <a:ea typeface="黑体" panose="02010609060101010101" pitchFamily="49" charset="-122"/>
+                          <a:cs typeface="Times New Roman" panose="02020603050405020304" pitchFamily="18" charset="0"/>
+                        </a:rPr>
+                        <a:t>90</a:t>
+                      </a:r>
+                      <a:endParaRPr lang="zh-CN" sz="1400" kern="100" dirty="0">
+                        <a:effectLst/>
+                        <a:latin typeface="黑体" panose="02010609060101010101" pitchFamily="49" charset="-122"/>
+                        <a:ea typeface="黑体" panose="02010609060101010101" pitchFamily="49" charset="-122"/>
+                        <a:cs typeface="Times New Roman" panose="02020603050405020304" pitchFamily="18" charset="0"/>
+                      </a:endParaRPr>
+                    </a:p>
+                  </a:txBody>
+                  <a:tcPr marL="68580" marR="68580" marT="0" marB="0" anchor="ctr">
+                    <a:lnL w="12700" cap="flat" cmpd="sng" algn="ctr">
+                      <a:solidFill>
+                        <a:schemeClr val="tx1"/>
+                      </a:solidFill>
+                      <a:prstDash val="solid"/>
+                      <a:round/>
+                      <a:headEnd type="none" w="med" len="med"/>
+                      <a:tailEnd type="none" w="med" len="med"/>
+                    </a:lnL>
+                    <a:lnR w="12700" cap="flat" cmpd="sng" algn="ctr">
+                      <a:solidFill>
+                        <a:schemeClr val="tx1"/>
+                      </a:solidFill>
+                      <a:prstDash val="solid"/>
+                      <a:round/>
+                      <a:headEnd type="none" w="med" len="med"/>
+                      <a:tailEnd type="none" w="med" len="med"/>
+                    </a:lnR>
+                    <a:lnT w="12700" cap="flat" cmpd="sng" algn="ctr">
+                      <a:solidFill>
+                        <a:schemeClr val="tx1"/>
+                      </a:solidFill>
+                      <a:prstDash val="solid"/>
+                      <a:round/>
+                      <a:headEnd type="none" w="med" len="med"/>
+                      <a:tailEnd type="none" w="med" len="med"/>
+                    </a:lnT>
+                    <a:lnB w="12700" cap="flat" cmpd="sng" algn="ctr">
+                      <a:solidFill>
+                        <a:schemeClr val="tx1"/>
+                      </a:solidFill>
+                      <a:prstDash val="solid"/>
+                      <a:round/>
+                      <a:headEnd type="none" w="med" len="med"/>
+                      <a:tailEnd type="none" w="med" len="med"/>
+                    </a:lnB>
+                    <a:lnTlToBr w="12700" cmpd="sng">
+                      <a:noFill/>
+                      <a:prstDash val="solid"/>
+                    </a:lnTlToBr>
+                    <a:lnBlToTr w="12700" cmpd="sng">
+                      <a:noFill/>
+                      <a:prstDash val="solid"/>
+                    </a:lnBlToTr>
+                  </a:tcPr>
+                </a:tc>
+                <a:tc>
+                  <a:txBody>
+                    <a:bodyPr/>
+                    <a:lstStyle/>
+                    <a:p>
+                      <a:pPr marL="0" marR="0" lvl="0" indent="127000" algn="ctr" defTabSz="914310" rtl="0" eaLnBrk="1" fontAlgn="auto" latinLnBrk="0" hangingPunct="1">
+                        <a:lnSpc>
+                          <a:spcPts val="2000"/>
+                        </a:lnSpc>
+                        <a:spcBef>
+                          <a:spcPts val="0"/>
+                        </a:spcBef>
+                        <a:spcAft>
+                          <a:spcPts val="0"/>
+                        </a:spcAft>
+                        <a:buClrTx/>
+                        <a:buSzTx/>
+                        <a:buFontTx/>
+                        <a:buNone/>
+                        <a:tabLst/>
+                        <a:defRPr/>
+                      </a:pPr>
+                      <a:r>
+                        <a:rPr lang="en-US" altLang="zh-CN" sz="1400" kern="100" dirty="0" smtClean="0">
+                          <a:effectLst/>
+                          <a:latin typeface="黑体" panose="02010609060101010101" pitchFamily="49" charset="-122"/>
+                          <a:ea typeface="黑体" panose="02010609060101010101" pitchFamily="49" charset="-122"/>
+                          <a:cs typeface="Times New Roman" panose="02020603050405020304" pitchFamily="18" charset="0"/>
+                        </a:rPr>
+                        <a:t>30/Waiting</a:t>
+                      </a:r>
+                      <a:endParaRPr lang="zh-CN" altLang="zh-CN" sz="1400" kern="100" dirty="0" smtClean="0">
+                        <a:effectLst/>
+                        <a:latin typeface="黑体" panose="02010609060101010101" pitchFamily="49" charset="-122"/>
+                        <a:ea typeface="黑体" panose="02010609060101010101" pitchFamily="49" charset="-122"/>
+                        <a:cs typeface="Times New Roman" panose="02020603050405020304" pitchFamily="18" charset="0"/>
+                      </a:endParaRPr>
+                    </a:p>
+                  </a:txBody>
+                  <a:tcPr marL="68580" marR="68580" marT="0" marB="0" anchor="ctr">
+                    <a:lnL w="12700" cap="flat" cmpd="sng" algn="ctr">
+                      <a:solidFill>
+                        <a:schemeClr val="tx1"/>
+                      </a:solidFill>
+                      <a:prstDash val="solid"/>
+                      <a:round/>
+                      <a:headEnd type="none" w="med" len="med"/>
+                      <a:tailEnd type="none" w="med" len="med"/>
+                    </a:lnL>
+                    <a:lnR w="12700" cap="flat" cmpd="sng" algn="ctr">
+                      <a:solidFill>
+                        <a:schemeClr val="tx1"/>
+                      </a:solidFill>
+                      <a:prstDash val="solid"/>
+                      <a:round/>
+                      <a:headEnd type="none" w="med" len="med"/>
+                      <a:tailEnd type="none" w="med" len="med"/>
+                    </a:lnR>
+                    <a:lnT w="12700" cap="flat" cmpd="sng" algn="ctr">
+                      <a:solidFill>
+                        <a:schemeClr val="tx1"/>
+                      </a:solidFill>
+                      <a:prstDash val="solid"/>
+                      <a:round/>
+                      <a:headEnd type="none" w="med" len="med"/>
+                      <a:tailEnd type="none" w="med" len="med"/>
+                    </a:lnT>
+                    <a:lnB w="12700" cap="flat" cmpd="sng" algn="ctr">
+                      <a:solidFill>
+                        <a:schemeClr val="tx1"/>
+                      </a:solidFill>
+                      <a:prstDash val="solid"/>
+                      <a:round/>
+                      <a:headEnd type="none" w="med" len="med"/>
+                      <a:tailEnd type="none" w="med" len="med"/>
+                    </a:lnB>
+                    <a:lnTlToBr w="12700" cmpd="sng">
+                      <a:noFill/>
+                      <a:prstDash val="solid"/>
+                    </a:lnTlToBr>
+                    <a:lnBlToTr w="12700" cmpd="sng">
+                      <a:noFill/>
+                      <a:prstDash val="solid"/>
+                    </a:lnBlToTr>
+                  </a:tcPr>
+                </a:tc>
+                <a:extLst>
+                  <a:ext uri="{0D108BD9-81ED-4DB2-BD59-A6C34878D82A}">
+                    <a16:rowId xmlns:a16="http://schemas.microsoft.com/office/drawing/2014/main" val="1029899716"/>
+                  </a:ext>
+                </a:extLst>
+              </a:tr>
+              <a:tr h="360000">
+                <a:tc vMerge="1">
+                  <a:txBody>
+                    <a:bodyPr/>
+                    <a:lstStyle/>
+                    <a:p>
+                      <a:pPr marL="0" marR="0" indent="0" algn="ctr" defTabSz="685800" rtl="0" eaLnBrk="1" fontAlgn="auto" latinLnBrk="0" hangingPunct="1">
+                        <a:lnSpc>
+                          <a:spcPct val="100000"/>
+                        </a:lnSpc>
+                        <a:spcBef>
+                          <a:spcPts val="0"/>
+                        </a:spcBef>
+                        <a:spcAft>
+                          <a:spcPts val="0"/>
+                        </a:spcAft>
+                        <a:buClrTx/>
+                        <a:buSzTx/>
+                        <a:buFontTx/>
+                        <a:buNone/>
+                        <a:tabLst/>
+                        <a:defRPr/>
+                      </a:pPr>
+                      <a:endParaRPr lang="zh-CN" altLang="en-US" sz="1400" kern="1200" dirty="0" smtClean="0">
+                        <a:solidFill>
+                          <a:schemeClr val="dk1"/>
+                        </a:solidFill>
+                        <a:latin typeface="黑体" panose="02010609060101010101" pitchFamily="49" charset="-122"/>
+                        <a:ea typeface="黑体" panose="02010609060101010101" pitchFamily="49" charset="-122"/>
+                        <a:cs typeface="+mn-cs"/>
+                      </a:endParaRPr>
+                    </a:p>
+                  </a:txBody>
+                  <a:tcPr anchor="ctr">
+                    <a:lnL w="12700" cap="flat" cmpd="sng" algn="ctr">
+                      <a:solidFill>
+                        <a:schemeClr val="tx1"/>
+                      </a:solidFill>
+                      <a:prstDash val="solid"/>
+                      <a:round/>
+                      <a:headEnd type="none" w="med" len="med"/>
+                      <a:tailEnd type="none" w="med" len="med"/>
+                    </a:lnL>
+                    <a:lnR w="12700" cap="flat" cmpd="sng" algn="ctr">
+                      <a:solidFill>
+                        <a:schemeClr val="tx1"/>
+                      </a:solidFill>
+                      <a:prstDash val="solid"/>
+                      <a:round/>
+                      <a:headEnd type="none" w="med" len="med"/>
+                      <a:tailEnd type="none" w="med" len="med"/>
+                    </a:lnR>
+                    <a:lnT w="12700" cap="flat" cmpd="sng" algn="ctr">
+                      <a:solidFill>
+                        <a:schemeClr val="tx1"/>
+                      </a:solidFill>
+                      <a:prstDash val="solid"/>
+                      <a:round/>
+                      <a:headEnd type="none" w="med" len="med"/>
+                      <a:tailEnd type="none" w="med" len="med"/>
+                    </a:lnT>
+                    <a:lnB w="12700" cap="flat" cmpd="sng" algn="ctr">
+                      <a:solidFill>
+                        <a:schemeClr val="tx1"/>
+                      </a:solidFill>
+                      <a:prstDash val="solid"/>
+                      <a:round/>
+                      <a:headEnd type="none" w="med" len="med"/>
+                      <a:tailEnd type="none" w="med" len="med"/>
+                    </a:lnB>
+                    <a:lnTlToBr w="12700" cmpd="sng">
+                      <a:noFill/>
+                      <a:prstDash val="solid"/>
+                    </a:lnTlToBr>
+                    <a:lnBlToTr w="12700" cmpd="sng">
+                      <a:noFill/>
+                      <a:prstDash val="solid"/>
+                    </a:lnBlToTr>
+                  </a:tcPr>
+                </a:tc>
+                <a:tc>
+                  <a:txBody>
+                    <a:bodyPr/>
+                    <a:lstStyle/>
+                    <a:p>
+                      <a:pPr indent="127000" algn="ctr">
+                        <a:lnSpc>
+                          <a:spcPts val="2000"/>
+                        </a:lnSpc>
+                        <a:spcAft>
+                          <a:spcPts val="0"/>
+                        </a:spcAft>
+                      </a:pPr>
+                      <a:r>
+                        <a:rPr lang="en-US" sz="1400" kern="100" dirty="0">
+                          <a:effectLst/>
+                          <a:latin typeface="黑体" panose="02010609060101010101" pitchFamily="49" charset="-122"/>
+                          <a:ea typeface="黑体" panose="02010609060101010101" pitchFamily="49" charset="-122"/>
+                          <a:cs typeface="Times New Roman" panose="02020603050405020304" pitchFamily="18" charset="0"/>
+                        </a:rPr>
+                        <a:t>60</a:t>
+                      </a:r>
+                      <a:endParaRPr lang="zh-CN" sz="1400" kern="100" dirty="0">
+                        <a:effectLst/>
+                        <a:latin typeface="黑体" panose="02010609060101010101" pitchFamily="49" charset="-122"/>
+                        <a:ea typeface="黑体" panose="02010609060101010101" pitchFamily="49" charset="-122"/>
+                        <a:cs typeface="Times New Roman" panose="02020603050405020304" pitchFamily="18" charset="0"/>
+                      </a:endParaRPr>
+                    </a:p>
+                  </a:txBody>
+                  <a:tcPr marL="68580" marR="68580" marT="0" marB="0" anchor="ctr">
+                    <a:lnL w="12700" cap="flat" cmpd="sng" algn="ctr">
+                      <a:solidFill>
+                        <a:schemeClr val="tx1"/>
+                      </a:solidFill>
+                      <a:prstDash val="solid"/>
+                      <a:round/>
+                      <a:headEnd type="none" w="med" len="med"/>
+                      <a:tailEnd type="none" w="med" len="med"/>
+                    </a:lnL>
+                    <a:lnR w="12700" cap="flat" cmpd="sng" algn="ctr">
+                      <a:solidFill>
+                        <a:schemeClr val="tx1"/>
+                      </a:solidFill>
+                      <a:prstDash val="solid"/>
+                      <a:round/>
+                      <a:headEnd type="none" w="med" len="med"/>
+                      <a:tailEnd type="none" w="med" len="med"/>
+                    </a:lnR>
+                    <a:lnT w="12700" cap="flat" cmpd="sng" algn="ctr">
+                      <a:solidFill>
+                        <a:schemeClr val="tx1"/>
+                      </a:solidFill>
+                      <a:prstDash val="solid"/>
+                      <a:round/>
+                      <a:headEnd type="none" w="med" len="med"/>
+                      <a:tailEnd type="none" w="med" len="med"/>
+                    </a:lnT>
+                    <a:lnB w="12700" cap="flat" cmpd="sng" algn="ctr">
+                      <a:solidFill>
+                        <a:schemeClr val="tx1"/>
+                      </a:solidFill>
+                      <a:prstDash val="solid"/>
+                      <a:round/>
+                      <a:headEnd type="none" w="med" len="med"/>
+                      <a:tailEnd type="none" w="med" len="med"/>
+                    </a:lnB>
+                    <a:lnTlToBr w="12700" cmpd="sng">
+                      <a:noFill/>
+                      <a:prstDash val="solid"/>
+                    </a:lnTlToBr>
+                    <a:lnBlToTr w="12700" cmpd="sng">
+                      <a:noFill/>
+                      <a:prstDash val="solid"/>
+                    </a:lnBlToTr>
+                  </a:tcPr>
+                </a:tc>
+                <a:tc>
+                  <a:txBody>
+                    <a:bodyPr/>
+                    <a:lstStyle/>
+                    <a:p>
+                      <a:pPr marL="0" marR="0" lvl="0" indent="127000" algn="ctr" defTabSz="914310" rtl="0" eaLnBrk="1" fontAlgn="auto" latinLnBrk="0" hangingPunct="1">
+                        <a:lnSpc>
+                          <a:spcPts val="2000"/>
+                        </a:lnSpc>
+                        <a:spcBef>
+                          <a:spcPts val="0"/>
+                        </a:spcBef>
+                        <a:spcAft>
+                          <a:spcPts val="0"/>
+                        </a:spcAft>
+                        <a:buClrTx/>
+                        <a:buSzTx/>
+                        <a:buFontTx/>
+                        <a:buNone/>
+                        <a:tabLst/>
+                        <a:defRPr/>
+                      </a:pPr>
+                      <a:r>
+                        <a:rPr lang="en-US" sz="1400" kern="100" dirty="0" smtClean="0">
+                          <a:effectLst/>
+                          <a:latin typeface="黑体" panose="02010609060101010101" pitchFamily="49" charset="-122"/>
+                          <a:ea typeface="黑体" panose="02010609060101010101" pitchFamily="49" charset="-122"/>
+                          <a:cs typeface="Times New Roman" panose="02020603050405020304" pitchFamily="18" charset="0"/>
+                        </a:rPr>
+                        <a:t>30/60/</a:t>
+                      </a:r>
+                      <a:r>
+                        <a:rPr lang="en-US" altLang="zh-CN" sz="1400" kern="100" dirty="0" smtClean="0">
+                          <a:effectLst/>
+                          <a:latin typeface="黑体" panose="02010609060101010101" pitchFamily="49" charset="-122"/>
+                          <a:ea typeface="黑体" panose="02010609060101010101" pitchFamily="49" charset="-122"/>
+                          <a:cs typeface="Times New Roman" panose="02020603050405020304" pitchFamily="18" charset="0"/>
+                        </a:rPr>
+                        <a:t>Waiting</a:t>
+                      </a:r>
+                      <a:endParaRPr lang="zh-CN" altLang="zh-CN" sz="1400" kern="100" dirty="0" smtClean="0">
+                        <a:effectLst/>
+                        <a:latin typeface="黑体" panose="02010609060101010101" pitchFamily="49" charset="-122"/>
+                        <a:ea typeface="黑体" panose="02010609060101010101" pitchFamily="49" charset="-122"/>
+                        <a:cs typeface="Times New Roman" panose="02020603050405020304" pitchFamily="18" charset="0"/>
+                      </a:endParaRPr>
+                    </a:p>
+                  </a:txBody>
+                  <a:tcPr marL="68580" marR="68580" marT="0" marB="0" anchor="ctr">
+                    <a:lnL w="12700" cap="flat" cmpd="sng" algn="ctr">
+                      <a:solidFill>
+                        <a:schemeClr val="tx1"/>
+                      </a:solidFill>
+                      <a:prstDash val="solid"/>
+                      <a:round/>
+                      <a:headEnd type="none" w="med" len="med"/>
+                      <a:tailEnd type="none" w="med" len="med"/>
+                    </a:lnL>
+                    <a:lnR w="12700" cap="flat" cmpd="sng" algn="ctr">
+                      <a:solidFill>
+                        <a:schemeClr val="tx1"/>
+                      </a:solidFill>
+                      <a:prstDash val="solid"/>
+                      <a:round/>
+                      <a:headEnd type="none" w="med" len="med"/>
+                      <a:tailEnd type="none" w="med" len="med"/>
+                    </a:lnR>
+                    <a:lnT w="12700" cap="flat" cmpd="sng" algn="ctr">
+                      <a:solidFill>
+                        <a:schemeClr val="tx1"/>
+                      </a:solidFill>
+                      <a:prstDash val="solid"/>
+                      <a:round/>
+                      <a:headEnd type="none" w="med" len="med"/>
+                      <a:tailEnd type="none" w="med" len="med"/>
+                    </a:lnT>
+                    <a:lnB w="12700" cap="flat" cmpd="sng" algn="ctr">
+                      <a:solidFill>
+                        <a:schemeClr val="tx1"/>
+                      </a:solidFill>
+                      <a:prstDash val="solid"/>
+                      <a:round/>
+                      <a:headEnd type="none" w="med" len="med"/>
+                      <a:tailEnd type="none" w="med" len="med"/>
+                    </a:lnB>
+                    <a:lnTlToBr w="12700" cmpd="sng">
+                      <a:noFill/>
+                      <a:prstDash val="solid"/>
+                    </a:lnTlToBr>
+                    <a:lnBlToTr w="12700" cmpd="sng">
+                      <a:noFill/>
+                      <a:prstDash val="solid"/>
+                    </a:lnBlToTr>
+                  </a:tcPr>
+                </a:tc>
+                <a:tc>
+                  <a:txBody>
+                    <a:bodyPr/>
+                    <a:lstStyle/>
+                    <a:p>
+                      <a:pPr indent="127000" algn="ctr">
+                        <a:lnSpc>
+                          <a:spcPts val="2000"/>
+                        </a:lnSpc>
+                        <a:spcAft>
+                          <a:spcPts val="0"/>
+                        </a:spcAft>
+                      </a:pPr>
+                      <a:r>
+                        <a:rPr lang="en-US" sz="1400" kern="100" dirty="0">
+                          <a:effectLst/>
+                          <a:latin typeface="黑体" panose="02010609060101010101" pitchFamily="49" charset="-122"/>
+                          <a:ea typeface="黑体" panose="02010609060101010101" pitchFamily="49" charset="-122"/>
+                          <a:cs typeface="Times New Roman" panose="02020603050405020304" pitchFamily="18" charset="0"/>
+                        </a:rPr>
+                        <a:t>60</a:t>
+                      </a:r>
+                      <a:endParaRPr lang="zh-CN" sz="1400" kern="100" dirty="0">
+                        <a:effectLst/>
+                        <a:latin typeface="黑体" panose="02010609060101010101" pitchFamily="49" charset="-122"/>
+                        <a:ea typeface="黑体" panose="02010609060101010101" pitchFamily="49" charset="-122"/>
+                        <a:cs typeface="Times New Roman" panose="02020603050405020304" pitchFamily="18" charset="0"/>
+                      </a:endParaRPr>
+                    </a:p>
+                  </a:txBody>
+                  <a:tcPr marL="68580" marR="68580" marT="0" marB="0" anchor="ctr">
+                    <a:lnL w="12700" cap="flat" cmpd="sng" algn="ctr">
+                      <a:solidFill>
+                        <a:schemeClr val="tx1"/>
+                      </a:solidFill>
+                      <a:prstDash val="solid"/>
+                      <a:round/>
+                      <a:headEnd type="none" w="med" len="med"/>
+                      <a:tailEnd type="none" w="med" len="med"/>
+                    </a:lnL>
+                    <a:lnR w="12700" cap="flat" cmpd="sng" algn="ctr">
+                      <a:solidFill>
+                        <a:schemeClr val="tx1"/>
+                      </a:solidFill>
+                      <a:prstDash val="solid"/>
+                      <a:round/>
+                      <a:headEnd type="none" w="med" len="med"/>
+                      <a:tailEnd type="none" w="med" len="med"/>
+                    </a:lnR>
+                    <a:lnT w="12700" cap="flat" cmpd="sng" algn="ctr">
+                      <a:solidFill>
+                        <a:schemeClr val="tx1"/>
+                      </a:solidFill>
+                      <a:prstDash val="solid"/>
+                      <a:round/>
+                      <a:headEnd type="none" w="med" len="med"/>
+                      <a:tailEnd type="none" w="med" len="med"/>
+                    </a:lnT>
+                    <a:lnB w="12700" cap="flat" cmpd="sng" algn="ctr">
+                      <a:solidFill>
+                        <a:schemeClr val="tx1"/>
+                      </a:solidFill>
+                      <a:prstDash val="solid"/>
+                      <a:round/>
+                      <a:headEnd type="none" w="med" len="med"/>
+                      <a:tailEnd type="none" w="med" len="med"/>
+                    </a:lnB>
+                    <a:lnTlToBr w="12700" cmpd="sng">
+                      <a:noFill/>
+                      <a:prstDash val="solid"/>
+                    </a:lnTlToBr>
+                    <a:lnBlToTr w="12700" cmpd="sng">
+                      <a:noFill/>
+                      <a:prstDash val="solid"/>
+                    </a:lnBlToTr>
+                  </a:tcPr>
+                </a:tc>
+                <a:tc>
+                  <a:txBody>
+                    <a:bodyPr/>
+                    <a:lstStyle/>
+                    <a:p>
+                      <a:pPr marL="0" marR="0" lvl="0" indent="127000" algn="ctr" defTabSz="914310" rtl="0" eaLnBrk="1" fontAlgn="auto" latinLnBrk="0" hangingPunct="1">
+                        <a:lnSpc>
+                          <a:spcPts val="2000"/>
+                        </a:lnSpc>
+                        <a:spcBef>
+                          <a:spcPts val="0"/>
+                        </a:spcBef>
+                        <a:spcAft>
+                          <a:spcPts val="0"/>
+                        </a:spcAft>
+                        <a:buClrTx/>
+                        <a:buSzTx/>
+                        <a:buFontTx/>
+                        <a:buNone/>
+                        <a:tabLst/>
+                        <a:defRPr/>
+                      </a:pPr>
+                      <a:r>
+                        <a:rPr lang="en-US" altLang="zh-CN" sz="1400" kern="100" dirty="0" smtClean="0">
+                          <a:effectLst/>
+                          <a:latin typeface="黑体" panose="02010609060101010101" pitchFamily="49" charset="-122"/>
+                          <a:ea typeface="黑体" panose="02010609060101010101" pitchFamily="49" charset="-122"/>
+                          <a:cs typeface="Times New Roman" panose="02020603050405020304" pitchFamily="18" charset="0"/>
+                        </a:rPr>
+                        <a:t>30/Waiting</a:t>
+                      </a:r>
+                      <a:endParaRPr lang="zh-CN" altLang="zh-CN" sz="1400" kern="100" dirty="0" smtClean="0">
+                        <a:effectLst/>
+                        <a:latin typeface="黑体" panose="02010609060101010101" pitchFamily="49" charset="-122"/>
+                        <a:ea typeface="黑体" panose="02010609060101010101" pitchFamily="49" charset="-122"/>
+                        <a:cs typeface="Times New Roman" panose="02020603050405020304" pitchFamily="18" charset="0"/>
+                      </a:endParaRPr>
+                    </a:p>
+                  </a:txBody>
+                  <a:tcPr marL="68580" marR="68580" marT="0" marB="0" anchor="ctr">
+                    <a:lnL w="12700" cap="flat" cmpd="sng" algn="ctr">
+                      <a:solidFill>
+                        <a:schemeClr val="tx1"/>
+                      </a:solidFill>
+                      <a:prstDash val="solid"/>
+                      <a:round/>
+                      <a:headEnd type="none" w="med" len="med"/>
+                      <a:tailEnd type="none" w="med" len="med"/>
+                    </a:lnL>
+                    <a:lnR w="12700" cap="flat" cmpd="sng" algn="ctr">
+                      <a:solidFill>
+                        <a:schemeClr val="tx1"/>
+                      </a:solidFill>
+                      <a:prstDash val="solid"/>
+                      <a:round/>
+                      <a:headEnd type="none" w="med" len="med"/>
+                      <a:tailEnd type="none" w="med" len="med"/>
+                    </a:lnR>
+                    <a:lnT w="12700" cap="flat" cmpd="sng" algn="ctr">
+                      <a:solidFill>
+                        <a:schemeClr val="tx1"/>
+                      </a:solidFill>
+                      <a:prstDash val="solid"/>
+                      <a:round/>
+                      <a:headEnd type="none" w="med" len="med"/>
+                      <a:tailEnd type="none" w="med" len="med"/>
+                    </a:lnT>
+                    <a:lnB w="12700" cap="flat" cmpd="sng" algn="ctr">
+                      <a:solidFill>
+                        <a:schemeClr val="tx1"/>
+                      </a:solidFill>
+                      <a:prstDash val="solid"/>
+                      <a:round/>
+                      <a:headEnd type="none" w="med" len="med"/>
+                      <a:tailEnd type="none" w="med" len="med"/>
+                    </a:lnB>
+                    <a:lnTlToBr w="12700" cmpd="sng">
+                      <a:noFill/>
+                      <a:prstDash val="solid"/>
+                    </a:lnTlToBr>
+                    <a:lnBlToTr w="12700" cmpd="sng">
+                      <a:noFill/>
+                      <a:prstDash val="solid"/>
+                    </a:lnBlToTr>
+                  </a:tcPr>
+                </a:tc>
+                <a:extLst>
+                  <a:ext uri="{0D108BD9-81ED-4DB2-BD59-A6C34878D82A}">
+                    <a16:rowId xmlns:a16="http://schemas.microsoft.com/office/drawing/2014/main" val="1185982297"/>
+                  </a:ext>
+                </a:extLst>
+              </a:tr>
+              <a:tr h="360000">
+                <a:tc vMerge="1">
+                  <a:txBody>
+                    <a:bodyPr/>
+                    <a:lstStyle/>
+                    <a:p>
+                      <a:pPr marL="0" marR="0" indent="0" algn="ctr" defTabSz="685800" rtl="0" eaLnBrk="1" fontAlgn="auto" latinLnBrk="0" hangingPunct="1">
+                        <a:lnSpc>
+                          <a:spcPct val="100000"/>
+                        </a:lnSpc>
+                        <a:spcBef>
+                          <a:spcPts val="0"/>
+                        </a:spcBef>
+                        <a:spcAft>
+                          <a:spcPts val="0"/>
+                        </a:spcAft>
+                        <a:buClrTx/>
+                        <a:buSzTx/>
+                        <a:buFontTx/>
+                        <a:buNone/>
+                        <a:tabLst/>
+                        <a:defRPr/>
+                      </a:pPr>
+                      <a:endParaRPr lang="zh-CN" altLang="en-US" sz="1400" kern="1200" dirty="0" smtClean="0">
+                        <a:solidFill>
+                          <a:schemeClr val="dk1"/>
+                        </a:solidFill>
+                        <a:latin typeface="黑体" panose="02010609060101010101" pitchFamily="49" charset="-122"/>
+                        <a:ea typeface="黑体" panose="02010609060101010101" pitchFamily="49" charset="-122"/>
+                        <a:cs typeface="+mn-cs"/>
+                      </a:endParaRPr>
+                    </a:p>
+                  </a:txBody>
+                  <a:tcPr anchor="ctr">
+                    <a:lnL w="12700" cap="flat" cmpd="sng" algn="ctr">
+                      <a:solidFill>
+                        <a:schemeClr val="tx1"/>
+                      </a:solidFill>
+                      <a:prstDash val="solid"/>
+                      <a:round/>
+                      <a:headEnd type="none" w="med" len="med"/>
+                      <a:tailEnd type="none" w="med" len="med"/>
+                    </a:lnL>
+                    <a:lnR w="12700" cap="flat" cmpd="sng" algn="ctr">
+                      <a:solidFill>
+                        <a:schemeClr val="tx1"/>
+                      </a:solidFill>
+                      <a:prstDash val="solid"/>
+                      <a:round/>
+                      <a:headEnd type="none" w="med" len="med"/>
+                      <a:tailEnd type="none" w="med" len="med"/>
+                    </a:lnR>
+                    <a:lnT w="12700" cap="flat" cmpd="sng" algn="ctr">
+                      <a:solidFill>
+                        <a:schemeClr val="tx1"/>
+                      </a:solidFill>
+                      <a:prstDash val="solid"/>
+                      <a:round/>
+                      <a:headEnd type="none" w="med" len="med"/>
+                      <a:tailEnd type="none" w="med" len="med"/>
+                    </a:lnT>
+                    <a:lnB w="12700" cap="flat" cmpd="sng" algn="ctr">
+                      <a:solidFill>
+                        <a:schemeClr val="tx1"/>
+                      </a:solidFill>
+                      <a:prstDash val="solid"/>
+                      <a:round/>
+                      <a:headEnd type="none" w="med" len="med"/>
+                      <a:tailEnd type="none" w="med" len="med"/>
+                    </a:lnB>
+                    <a:lnTlToBr w="12700" cmpd="sng">
+                      <a:noFill/>
+                      <a:prstDash val="solid"/>
+                    </a:lnTlToBr>
+                    <a:lnBlToTr w="12700" cmpd="sng">
+                      <a:noFill/>
+                      <a:prstDash val="solid"/>
+                    </a:lnBlToTr>
+                  </a:tcPr>
+                </a:tc>
+                <a:tc>
+                  <a:txBody>
+                    <a:bodyPr/>
+                    <a:lstStyle/>
+                    <a:p>
+                      <a:pPr marL="0" marR="0" lvl="0" indent="127000" algn="ctr" defTabSz="914310" rtl="0" eaLnBrk="1" fontAlgn="auto" latinLnBrk="0" hangingPunct="1">
+                        <a:lnSpc>
+                          <a:spcPts val="2000"/>
+                        </a:lnSpc>
+                        <a:spcBef>
+                          <a:spcPts val="0"/>
+                        </a:spcBef>
+                        <a:spcAft>
+                          <a:spcPts val="0"/>
+                        </a:spcAft>
+                        <a:buClrTx/>
+                        <a:buSzTx/>
+                        <a:buFontTx/>
+                        <a:buNone/>
+                        <a:tabLst/>
+                        <a:defRPr/>
+                      </a:pPr>
+                      <a:r>
+                        <a:rPr lang="en-US" altLang="zh-CN" sz="1400" kern="100" dirty="0" smtClean="0">
+                          <a:effectLst/>
+                          <a:latin typeface="黑体" panose="02010609060101010101" pitchFamily="49" charset="-122"/>
+                          <a:ea typeface="黑体" panose="02010609060101010101" pitchFamily="49" charset="-122"/>
+                          <a:cs typeface="Times New Roman" panose="02020603050405020304" pitchFamily="18" charset="0"/>
+                        </a:rPr>
+                        <a:t>30</a:t>
+                      </a:r>
+                      <a:endParaRPr lang="zh-CN" altLang="zh-CN" sz="1400" kern="100" dirty="0" smtClean="0">
+                        <a:effectLst/>
+                        <a:latin typeface="黑体" panose="02010609060101010101" pitchFamily="49" charset="-122"/>
+                        <a:ea typeface="黑体" panose="02010609060101010101" pitchFamily="49" charset="-122"/>
+                        <a:cs typeface="Times New Roman" panose="02020603050405020304" pitchFamily="18" charset="0"/>
+                      </a:endParaRPr>
+                    </a:p>
+                  </a:txBody>
+                  <a:tcPr marL="68580" marR="68580" marT="0" marB="0" anchor="ctr">
+                    <a:lnL w="12700" cap="flat" cmpd="sng" algn="ctr">
+                      <a:solidFill>
+                        <a:schemeClr val="tx1"/>
+                      </a:solidFill>
+                      <a:prstDash val="solid"/>
+                      <a:round/>
+                      <a:headEnd type="none" w="med" len="med"/>
+                      <a:tailEnd type="none" w="med" len="med"/>
+                    </a:lnL>
+                    <a:lnR w="12700" cap="flat" cmpd="sng" algn="ctr">
+                      <a:solidFill>
+                        <a:schemeClr val="tx1"/>
+                      </a:solidFill>
+                      <a:prstDash val="solid"/>
+                      <a:round/>
+                      <a:headEnd type="none" w="med" len="med"/>
+                      <a:tailEnd type="none" w="med" len="med"/>
+                    </a:lnR>
+                    <a:lnT w="12700" cap="flat" cmpd="sng" algn="ctr">
+                      <a:solidFill>
+                        <a:schemeClr val="tx1"/>
+                      </a:solidFill>
+                      <a:prstDash val="solid"/>
+                      <a:round/>
+                      <a:headEnd type="none" w="med" len="med"/>
+                      <a:tailEnd type="none" w="med" len="med"/>
+                    </a:lnT>
+                    <a:lnB w="12700" cap="flat" cmpd="sng" algn="ctr">
+                      <a:solidFill>
+                        <a:schemeClr val="tx1"/>
+                      </a:solidFill>
+                      <a:prstDash val="solid"/>
+                      <a:round/>
+                      <a:headEnd type="none" w="med" len="med"/>
+                      <a:tailEnd type="none" w="med" len="med"/>
+                    </a:lnB>
+                    <a:lnTlToBr w="12700" cmpd="sng">
+                      <a:noFill/>
+                      <a:prstDash val="solid"/>
+                    </a:lnTlToBr>
+                    <a:lnBlToTr w="12700" cmpd="sng">
+                      <a:noFill/>
+                      <a:prstDash val="solid"/>
+                    </a:lnBlToTr>
+                  </a:tcPr>
+                </a:tc>
+                <a:tc>
+                  <a:txBody>
+                    <a:bodyPr/>
+                    <a:lstStyle/>
+                    <a:p>
+                      <a:pPr indent="127000" algn="ctr">
+                        <a:lnSpc>
+                          <a:spcPts val="2000"/>
+                        </a:lnSpc>
+                        <a:spcAft>
+                          <a:spcPts val="0"/>
+                        </a:spcAft>
+                      </a:pPr>
+                      <a:r>
+                        <a:rPr lang="en-US" sz="1400" kern="100" dirty="0" smtClean="0">
+                          <a:effectLst/>
+                          <a:latin typeface="黑体" panose="02010609060101010101" pitchFamily="49" charset="-122"/>
+                          <a:ea typeface="黑体" panose="02010609060101010101" pitchFamily="49" charset="-122"/>
+                          <a:cs typeface="Times New Roman" panose="02020603050405020304" pitchFamily="18" charset="0"/>
+                        </a:rPr>
+                        <a:t>30/60/90/Waiting</a:t>
+                      </a:r>
+                      <a:endParaRPr lang="zh-CN" sz="1400" kern="100" dirty="0">
+                        <a:effectLst/>
+                        <a:latin typeface="黑体" panose="02010609060101010101" pitchFamily="49" charset="-122"/>
+                        <a:ea typeface="黑体" panose="02010609060101010101" pitchFamily="49" charset="-122"/>
+                        <a:cs typeface="Times New Roman" panose="02020603050405020304" pitchFamily="18" charset="0"/>
+                      </a:endParaRPr>
+                    </a:p>
+                  </a:txBody>
+                  <a:tcPr marL="68580" marR="68580" marT="0" marB="0" anchor="ctr">
+                    <a:lnL w="12700" cap="flat" cmpd="sng" algn="ctr">
+                      <a:solidFill>
+                        <a:schemeClr val="tx1"/>
+                      </a:solidFill>
+                      <a:prstDash val="solid"/>
+                      <a:round/>
+                      <a:headEnd type="none" w="med" len="med"/>
+                      <a:tailEnd type="none" w="med" len="med"/>
+                    </a:lnL>
+                    <a:lnR w="12700" cap="flat" cmpd="sng" algn="ctr">
+                      <a:solidFill>
+                        <a:schemeClr val="tx1"/>
+                      </a:solidFill>
+                      <a:prstDash val="solid"/>
+                      <a:round/>
+                      <a:headEnd type="none" w="med" len="med"/>
+                      <a:tailEnd type="none" w="med" len="med"/>
+                    </a:lnR>
+                    <a:lnT w="12700" cap="flat" cmpd="sng" algn="ctr">
+                      <a:solidFill>
+                        <a:schemeClr val="tx1"/>
+                      </a:solidFill>
+                      <a:prstDash val="solid"/>
+                      <a:round/>
+                      <a:headEnd type="none" w="med" len="med"/>
+                      <a:tailEnd type="none" w="med" len="med"/>
+                    </a:lnT>
+                    <a:lnB w="12700" cap="flat" cmpd="sng" algn="ctr">
+                      <a:solidFill>
+                        <a:schemeClr val="tx1"/>
+                      </a:solidFill>
+                      <a:prstDash val="solid"/>
+                      <a:round/>
+                      <a:headEnd type="none" w="med" len="med"/>
+                      <a:tailEnd type="none" w="med" len="med"/>
+                    </a:lnB>
+                    <a:lnTlToBr w="12700" cmpd="sng">
+                      <a:noFill/>
+                      <a:prstDash val="solid"/>
+                    </a:lnTlToBr>
+                    <a:lnBlToTr w="12700" cmpd="sng">
+                      <a:noFill/>
+                      <a:prstDash val="solid"/>
+                    </a:lnBlToTr>
+                  </a:tcPr>
+                </a:tc>
+                <a:tc>
+                  <a:txBody>
+                    <a:bodyPr/>
+                    <a:lstStyle/>
+                    <a:p>
+                      <a:pPr marL="0" marR="0" lvl="0" indent="127000" algn="ctr" defTabSz="914310" rtl="0" eaLnBrk="1" fontAlgn="auto" latinLnBrk="0" hangingPunct="1">
+                        <a:lnSpc>
+                          <a:spcPts val="2000"/>
+                        </a:lnSpc>
+                        <a:spcBef>
+                          <a:spcPts val="0"/>
+                        </a:spcBef>
+                        <a:spcAft>
+                          <a:spcPts val="0"/>
+                        </a:spcAft>
+                        <a:buClrTx/>
+                        <a:buSzTx/>
+                        <a:buFontTx/>
+                        <a:buNone/>
+                        <a:tabLst/>
+                        <a:defRPr/>
+                      </a:pPr>
+                      <a:r>
+                        <a:rPr lang="en-US" altLang="zh-CN" sz="1400" kern="100" dirty="0" smtClean="0">
+                          <a:effectLst/>
+                          <a:latin typeface="黑体" panose="02010609060101010101" pitchFamily="49" charset="-122"/>
+                          <a:ea typeface="黑体" panose="02010609060101010101" pitchFamily="49" charset="-122"/>
+                          <a:cs typeface="Times New Roman" panose="02020603050405020304" pitchFamily="18" charset="0"/>
+                        </a:rPr>
+                        <a:t>30</a:t>
+                      </a:r>
+                      <a:endParaRPr lang="zh-CN" altLang="zh-CN" sz="1400" kern="100" dirty="0" smtClean="0">
+                        <a:effectLst/>
+                        <a:latin typeface="黑体" panose="02010609060101010101" pitchFamily="49" charset="-122"/>
+                        <a:ea typeface="黑体" panose="02010609060101010101" pitchFamily="49" charset="-122"/>
+                        <a:cs typeface="Times New Roman" panose="02020603050405020304" pitchFamily="18" charset="0"/>
+                      </a:endParaRPr>
+                    </a:p>
+                  </a:txBody>
+                  <a:tcPr marL="68580" marR="68580" marT="0" marB="0" anchor="ctr">
+                    <a:lnL w="12700" cap="flat" cmpd="sng" algn="ctr">
+                      <a:solidFill>
+                        <a:schemeClr val="tx1"/>
+                      </a:solidFill>
+                      <a:prstDash val="solid"/>
+                      <a:round/>
+                      <a:headEnd type="none" w="med" len="med"/>
+                      <a:tailEnd type="none" w="med" len="med"/>
+                    </a:lnL>
+                    <a:lnR w="12700" cap="flat" cmpd="sng" algn="ctr">
+                      <a:solidFill>
+                        <a:schemeClr val="tx1"/>
+                      </a:solidFill>
+                      <a:prstDash val="solid"/>
+                      <a:round/>
+                      <a:headEnd type="none" w="med" len="med"/>
+                      <a:tailEnd type="none" w="med" len="med"/>
+                    </a:lnR>
+                    <a:lnT w="12700" cap="flat" cmpd="sng" algn="ctr">
+                      <a:solidFill>
+                        <a:schemeClr val="tx1"/>
+                      </a:solidFill>
+                      <a:prstDash val="solid"/>
+                      <a:round/>
+                      <a:headEnd type="none" w="med" len="med"/>
+                      <a:tailEnd type="none" w="med" len="med"/>
+                    </a:lnT>
+                    <a:lnB w="12700" cap="flat" cmpd="sng" algn="ctr">
+                      <a:solidFill>
+                        <a:schemeClr val="tx1"/>
+                      </a:solidFill>
+                      <a:prstDash val="solid"/>
+                      <a:round/>
+                      <a:headEnd type="none" w="med" len="med"/>
+                      <a:tailEnd type="none" w="med" len="med"/>
+                    </a:lnB>
+                    <a:lnTlToBr w="12700" cmpd="sng">
+                      <a:noFill/>
+                      <a:prstDash val="solid"/>
+                    </a:lnTlToBr>
+                    <a:lnBlToTr w="12700" cmpd="sng">
+                      <a:noFill/>
+                      <a:prstDash val="solid"/>
+                    </a:lnBlToTr>
+                  </a:tcPr>
+                </a:tc>
+                <a:tc>
+                  <a:txBody>
+                    <a:bodyPr/>
+                    <a:lstStyle/>
+                    <a:p>
+                      <a:pPr indent="127000" algn="ctr">
+                        <a:lnSpc>
+                          <a:spcPts val="2000"/>
+                        </a:lnSpc>
+                        <a:spcAft>
+                          <a:spcPts val="0"/>
+                        </a:spcAft>
+                      </a:pPr>
+                      <a:r>
+                        <a:rPr lang="en-US" altLang="zh-CN" sz="1400" kern="100" dirty="0" smtClean="0">
+                          <a:effectLst/>
+                          <a:latin typeface="黑体" panose="02010609060101010101" pitchFamily="49" charset="-122"/>
+                          <a:ea typeface="黑体" panose="02010609060101010101" pitchFamily="49" charset="-122"/>
+                          <a:cs typeface="Times New Roman" panose="02020603050405020304" pitchFamily="18" charset="0"/>
+                        </a:rPr>
+                        <a:t>30/60/90/Waiting</a:t>
+                      </a:r>
+                      <a:endParaRPr lang="zh-CN" sz="1400" kern="100" dirty="0">
+                        <a:effectLst/>
+                        <a:latin typeface="黑体" panose="02010609060101010101" pitchFamily="49" charset="-122"/>
+                        <a:ea typeface="黑体" panose="02010609060101010101" pitchFamily="49" charset="-122"/>
+                        <a:cs typeface="Times New Roman" panose="02020603050405020304" pitchFamily="18" charset="0"/>
+                      </a:endParaRPr>
+                    </a:p>
+                  </a:txBody>
+                  <a:tcPr marL="68580" marR="68580" marT="0" marB="0" anchor="ctr">
+                    <a:lnL w="12700" cap="flat" cmpd="sng" algn="ctr">
+                      <a:solidFill>
+                        <a:schemeClr val="tx1"/>
+                      </a:solidFill>
+                      <a:prstDash val="solid"/>
+                      <a:round/>
+                      <a:headEnd type="none" w="med" len="med"/>
+                      <a:tailEnd type="none" w="med" len="med"/>
+                    </a:lnL>
+                    <a:lnR w="12700" cap="flat" cmpd="sng" algn="ctr">
+                      <a:solidFill>
+                        <a:schemeClr val="tx1"/>
+                      </a:solidFill>
+                      <a:prstDash val="solid"/>
+                      <a:round/>
+                      <a:headEnd type="none" w="med" len="med"/>
+                      <a:tailEnd type="none" w="med" len="med"/>
+                    </a:lnR>
+                    <a:lnT w="12700" cap="flat" cmpd="sng" algn="ctr">
+                      <a:solidFill>
+                        <a:schemeClr val="tx1"/>
+                      </a:solidFill>
+                      <a:prstDash val="solid"/>
+                      <a:round/>
+                      <a:headEnd type="none" w="med" len="med"/>
+                      <a:tailEnd type="none" w="med" len="med"/>
+                    </a:lnT>
+                    <a:lnB w="12700" cap="flat" cmpd="sng" algn="ctr">
+                      <a:solidFill>
+                        <a:schemeClr val="tx1"/>
+                      </a:solidFill>
+                      <a:prstDash val="solid"/>
+                      <a:round/>
+                      <a:headEnd type="none" w="med" len="med"/>
+                      <a:tailEnd type="none" w="med" len="med"/>
+                    </a:lnB>
+                    <a:lnTlToBr w="12700" cmpd="sng">
+                      <a:noFill/>
+                      <a:prstDash val="solid"/>
+                    </a:lnTlToBr>
+                    <a:lnBlToTr w="12700" cmpd="sng">
+                      <a:noFill/>
+                      <a:prstDash val="solid"/>
+                    </a:lnBlToTr>
+                  </a:tcPr>
+                </a:tc>
+                <a:extLst>
+                  <a:ext uri="{0D108BD9-81ED-4DB2-BD59-A6C34878D82A}">
+                    <a16:rowId xmlns:a16="http://schemas.microsoft.com/office/drawing/2014/main" val="3072415629"/>
+                  </a:ext>
+                </a:extLst>
+              </a:tr>
+              <a:tr h="360000">
+                <a:tc vMerge="1">
+                  <a:txBody>
+                    <a:bodyPr/>
+                    <a:lstStyle/>
+                    <a:p>
+                      <a:pPr marL="0" marR="0" indent="0" algn="ctr" defTabSz="685800" rtl="0" eaLnBrk="1" fontAlgn="auto" latinLnBrk="0" hangingPunct="1">
+                        <a:lnSpc>
+                          <a:spcPct val="100000"/>
+                        </a:lnSpc>
+                        <a:spcBef>
+                          <a:spcPts val="0"/>
+                        </a:spcBef>
+                        <a:spcAft>
+                          <a:spcPts val="0"/>
+                        </a:spcAft>
+                        <a:buClrTx/>
+                        <a:buSzTx/>
+                        <a:buFontTx/>
+                        <a:buNone/>
+                        <a:tabLst/>
+                        <a:defRPr/>
+                      </a:pPr>
+                      <a:endParaRPr lang="zh-CN" altLang="en-US" sz="1400" kern="1200" dirty="0" smtClean="0">
+                        <a:solidFill>
+                          <a:schemeClr val="dk1"/>
+                        </a:solidFill>
+                        <a:latin typeface="黑体" panose="02010609060101010101" pitchFamily="49" charset="-122"/>
+                        <a:ea typeface="黑体" panose="02010609060101010101" pitchFamily="49" charset="-122"/>
+                        <a:cs typeface="+mn-cs"/>
+                      </a:endParaRPr>
+                    </a:p>
+                  </a:txBody>
+                  <a:tcPr anchor="ctr">
+                    <a:lnL w="12700" cap="flat" cmpd="sng" algn="ctr">
+                      <a:solidFill>
+                        <a:schemeClr val="tx1"/>
+                      </a:solidFill>
+                      <a:prstDash val="solid"/>
+                      <a:round/>
+                      <a:headEnd type="none" w="med" len="med"/>
+                      <a:tailEnd type="none" w="med" len="med"/>
+                    </a:lnL>
+                    <a:lnR w="12700" cap="flat" cmpd="sng" algn="ctr">
+                      <a:solidFill>
+                        <a:schemeClr val="tx1"/>
+                      </a:solidFill>
+                      <a:prstDash val="solid"/>
+                      <a:round/>
+                      <a:headEnd type="none" w="med" len="med"/>
+                      <a:tailEnd type="none" w="med" len="med"/>
+                    </a:lnR>
+                    <a:lnT w="12700" cap="flat" cmpd="sng" algn="ctr">
+                      <a:solidFill>
+                        <a:schemeClr val="tx1"/>
+                      </a:solidFill>
+                      <a:prstDash val="solid"/>
+                      <a:round/>
+                      <a:headEnd type="none" w="med" len="med"/>
+                      <a:tailEnd type="none" w="med" len="med"/>
+                    </a:lnT>
+                    <a:lnB w="12700" cap="flat" cmpd="sng" algn="ctr">
+                      <a:solidFill>
+                        <a:schemeClr val="tx1"/>
+                      </a:solidFill>
+                      <a:prstDash val="solid"/>
+                      <a:round/>
+                      <a:headEnd type="none" w="med" len="med"/>
+                      <a:tailEnd type="none" w="med" len="med"/>
+                    </a:lnB>
+                    <a:lnTlToBr w="12700" cmpd="sng">
+                      <a:noFill/>
+                      <a:prstDash val="solid"/>
+                    </a:lnTlToBr>
+                    <a:lnBlToTr w="12700" cmpd="sng">
+                      <a:noFill/>
+                      <a:prstDash val="solid"/>
+                    </a:lnBlToTr>
+                  </a:tcPr>
+                </a:tc>
+                <a:tc>
+                  <a:txBody>
+                    <a:bodyPr/>
+                    <a:lstStyle/>
+                    <a:p>
+                      <a:pPr marL="0" marR="0" lvl="0" indent="127000" algn="ctr" defTabSz="914310" rtl="0" eaLnBrk="1" fontAlgn="auto" latinLnBrk="0" hangingPunct="1">
+                        <a:lnSpc>
+                          <a:spcPts val="2000"/>
+                        </a:lnSpc>
+                        <a:spcBef>
+                          <a:spcPts val="0"/>
+                        </a:spcBef>
+                        <a:spcAft>
+                          <a:spcPts val="0"/>
+                        </a:spcAft>
+                        <a:buClrTx/>
+                        <a:buSzTx/>
+                        <a:buFontTx/>
+                        <a:buNone/>
+                        <a:tabLst/>
+                        <a:defRPr/>
+                      </a:pPr>
+                      <a:r>
+                        <a:rPr lang="en-US" altLang="zh-CN" sz="1400" kern="100" dirty="0" smtClean="0">
+                          <a:effectLst/>
+                          <a:latin typeface="黑体" panose="02010609060101010101" pitchFamily="49" charset="-122"/>
+                          <a:ea typeface="黑体" panose="02010609060101010101" pitchFamily="49" charset="-122"/>
+                          <a:cs typeface="Times New Roman" panose="02020603050405020304" pitchFamily="18" charset="0"/>
+                        </a:rPr>
+                        <a:t>Waiting</a:t>
+                      </a:r>
+                      <a:endParaRPr lang="zh-CN" altLang="zh-CN" sz="1400" kern="100" dirty="0" smtClean="0">
+                        <a:effectLst/>
+                        <a:latin typeface="黑体" panose="02010609060101010101" pitchFamily="49" charset="-122"/>
+                        <a:ea typeface="黑体" panose="02010609060101010101" pitchFamily="49" charset="-122"/>
+                        <a:cs typeface="Times New Roman" panose="02020603050405020304" pitchFamily="18" charset="0"/>
+                      </a:endParaRPr>
+                    </a:p>
+                  </a:txBody>
+                  <a:tcPr marL="68580" marR="68580" marT="0" marB="0" anchor="ctr">
+                    <a:lnL w="12700" cap="flat" cmpd="sng" algn="ctr">
+                      <a:solidFill>
+                        <a:schemeClr val="tx1"/>
+                      </a:solidFill>
+                      <a:prstDash val="solid"/>
+                      <a:round/>
+                      <a:headEnd type="none" w="med" len="med"/>
+                      <a:tailEnd type="none" w="med" len="med"/>
+                    </a:lnL>
+                    <a:lnR w="12700" cap="flat" cmpd="sng" algn="ctr">
+                      <a:solidFill>
+                        <a:schemeClr val="tx1"/>
+                      </a:solidFill>
+                      <a:prstDash val="solid"/>
+                      <a:round/>
+                      <a:headEnd type="none" w="med" len="med"/>
+                      <a:tailEnd type="none" w="med" len="med"/>
+                    </a:lnR>
+                    <a:lnT w="12700" cap="flat" cmpd="sng" algn="ctr">
+                      <a:solidFill>
+                        <a:schemeClr val="tx1"/>
+                      </a:solidFill>
+                      <a:prstDash val="solid"/>
+                      <a:round/>
+                      <a:headEnd type="none" w="med" len="med"/>
+                      <a:tailEnd type="none" w="med" len="med"/>
+                    </a:lnT>
+                    <a:lnB w="12700" cap="flat" cmpd="sng" algn="ctr">
+                      <a:solidFill>
+                        <a:schemeClr val="tx1"/>
+                      </a:solidFill>
+                      <a:prstDash val="solid"/>
+                      <a:round/>
+                      <a:headEnd type="none" w="med" len="med"/>
+                      <a:tailEnd type="none" w="med" len="med"/>
+                    </a:lnB>
+                    <a:lnTlToBr w="12700" cmpd="sng">
+                      <a:noFill/>
+                      <a:prstDash val="solid"/>
+                    </a:lnTlToBr>
+                    <a:lnBlToTr w="12700" cmpd="sng">
+                      <a:noFill/>
+                      <a:prstDash val="solid"/>
+                    </a:lnBlToTr>
+                  </a:tcPr>
+                </a:tc>
+                <a:tc>
+                  <a:txBody>
+                    <a:bodyPr/>
+                    <a:lstStyle/>
+                    <a:p>
+                      <a:pPr indent="127000" algn="ctr">
+                        <a:lnSpc>
+                          <a:spcPts val="2000"/>
+                        </a:lnSpc>
+                        <a:spcAft>
+                          <a:spcPts val="0"/>
+                        </a:spcAft>
+                      </a:pPr>
+                      <a:r>
+                        <a:rPr lang="en-US" sz="1400" kern="100" dirty="0" smtClean="0">
+                          <a:effectLst/>
+                          <a:latin typeface="黑体" panose="02010609060101010101" pitchFamily="49" charset="-122"/>
+                          <a:ea typeface="黑体" panose="02010609060101010101" pitchFamily="49" charset="-122"/>
+                          <a:cs typeface="Times New Roman" panose="02020603050405020304" pitchFamily="18" charset="0"/>
+                        </a:rPr>
+                        <a:t>30/60/90/120</a:t>
+                      </a:r>
+                      <a:endParaRPr lang="zh-CN" sz="1400" kern="100" dirty="0">
+                        <a:effectLst/>
+                        <a:latin typeface="黑体" panose="02010609060101010101" pitchFamily="49" charset="-122"/>
+                        <a:ea typeface="黑体" panose="02010609060101010101" pitchFamily="49" charset="-122"/>
+                        <a:cs typeface="Times New Roman" panose="02020603050405020304" pitchFamily="18" charset="0"/>
+                      </a:endParaRPr>
+                    </a:p>
+                  </a:txBody>
+                  <a:tcPr marL="68580" marR="68580" marT="0" marB="0" anchor="ctr">
+                    <a:lnL w="12700" cap="flat" cmpd="sng" algn="ctr">
+                      <a:solidFill>
+                        <a:schemeClr val="tx1"/>
+                      </a:solidFill>
+                      <a:prstDash val="solid"/>
+                      <a:round/>
+                      <a:headEnd type="none" w="med" len="med"/>
+                      <a:tailEnd type="none" w="med" len="med"/>
+                    </a:lnL>
+                    <a:lnR w="12700" cap="flat" cmpd="sng" algn="ctr">
+                      <a:solidFill>
+                        <a:schemeClr val="tx1"/>
+                      </a:solidFill>
+                      <a:prstDash val="solid"/>
+                      <a:round/>
+                      <a:headEnd type="none" w="med" len="med"/>
+                      <a:tailEnd type="none" w="med" len="med"/>
+                    </a:lnR>
+                    <a:lnT w="12700" cap="flat" cmpd="sng" algn="ctr">
+                      <a:solidFill>
+                        <a:schemeClr val="tx1"/>
+                      </a:solidFill>
+                      <a:prstDash val="solid"/>
+                      <a:round/>
+                      <a:headEnd type="none" w="med" len="med"/>
+                      <a:tailEnd type="none" w="med" len="med"/>
+                    </a:lnT>
+                    <a:lnB w="12700" cap="flat" cmpd="sng" algn="ctr">
+                      <a:solidFill>
+                        <a:schemeClr val="tx1"/>
+                      </a:solidFill>
+                      <a:prstDash val="solid"/>
+                      <a:round/>
+                      <a:headEnd type="none" w="med" len="med"/>
+                      <a:tailEnd type="none" w="med" len="med"/>
+                    </a:lnB>
+                    <a:lnTlToBr w="12700" cmpd="sng">
+                      <a:noFill/>
+                      <a:prstDash val="solid"/>
+                    </a:lnTlToBr>
+                    <a:lnBlToTr w="12700" cmpd="sng">
+                      <a:noFill/>
+                      <a:prstDash val="solid"/>
+                    </a:lnBlToTr>
+                  </a:tcPr>
+                </a:tc>
+                <a:tc>
+                  <a:txBody>
+                    <a:bodyPr/>
+                    <a:lstStyle/>
+                    <a:p>
+                      <a:pPr marL="0" marR="0" lvl="0" indent="127000" algn="ctr" defTabSz="914310" rtl="0" eaLnBrk="1" fontAlgn="auto" latinLnBrk="0" hangingPunct="1">
+                        <a:lnSpc>
+                          <a:spcPts val="2000"/>
+                        </a:lnSpc>
+                        <a:spcBef>
+                          <a:spcPts val="0"/>
+                        </a:spcBef>
+                        <a:spcAft>
+                          <a:spcPts val="0"/>
+                        </a:spcAft>
+                        <a:buClrTx/>
+                        <a:buSzTx/>
+                        <a:buFontTx/>
+                        <a:buNone/>
+                        <a:tabLst/>
+                        <a:defRPr/>
+                      </a:pPr>
+                      <a:r>
+                        <a:rPr lang="en-US" altLang="zh-CN" sz="1400" kern="100" dirty="0" smtClean="0">
+                          <a:effectLst/>
+                          <a:latin typeface="黑体" panose="02010609060101010101" pitchFamily="49" charset="-122"/>
+                          <a:ea typeface="黑体" panose="02010609060101010101" pitchFamily="49" charset="-122"/>
+                          <a:cs typeface="Times New Roman" panose="02020603050405020304" pitchFamily="18" charset="0"/>
+                        </a:rPr>
+                        <a:t>Waiting</a:t>
+                      </a:r>
+                      <a:endParaRPr lang="zh-CN" altLang="zh-CN" sz="1400" kern="100" dirty="0" smtClean="0">
+                        <a:effectLst/>
+                        <a:latin typeface="黑体" panose="02010609060101010101" pitchFamily="49" charset="-122"/>
+                        <a:ea typeface="黑体" panose="02010609060101010101" pitchFamily="49" charset="-122"/>
+                        <a:cs typeface="Times New Roman" panose="02020603050405020304" pitchFamily="18" charset="0"/>
+                      </a:endParaRPr>
+                    </a:p>
+                  </a:txBody>
+                  <a:tcPr marL="68580" marR="68580" marT="0" marB="0" anchor="ctr">
+                    <a:lnL w="12700" cap="flat" cmpd="sng" algn="ctr">
+                      <a:solidFill>
+                        <a:schemeClr val="tx1"/>
+                      </a:solidFill>
+                      <a:prstDash val="solid"/>
+                      <a:round/>
+                      <a:headEnd type="none" w="med" len="med"/>
+                      <a:tailEnd type="none" w="med" len="med"/>
+                    </a:lnL>
+                    <a:lnR w="12700" cap="flat" cmpd="sng" algn="ctr">
+                      <a:solidFill>
+                        <a:schemeClr val="tx1"/>
+                      </a:solidFill>
+                      <a:prstDash val="solid"/>
+                      <a:round/>
+                      <a:headEnd type="none" w="med" len="med"/>
+                      <a:tailEnd type="none" w="med" len="med"/>
+                    </a:lnR>
+                    <a:lnT w="12700" cap="flat" cmpd="sng" algn="ctr">
+                      <a:solidFill>
+                        <a:schemeClr val="tx1"/>
+                      </a:solidFill>
+                      <a:prstDash val="solid"/>
+                      <a:round/>
+                      <a:headEnd type="none" w="med" len="med"/>
+                      <a:tailEnd type="none" w="med" len="med"/>
+                    </a:lnT>
+                    <a:lnB w="12700" cap="flat" cmpd="sng" algn="ctr">
+                      <a:solidFill>
+                        <a:schemeClr val="tx1"/>
+                      </a:solidFill>
+                      <a:prstDash val="solid"/>
+                      <a:round/>
+                      <a:headEnd type="none" w="med" len="med"/>
+                      <a:tailEnd type="none" w="med" len="med"/>
+                    </a:lnB>
+                    <a:lnTlToBr w="12700" cmpd="sng">
+                      <a:noFill/>
+                      <a:prstDash val="solid"/>
+                    </a:lnTlToBr>
+                    <a:lnBlToTr w="12700" cmpd="sng">
+                      <a:noFill/>
+                      <a:prstDash val="solid"/>
+                    </a:lnBlToTr>
+                  </a:tcPr>
+                </a:tc>
+                <a:tc>
+                  <a:txBody>
+                    <a:bodyPr/>
+                    <a:lstStyle/>
+                    <a:p>
+                      <a:pPr indent="127000" algn="ctr">
+                        <a:lnSpc>
+                          <a:spcPts val="2000"/>
+                        </a:lnSpc>
+                        <a:spcAft>
+                          <a:spcPts val="0"/>
+                        </a:spcAft>
+                      </a:pPr>
+                      <a:r>
+                        <a:rPr lang="en-US" altLang="zh-CN" sz="1400" kern="100" dirty="0" smtClean="0">
+                          <a:effectLst/>
+                          <a:latin typeface="黑体" panose="02010609060101010101" pitchFamily="49" charset="-122"/>
+                          <a:ea typeface="黑体" panose="02010609060101010101" pitchFamily="49" charset="-122"/>
+                          <a:cs typeface="Times New Roman" panose="02020603050405020304" pitchFamily="18" charset="0"/>
+                        </a:rPr>
+                        <a:t>30/60/90/120</a:t>
+                      </a:r>
+                      <a:endParaRPr lang="zh-CN" sz="1400" kern="100" dirty="0">
+                        <a:effectLst/>
+                        <a:latin typeface="黑体" panose="02010609060101010101" pitchFamily="49" charset="-122"/>
+                        <a:ea typeface="黑体" panose="02010609060101010101" pitchFamily="49" charset="-122"/>
+                        <a:cs typeface="Times New Roman" panose="02020603050405020304" pitchFamily="18" charset="0"/>
+                      </a:endParaRPr>
+                    </a:p>
+                  </a:txBody>
+                  <a:tcPr marL="68580" marR="68580" marT="0" marB="0" anchor="ctr">
+                    <a:lnL w="12700" cap="flat" cmpd="sng" algn="ctr">
+                      <a:solidFill>
+                        <a:schemeClr val="tx1"/>
+                      </a:solidFill>
+                      <a:prstDash val="solid"/>
+                      <a:round/>
+                      <a:headEnd type="none" w="med" len="med"/>
+                      <a:tailEnd type="none" w="med" len="med"/>
+                    </a:lnL>
+                    <a:lnR w="12700" cap="flat" cmpd="sng" algn="ctr">
+                      <a:solidFill>
+                        <a:schemeClr val="tx1"/>
+                      </a:solidFill>
+                      <a:prstDash val="solid"/>
+                      <a:round/>
+                      <a:headEnd type="none" w="med" len="med"/>
+                      <a:tailEnd type="none" w="med" len="med"/>
+                    </a:lnR>
+                    <a:lnT w="12700" cap="flat" cmpd="sng" algn="ctr">
+                      <a:solidFill>
+                        <a:schemeClr val="tx1"/>
+                      </a:solidFill>
+                      <a:prstDash val="solid"/>
+                      <a:round/>
+                      <a:headEnd type="none" w="med" len="med"/>
+                      <a:tailEnd type="none" w="med" len="med"/>
+                    </a:lnT>
+                    <a:lnB w="12700" cap="flat" cmpd="sng" algn="ctr">
+                      <a:solidFill>
+                        <a:schemeClr val="tx1"/>
+                      </a:solidFill>
+                      <a:prstDash val="solid"/>
+                      <a:round/>
+                      <a:headEnd type="none" w="med" len="med"/>
+                      <a:tailEnd type="none" w="med" len="med"/>
+                    </a:lnB>
+                    <a:lnTlToBr w="12700" cmpd="sng">
+                      <a:noFill/>
+                      <a:prstDash val="solid"/>
+                    </a:lnTlToBr>
+                    <a:lnBlToTr w="12700" cmpd="sng">
+                      <a:noFill/>
+                      <a:prstDash val="solid"/>
+                    </a:lnBlToTr>
+                  </a:tcPr>
+                </a:tc>
+                <a:extLst>
+                  <a:ext uri="{0D108BD9-81ED-4DB2-BD59-A6C34878D82A}">
+                    <a16:rowId xmlns:a16="http://schemas.microsoft.com/office/drawing/2014/main" val="1956270320"/>
+                  </a:ext>
+                </a:extLst>
+              </a:tr>
+            </a:tbl>
+          </a:graphicData>
+        </a:graphic>
+      </p:graphicFrame>
+      <p:sp>
+        <p:nvSpPr>
+          <p:cNvPr id="15" name="文本框 14"/>
+          <p:cNvSpPr txBox="1"/>
+          <p:nvPr/>
+        </p:nvSpPr>
+        <p:spPr>
+          <a:xfrm>
+            <a:off x="9534901" y="6434953"/>
+            <a:ext cx="971099" cy="276999"/>
+          </a:xfrm>
+          <a:prstGeom prst="rect">
+            <a:avLst/>
+          </a:prstGeom>
+          <a:noFill/>
+        </p:spPr>
+        <p:txBody>
+          <a:bodyPr wrap="square" rtlCol="0">
+            <a:spAutoFit/>
+          </a:bodyPr>
+          <a:lstStyle/>
+          <a:p>
+            <a:r>
+              <a:rPr lang="en-US" altLang="zh-CN" sz="1200" b="1" dirty="0" smtClean="0">
+                <a:latin typeface="黑体" panose="02010609060101010101" pitchFamily="49" charset="-122"/>
+                <a:ea typeface="黑体" panose="02010609060101010101" pitchFamily="49" charset="-122"/>
+              </a:rPr>
+              <a:t>(Unit : kW)</a:t>
+            </a:r>
+            <a:endParaRPr lang="zh-CN" altLang="en-US" sz="1200" b="1" dirty="0">
+              <a:latin typeface="黑体" panose="02010609060101010101" pitchFamily="49" charset="-122"/>
+              <a:ea typeface="黑体" panose="02010609060101010101" pitchFamily="49" charset="-122"/>
+            </a:endParaRPr>
+          </a:p>
+        </p:txBody>
+      </p:sp>
+    </p:spTree>
+    <p:extLst>
+      <p:ext uri="{BB962C8B-B14F-4D97-AF65-F5344CB8AC3E}">
+        <p14:creationId xmlns:p14="http://schemas.microsoft.com/office/powerpoint/2010/main" val="967346727"/>
       </p:ext>
     </p:extLst>
   </p:cSld>
@@ -12305,98 +12340,6 @@
           </a:prstGeom>
         </p:spPr>
       </p:pic>
-      <p:sp>
-        <p:nvSpPr>
-          <p:cNvPr id="7" name="矩形 6"/>
-          <p:cNvSpPr/>
-          <p:nvPr/>
-        </p:nvSpPr>
-        <p:spPr>
-          <a:xfrm>
-            <a:off x="5286000" y="2793111"/>
-            <a:ext cx="1125000" cy="1085888"/>
-          </a:xfrm>
-          <a:prstGeom prst="rect">
-            <a:avLst/>
-          </a:prstGeom>
-          <a:solidFill>
-            <a:srgbClr val="E6F0F9"/>
-          </a:solidFill>
-          <a:ln>
-            <a:noFill/>
-          </a:ln>
-        </p:spPr>
-        <p:style>
-          <a:lnRef idx="2">
-            <a:schemeClr val="accent1">
-              <a:shade val="50000"/>
-            </a:schemeClr>
-          </a:lnRef>
-          <a:fillRef idx="1">
-            <a:schemeClr val="accent1"/>
-          </a:fillRef>
-          <a:effectRef idx="0">
-            <a:schemeClr val="accent1"/>
-          </a:effectRef>
-          <a:fontRef idx="minor">
-            <a:schemeClr val="lt1"/>
-          </a:fontRef>
-        </p:style>
-        <p:txBody>
-          <a:bodyPr rtlCol="0" anchor="ctr"/>
-          <a:lstStyle/>
-          <a:p>
-            <a:pPr algn="ctr"/>
-            <a:endParaRPr lang="zh-CN" altLang="en-US"/>
-          </a:p>
-        </p:txBody>
-      </p:sp>
-      <p:sp>
-        <p:nvSpPr>
-          <p:cNvPr id="8" name="矩形 7"/>
-          <p:cNvSpPr/>
-          <p:nvPr/>
-        </p:nvSpPr>
-        <p:spPr>
-          <a:xfrm>
-            <a:off x="6433200" y="3336055"/>
-            <a:ext cx="216000" cy="223693"/>
-          </a:xfrm>
-          <a:prstGeom prst="rect">
-            <a:avLst/>
-          </a:prstGeom>
-          <a:solidFill>
-            <a:srgbClr val="E6F0F9"/>
-          </a:solidFill>
-          <a:ln>
-            <a:noFill/>
-          </a:ln>
-        </p:spPr>
-        <p:style>
-          <a:lnRef idx="2">
-            <a:schemeClr val="accent1">
-              <a:shade val="50000"/>
-            </a:schemeClr>
-          </a:lnRef>
-          <a:fillRef idx="1">
-            <a:schemeClr val="accent1"/>
-          </a:fillRef>
-          <a:effectRef idx="0">
-            <a:schemeClr val="accent1"/>
-          </a:effectRef>
-          <a:fontRef idx="minor">
-            <a:schemeClr val="lt1"/>
-          </a:fontRef>
-        </p:style>
-        <p:txBody>
-          <a:bodyPr rtlCol="0" anchor="ctr"/>
-          <a:lstStyle/>
-          <a:p>
-            <a:pPr algn="ctr"/>
-            <a:endParaRPr lang="zh-CN" altLang="en-US"/>
-          </a:p>
-        </p:txBody>
-      </p:sp>
     </p:spTree>
     <p:extLst>
       <p:ext uri="{BB962C8B-B14F-4D97-AF65-F5344CB8AC3E}">
